--- a/Project/Report/Presentation1 copy.pptx
+++ b/Project/Report/Presentation1 copy.pptx
@@ -17,6 +17,8 @@
     <p:sldId id="270" r:id="rId11"/>
     <p:sldId id="266" r:id="rId12"/>
     <p:sldId id="267" r:id="rId13"/>
+    <p:sldId id="271" r:id="rId14"/>
+    <p:sldId id="272" r:id="rId15"/>
   </p:sldIdLst>
   <p:sldSz cx="12192000" cy="6858000"/>
   <p:notesSz cx="6858000" cy="9144000"/>
@@ -270,7 +272,7 @@
           <a:p>
             <a:fld id="{7E3CF419-5A02-7343-AB86-E833DAAF76A0}" type="datetimeFigureOut">
               <a:rPr lang="en-US" smtClean="0"/>
-              <a:t>12/9/21</a:t>
+              <a:t>12/22/21</a:t>
             </a:fld>
             <a:endParaRPr lang="en-US"/>
           </a:p>
@@ -468,7 +470,7 @@
           <a:p>
             <a:fld id="{7E3CF419-5A02-7343-AB86-E833DAAF76A0}" type="datetimeFigureOut">
               <a:rPr lang="en-US" smtClean="0"/>
-              <a:t>12/9/21</a:t>
+              <a:t>12/22/21</a:t>
             </a:fld>
             <a:endParaRPr lang="en-US"/>
           </a:p>
@@ -676,7 +678,7 @@
           <a:p>
             <a:fld id="{7E3CF419-5A02-7343-AB86-E833DAAF76A0}" type="datetimeFigureOut">
               <a:rPr lang="en-US" smtClean="0"/>
-              <a:t>12/9/21</a:t>
+              <a:t>12/22/21</a:t>
             </a:fld>
             <a:endParaRPr lang="en-US"/>
           </a:p>
@@ -874,7 +876,7 @@
           <a:p>
             <a:fld id="{7E3CF419-5A02-7343-AB86-E833DAAF76A0}" type="datetimeFigureOut">
               <a:rPr lang="en-US" smtClean="0"/>
-              <a:t>12/9/21</a:t>
+              <a:t>12/22/21</a:t>
             </a:fld>
             <a:endParaRPr lang="en-US"/>
           </a:p>
@@ -1149,7 +1151,7 @@
           <a:p>
             <a:fld id="{7E3CF419-5A02-7343-AB86-E833DAAF76A0}" type="datetimeFigureOut">
               <a:rPr lang="en-US" smtClean="0"/>
-              <a:t>12/9/21</a:t>
+              <a:t>12/22/21</a:t>
             </a:fld>
             <a:endParaRPr lang="en-US"/>
           </a:p>
@@ -1414,7 +1416,7 @@
           <a:p>
             <a:fld id="{7E3CF419-5A02-7343-AB86-E833DAAF76A0}" type="datetimeFigureOut">
               <a:rPr lang="en-US" smtClean="0"/>
-              <a:t>12/9/21</a:t>
+              <a:t>12/22/21</a:t>
             </a:fld>
             <a:endParaRPr lang="en-US"/>
           </a:p>
@@ -1826,7 +1828,7 @@
           <a:p>
             <a:fld id="{7E3CF419-5A02-7343-AB86-E833DAAF76A0}" type="datetimeFigureOut">
               <a:rPr lang="en-US" smtClean="0"/>
-              <a:t>12/9/21</a:t>
+              <a:t>12/22/21</a:t>
             </a:fld>
             <a:endParaRPr lang="en-US"/>
           </a:p>
@@ -1967,7 +1969,7 @@
           <a:p>
             <a:fld id="{7E3CF419-5A02-7343-AB86-E833DAAF76A0}" type="datetimeFigureOut">
               <a:rPr lang="en-US" smtClean="0"/>
-              <a:t>12/9/21</a:t>
+              <a:t>12/22/21</a:t>
             </a:fld>
             <a:endParaRPr lang="en-US"/>
           </a:p>
@@ -2080,7 +2082,7 @@
           <a:p>
             <a:fld id="{7E3CF419-5A02-7343-AB86-E833DAAF76A0}" type="datetimeFigureOut">
               <a:rPr lang="en-US" smtClean="0"/>
-              <a:t>12/9/21</a:t>
+              <a:t>12/22/21</a:t>
             </a:fld>
             <a:endParaRPr lang="en-US"/>
           </a:p>
@@ -2391,7 +2393,7 @@
           <a:p>
             <a:fld id="{7E3CF419-5A02-7343-AB86-E833DAAF76A0}" type="datetimeFigureOut">
               <a:rPr lang="en-US" smtClean="0"/>
-              <a:t>12/9/21</a:t>
+              <a:t>12/22/21</a:t>
             </a:fld>
             <a:endParaRPr lang="en-US"/>
           </a:p>
@@ -2679,7 +2681,7 @@
           <a:p>
             <a:fld id="{7E3CF419-5A02-7343-AB86-E833DAAF76A0}" type="datetimeFigureOut">
               <a:rPr lang="en-US" smtClean="0"/>
-              <a:t>12/9/21</a:t>
+              <a:t>12/22/21</a:t>
             </a:fld>
             <a:endParaRPr lang="en-US"/>
           </a:p>
@@ -2920,7 +2922,7 @@
           <a:p>
             <a:fld id="{7E3CF419-5A02-7343-AB86-E833DAAF76A0}" type="datetimeFigureOut">
               <a:rPr lang="en-US" smtClean="0"/>
-              <a:t>12/9/21</a:t>
+              <a:t>12/22/21</a:t>
             </a:fld>
             <a:endParaRPr lang="en-US"/>
           </a:p>
@@ -3477,8 +3479,8 @@
             <a:chExt cx="2577935" cy="4969256"/>
           </a:xfrm>
         </p:grpSpPr>
-        <mc:AlternateContent xmlns:mc="http://schemas.openxmlformats.org/markup-compatibility/2006">
-          <mc:Choice xmlns:a14="http://schemas.microsoft.com/office/drawing/2010/main" Requires="a14">
+        <mc:AlternateContent xmlns:mc="http://schemas.openxmlformats.org/markup-compatibility/2006" xmlns:a14="http://schemas.microsoft.com/office/drawing/2010/main">
+          <mc:Choice Requires="a14">
             <p:sp>
               <p:nvSpPr>
                 <p:cNvPr id="5" name="Rounded Rectangle 4">
@@ -3620,7 +3622,7 @@
               </p:txBody>
             </p:sp>
           </mc:Choice>
-          <mc:Fallback>
+          <mc:Fallback xmlns="">
             <p:sp>
               <p:nvSpPr>
                 <p:cNvPr id="5" name="Rounded Rectangle 4">
@@ -3714,8 +3716,8 @@
             </a:fontRef>
           </p:style>
         </p:cxnSp>
-        <mc:AlternateContent xmlns:mc="http://schemas.openxmlformats.org/markup-compatibility/2006">
-          <mc:Choice xmlns:a14="http://schemas.microsoft.com/office/drawing/2010/main" Requires="a14">
+        <mc:AlternateContent xmlns:mc="http://schemas.openxmlformats.org/markup-compatibility/2006" xmlns:a14="http://schemas.microsoft.com/office/drawing/2010/main">
+          <mc:Choice Requires="a14">
             <p:sp>
               <p:nvSpPr>
                 <p:cNvPr id="7" name="TextBox 6">
@@ -3744,6 +3746,7 @@
                 </a:bodyPr>
                 <a:lstStyle/>
                 <a:p>
+                  <a:pPr/>
                   <a14:m>
                     <m:oMathPara xmlns:m="http://schemas.openxmlformats.org/officeDocument/2006/math">
                       <m:oMathParaPr>
@@ -4036,7 +4039,7 @@
               </p:txBody>
             </p:sp>
           </mc:Choice>
-          <mc:Fallback>
+          <mc:Fallback xmlns="">
             <p:sp>
               <p:nvSpPr>
                 <p:cNvPr id="7" name="TextBox 6">
@@ -4125,8 +4128,8 @@
             </a:fontRef>
           </p:style>
         </p:cxnSp>
-        <mc:AlternateContent xmlns:mc="http://schemas.openxmlformats.org/markup-compatibility/2006">
-          <mc:Choice xmlns:a14="http://schemas.microsoft.com/office/drawing/2010/main" Requires="a14">
+        <mc:AlternateContent xmlns:mc="http://schemas.openxmlformats.org/markup-compatibility/2006" xmlns:a14="http://schemas.microsoft.com/office/drawing/2010/main">
+          <mc:Choice Requires="a14">
             <p:sp>
               <p:nvSpPr>
                 <p:cNvPr id="9" name="TextBox 8">
@@ -4155,6 +4158,7 @@
                 </a:bodyPr>
                 <a:lstStyle/>
                 <a:p>
+                  <a:pPr/>
                   <a14:m>
                     <m:oMathPara xmlns:m="http://schemas.openxmlformats.org/officeDocument/2006/math">
                       <m:oMathParaPr>
@@ -4324,7 +4328,7 @@
               </p:txBody>
             </p:sp>
           </mc:Choice>
-          <mc:Fallback>
+          <mc:Fallback xmlns="">
             <p:sp>
               <p:nvSpPr>
                 <p:cNvPr id="9" name="TextBox 8">
@@ -4432,8 +4436,8 @@
             <a:chExt cx="5211642" cy="5110768"/>
           </a:xfrm>
         </p:grpSpPr>
-        <mc:AlternateContent xmlns:mc="http://schemas.openxmlformats.org/markup-compatibility/2006">
-          <mc:Choice xmlns:a14="http://schemas.microsoft.com/office/drawing/2010/main" Requires="a14">
+        <mc:AlternateContent xmlns:mc="http://schemas.openxmlformats.org/markup-compatibility/2006" xmlns:a14="http://schemas.microsoft.com/office/drawing/2010/main">
+          <mc:Choice Requires="a14">
             <p:sp>
               <p:nvSpPr>
                 <p:cNvPr id="12" name="Rounded Rectangle 11">
@@ -4604,7 +4608,7 @@
               </p:txBody>
             </p:sp>
           </mc:Choice>
-          <mc:Fallback>
+          <mc:Fallback xmlns="">
             <p:sp>
               <p:nvSpPr>
                 <p:cNvPr id="12" name="Rounded Rectangle 11">
@@ -4654,8 +4658,8 @@
             </p:sp>
           </mc:Fallback>
         </mc:AlternateContent>
-        <mc:AlternateContent xmlns:mc="http://schemas.openxmlformats.org/markup-compatibility/2006">
-          <mc:Choice xmlns:a14="http://schemas.microsoft.com/office/drawing/2010/main" Requires="a14">
+        <mc:AlternateContent xmlns:mc="http://schemas.openxmlformats.org/markup-compatibility/2006" xmlns:a14="http://schemas.microsoft.com/office/drawing/2010/main">
+          <mc:Choice Requires="a14">
             <p:sp>
               <p:nvSpPr>
                 <p:cNvPr id="13" name="Rounded Rectangle 12">
@@ -4826,7 +4830,7 @@
               </p:txBody>
             </p:sp>
           </mc:Choice>
-          <mc:Fallback>
+          <mc:Fallback xmlns="">
             <p:sp>
               <p:nvSpPr>
                 <p:cNvPr id="13" name="Rounded Rectangle 12">
@@ -4876,8 +4880,8 @@
             </p:sp>
           </mc:Fallback>
         </mc:AlternateContent>
-        <mc:AlternateContent xmlns:mc="http://schemas.openxmlformats.org/markup-compatibility/2006">
-          <mc:Choice xmlns:a14="http://schemas.microsoft.com/office/drawing/2010/main" Requires="a14">
+        <mc:AlternateContent xmlns:mc="http://schemas.openxmlformats.org/markup-compatibility/2006" xmlns:a14="http://schemas.microsoft.com/office/drawing/2010/main">
+          <mc:Choice Requires="a14">
             <p:sp>
               <p:nvSpPr>
                 <p:cNvPr id="15" name="Rounded Rectangle 14">
@@ -5030,7 +5034,7 @@
               </p:txBody>
             </p:sp>
           </mc:Choice>
-          <mc:Fallback>
+          <mc:Fallback xmlns="">
             <p:sp>
               <p:nvSpPr>
                 <p:cNvPr id="15" name="Rounded Rectangle 14">
@@ -5132,8 +5136,8 @@
             </a:p>
           </p:txBody>
         </p:sp>
-        <mc:AlternateContent xmlns:mc="http://schemas.openxmlformats.org/markup-compatibility/2006">
-          <mc:Choice xmlns:a14="http://schemas.microsoft.com/office/drawing/2010/main" Requires="a14">
+        <mc:AlternateContent xmlns:mc="http://schemas.openxmlformats.org/markup-compatibility/2006" xmlns:a14="http://schemas.microsoft.com/office/drawing/2010/main">
+          <mc:Choice Requires="a14">
             <p:sp>
               <p:nvSpPr>
                 <p:cNvPr id="17" name="TextBox 16">
@@ -5162,6 +5166,7 @@
                 </a:bodyPr>
                 <a:lstStyle/>
                 <a:p>
+                  <a:pPr/>
                   <a14:m>
                     <m:oMathPara xmlns:m="http://schemas.openxmlformats.org/officeDocument/2006/math">
                       <m:oMathParaPr>
@@ -5209,7 +5214,7 @@
               </p:txBody>
             </p:sp>
           </mc:Choice>
-          <mc:Fallback>
+          <mc:Fallback xmlns="">
             <p:sp>
               <p:nvSpPr>
                 <p:cNvPr id="17" name="TextBox 16">
@@ -5342,8 +5347,8 @@
             </a:fontRef>
           </p:style>
         </p:cxnSp>
-        <mc:AlternateContent xmlns:mc="http://schemas.openxmlformats.org/markup-compatibility/2006">
-          <mc:Choice xmlns:a14="http://schemas.microsoft.com/office/drawing/2010/main" Requires="a14">
+        <mc:AlternateContent xmlns:mc="http://schemas.openxmlformats.org/markup-compatibility/2006" xmlns:a14="http://schemas.microsoft.com/office/drawing/2010/main">
+          <mc:Choice Requires="a14">
             <p:sp>
               <p:nvSpPr>
                 <p:cNvPr id="23" name="TextBox 22">
@@ -5372,6 +5377,7 @@
                 </a:bodyPr>
                 <a:lstStyle/>
                 <a:p>
+                  <a:pPr/>
                   <a14:m>
                     <m:oMathPara xmlns:m="http://schemas.openxmlformats.org/officeDocument/2006/math">
                       <m:oMathParaPr>
@@ -5514,7 +5520,7 @@
               </p:txBody>
             </p:sp>
           </mc:Choice>
-          <mc:Fallback>
+          <mc:Fallback xmlns="">
             <p:sp>
               <p:nvSpPr>
                 <p:cNvPr id="23" name="TextBox 22">
@@ -5559,8 +5565,8 @@
             </p:sp>
           </mc:Fallback>
         </mc:AlternateContent>
-        <mc:AlternateContent xmlns:mc="http://schemas.openxmlformats.org/markup-compatibility/2006">
-          <mc:Choice xmlns:a14="http://schemas.microsoft.com/office/drawing/2010/main" Requires="a14">
+        <mc:AlternateContent xmlns:mc="http://schemas.openxmlformats.org/markup-compatibility/2006" xmlns:a14="http://schemas.microsoft.com/office/drawing/2010/main">
+          <mc:Choice Requires="a14">
             <p:sp>
               <p:nvSpPr>
                 <p:cNvPr id="24" name="TextBox 23">
@@ -5589,6 +5595,7 @@
                 </a:bodyPr>
                 <a:lstStyle/>
                 <a:p>
+                  <a:pPr/>
                   <a14:m>
                     <m:oMathPara xmlns:m="http://schemas.openxmlformats.org/officeDocument/2006/math">
                       <m:oMathParaPr>
@@ -5698,7 +5705,7 @@
               </p:txBody>
             </p:sp>
           </mc:Choice>
-          <mc:Fallback>
+          <mc:Fallback xmlns="">
             <p:sp>
               <p:nvSpPr>
                 <p:cNvPr id="24" name="TextBox 23">
@@ -5744,8 +5751,8 @@
           </mc:Fallback>
         </mc:AlternateContent>
       </p:grpSp>
-      <mc:AlternateContent xmlns:mc="http://schemas.openxmlformats.org/markup-compatibility/2006">
-        <mc:Choice xmlns:a14="http://schemas.microsoft.com/office/drawing/2010/main" Requires="a14">
+      <mc:AlternateContent xmlns:mc="http://schemas.openxmlformats.org/markup-compatibility/2006" xmlns:a14="http://schemas.microsoft.com/office/drawing/2010/main">
+        <mc:Choice Requires="a14">
           <p:sp>
             <p:nvSpPr>
               <p:cNvPr id="18" name="Rounded Rectangle 17">
@@ -5817,7 +5824,7 @@
             </p:txBody>
           </p:sp>
         </mc:Choice>
-        <mc:Fallback>
+        <mc:Fallback xmlns="">
           <p:sp>
             <p:nvSpPr>
               <p:cNvPr id="18" name="Rounded Rectangle 17">
@@ -6128,8 +6135,8 @@
           </a:fontRef>
         </p:style>
       </p:cxnSp>
-      <mc:AlternateContent xmlns:mc="http://schemas.openxmlformats.org/markup-compatibility/2006">
-        <mc:Choice xmlns:a14="http://schemas.microsoft.com/office/drawing/2010/main" Requires="a14">
+      <mc:AlternateContent xmlns:mc="http://schemas.openxmlformats.org/markup-compatibility/2006" xmlns:a14="http://schemas.microsoft.com/office/drawing/2010/main">
+        <mc:Choice Requires="a14">
           <p:sp>
             <p:nvSpPr>
               <p:cNvPr id="44" name="TextBox 43">
@@ -6158,6 +6165,7 @@
               </a:bodyPr>
               <a:lstStyle/>
               <a:p>
+                <a:pPr/>
                 <a14:m>
                   <m:oMathPara xmlns:m="http://schemas.openxmlformats.org/officeDocument/2006/math">
                     <m:oMathParaPr>
@@ -6231,7 +6239,7 @@
             </p:txBody>
           </p:sp>
         </mc:Choice>
-        <mc:Fallback>
+        <mc:Fallback xmlns="">
           <p:sp>
             <p:nvSpPr>
               <p:cNvPr id="44" name="TextBox 43">
@@ -6276,8 +6284,8 @@
           </p:sp>
         </mc:Fallback>
       </mc:AlternateContent>
-      <mc:AlternateContent xmlns:mc="http://schemas.openxmlformats.org/markup-compatibility/2006">
-        <mc:Choice xmlns:a14="http://schemas.microsoft.com/office/drawing/2010/main" Requires="a14">
+      <mc:AlternateContent xmlns:mc="http://schemas.openxmlformats.org/markup-compatibility/2006" xmlns:a14="http://schemas.microsoft.com/office/drawing/2010/main">
+        <mc:Choice Requires="a14">
           <p:sp>
             <p:nvSpPr>
               <p:cNvPr id="45" name="TextBox 44">
@@ -6306,6 +6314,7 @@
               </a:bodyPr>
               <a:lstStyle/>
               <a:p>
+                <a:pPr/>
                 <a14:m>
                   <m:oMathPara xmlns:m="http://schemas.openxmlformats.org/officeDocument/2006/math">
                     <m:oMathParaPr>
@@ -6379,7 +6388,7 @@
             </p:txBody>
           </p:sp>
         </mc:Choice>
-        <mc:Fallback>
+        <mc:Fallback xmlns="">
           <p:sp>
             <p:nvSpPr>
               <p:cNvPr id="45" name="TextBox 44">
@@ -6482,8 +6491,8 @@
           </a:p>
         </p:txBody>
       </p:sp>
-      <mc:AlternateContent xmlns:mc="http://schemas.openxmlformats.org/markup-compatibility/2006">
-        <mc:Choice xmlns:a14="http://schemas.microsoft.com/office/drawing/2010/main" Requires="a14">
+      <mc:AlternateContent xmlns:mc="http://schemas.openxmlformats.org/markup-compatibility/2006" xmlns:a14="http://schemas.microsoft.com/office/drawing/2010/main">
+        <mc:Choice Requires="a14">
           <p:sp>
             <p:nvSpPr>
               <p:cNvPr id="3" name="Content Placeholder 2">
@@ -7368,7 +7377,13 @@
                             <a:rPr lang="en-US" b="0" i="1" smtClean="0">
                               <a:latin typeface="Cambria Math" panose="02040503050406030204" pitchFamily="18" charset="0"/>
                             </a:rPr>
-                            <m:t>, </m:t>
+                            <m:t>,</m:t>
+                          </m:r>
+                          <m:r>
+                            <a:rPr lang="en-US" b="0" i="1" smtClean="0">
+                              <a:latin typeface="Cambria Math" panose="02040503050406030204" pitchFamily="18" charset="0"/>
+                            </a:rPr>
+                            <m:t> </m:t>
                           </m:r>
                           <m:sSub>
                             <m:sSubPr>
@@ -7475,7 +7490,7 @@
             </p:txBody>
           </p:sp>
         </mc:Choice>
-        <mc:Fallback>
+        <mc:Fallback xmlns="">
           <p:sp>
             <p:nvSpPr>
               <p:cNvPr id="3" name="Content Placeholder 2">
@@ -7701,6 +7716,4061 @@
     <p:extLst>
       <p:ext uri="{BB962C8B-B14F-4D97-AF65-F5344CB8AC3E}">
         <p14:creationId xmlns:p14="http://schemas.microsoft.com/office/powerpoint/2010/main" val="3330377196"/>
+      </p:ext>
+    </p:extLst>
+  </p:cSld>
+  <p:clrMapOvr>
+    <a:masterClrMapping/>
+  </p:clrMapOvr>
+</p:sld>
+</file>
+
+<file path=ppt/slides/slide13.xml><?xml version="1.0" encoding="utf-8"?>
+<p:sld xmlns:a="http://schemas.openxmlformats.org/drawingml/2006/main" xmlns:r="http://schemas.openxmlformats.org/officeDocument/2006/relationships" xmlns:p="http://schemas.openxmlformats.org/presentationml/2006/main">
+  <p:cSld>
+    <p:spTree>
+      <p:nvGrpSpPr>
+        <p:cNvPr id="1" name=""/>
+        <p:cNvGrpSpPr/>
+        <p:nvPr/>
+      </p:nvGrpSpPr>
+      <p:grpSpPr>
+        <a:xfrm>
+          <a:off x="0" y="0"/>
+          <a:ext cx="0" cy="0"/>
+          <a:chOff x="0" y="0"/>
+          <a:chExt cx="0" cy="0"/>
+        </a:xfrm>
+      </p:grpSpPr>
+      <p:sp>
+        <p:nvSpPr>
+          <p:cNvPr id="2" name="Title 1">
+            <a:extLst>
+              <a:ext uri="{FF2B5EF4-FFF2-40B4-BE49-F238E27FC236}">
+                <a16:creationId xmlns:a16="http://schemas.microsoft.com/office/drawing/2014/main" id="{7F333547-5B61-3748-A900-B17BCA2CDEF8}"/>
+              </a:ext>
+            </a:extLst>
+          </p:cNvPr>
+          <p:cNvSpPr>
+            <a:spLocks noGrp="1"/>
+          </p:cNvSpPr>
+          <p:nvPr>
+            <p:ph type="title"/>
+          </p:nvPr>
+        </p:nvSpPr>
+        <p:spPr/>
+        <p:txBody>
+          <a:bodyPr/>
+          <a:lstStyle/>
+          <a:p>
+            <a:endParaRPr lang="en-US" dirty="0"/>
+          </a:p>
+        </p:txBody>
+      </p:sp>
+      <p:sp>
+        <p:nvSpPr>
+          <p:cNvPr id="3" name="Content Placeholder 2">
+            <a:extLst>
+              <a:ext uri="{FF2B5EF4-FFF2-40B4-BE49-F238E27FC236}">
+                <a16:creationId xmlns:a16="http://schemas.microsoft.com/office/drawing/2014/main" id="{4C3DDFFC-986D-BE44-A4C8-12671088ADE9}"/>
+              </a:ext>
+            </a:extLst>
+          </p:cNvPr>
+          <p:cNvSpPr>
+            <a:spLocks noGrp="1"/>
+          </p:cNvSpPr>
+          <p:nvPr>
+            <p:ph idx="1"/>
+          </p:nvPr>
+        </p:nvSpPr>
+        <p:spPr/>
+        <p:txBody>
+          <a:bodyPr/>
+          <a:lstStyle/>
+          <a:p>
+            <a:endParaRPr lang="en-US"/>
+          </a:p>
+        </p:txBody>
+      </p:sp>
+    </p:spTree>
+    <p:extLst>
+      <p:ext uri="{BB962C8B-B14F-4D97-AF65-F5344CB8AC3E}">
+        <p14:creationId xmlns:p14="http://schemas.microsoft.com/office/powerpoint/2010/main" val="3972272353"/>
+      </p:ext>
+    </p:extLst>
+  </p:cSld>
+  <p:clrMapOvr>
+    <a:masterClrMapping/>
+  </p:clrMapOvr>
+</p:sld>
+</file>
+
+<file path=ppt/slides/slide14.xml><?xml version="1.0" encoding="utf-8"?>
+<p:sld xmlns:a="http://schemas.openxmlformats.org/drawingml/2006/main" xmlns:r="http://schemas.openxmlformats.org/officeDocument/2006/relationships" xmlns:p="http://schemas.openxmlformats.org/presentationml/2006/main">
+  <p:cSld>
+    <p:spTree>
+      <p:nvGrpSpPr>
+        <p:cNvPr id="1" name=""/>
+        <p:cNvGrpSpPr/>
+        <p:nvPr/>
+      </p:nvGrpSpPr>
+      <p:grpSpPr>
+        <a:xfrm>
+          <a:off x="0" y="0"/>
+          <a:ext cx="0" cy="0"/>
+          <a:chOff x="0" y="0"/>
+          <a:chExt cx="0" cy="0"/>
+        </a:xfrm>
+      </p:grpSpPr>
+      <p:grpSp>
+        <p:nvGrpSpPr>
+          <p:cNvPr id="116" name="Group 115">
+            <a:extLst>
+              <a:ext uri="{FF2B5EF4-FFF2-40B4-BE49-F238E27FC236}">
+                <a16:creationId xmlns:a16="http://schemas.microsoft.com/office/drawing/2014/main" id="{D836A9D6-2A1B-874E-8223-0322A47D5C3B}"/>
+              </a:ext>
+            </a:extLst>
+          </p:cNvPr>
+          <p:cNvGrpSpPr/>
+          <p:nvPr/>
+        </p:nvGrpSpPr>
+        <p:grpSpPr>
+          <a:xfrm>
+            <a:off x="493517" y="87525"/>
+            <a:ext cx="11414947" cy="6566591"/>
+            <a:chOff x="493517" y="87525"/>
+            <a:chExt cx="11414947" cy="6566591"/>
+          </a:xfrm>
+        </p:grpSpPr>
+        <p:sp>
+          <p:nvSpPr>
+            <p:cNvPr id="113" name="Rounded Rectangle 112">
+              <a:extLst>
+                <a:ext uri="{FF2B5EF4-FFF2-40B4-BE49-F238E27FC236}">
+                  <a16:creationId xmlns:a16="http://schemas.microsoft.com/office/drawing/2014/main" id="{1024C8CF-08A3-424B-A99F-CB05E27D153E}"/>
+                </a:ext>
+              </a:extLst>
+            </p:cNvPr>
+            <p:cNvSpPr/>
+            <p:nvPr/>
+          </p:nvSpPr>
+          <p:spPr>
+            <a:xfrm>
+              <a:off x="525412" y="1869754"/>
+              <a:ext cx="914606" cy="594046"/>
+            </a:xfrm>
+            <a:prstGeom prst="roundRect">
+              <a:avLst/>
+            </a:prstGeom>
+            <a:solidFill>
+              <a:schemeClr val="accent2">
+                <a:lumMod val="60000"/>
+                <a:lumOff val="40000"/>
+              </a:schemeClr>
+            </a:solidFill>
+            <a:ln w="31750">
+              <a:solidFill>
+                <a:schemeClr val="tx1"/>
+              </a:solidFill>
+            </a:ln>
+          </p:spPr>
+          <p:style>
+            <a:lnRef idx="2">
+              <a:schemeClr val="accent1">
+                <a:shade val="50000"/>
+              </a:schemeClr>
+            </a:lnRef>
+            <a:fillRef idx="1">
+              <a:schemeClr val="accent1"/>
+            </a:fillRef>
+            <a:effectRef idx="0">
+              <a:schemeClr val="accent1"/>
+            </a:effectRef>
+            <a:fontRef idx="minor">
+              <a:schemeClr val="lt1"/>
+            </a:fontRef>
+          </p:style>
+          <p:txBody>
+            <a:bodyPr rtlCol="0" anchor="ctr"/>
+            <a:lstStyle/>
+            <a:p>
+              <a:pPr algn="ctr"/>
+              <a:endParaRPr lang="en-US"/>
+            </a:p>
+          </p:txBody>
+        </p:sp>
+        <p:sp>
+          <p:nvSpPr>
+            <p:cNvPr id="107" name="Rounded Rectangle 106">
+              <a:extLst>
+                <a:ext uri="{FF2B5EF4-FFF2-40B4-BE49-F238E27FC236}">
+                  <a16:creationId xmlns:a16="http://schemas.microsoft.com/office/drawing/2014/main" id="{BAB4AD51-9EF6-B84C-91D2-415C35894729}"/>
+                </a:ext>
+              </a:extLst>
+            </p:cNvPr>
+            <p:cNvSpPr/>
+            <p:nvPr/>
+          </p:nvSpPr>
+          <p:spPr>
+            <a:xfrm>
+              <a:off x="519611" y="719765"/>
+              <a:ext cx="914606" cy="531840"/>
+            </a:xfrm>
+            <a:prstGeom prst="roundRect">
+              <a:avLst/>
+            </a:prstGeom>
+            <a:solidFill>
+              <a:schemeClr val="accent2">
+                <a:lumMod val="60000"/>
+                <a:lumOff val="40000"/>
+              </a:schemeClr>
+            </a:solidFill>
+            <a:ln w="31750">
+              <a:solidFill>
+                <a:schemeClr val="tx1"/>
+              </a:solidFill>
+            </a:ln>
+          </p:spPr>
+          <p:style>
+            <a:lnRef idx="2">
+              <a:schemeClr val="accent1">
+                <a:shade val="50000"/>
+              </a:schemeClr>
+            </a:lnRef>
+            <a:fillRef idx="1">
+              <a:schemeClr val="accent1"/>
+            </a:fillRef>
+            <a:effectRef idx="0">
+              <a:schemeClr val="accent1"/>
+            </a:effectRef>
+            <a:fontRef idx="minor">
+              <a:schemeClr val="lt1"/>
+            </a:fontRef>
+          </p:style>
+          <p:txBody>
+            <a:bodyPr rtlCol="0" anchor="ctr"/>
+            <a:lstStyle/>
+            <a:p>
+              <a:pPr algn="ctr"/>
+              <a:endParaRPr lang="en-US"/>
+            </a:p>
+          </p:txBody>
+        </p:sp>
+        <p:grpSp>
+          <p:nvGrpSpPr>
+            <p:cNvPr id="106" name="Group 105">
+              <a:extLst>
+                <a:ext uri="{FF2B5EF4-FFF2-40B4-BE49-F238E27FC236}">
+                  <a16:creationId xmlns:a16="http://schemas.microsoft.com/office/drawing/2014/main" id="{6DB5C635-05F7-554F-94EF-BA00D1E83842}"/>
+                </a:ext>
+              </a:extLst>
+            </p:cNvPr>
+            <p:cNvGrpSpPr/>
+            <p:nvPr/>
+          </p:nvGrpSpPr>
+          <p:grpSpPr>
+            <a:xfrm>
+              <a:off x="493517" y="152895"/>
+              <a:ext cx="11414947" cy="6501221"/>
+              <a:chOff x="493517" y="152895"/>
+              <a:chExt cx="11414947" cy="6501221"/>
+            </a:xfrm>
+          </p:grpSpPr>
+          <p:grpSp>
+            <p:nvGrpSpPr>
+              <p:cNvPr id="96" name="Group 95">
+                <a:extLst>
+                  <a:ext uri="{FF2B5EF4-FFF2-40B4-BE49-F238E27FC236}">
+                    <a16:creationId xmlns:a16="http://schemas.microsoft.com/office/drawing/2014/main" id="{85E1A920-ED59-124A-9181-FD5234A4EAC0}"/>
+                  </a:ext>
+                </a:extLst>
+              </p:cNvPr>
+              <p:cNvGrpSpPr/>
+              <p:nvPr/>
+            </p:nvGrpSpPr>
+            <p:grpSpPr>
+              <a:xfrm>
+                <a:off x="493517" y="719765"/>
+                <a:ext cx="11414947" cy="5934351"/>
+                <a:chOff x="493517" y="719765"/>
+                <a:chExt cx="11414947" cy="5934351"/>
+              </a:xfrm>
+            </p:grpSpPr>
+            <p:grpSp>
+              <p:nvGrpSpPr>
+                <p:cNvPr id="86" name="Group 85">
+                  <a:extLst>
+                    <a:ext uri="{FF2B5EF4-FFF2-40B4-BE49-F238E27FC236}">
+                      <a16:creationId xmlns:a16="http://schemas.microsoft.com/office/drawing/2014/main" id="{16F0B8A8-EA23-6E42-8429-2B89F5E70B09}"/>
+                    </a:ext>
+                  </a:extLst>
+                </p:cNvPr>
+                <p:cNvGrpSpPr/>
+                <p:nvPr/>
+              </p:nvGrpSpPr>
+              <p:grpSpPr>
+                <a:xfrm>
+                  <a:off x="493517" y="719765"/>
+                  <a:ext cx="8532036" cy="5934351"/>
+                  <a:chOff x="493517" y="719765"/>
+                  <a:chExt cx="8532036" cy="5934351"/>
+                </a:xfrm>
+              </p:grpSpPr>
+              <p:grpSp>
+                <p:nvGrpSpPr>
+                  <p:cNvPr id="31" name="Group 30">
+                    <a:extLst>
+                      <a:ext uri="{FF2B5EF4-FFF2-40B4-BE49-F238E27FC236}">
+                        <a16:creationId xmlns:a16="http://schemas.microsoft.com/office/drawing/2014/main" id="{6C701DA5-D044-914A-955E-EE4D23CA4E0F}"/>
+                      </a:ext>
+                    </a:extLst>
+                  </p:cNvPr>
+                  <p:cNvGrpSpPr/>
+                  <p:nvPr/>
+                </p:nvGrpSpPr>
+                <p:grpSpPr>
+                  <a:xfrm>
+                    <a:off x="2345736" y="719765"/>
+                    <a:ext cx="5709837" cy="2347646"/>
+                    <a:chOff x="1685336" y="656265"/>
+                    <a:chExt cx="5709837" cy="2347646"/>
+                  </a:xfrm>
+                </p:grpSpPr>
+                <p:grpSp>
+                  <p:nvGrpSpPr>
+                    <p:cNvPr id="29" name="Group 28">
+                      <a:extLst>
+                        <a:ext uri="{FF2B5EF4-FFF2-40B4-BE49-F238E27FC236}">
+                          <a16:creationId xmlns:a16="http://schemas.microsoft.com/office/drawing/2014/main" id="{60828D63-E23D-B042-805C-12B0D96CF275}"/>
+                        </a:ext>
+                      </a:extLst>
+                    </p:cNvPr>
+                    <p:cNvGrpSpPr/>
+                    <p:nvPr/>
+                  </p:nvGrpSpPr>
+                  <p:grpSpPr>
+                    <a:xfrm>
+                      <a:off x="1685336" y="656265"/>
+                      <a:ext cx="3619799" cy="1730531"/>
+                      <a:chOff x="1063036" y="478465"/>
+                      <a:chExt cx="3619799" cy="1730531"/>
+                    </a:xfrm>
+                  </p:grpSpPr>
+                  <p:sp>
+                    <p:nvSpPr>
+                      <p:cNvPr id="4" name="Rounded Rectangle 3">
+                        <a:extLst>
+                          <a:ext uri="{FF2B5EF4-FFF2-40B4-BE49-F238E27FC236}">
+                            <a16:creationId xmlns:a16="http://schemas.microsoft.com/office/drawing/2014/main" id="{0F4C0D68-0473-A340-91D3-FB5EE2029C74}"/>
+                          </a:ext>
+                        </a:extLst>
+                      </p:cNvPr>
+                      <p:cNvSpPr/>
+                      <p:nvPr/>
+                    </p:nvSpPr>
+                    <p:spPr>
+                      <a:xfrm>
+                        <a:off x="1128600" y="478465"/>
+                        <a:ext cx="1460658" cy="563526"/>
+                      </a:xfrm>
+                      <a:prstGeom prst="roundRect">
+                        <a:avLst/>
+                      </a:prstGeom>
+                      <a:solidFill>
+                        <a:schemeClr val="bg1">
+                          <a:lumMod val="85000"/>
+                        </a:schemeClr>
+                      </a:solidFill>
+                      <a:ln w="31750">
+                        <a:solidFill>
+                          <a:schemeClr val="tx1"/>
+                        </a:solidFill>
+                      </a:ln>
+                    </p:spPr>
+                    <p:style>
+                      <a:lnRef idx="2">
+                        <a:schemeClr val="accent1">
+                          <a:shade val="50000"/>
+                        </a:schemeClr>
+                      </a:lnRef>
+                      <a:fillRef idx="1">
+                        <a:schemeClr val="accent1"/>
+                      </a:fillRef>
+                      <a:effectRef idx="0">
+                        <a:schemeClr val="accent1"/>
+                      </a:effectRef>
+                      <a:fontRef idx="minor">
+                        <a:schemeClr val="lt1"/>
+                      </a:fontRef>
+                    </p:style>
+                    <p:txBody>
+                      <a:bodyPr rtlCol="0" anchor="ctr"/>
+                      <a:lstStyle/>
+                      <a:p>
+                        <a:pPr algn="ctr"/>
+                        <a:endParaRPr lang="en-US"/>
+                      </a:p>
+                    </p:txBody>
+                  </p:sp>
+                  <p:sp>
+                    <p:nvSpPr>
+                      <p:cNvPr id="5" name="Rounded Rectangle 4">
+                        <a:extLst>
+                          <a:ext uri="{FF2B5EF4-FFF2-40B4-BE49-F238E27FC236}">
+                            <a16:creationId xmlns:a16="http://schemas.microsoft.com/office/drawing/2014/main" id="{36A491C8-B272-E24E-9E12-1807ACA10F76}"/>
+                          </a:ext>
+                        </a:extLst>
+                      </p:cNvPr>
+                      <p:cNvSpPr/>
+                      <p:nvPr/>
+                    </p:nvSpPr>
+                    <p:spPr>
+                      <a:xfrm>
+                        <a:off x="1128600" y="1645470"/>
+                        <a:ext cx="1460657" cy="563526"/>
+                      </a:xfrm>
+                      <a:prstGeom prst="roundRect">
+                        <a:avLst/>
+                      </a:prstGeom>
+                      <a:solidFill>
+                        <a:schemeClr val="bg1">
+                          <a:lumMod val="85000"/>
+                        </a:schemeClr>
+                      </a:solidFill>
+                      <a:ln w="31750">
+                        <a:solidFill>
+                          <a:schemeClr val="tx1"/>
+                        </a:solidFill>
+                      </a:ln>
+                    </p:spPr>
+                    <p:style>
+                      <a:lnRef idx="2">
+                        <a:schemeClr val="accent1">
+                          <a:shade val="50000"/>
+                        </a:schemeClr>
+                      </a:lnRef>
+                      <a:fillRef idx="1">
+                        <a:schemeClr val="accent1"/>
+                      </a:fillRef>
+                      <a:effectRef idx="0">
+                        <a:schemeClr val="accent1"/>
+                      </a:effectRef>
+                      <a:fontRef idx="minor">
+                        <a:schemeClr val="lt1"/>
+                      </a:fontRef>
+                    </p:style>
+                    <p:txBody>
+                      <a:bodyPr rtlCol="0" anchor="ctr"/>
+                      <a:lstStyle/>
+                      <a:p>
+                        <a:pPr algn="ctr"/>
+                        <a:endParaRPr lang="en-US"/>
+                      </a:p>
+                    </p:txBody>
+                  </p:sp>
+                  <p:sp>
+                    <p:nvSpPr>
+                      <p:cNvPr id="6" name="Rounded Rectangle 5">
+                        <a:extLst>
+                          <a:ext uri="{FF2B5EF4-FFF2-40B4-BE49-F238E27FC236}">
+                            <a16:creationId xmlns:a16="http://schemas.microsoft.com/office/drawing/2014/main" id="{946CF030-BA9F-4D42-BD9F-0ADCDC2F046B}"/>
+                          </a:ext>
+                        </a:extLst>
+                      </p:cNvPr>
+                      <p:cNvSpPr/>
+                      <p:nvPr/>
+                    </p:nvSpPr>
+                    <p:spPr>
+                      <a:xfrm>
+                        <a:off x="3383414" y="478465"/>
+                        <a:ext cx="1299421" cy="1730531"/>
+                      </a:xfrm>
+                      <a:prstGeom prst="roundRect">
+                        <a:avLst/>
+                      </a:prstGeom>
+                      <a:solidFill>
+                        <a:schemeClr val="accent6">
+                          <a:lumMod val="40000"/>
+                          <a:lumOff val="60000"/>
+                        </a:schemeClr>
+                      </a:solidFill>
+                      <a:ln w="31750">
+                        <a:solidFill>
+                          <a:schemeClr val="tx1"/>
+                        </a:solidFill>
+                      </a:ln>
+                    </p:spPr>
+                    <p:style>
+                      <a:lnRef idx="2">
+                        <a:schemeClr val="accent1">
+                          <a:shade val="50000"/>
+                        </a:schemeClr>
+                      </a:lnRef>
+                      <a:fillRef idx="1">
+                        <a:schemeClr val="accent1"/>
+                      </a:fillRef>
+                      <a:effectRef idx="0">
+                        <a:schemeClr val="accent1"/>
+                      </a:effectRef>
+                      <a:fontRef idx="minor">
+                        <a:schemeClr val="lt1"/>
+                      </a:fontRef>
+                    </p:style>
+                    <p:txBody>
+                      <a:bodyPr rtlCol="0" anchor="ctr"/>
+                      <a:lstStyle/>
+                      <a:p>
+                        <a:pPr algn="ctr"/>
+                        <a:endParaRPr lang="en-US"/>
+                      </a:p>
+                    </p:txBody>
+                  </p:sp>
+                  <mc:AlternateContent xmlns:mc="http://schemas.openxmlformats.org/markup-compatibility/2006">
+                    <mc:Choice xmlns:a14="http://schemas.microsoft.com/office/drawing/2010/main" Requires="a14">
+                      <p:sp>
+                        <p:nvSpPr>
+                          <p:cNvPr id="7" name="TextBox 6">
+                            <a:extLst>
+                              <a:ext uri="{FF2B5EF4-FFF2-40B4-BE49-F238E27FC236}">
+                                <a16:creationId xmlns:a16="http://schemas.microsoft.com/office/drawing/2014/main" id="{1DE6CAE0-727A-504A-AD25-5372FF4C320D}"/>
+                              </a:ext>
+                            </a:extLst>
+                          </p:cNvPr>
+                          <p:cNvSpPr txBox="1"/>
+                          <p:nvPr/>
+                        </p:nvSpPr>
+                        <p:spPr>
+                          <a:xfrm>
+                            <a:off x="1194162" y="574174"/>
+                            <a:ext cx="1329531" cy="378245"/>
+                          </a:xfrm>
+                          <a:prstGeom prst="rect">
+                            <a:avLst/>
+                          </a:prstGeom>
+                          <a:noFill/>
+                        </p:spPr>
+                        <p:txBody>
+                          <a:bodyPr wrap="none" rtlCol="0">
+                            <a:spAutoFit/>
+                          </a:bodyPr>
+                          <a:lstStyle/>
+                          <a:p>
+                            <a14:m>
+                              <m:oMathPara xmlns:m="http://schemas.openxmlformats.org/officeDocument/2006/math">
+                                <m:oMathParaPr>
+                                  <m:jc m:val="centerGroup"/>
+                                </m:oMathParaPr>
+                                <m:oMath xmlns:m="http://schemas.openxmlformats.org/officeDocument/2006/math">
+                                  <m:sSup>
+                                    <m:sSupPr>
+                                      <m:ctrlPr>
+                                        <a:rPr lang="en-US" b="0" i="1" smtClean="0">
+                                          <a:latin typeface="Cambria Math" panose="02040503050406030204" pitchFamily="18" charset="0"/>
+                                        </a:rPr>
+                                      </m:ctrlPr>
+                                    </m:sSupPr>
+                                    <m:e>
+                                      <m:r>
+                                        <a:rPr lang="en-US" b="0" i="1" smtClean="0">
+                                          <a:latin typeface="Cambria Math" panose="02040503050406030204" pitchFamily="18" charset="0"/>
+                                        </a:rPr>
+                                        <m:t>𝑓</m:t>
+                                      </m:r>
+                                    </m:e>
+                                    <m:sup>
+                                      <m:r>
+                                        <a:rPr lang="en-US" b="0" i="1" smtClean="0">
+                                          <a:latin typeface="Cambria Math" panose="02040503050406030204" pitchFamily="18" charset="0"/>
+                                        </a:rPr>
+                                        <m:t>𝑆𝑐𝑖𝐵𝐸𝑅𝑇</m:t>
+                                      </m:r>
+                                    </m:sup>
+                                  </m:sSup>
+                                  <m:r>
+                                    <a:rPr lang="en-US" b="0" i="1" smtClean="0">
+                                      <a:latin typeface="Cambria Math" panose="02040503050406030204" pitchFamily="18" charset="0"/>
+                                    </a:rPr>
+                                    <m:t>(⋅)</m:t>
+                                  </m:r>
+                                </m:oMath>
+                              </m:oMathPara>
+                            </a14:m>
+                            <a:endParaRPr lang="en-US" b="0" dirty="0"/>
+                          </a:p>
+                        </p:txBody>
+                      </p:sp>
+                    </mc:Choice>
+                    <mc:Fallback>
+                      <p:sp>
+                        <p:nvSpPr>
+                          <p:cNvPr id="7" name="TextBox 6">
+                            <a:extLst>
+                              <a:ext uri="{FF2B5EF4-FFF2-40B4-BE49-F238E27FC236}">
+                                <a16:creationId xmlns:a16="http://schemas.microsoft.com/office/drawing/2014/main" id="{1DE6CAE0-727A-504A-AD25-5372FF4C320D}"/>
+                              </a:ext>
+                            </a:extLst>
+                          </p:cNvPr>
+                          <p:cNvSpPr txBox="1">
+                            <a:spLocks noRot="1" noChangeAspect="1" noMove="1" noResize="1" noEditPoints="1" noAdjustHandles="1" noChangeArrowheads="1" noChangeShapeType="1" noTextEdit="1"/>
+                          </p:cNvSpPr>
+                          <p:nvPr/>
+                        </p:nvSpPr>
+                        <p:spPr>
+                          <a:xfrm>
+                            <a:off x="1194162" y="574174"/>
+                            <a:ext cx="1329531" cy="378245"/>
+                          </a:xfrm>
+                          <a:prstGeom prst="rect">
+                            <a:avLst/>
+                          </a:prstGeom>
+                          <a:blipFill>
+                            <a:blip r:embed="rId2"/>
+                            <a:stretch>
+                              <a:fillRect b="-12903"/>
+                            </a:stretch>
+                          </a:blipFill>
+                        </p:spPr>
+                        <p:txBody>
+                          <a:bodyPr/>
+                          <a:lstStyle/>
+                          <a:p>
+                            <a:r>
+                              <a:rPr lang="en-US">
+                                <a:noFill/>
+                              </a:rPr>
+                              <a:t> </a:t>
+                            </a:r>
+                          </a:p>
+                        </p:txBody>
+                      </p:sp>
+                    </mc:Fallback>
+                  </mc:AlternateContent>
+                  <mc:AlternateContent xmlns:mc="http://schemas.openxmlformats.org/markup-compatibility/2006">
+                    <mc:Choice xmlns:a14="http://schemas.microsoft.com/office/drawing/2010/main" Requires="a14">
+                      <p:sp>
+                        <p:nvSpPr>
+                          <p:cNvPr id="8" name="TextBox 7">
+                            <a:extLst>
+                              <a:ext uri="{FF2B5EF4-FFF2-40B4-BE49-F238E27FC236}">
+                                <a16:creationId xmlns:a16="http://schemas.microsoft.com/office/drawing/2014/main" id="{61DD76A0-59DB-6747-A6AB-73BD6D208A60}"/>
+                              </a:ext>
+                            </a:extLst>
+                          </p:cNvPr>
+                          <p:cNvSpPr txBox="1"/>
+                          <p:nvPr/>
+                        </p:nvSpPr>
+                        <p:spPr>
+                          <a:xfrm>
+                            <a:off x="1063036" y="1751324"/>
+                            <a:ext cx="1591782" cy="374270"/>
+                          </a:xfrm>
+                          <a:prstGeom prst="rect">
+                            <a:avLst/>
+                          </a:prstGeom>
+                          <a:noFill/>
+                        </p:spPr>
+                        <p:txBody>
+                          <a:bodyPr wrap="none" rtlCol="0">
+                            <a:spAutoFit/>
+                          </a:bodyPr>
+                          <a:lstStyle/>
+                          <a:p>
+                            <a14:m>
+                              <m:oMathPara xmlns:m="http://schemas.openxmlformats.org/officeDocument/2006/math">
+                                <m:oMathParaPr>
+                                  <m:jc m:val="centerGroup"/>
+                                </m:oMathParaPr>
+                                <m:oMath xmlns:m="http://schemas.openxmlformats.org/officeDocument/2006/math">
+                                  <m:sSup>
+                                    <m:sSupPr>
+                                      <m:ctrlPr>
+                                        <a:rPr lang="en-US" b="0" i="1" smtClean="0">
+                                          <a:latin typeface="Cambria Math" panose="02040503050406030204" pitchFamily="18" charset="0"/>
+                                        </a:rPr>
+                                      </m:ctrlPr>
+                                    </m:sSupPr>
+                                    <m:e>
+                                      <m:r>
+                                        <a:rPr lang="en-US" b="0" i="1" smtClean="0">
+                                          <a:latin typeface="Cambria Math" panose="02040503050406030204" pitchFamily="18" charset="0"/>
+                                        </a:rPr>
+                                        <m:t>𝑓</m:t>
+                                      </m:r>
+                                    </m:e>
+                                    <m:sup>
+                                      <m:r>
+                                        <a:rPr lang="en-US" b="0" i="1" smtClean="0">
+                                          <a:latin typeface="Cambria Math" panose="02040503050406030204" pitchFamily="18" charset="0"/>
+                                        </a:rPr>
+                                        <m:t>𝐺𝑟𝑎𝑝h𝑆𝐴𝐺𝐸</m:t>
+                                      </m:r>
+                                    </m:sup>
+                                  </m:sSup>
+                                  <m:r>
+                                    <a:rPr lang="en-US" b="0" i="1" smtClean="0">
+                                      <a:latin typeface="Cambria Math" panose="02040503050406030204" pitchFamily="18" charset="0"/>
+                                    </a:rPr>
+                                    <m:t>(⋅)</m:t>
+                                  </m:r>
+                                </m:oMath>
+                              </m:oMathPara>
+                            </a14:m>
+                            <a:endParaRPr lang="en-US" b="0" dirty="0"/>
+                          </a:p>
+                        </p:txBody>
+                      </p:sp>
+                    </mc:Choice>
+                    <mc:Fallback>
+                      <p:sp>
+                        <p:nvSpPr>
+                          <p:cNvPr id="8" name="TextBox 7">
+                            <a:extLst>
+                              <a:ext uri="{FF2B5EF4-FFF2-40B4-BE49-F238E27FC236}">
+                                <a16:creationId xmlns:a16="http://schemas.microsoft.com/office/drawing/2014/main" id="{61DD76A0-59DB-6747-A6AB-73BD6D208A60}"/>
+                              </a:ext>
+                            </a:extLst>
+                          </p:cNvPr>
+                          <p:cNvSpPr txBox="1">
+                            <a:spLocks noRot="1" noChangeAspect="1" noMove="1" noResize="1" noEditPoints="1" noAdjustHandles="1" noChangeArrowheads="1" noChangeShapeType="1" noTextEdit="1"/>
+                          </p:cNvSpPr>
+                          <p:nvPr/>
+                        </p:nvSpPr>
+                        <p:spPr>
+                          <a:xfrm>
+                            <a:off x="1063036" y="1751324"/>
+                            <a:ext cx="1591782" cy="374270"/>
+                          </a:xfrm>
+                          <a:prstGeom prst="rect">
+                            <a:avLst/>
+                          </a:prstGeom>
+                          <a:blipFill>
+                            <a:blip r:embed="rId3"/>
+                            <a:stretch>
+                              <a:fillRect b="-12903"/>
+                            </a:stretch>
+                          </a:blipFill>
+                        </p:spPr>
+                        <p:txBody>
+                          <a:bodyPr/>
+                          <a:lstStyle/>
+                          <a:p>
+                            <a:r>
+                              <a:rPr lang="en-US">
+                                <a:noFill/>
+                              </a:rPr>
+                              <a:t> </a:t>
+                            </a:r>
+                          </a:p>
+                        </p:txBody>
+                      </p:sp>
+                    </mc:Fallback>
+                  </mc:AlternateContent>
+                  <mc:AlternateContent xmlns:mc="http://schemas.openxmlformats.org/markup-compatibility/2006">
+                    <mc:Choice xmlns:a14="http://schemas.microsoft.com/office/drawing/2010/main" Requires="a14">
+                      <p:sp>
+                        <p:nvSpPr>
+                          <p:cNvPr id="9" name="TextBox 8">
+                            <a:extLst>
+                              <a:ext uri="{FF2B5EF4-FFF2-40B4-BE49-F238E27FC236}">
+                                <a16:creationId xmlns:a16="http://schemas.microsoft.com/office/drawing/2014/main" id="{5C9140AA-EEA7-8E43-B912-92BF8EE7A110}"/>
+                              </a:ext>
+                            </a:extLst>
+                          </p:cNvPr>
+                          <p:cNvSpPr txBox="1"/>
+                          <p:nvPr/>
+                        </p:nvSpPr>
+                        <p:spPr>
+                          <a:xfrm>
+                            <a:off x="3701614" y="767753"/>
+                            <a:ext cx="708198" cy="369332"/>
+                          </a:xfrm>
+                          <a:prstGeom prst="rect">
+                            <a:avLst/>
+                          </a:prstGeom>
+                          <a:noFill/>
+                        </p:spPr>
+                        <p:txBody>
+                          <a:bodyPr wrap="square" rtlCol="0">
+                            <a:spAutoFit/>
+                          </a:bodyPr>
+                          <a:lstStyle/>
+                          <a:p>
+                            <a14:m>
+                              <m:oMathPara xmlns:m="http://schemas.openxmlformats.org/officeDocument/2006/math">
+                                <m:oMathParaPr>
+                                  <m:jc m:val="centerGroup"/>
+                                </m:oMathParaPr>
+                                <m:oMath xmlns:m="http://schemas.openxmlformats.org/officeDocument/2006/math">
+                                  <m:sSup>
+                                    <m:sSupPr>
+                                      <m:ctrlPr>
+                                        <a:rPr lang="en-US" b="1" i="1" smtClean="0">
+                                          <a:latin typeface="Cambria Math" panose="02040503050406030204" pitchFamily="18" charset="0"/>
+                                        </a:rPr>
+                                      </m:ctrlPr>
+                                    </m:sSupPr>
+                                    <m:e>
+                                      <m:r>
+                                        <a:rPr lang="en-US" b="1" i="1" smtClean="0">
+                                          <a:latin typeface="Cambria Math" panose="02040503050406030204" pitchFamily="18" charset="0"/>
+                                        </a:rPr>
+                                        <m:t>𝒆</m:t>
+                                      </m:r>
+                                    </m:e>
+                                    <m:sup>
+                                      <m:r>
+                                        <a:rPr lang="en-US" b="1" i="1" smtClean="0">
+                                          <a:latin typeface="Cambria Math" panose="02040503050406030204" pitchFamily="18" charset="0"/>
+                                        </a:rPr>
+                                        <m:t>𝒄</m:t>
+                                      </m:r>
+                                    </m:sup>
+                                  </m:sSup>
+                                </m:oMath>
+                              </m:oMathPara>
+                            </a14:m>
+                            <a:endParaRPr lang="en-US" b="1" dirty="0"/>
+                          </a:p>
+                        </p:txBody>
+                      </p:sp>
+                    </mc:Choice>
+                    <mc:Fallback>
+                      <p:sp>
+                        <p:nvSpPr>
+                          <p:cNvPr id="9" name="TextBox 8">
+                            <a:extLst>
+                              <a:ext uri="{FF2B5EF4-FFF2-40B4-BE49-F238E27FC236}">
+                                <a16:creationId xmlns:a16="http://schemas.microsoft.com/office/drawing/2014/main" id="{5C9140AA-EEA7-8E43-B912-92BF8EE7A110}"/>
+                              </a:ext>
+                            </a:extLst>
+                          </p:cNvPr>
+                          <p:cNvSpPr txBox="1">
+                            <a:spLocks noRot="1" noChangeAspect="1" noMove="1" noResize="1" noEditPoints="1" noAdjustHandles="1" noChangeArrowheads="1" noChangeShapeType="1" noTextEdit="1"/>
+                          </p:cNvSpPr>
+                          <p:nvPr/>
+                        </p:nvSpPr>
+                        <p:spPr>
+                          <a:xfrm>
+                            <a:off x="3701614" y="767753"/>
+                            <a:ext cx="708198" cy="369332"/>
+                          </a:xfrm>
+                          <a:prstGeom prst="rect">
+                            <a:avLst/>
+                          </a:prstGeom>
+                          <a:blipFill>
+                            <a:blip r:embed="rId4"/>
+                            <a:stretch>
+                              <a:fillRect/>
+                            </a:stretch>
+                          </a:blipFill>
+                        </p:spPr>
+                        <p:txBody>
+                          <a:bodyPr/>
+                          <a:lstStyle/>
+                          <a:p>
+                            <a:r>
+                              <a:rPr lang="en-US">
+                                <a:noFill/>
+                              </a:rPr>
+                              <a:t> </a:t>
+                            </a:r>
+                          </a:p>
+                        </p:txBody>
+                      </p:sp>
+                    </mc:Fallback>
+                  </mc:AlternateContent>
+                  <mc:AlternateContent xmlns:mc="http://schemas.openxmlformats.org/markup-compatibility/2006">
+                    <mc:Choice xmlns:a14="http://schemas.microsoft.com/office/drawing/2010/main" Requires="a14">
+                      <p:sp>
+                        <p:nvSpPr>
+                          <p:cNvPr id="10" name="TextBox 9">
+                            <a:extLst>
+                              <a:ext uri="{FF2B5EF4-FFF2-40B4-BE49-F238E27FC236}">
+                                <a16:creationId xmlns:a16="http://schemas.microsoft.com/office/drawing/2014/main" id="{03D447FB-A128-A645-AFD1-5DA07E45D4E0}"/>
+                              </a:ext>
+                            </a:extLst>
+                          </p:cNvPr>
+                          <p:cNvSpPr txBox="1"/>
+                          <p:nvPr/>
+                        </p:nvSpPr>
+                        <p:spPr>
+                          <a:xfrm>
+                            <a:off x="3701614" y="1569127"/>
+                            <a:ext cx="730139" cy="369332"/>
+                          </a:xfrm>
+                          <a:prstGeom prst="rect">
+                            <a:avLst/>
+                          </a:prstGeom>
+                          <a:noFill/>
+                        </p:spPr>
+                        <p:txBody>
+                          <a:bodyPr wrap="square" rtlCol="0">
+                            <a:spAutoFit/>
+                          </a:bodyPr>
+                          <a:lstStyle/>
+                          <a:p>
+                            <a14:m>
+                              <m:oMathPara xmlns:m="http://schemas.openxmlformats.org/officeDocument/2006/math">
+                                <m:oMathParaPr>
+                                  <m:jc m:val="centerGroup"/>
+                                </m:oMathParaPr>
+                                <m:oMath xmlns:m="http://schemas.openxmlformats.org/officeDocument/2006/math">
+                                  <m:sSup>
+                                    <m:sSupPr>
+                                      <m:ctrlPr>
+                                        <a:rPr lang="en-US" b="1" i="1" smtClean="0">
+                                          <a:latin typeface="Cambria Math" panose="02040503050406030204" pitchFamily="18" charset="0"/>
+                                        </a:rPr>
+                                      </m:ctrlPr>
+                                    </m:sSupPr>
+                                    <m:e>
+                                      <m:r>
+                                        <a:rPr lang="en-US" b="1" i="1" smtClean="0">
+                                          <a:latin typeface="Cambria Math" panose="02040503050406030204" pitchFamily="18" charset="0"/>
+                                        </a:rPr>
+                                        <m:t>𝒆</m:t>
+                                      </m:r>
+                                    </m:e>
+                                    <m:sup>
+                                      <m:r>
+                                        <a:rPr lang="en-US" b="1" i="1" smtClean="0">
+                                          <a:latin typeface="Cambria Math" panose="02040503050406030204" pitchFamily="18" charset="0"/>
+                                        </a:rPr>
+                                        <m:t>𝒑</m:t>
+                                      </m:r>
+                                    </m:sup>
+                                  </m:sSup>
+                                </m:oMath>
+                              </m:oMathPara>
+                            </a14:m>
+                            <a:endParaRPr lang="en-US" b="1" dirty="0"/>
+                          </a:p>
+                        </p:txBody>
+                      </p:sp>
+                    </mc:Choice>
+                    <mc:Fallback>
+                      <p:sp>
+                        <p:nvSpPr>
+                          <p:cNvPr id="10" name="TextBox 9">
+                            <a:extLst>
+                              <a:ext uri="{FF2B5EF4-FFF2-40B4-BE49-F238E27FC236}">
+                                <a16:creationId xmlns:a16="http://schemas.microsoft.com/office/drawing/2014/main" id="{03D447FB-A128-A645-AFD1-5DA07E45D4E0}"/>
+                              </a:ext>
+                            </a:extLst>
+                          </p:cNvPr>
+                          <p:cNvSpPr txBox="1">
+                            <a:spLocks noRot="1" noChangeAspect="1" noMove="1" noResize="1" noEditPoints="1" noAdjustHandles="1" noChangeArrowheads="1" noChangeShapeType="1" noTextEdit="1"/>
+                          </p:cNvSpPr>
+                          <p:nvPr/>
+                        </p:nvSpPr>
+                        <p:spPr>
+                          <a:xfrm>
+                            <a:off x="3701614" y="1569127"/>
+                            <a:ext cx="730139" cy="369332"/>
+                          </a:xfrm>
+                          <a:prstGeom prst="rect">
+                            <a:avLst/>
+                          </a:prstGeom>
+                          <a:blipFill>
+                            <a:blip r:embed="rId5"/>
+                            <a:stretch>
+                              <a:fillRect/>
+                            </a:stretch>
+                          </a:blipFill>
+                        </p:spPr>
+                        <p:txBody>
+                          <a:bodyPr/>
+                          <a:lstStyle/>
+                          <a:p>
+                            <a:r>
+                              <a:rPr lang="en-US">
+                                <a:noFill/>
+                              </a:rPr>
+                              <a:t> </a:t>
+                            </a:r>
+                          </a:p>
+                        </p:txBody>
+                      </p:sp>
+                    </mc:Fallback>
+                  </mc:AlternateContent>
+                  <p:cxnSp>
+                    <p:nvCxnSpPr>
+                      <p:cNvPr id="12" name="Straight Connector 11">
+                        <a:extLst>
+                          <a:ext uri="{FF2B5EF4-FFF2-40B4-BE49-F238E27FC236}">
+                            <a16:creationId xmlns:a16="http://schemas.microsoft.com/office/drawing/2014/main" id="{E8CB8CC1-259A-9C4B-ABA0-4B828025E398}"/>
+                          </a:ext>
+                        </a:extLst>
+                      </p:cNvPr>
+                      <p:cNvCxnSpPr>
+                        <a:cxnSpLocks/>
+                        <a:stCxn id="6" idx="3"/>
+                        <a:endCxn id="6" idx="1"/>
+                      </p:cNvCxnSpPr>
+                      <p:nvPr/>
+                    </p:nvCxnSpPr>
+                    <p:spPr>
+                      <a:xfrm flipH="1">
+                        <a:off x="3383414" y="1343731"/>
+                        <a:ext cx="1299421" cy="0"/>
+                      </a:xfrm>
+                      <a:prstGeom prst="line">
+                        <a:avLst/>
+                      </a:prstGeom>
+                      <a:ln w="22225">
+                        <a:solidFill>
+                          <a:schemeClr val="tx1"/>
+                        </a:solidFill>
+                        <a:prstDash val="dash"/>
+                      </a:ln>
+                    </p:spPr>
+                    <p:style>
+                      <a:lnRef idx="1">
+                        <a:schemeClr val="accent1"/>
+                      </a:lnRef>
+                      <a:fillRef idx="0">
+                        <a:schemeClr val="accent1"/>
+                      </a:fillRef>
+                      <a:effectRef idx="0">
+                        <a:schemeClr val="accent1"/>
+                      </a:effectRef>
+                      <a:fontRef idx="minor">
+                        <a:schemeClr val="tx1"/>
+                      </a:fontRef>
+                    </p:style>
+                  </p:cxnSp>
+                  <p:cxnSp>
+                    <p:nvCxnSpPr>
+                      <p:cNvPr id="19" name="Straight Arrow Connector 18">
+                        <a:extLst>
+                          <a:ext uri="{FF2B5EF4-FFF2-40B4-BE49-F238E27FC236}">
+                            <a16:creationId xmlns:a16="http://schemas.microsoft.com/office/drawing/2014/main" id="{951316B6-CE40-FF42-81E5-AC9D1AA2DA5C}"/>
+                          </a:ext>
+                        </a:extLst>
+                      </p:cNvPr>
+                      <p:cNvCxnSpPr>
+                        <a:stCxn id="4" idx="3"/>
+                      </p:cNvCxnSpPr>
+                      <p:nvPr/>
+                    </p:nvCxnSpPr>
+                    <p:spPr>
+                      <a:xfrm>
+                        <a:off x="2589258" y="760228"/>
+                        <a:ext cx="794156" cy="192191"/>
+                      </a:xfrm>
+                      <a:prstGeom prst="straightConnector1">
+                        <a:avLst/>
+                      </a:prstGeom>
+                      <a:ln w="31750">
+                        <a:solidFill>
+                          <a:schemeClr val="tx1"/>
+                        </a:solidFill>
+                        <a:tailEnd type="stealth" w="lg" len="lg"/>
+                      </a:ln>
+                    </p:spPr>
+                    <p:style>
+                      <a:lnRef idx="1">
+                        <a:schemeClr val="accent1"/>
+                      </a:lnRef>
+                      <a:fillRef idx="0">
+                        <a:schemeClr val="accent1"/>
+                      </a:fillRef>
+                      <a:effectRef idx="0">
+                        <a:schemeClr val="accent1"/>
+                      </a:effectRef>
+                      <a:fontRef idx="minor">
+                        <a:schemeClr val="tx1"/>
+                      </a:fontRef>
+                    </p:style>
+                  </p:cxnSp>
+                  <p:cxnSp>
+                    <p:nvCxnSpPr>
+                      <p:cNvPr id="20" name="Straight Arrow Connector 19">
+                        <a:extLst>
+                          <a:ext uri="{FF2B5EF4-FFF2-40B4-BE49-F238E27FC236}">
+                            <a16:creationId xmlns:a16="http://schemas.microsoft.com/office/drawing/2014/main" id="{73DC7317-03A4-6945-8DCB-1FEAB91A7623}"/>
+                          </a:ext>
+                        </a:extLst>
+                      </p:cNvPr>
+                      <p:cNvCxnSpPr>
+                        <a:cxnSpLocks/>
+                        <a:stCxn id="5" idx="3"/>
+                      </p:cNvCxnSpPr>
+                      <p:nvPr/>
+                    </p:nvCxnSpPr>
+                    <p:spPr>
+                      <a:xfrm flipV="1">
+                        <a:off x="2589257" y="1751325"/>
+                        <a:ext cx="794156" cy="175908"/>
+                      </a:xfrm>
+                      <a:prstGeom prst="straightConnector1">
+                        <a:avLst/>
+                      </a:prstGeom>
+                      <a:ln w="31750">
+                        <a:solidFill>
+                          <a:schemeClr val="tx1"/>
+                        </a:solidFill>
+                        <a:tailEnd type="stealth" w="lg" len="lg"/>
+                      </a:ln>
+                    </p:spPr>
+                    <p:style>
+                      <a:lnRef idx="1">
+                        <a:schemeClr val="accent1"/>
+                      </a:lnRef>
+                      <a:fillRef idx="0">
+                        <a:schemeClr val="accent1"/>
+                      </a:fillRef>
+                      <a:effectRef idx="0">
+                        <a:schemeClr val="accent1"/>
+                      </a:effectRef>
+                      <a:fontRef idx="minor">
+                        <a:schemeClr val="tx1"/>
+                      </a:fontRef>
+                    </p:style>
+                  </p:cxnSp>
+                </p:grpSp>
+                <p:sp>
+                  <p:nvSpPr>
+                    <p:cNvPr id="30" name="TextBox 29">
+                      <a:extLst>
+                        <a:ext uri="{FF2B5EF4-FFF2-40B4-BE49-F238E27FC236}">
+                          <a16:creationId xmlns:a16="http://schemas.microsoft.com/office/drawing/2014/main" id="{63C00C6E-982C-0F4F-843F-AF53CD9230E5}"/>
+                        </a:ext>
+                      </a:extLst>
+                    </p:cNvPr>
+                    <p:cNvSpPr txBox="1"/>
+                    <p:nvPr/>
+                  </p:nvSpPr>
+                  <p:spPr>
+                    <a:xfrm>
+                      <a:off x="4688983" y="2357580"/>
+                      <a:ext cx="2706190" cy="646331"/>
+                    </a:xfrm>
+                    <a:prstGeom prst="rect">
+                      <a:avLst/>
+                    </a:prstGeom>
+                    <a:noFill/>
+                  </p:spPr>
+                  <p:txBody>
+                    <a:bodyPr wrap="none" rtlCol="0">
+                      <a:spAutoFit/>
+                    </a:bodyPr>
+                    <a:lstStyle/>
+                    <a:p>
+                      <a:r>
+                        <a:rPr lang="en-US" i="1" dirty="0">
+                          <a:solidFill>
+                            <a:schemeClr val="accent6"/>
+                          </a:solidFill>
+                        </a:rPr>
+                        <a:t>Initial node embeddings, e</a:t>
+                      </a:r>
+                    </a:p>
+                    <a:p>
+                      <a:r>
+                        <a:rPr lang="en-US" i="1" dirty="0">
+                          <a:solidFill>
+                            <a:schemeClr val="accent6"/>
+                          </a:solidFill>
+                        </a:rPr>
+                        <a:t>(unsupervised </a:t>
+                      </a:r>
+                      <a:r>
+                        <a:rPr lang="en-US" i="1" dirty="0" err="1">
+                          <a:solidFill>
+                            <a:schemeClr val="accent6"/>
+                          </a:solidFill>
+                        </a:rPr>
+                        <a:t>GraphSAGE</a:t>
+                      </a:r>
+                      <a:r>
+                        <a:rPr lang="en-US" i="1" dirty="0">
+                          <a:solidFill>
+                            <a:schemeClr val="accent6"/>
+                          </a:solidFill>
+                        </a:rPr>
+                        <a:t>)</a:t>
+                      </a:r>
+                    </a:p>
+                  </p:txBody>
+                </p:sp>
+              </p:grpSp>
+              <p:cxnSp>
+                <p:nvCxnSpPr>
+                  <p:cNvPr id="32" name="Straight Arrow Connector 31">
+                    <a:extLst>
+                      <a:ext uri="{FF2B5EF4-FFF2-40B4-BE49-F238E27FC236}">
+                        <a16:creationId xmlns:a16="http://schemas.microsoft.com/office/drawing/2014/main" id="{D2E73C34-F271-1F4B-91ED-0FE72AE8CE9B}"/>
+                      </a:ext>
+                    </a:extLst>
+                  </p:cNvPr>
+                  <p:cNvCxnSpPr>
+                    <a:cxnSpLocks/>
+                    <a:endCxn id="4" idx="1"/>
+                  </p:cNvCxnSpPr>
+                  <p:nvPr/>
+                </p:nvCxnSpPr>
+                <p:spPr>
+                  <a:xfrm flipV="1">
+                    <a:off x="1434217" y="1001528"/>
+                    <a:ext cx="977083" cy="3068"/>
+                  </a:xfrm>
+                  <a:prstGeom prst="straightConnector1">
+                    <a:avLst/>
+                  </a:prstGeom>
+                  <a:ln w="31750">
+                    <a:solidFill>
+                      <a:schemeClr val="tx1"/>
+                    </a:solidFill>
+                    <a:headEnd type="none" w="lg" len="lg"/>
+                    <a:tailEnd type="stealth" w="lg" len="lg"/>
+                  </a:ln>
+                </p:spPr>
+                <p:style>
+                  <a:lnRef idx="1">
+                    <a:schemeClr val="accent1"/>
+                  </a:lnRef>
+                  <a:fillRef idx="0">
+                    <a:schemeClr val="accent1"/>
+                  </a:fillRef>
+                  <a:effectRef idx="0">
+                    <a:schemeClr val="accent1"/>
+                  </a:effectRef>
+                  <a:fontRef idx="minor">
+                    <a:schemeClr val="tx1"/>
+                  </a:fontRef>
+                </p:style>
+              </p:cxnSp>
+              <p:cxnSp>
+                <p:nvCxnSpPr>
+                  <p:cNvPr id="35" name="Straight Arrow Connector 34">
+                    <a:extLst>
+                      <a:ext uri="{FF2B5EF4-FFF2-40B4-BE49-F238E27FC236}">
+                        <a16:creationId xmlns:a16="http://schemas.microsoft.com/office/drawing/2014/main" id="{9FA4558D-7A00-2E48-B88A-C0C7D51FA701}"/>
+                      </a:ext>
+                    </a:extLst>
+                  </p:cNvPr>
+                  <p:cNvCxnSpPr>
+                    <a:cxnSpLocks/>
+                  </p:cNvCxnSpPr>
+                  <p:nvPr/>
+                </p:nvCxnSpPr>
+                <p:spPr>
+                  <a:xfrm>
+                    <a:off x="1434217" y="2203387"/>
+                    <a:ext cx="977083" cy="0"/>
+                  </a:xfrm>
+                  <a:prstGeom prst="straightConnector1">
+                    <a:avLst/>
+                  </a:prstGeom>
+                  <a:ln w="31750">
+                    <a:solidFill>
+                      <a:schemeClr val="tx1"/>
+                    </a:solidFill>
+                    <a:headEnd type="none" w="lg" len="lg"/>
+                    <a:tailEnd type="stealth" w="lg" len="lg"/>
+                  </a:ln>
+                </p:spPr>
+                <p:style>
+                  <a:lnRef idx="1">
+                    <a:schemeClr val="accent1"/>
+                  </a:lnRef>
+                  <a:fillRef idx="0">
+                    <a:schemeClr val="accent1"/>
+                  </a:fillRef>
+                  <a:effectRef idx="0">
+                    <a:schemeClr val="accent1"/>
+                  </a:effectRef>
+                  <a:fontRef idx="minor">
+                    <a:schemeClr val="tx1"/>
+                  </a:fontRef>
+                </p:style>
+              </p:cxnSp>
+              <mc:AlternateContent xmlns:mc="http://schemas.openxmlformats.org/markup-compatibility/2006">
+                <mc:Choice xmlns:a14="http://schemas.microsoft.com/office/drawing/2010/main" Requires="a14">
+                  <p:sp>
+                    <p:nvSpPr>
+                      <p:cNvPr id="36" name="TextBox 35">
+                        <a:extLst>
+                          <a:ext uri="{FF2B5EF4-FFF2-40B4-BE49-F238E27FC236}">
+                            <a16:creationId xmlns:a16="http://schemas.microsoft.com/office/drawing/2014/main" id="{75D40319-7F49-824D-A254-C9042A95ED00}"/>
+                          </a:ext>
+                        </a:extLst>
+                      </p:cNvPr>
+                      <p:cNvSpPr txBox="1"/>
+                      <p:nvPr/>
+                    </p:nvSpPr>
+                    <p:spPr>
+                      <a:xfrm>
+                        <a:off x="816732" y="813386"/>
+                        <a:ext cx="369012" cy="369332"/>
+                      </a:xfrm>
+                      <a:prstGeom prst="rect">
+                        <a:avLst/>
+                      </a:prstGeom>
+                      <a:noFill/>
+                    </p:spPr>
+                    <p:txBody>
+                      <a:bodyPr wrap="none" rtlCol="0">
+                        <a:spAutoFit/>
+                      </a:bodyPr>
+                      <a:lstStyle/>
+                      <a:p>
+                        <a14:m>
+                          <m:oMath xmlns:m="http://schemas.openxmlformats.org/officeDocument/2006/math">
+                            <m:r>
+                              <a:rPr lang="en-US" b="1" i="1"/>
+                              <m:t>𝑺</m:t>
+                            </m:r>
+                          </m:oMath>
+                        </a14:m>
+                        <a:r>
+                          <a:rPr lang="en-US" dirty="0">
+                            <a:effectLst/>
+                          </a:rPr>
+                          <a:t> </a:t>
+                        </a:r>
+                        <a:endParaRPr lang="en-US" dirty="0"/>
+                      </a:p>
+                    </p:txBody>
+                  </p:sp>
+                </mc:Choice>
+                <mc:Fallback>
+                  <p:sp>
+                    <p:nvSpPr>
+                      <p:cNvPr id="36" name="TextBox 35">
+                        <a:extLst>
+                          <a:ext uri="{FF2B5EF4-FFF2-40B4-BE49-F238E27FC236}">
+                            <a16:creationId xmlns:a16="http://schemas.microsoft.com/office/drawing/2014/main" id="{75D40319-7F49-824D-A254-C9042A95ED00}"/>
+                          </a:ext>
+                        </a:extLst>
+                      </p:cNvPr>
+                      <p:cNvSpPr txBox="1">
+                        <a:spLocks noRot="1" noChangeAspect="1" noMove="1" noResize="1" noEditPoints="1" noAdjustHandles="1" noChangeArrowheads="1" noChangeShapeType="1" noTextEdit="1"/>
+                      </p:cNvSpPr>
+                      <p:nvPr/>
+                    </p:nvSpPr>
+                    <p:spPr>
+                      <a:xfrm>
+                        <a:off x="816732" y="813386"/>
+                        <a:ext cx="369012" cy="369332"/>
+                      </a:xfrm>
+                      <a:prstGeom prst="rect">
+                        <a:avLst/>
+                      </a:prstGeom>
+                      <a:blipFill>
+                        <a:blip r:embed="rId6"/>
+                        <a:stretch>
+                          <a:fillRect/>
+                        </a:stretch>
+                      </a:blipFill>
+                    </p:spPr>
+                    <p:txBody>
+                      <a:bodyPr/>
+                      <a:lstStyle/>
+                      <a:p>
+                        <a:r>
+                          <a:rPr lang="en-US">
+                            <a:noFill/>
+                          </a:rPr>
+                          <a:t> </a:t>
+                        </a:r>
+                      </a:p>
+                    </p:txBody>
+                  </p:sp>
+                </mc:Fallback>
+              </mc:AlternateContent>
+              <mc:AlternateContent xmlns:mc="http://schemas.openxmlformats.org/markup-compatibility/2006">
+                <mc:Choice xmlns:a14="http://schemas.microsoft.com/office/drawing/2010/main" Requires="a14">
+                  <p:sp>
+                    <p:nvSpPr>
+                      <p:cNvPr id="37" name="TextBox 36">
+                        <a:extLst>
+                          <a:ext uri="{FF2B5EF4-FFF2-40B4-BE49-F238E27FC236}">
+                            <a16:creationId xmlns:a16="http://schemas.microsoft.com/office/drawing/2014/main" id="{0F159875-06EC-2E43-B5F3-1314A2124B14}"/>
+                          </a:ext>
+                        </a:extLst>
+                      </p:cNvPr>
+                      <p:cNvSpPr txBox="1"/>
+                      <p:nvPr/>
+                    </p:nvSpPr>
+                    <p:spPr>
+                      <a:xfrm>
+                        <a:off x="660193" y="2016252"/>
+                        <a:ext cx="633443" cy="374270"/>
+                      </a:xfrm>
+                      <a:prstGeom prst="rect">
+                        <a:avLst/>
+                      </a:prstGeom>
+                      <a:noFill/>
+                    </p:spPr>
+                    <p:txBody>
+                      <a:bodyPr wrap="none" rtlCol="0">
+                        <a:spAutoFit/>
+                      </a:bodyPr>
+                      <a:lstStyle/>
+                      <a:p>
+                        <a14:m>
+                          <m:oMath xmlns:m="http://schemas.openxmlformats.org/officeDocument/2006/math">
+                            <m:sSup>
+                              <m:sSupPr>
+                                <m:ctrlPr>
+                                  <a:rPr lang="en-US" b="1" i="1" smtClean="0"/>
+                                </m:ctrlPr>
+                              </m:sSupPr>
+                              <m:e>
+                                <m:r>
+                                  <a:rPr lang="en-US" b="1" i="1"/>
+                                  <m:t>𝑮</m:t>
+                                </m:r>
+                              </m:e>
+                              <m:sup>
+                                <m:r>
+                                  <a:rPr lang="en-US" b="1" i="1"/>
+                                  <m:t>𝑷𝑷</m:t>
+                                </m:r>
+                              </m:sup>
+                            </m:sSup>
+                          </m:oMath>
+                        </a14:m>
+                        <a:r>
+                          <a:rPr lang="en-US" dirty="0">
+                            <a:effectLst/>
+                          </a:rPr>
+                          <a:t> </a:t>
+                        </a:r>
+                        <a:endParaRPr lang="en-US" dirty="0"/>
+                      </a:p>
+                    </p:txBody>
+                  </p:sp>
+                </mc:Choice>
+                <mc:Fallback>
+                  <p:sp>
+                    <p:nvSpPr>
+                      <p:cNvPr id="37" name="TextBox 36">
+                        <a:extLst>
+                          <a:ext uri="{FF2B5EF4-FFF2-40B4-BE49-F238E27FC236}">
+                            <a16:creationId xmlns:a16="http://schemas.microsoft.com/office/drawing/2014/main" id="{0F159875-06EC-2E43-B5F3-1314A2124B14}"/>
+                          </a:ext>
+                        </a:extLst>
+                      </p:cNvPr>
+                      <p:cNvSpPr txBox="1">
+                        <a:spLocks noRot="1" noChangeAspect="1" noMove="1" noResize="1" noEditPoints="1" noAdjustHandles="1" noChangeArrowheads="1" noChangeShapeType="1" noTextEdit="1"/>
+                      </p:cNvSpPr>
+                      <p:nvPr/>
+                    </p:nvSpPr>
+                    <p:spPr>
+                      <a:xfrm>
+                        <a:off x="660193" y="2016252"/>
+                        <a:ext cx="633443" cy="374270"/>
+                      </a:xfrm>
+                      <a:prstGeom prst="rect">
+                        <a:avLst/>
+                      </a:prstGeom>
+                      <a:blipFill>
+                        <a:blip r:embed="rId7"/>
+                        <a:stretch>
+                          <a:fillRect/>
+                        </a:stretch>
+                      </a:blipFill>
+                    </p:spPr>
+                    <p:txBody>
+                      <a:bodyPr/>
+                      <a:lstStyle/>
+                      <a:p>
+                        <a:r>
+                          <a:rPr lang="en-US">
+                            <a:noFill/>
+                          </a:rPr>
+                          <a:t> </a:t>
+                        </a:r>
+                      </a:p>
+                    </p:txBody>
+                  </p:sp>
+                </mc:Fallback>
+              </mc:AlternateContent>
+              <p:grpSp>
+                <p:nvGrpSpPr>
+                  <p:cNvPr id="53" name="Group 52">
+                    <a:extLst>
+                      <a:ext uri="{FF2B5EF4-FFF2-40B4-BE49-F238E27FC236}">
+                        <a16:creationId xmlns:a16="http://schemas.microsoft.com/office/drawing/2014/main" id="{0D630600-92B7-2C48-A2DC-F65F5E66BD7F}"/>
+                      </a:ext>
+                    </a:extLst>
+                  </p:cNvPr>
+                  <p:cNvGrpSpPr/>
+                  <p:nvPr/>
+                </p:nvGrpSpPr>
+                <p:grpSpPr>
+                  <a:xfrm>
+                    <a:off x="493517" y="3719540"/>
+                    <a:ext cx="5099385" cy="2934576"/>
+                    <a:chOff x="455417" y="4024340"/>
+                    <a:chExt cx="5099385" cy="2934576"/>
+                  </a:xfrm>
+                </p:grpSpPr>
+                <p:sp>
+                  <p:nvSpPr>
+                    <p:cNvPr id="42" name="Rounded Rectangle 41">
+                      <a:extLst>
+                        <a:ext uri="{FF2B5EF4-FFF2-40B4-BE49-F238E27FC236}">
+                          <a16:creationId xmlns:a16="http://schemas.microsoft.com/office/drawing/2014/main" id="{C046E554-4426-AC42-AC76-8625FB7C054D}"/>
+                        </a:ext>
+                      </a:extLst>
+                    </p:cNvPr>
+                    <p:cNvSpPr/>
+                    <p:nvPr/>
+                  </p:nvSpPr>
+                  <p:spPr>
+                    <a:xfrm>
+                      <a:off x="728441" y="4024341"/>
+                      <a:ext cx="914606" cy="2262159"/>
+                    </a:xfrm>
+                    <a:prstGeom prst="roundRect">
+                      <a:avLst/>
+                    </a:prstGeom>
+                    <a:solidFill>
+                      <a:schemeClr val="accent2">
+                        <a:lumMod val="60000"/>
+                        <a:lumOff val="40000"/>
+                      </a:schemeClr>
+                    </a:solidFill>
+                    <a:ln w="31750">
+                      <a:solidFill>
+                        <a:schemeClr val="tx1"/>
+                      </a:solidFill>
+                    </a:ln>
+                  </p:spPr>
+                  <p:style>
+                    <a:lnRef idx="2">
+                      <a:schemeClr val="accent1">
+                        <a:shade val="50000"/>
+                      </a:schemeClr>
+                    </a:lnRef>
+                    <a:fillRef idx="1">
+                      <a:schemeClr val="accent1"/>
+                    </a:fillRef>
+                    <a:effectRef idx="0">
+                      <a:schemeClr val="accent1"/>
+                    </a:effectRef>
+                    <a:fontRef idx="minor">
+                      <a:schemeClr val="lt1"/>
+                    </a:fontRef>
+                  </p:style>
+                  <p:txBody>
+                    <a:bodyPr rtlCol="0" anchor="ctr"/>
+                    <a:lstStyle/>
+                    <a:p>
+                      <a:pPr algn="ctr"/>
+                      <a:endParaRPr lang="en-US"/>
+                    </a:p>
+                  </p:txBody>
+                </p:sp>
+                <p:sp>
+                  <p:nvSpPr>
+                    <p:cNvPr id="43" name="Rounded Rectangle 42">
+                      <a:extLst>
+                        <a:ext uri="{FF2B5EF4-FFF2-40B4-BE49-F238E27FC236}">
+                          <a16:creationId xmlns:a16="http://schemas.microsoft.com/office/drawing/2014/main" id="{CF02F1AD-DCD9-B544-A5CF-159E9F1725B9}"/>
+                        </a:ext>
+                      </a:extLst>
+                    </p:cNvPr>
+                    <p:cNvSpPr/>
+                    <p:nvPr/>
+                  </p:nvSpPr>
+                  <p:spPr>
+                    <a:xfrm>
+                      <a:off x="2411300" y="4024340"/>
+                      <a:ext cx="1460653" cy="865159"/>
+                    </a:xfrm>
+                    <a:prstGeom prst="roundRect">
+                      <a:avLst/>
+                    </a:prstGeom>
+                    <a:solidFill>
+                      <a:schemeClr val="bg1">
+                        <a:lumMod val="85000"/>
+                      </a:schemeClr>
+                    </a:solidFill>
+                    <a:ln w="31750">
+                      <a:solidFill>
+                        <a:schemeClr val="tx1"/>
+                      </a:solidFill>
+                    </a:ln>
+                  </p:spPr>
+                  <p:style>
+                    <a:lnRef idx="2">
+                      <a:schemeClr val="accent1">
+                        <a:shade val="50000"/>
+                      </a:schemeClr>
+                    </a:lnRef>
+                    <a:fillRef idx="1">
+                      <a:schemeClr val="accent1"/>
+                    </a:fillRef>
+                    <a:effectRef idx="0">
+                      <a:schemeClr val="accent1"/>
+                    </a:effectRef>
+                    <a:fontRef idx="minor">
+                      <a:schemeClr val="lt1"/>
+                    </a:fontRef>
+                  </p:style>
+                  <p:txBody>
+                    <a:bodyPr rtlCol="0" anchor="ctr"/>
+                    <a:lstStyle/>
+                    <a:p>
+                      <a:pPr algn="ctr"/>
+                      <a:endParaRPr lang="en-US"/>
+                    </a:p>
+                  </p:txBody>
+                </p:sp>
+                <p:sp>
+                  <p:nvSpPr>
+                    <p:cNvPr id="44" name="Rounded Rectangle 43">
+                      <a:extLst>
+                        <a:ext uri="{FF2B5EF4-FFF2-40B4-BE49-F238E27FC236}">
+                          <a16:creationId xmlns:a16="http://schemas.microsoft.com/office/drawing/2014/main" id="{47B39C31-4A08-6049-BF1D-A30207A2D1F6}"/>
+                        </a:ext>
+                      </a:extLst>
+                    </p:cNvPr>
+                    <p:cNvSpPr/>
+                    <p:nvPr/>
+                  </p:nvSpPr>
+                  <p:spPr>
+                    <a:xfrm>
+                      <a:off x="2411300" y="5421341"/>
+                      <a:ext cx="1460653" cy="865159"/>
+                    </a:xfrm>
+                    <a:prstGeom prst="roundRect">
+                      <a:avLst/>
+                    </a:prstGeom>
+                    <a:solidFill>
+                      <a:schemeClr val="bg1">
+                        <a:lumMod val="85000"/>
+                      </a:schemeClr>
+                    </a:solidFill>
+                    <a:ln w="31750">
+                      <a:solidFill>
+                        <a:schemeClr val="tx1"/>
+                      </a:solidFill>
+                    </a:ln>
+                  </p:spPr>
+                  <p:style>
+                    <a:lnRef idx="2">
+                      <a:schemeClr val="accent1">
+                        <a:shade val="50000"/>
+                      </a:schemeClr>
+                    </a:lnRef>
+                    <a:fillRef idx="1">
+                      <a:schemeClr val="accent1"/>
+                    </a:fillRef>
+                    <a:effectRef idx="0">
+                      <a:schemeClr val="accent1"/>
+                    </a:effectRef>
+                    <a:fontRef idx="minor">
+                      <a:schemeClr val="lt1"/>
+                    </a:fontRef>
+                  </p:style>
+                  <p:txBody>
+                    <a:bodyPr rtlCol="0" anchor="ctr"/>
+                    <a:lstStyle/>
+                    <a:p>
+                      <a:pPr algn="ctr"/>
+                      <a:endParaRPr lang="en-US"/>
+                    </a:p>
+                  </p:txBody>
+                </p:sp>
+                <mc:AlternateContent xmlns:mc="http://schemas.openxmlformats.org/markup-compatibility/2006">
+                  <mc:Choice xmlns:a14="http://schemas.microsoft.com/office/drawing/2010/main" Requires="a14">
+                    <p:sp>
+                      <p:nvSpPr>
+                        <p:cNvPr id="45" name="TextBox 44">
+                          <a:extLst>
+                            <a:ext uri="{FF2B5EF4-FFF2-40B4-BE49-F238E27FC236}">
+                              <a16:creationId xmlns:a16="http://schemas.microsoft.com/office/drawing/2014/main" id="{1658A18D-D483-7247-A6C1-FAB6C7CA482B}"/>
+                            </a:ext>
+                          </a:extLst>
+                        </p:cNvPr>
+                        <p:cNvSpPr txBox="1"/>
+                        <p:nvPr/>
+                      </p:nvSpPr>
+                      <p:spPr>
+                        <a:xfrm>
+                          <a:off x="2509401" y="4271804"/>
+                          <a:ext cx="1264449" cy="370230"/>
+                        </a:xfrm>
+                        <a:prstGeom prst="rect">
+                          <a:avLst/>
+                        </a:prstGeom>
+                        <a:noFill/>
+                      </p:spPr>
+                      <p:txBody>
+                        <a:bodyPr wrap="none" rtlCol="0">
+                          <a:spAutoFit/>
+                        </a:bodyPr>
+                        <a:lstStyle/>
+                        <a:p>
+                          <a14:m>
+                            <m:oMathPara xmlns:m="http://schemas.openxmlformats.org/officeDocument/2006/math">
+                              <m:oMathParaPr>
+                                <m:jc m:val="centerGroup"/>
+                              </m:oMathParaPr>
+                              <m:oMath xmlns:m="http://schemas.openxmlformats.org/officeDocument/2006/math">
+                                <m:sSup>
+                                  <m:sSupPr>
+                                    <m:ctrlPr>
+                                      <a:rPr lang="en-US" b="0" i="1" smtClean="0">
+                                        <a:latin typeface="Cambria Math" panose="02040503050406030204" pitchFamily="18" charset="0"/>
+                                      </a:rPr>
+                                    </m:ctrlPr>
+                                  </m:sSupPr>
+                                  <m:e>
+                                    <m:r>
+                                      <a:rPr lang="en-US" b="0" i="1" smtClean="0">
+                                        <a:latin typeface="Cambria Math" panose="02040503050406030204" pitchFamily="18" charset="0"/>
+                                      </a:rPr>
+                                      <m:t>𝑓</m:t>
+                                    </m:r>
+                                  </m:e>
+                                  <m:sup>
+                                    <m:r>
+                                      <a:rPr lang="en-US" b="0" i="1" smtClean="0">
+                                        <a:latin typeface="Cambria Math" panose="02040503050406030204" pitchFamily="18" charset="0"/>
+                                      </a:rPr>
+                                      <m:t>𝐺𝑁𝑁</m:t>
+                                    </m:r>
+                                    <m:r>
+                                      <a:rPr lang="en-US" b="0" i="1" smtClean="0">
+                                        <a:latin typeface="Cambria Math" panose="02040503050406030204" pitchFamily="18" charset="0"/>
+                                      </a:rPr>
+                                      <m:t>,</m:t>
+                                    </m:r>
+                                    <m:r>
+                                      <a:rPr lang="en-US" b="0" i="1" smtClean="0">
+                                        <a:latin typeface="Cambria Math" panose="02040503050406030204" pitchFamily="18" charset="0"/>
+                                      </a:rPr>
+                                      <m:t>𝐶𝑃</m:t>
+                                    </m:r>
+                                  </m:sup>
+                                </m:sSup>
+                                <m:r>
+                                  <a:rPr lang="en-US" b="0" i="1" smtClean="0">
+                                    <a:latin typeface="Cambria Math" panose="02040503050406030204" pitchFamily="18" charset="0"/>
+                                  </a:rPr>
+                                  <m:t>(⋅)</m:t>
+                                </m:r>
+                              </m:oMath>
+                            </m:oMathPara>
+                          </a14:m>
+                          <a:endParaRPr lang="en-US" b="0" dirty="0"/>
+                        </a:p>
+                      </p:txBody>
+                    </p:sp>
+                  </mc:Choice>
+                  <mc:Fallback>
+                    <p:sp>
+                      <p:nvSpPr>
+                        <p:cNvPr id="45" name="TextBox 44">
+                          <a:extLst>
+                            <a:ext uri="{FF2B5EF4-FFF2-40B4-BE49-F238E27FC236}">
+                              <a16:creationId xmlns:a16="http://schemas.microsoft.com/office/drawing/2014/main" id="{1658A18D-D483-7247-A6C1-FAB6C7CA482B}"/>
+                            </a:ext>
+                          </a:extLst>
+                        </p:cNvPr>
+                        <p:cNvSpPr txBox="1">
+                          <a:spLocks noRot="1" noChangeAspect="1" noMove="1" noResize="1" noEditPoints="1" noAdjustHandles="1" noChangeArrowheads="1" noChangeShapeType="1" noTextEdit="1"/>
+                        </p:cNvSpPr>
+                        <p:nvPr/>
+                      </p:nvSpPr>
+                      <p:spPr>
+                        <a:xfrm>
+                          <a:off x="2509401" y="4271804"/>
+                          <a:ext cx="1264449" cy="370230"/>
+                        </a:xfrm>
+                        <a:prstGeom prst="rect">
+                          <a:avLst/>
+                        </a:prstGeom>
+                        <a:blipFill>
+                          <a:blip r:embed="rId8"/>
+                          <a:stretch>
+                            <a:fillRect b="-13333"/>
+                          </a:stretch>
+                        </a:blipFill>
+                      </p:spPr>
+                      <p:txBody>
+                        <a:bodyPr/>
+                        <a:lstStyle/>
+                        <a:p>
+                          <a:r>
+                            <a:rPr lang="en-US">
+                              <a:noFill/>
+                            </a:rPr>
+                            <a:t> </a:t>
+                          </a:r>
+                        </a:p>
+                      </p:txBody>
+                    </p:sp>
+                  </mc:Fallback>
+                </mc:AlternateContent>
+                <mc:AlternateContent xmlns:mc="http://schemas.openxmlformats.org/markup-compatibility/2006">
+                  <mc:Choice xmlns:a14="http://schemas.microsoft.com/office/drawing/2010/main" Requires="a14">
+                    <p:sp>
+                      <p:nvSpPr>
+                        <p:cNvPr id="46" name="TextBox 45">
+                          <a:extLst>
+                            <a:ext uri="{FF2B5EF4-FFF2-40B4-BE49-F238E27FC236}">
+                              <a16:creationId xmlns:a16="http://schemas.microsoft.com/office/drawing/2014/main" id="{625C80D9-D468-8F41-B19B-8B88B75CA480}"/>
+                            </a:ext>
+                          </a:extLst>
+                        </p:cNvPr>
+                        <p:cNvSpPr txBox="1"/>
+                        <p:nvPr/>
+                      </p:nvSpPr>
+                      <p:spPr>
+                        <a:xfrm>
+                          <a:off x="2512351" y="5672296"/>
+                          <a:ext cx="1261499" cy="370230"/>
+                        </a:xfrm>
+                        <a:prstGeom prst="rect">
+                          <a:avLst/>
+                        </a:prstGeom>
+                        <a:noFill/>
+                      </p:spPr>
+                      <p:txBody>
+                        <a:bodyPr wrap="none" rtlCol="0">
+                          <a:spAutoFit/>
+                        </a:bodyPr>
+                        <a:lstStyle/>
+                        <a:p>
+                          <a14:m>
+                            <m:oMathPara xmlns:m="http://schemas.openxmlformats.org/officeDocument/2006/math">
+                              <m:oMathParaPr>
+                                <m:jc m:val="centerGroup"/>
+                              </m:oMathParaPr>
+                              <m:oMath xmlns:m="http://schemas.openxmlformats.org/officeDocument/2006/math">
+                                <m:sSup>
+                                  <m:sSupPr>
+                                    <m:ctrlPr>
+                                      <a:rPr lang="en-US" i="1" smtClean="0">
+                                        <a:latin typeface="Cambria Math" panose="02040503050406030204" pitchFamily="18" charset="0"/>
+                                      </a:rPr>
+                                    </m:ctrlPr>
+                                  </m:sSupPr>
+                                  <m:e>
+                                    <m:r>
+                                      <a:rPr lang="en-US" i="1">
+                                        <a:latin typeface="Cambria Math" panose="02040503050406030204" pitchFamily="18" charset="0"/>
+                                      </a:rPr>
+                                      <m:t>𝑓</m:t>
+                                    </m:r>
+                                  </m:e>
+                                  <m:sup>
+                                    <m:r>
+                                      <a:rPr lang="en-US" i="1">
+                                        <a:latin typeface="Cambria Math" panose="02040503050406030204" pitchFamily="18" charset="0"/>
+                                      </a:rPr>
+                                      <m:t>𝐺𝑁𝑁</m:t>
+                                    </m:r>
+                                    <m:r>
+                                      <a:rPr lang="en-US" i="1">
+                                        <a:latin typeface="Cambria Math" panose="02040503050406030204" pitchFamily="18" charset="0"/>
+                                      </a:rPr>
+                                      <m:t>,</m:t>
+                                    </m:r>
+                                    <m:r>
+                                      <a:rPr lang="en-US" b="0" i="1" smtClean="0">
+                                        <a:latin typeface="Cambria Math" panose="02040503050406030204" pitchFamily="18" charset="0"/>
+                                      </a:rPr>
+                                      <m:t>𝐶𝐶</m:t>
+                                    </m:r>
+                                  </m:sup>
+                                </m:sSup>
+                                <m:r>
+                                  <a:rPr lang="en-US" i="1">
+                                    <a:latin typeface="Cambria Math" panose="02040503050406030204" pitchFamily="18" charset="0"/>
+                                  </a:rPr>
+                                  <m:t>(⋅)</m:t>
+                                </m:r>
+                              </m:oMath>
+                            </m:oMathPara>
+                          </a14:m>
+                          <a:endParaRPr lang="en-US" dirty="0"/>
+                        </a:p>
+                      </p:txBody>
+                    </p:sp>
+                  </mc:Choice>
+                  <mc:Fallback>
+                    <p:sp>
+                      <p:nvSpPr>
+                        <p:cNvPr id="46" name="TextBox 45">
+                          <a:extLst>
+                            <a:ext uri="{FF2B5EF4-FFF2-40B4-BE49-F238E27FC236}">
+                              <a16:creationId xmlns:a16="http://schemas.microsoft.com/office/drawing/2014/main" id="{625C80D9-D468-8F41-B19B-8B88B75CA480}"/>
+                            </a:ext>
+                          </a:extLst>
+                        </p:cNvPr>
+                        <p:cNvSpPr txBox="1">
+                          <a:spLocks noRot="1" noChangeAspect="1" noMove="1" noResize="1" noEditPoints="1" noAdjustHandles="1" noChangeArrowheads="1" noChangeShapeType="1" noTextEdit="1"/>
+                        </p:cNvSpPr>
+                        <p:nvPr/>
+                      </p:nvSpPr>
+                      <p:spPr>
+                        <a:xfrm>
+                          <a:off x="2512351" y="5672296"/>
+                          <a:ext cx="1261499" cy="370230"/>
+                        </a:xfrm>
+                        <a:prstGeom prst="rect">
+                          <a:avLst/>
+                        </a:prstGeom>
+                        <a:blipFill>
+                          <a:blip r:embed="rId9"/>
+                          <a:stretch>
+                            <a:fillRect b="-16667"/>
+                          </a:stretch>
+                        </a:blipFill>
+                      </p:spPr>
+                      <p:txBody>
+                        <a:bodyPr/>
+                        <a:lstStyle/>
+                        <a:p>
+                          <a:r>
+                            <a:rPr lang="en-US">
+                              <a:noFill/>
+                            </a:rPr>
+                            <a:t> </a:t>
+                          </a:r>
+                        </a:p>
+                      </p:txBody>
+                    </p:sp>
+                  </mc:Fallback>
+                </mc:AlternateContent>
+                <p:sp>
+                  <p:nvSpPr>
+                    <p:cNvPr id="47" name="Rounded Rectangle 46">
+                      <a:extLst>
+                        <a:ext uri="{FF2B5EF4-FFF2-40B4-BE49-F238E27FC236}">
+                          <a16:creationId xmlns:a16="http://schemas.microsoft.com/office/drawing/2014/main" id="{DD1117BE-3AD8-7F40-A963-9CB00B0808E5}"/>
+                        </a:ext>
+                      </a:extLst>
+                    </p:cNvPr>
+                    <p:cNvSpPr/>
+                    <p:nvPr/>
+                  </p:nvSpPr>
+                  <p:spPr>
+                    <a:xfrm>
+                      <a:off x="4640205" y="4024340"/>
+                      <a:ext cx="914597" cy="2262160"/>
+                    </a:xfrm>
+                    <a:prstGeom prst="roundRect">
+                      <a:avLst/>
+                    </a:prstGeom>
+                    <a:solidFill>
+                      <a:schemeClr val="bg1">
+                        <a:lumMod val="85000"/>
+                      </a:schemeClr>
+                    </a:solidFill>
+                    <a:ln w="31750">
+                      <a:solidFill>
+                        <a:schemeClr val="tx1"/>
+                      </a:solidFill>
+                    </a:ln>
+                  </p:spPr>
+                  <p:style>
+                    <a:lnRef idx="2">
+                      <a:schemeClr val="accent1">
+                        <a:shade val="50000"/>
+                      </a:schemeClr>
+                    </a:lnRef>
+                    <a:fillRef idx="1">
+                      <a:schemeClr val="accent1"/>
+                    </a:fillRef>
+                    <a:effectRef idx="0">
+                      <a:schemeClr val="accent1"/>
+                    </a:effectRef>
+                    <a:fontRef idx="minor">
+                      <a:schemeClr val="lt1"/>
+                    </a:fontRef>
+                  </p:style>
+                  <p:txBody>
+                    <a:bodyPr rtlCol="0" anchor="ctr"/>
+                    <a:lstStyle/>
+                    <a:p>
+                      <a:pPr algn="ctr"/>
+                      <a:endParaRPr lang="en-US"/>
+                    </a:p>
+                  </p:txBody>
+                </p:sp>
+                <mc:AlternateContent xmlns:mc="http://schemas.openxmlformats.org/markup-compatibility/2006">
+                  <mc:Choice xmlns:a14="http://schemas.microsoft.com/office/drawing/2010/main" Requires="a14">
+                    <p:sp>
+                      <p:nvSpPr>
+                        <p:cNvPr id="48" name="TextBox 47">
+                          <a:extLst>
+                            <a:ext uri="{FF2B5EF4-FFF2-40B4-BE49-F238E27FC236}">
+                              <a16:creationId xmlns:a16="http://schemas.microsoft.com/office/drawing/2014/main" id="{97383156-46C0-8748-A695-292603A58B43}"/>
+                            </a:ext>
+                          </a:extLst>
+                        </p:cNvPr>
+                        <p:cNvSpPr txBox="1"/>
+                        <p:nvPr/>
+                      </p:nvSpPr>
+                      <p:spPr>
+                        <a:xfrm>
+                          <a:off x="4631991" y="4970754"/>
+                          <a:ext cx="903068" cy="372666"/>
+                        </a:xfrm>
+                        <a:prstGeom prst="rect">
+                          <a:avLst/>
+                        </a:prstGeom>
+                        <a:noFill/>
+                      </p:spPr>
+                      <p:txBody>
+                        <a:bodyPr wrap="none" rtlCol="0">
+                          <a:spAutoFit/>
+                        </a:bodyPr>
+                        <a:lstStyle/>
+                        <a:p>
+                          <a14:m>
+                            <m:oMathPara xmlns:m="http://schemas.openxmlformats.org/officeDocument/2006/math">
+                              <m:oMathParaPr>
+                                <m:jc m:val="centerGroup"/>
+                              </m:oMathParaPr>
+                              <m:oMath xmlns:m="http://schemas.openxmlformats.org/officeDocument/2006/math">
+                                <m:sSubSup>
+                                  <m:sSubSupPr>
+                                    <m:ctrlPr>
+                                      <a:rPr lang="en-US" b="0" i="1" smtClean="0">
+                                        <a:latin typeface="Cambria Math" panose="02040503050406030204" pitchFamily="18" charset="0"/>
+                                      </a:rPr>
+                                    </m:ctrlPr>
+                                  </m:sSubSupPr>
+                                  <m:e>
+                                    <m:r>
+                                      <a:rPr lang="en-US" i="1">
+                                        <a:latin typeface="Cambria Math" panose="02040503050406030204" pitchFamily="18" charset="0"/>
+                                      </a:rPr>
+                                      <m:t>𝑓</m:t>
+                                    </m:r>
+                                  </m:e>
+                                  <m:sub>
+                                    <m:r>
+                                      <a:rPr lang="en-US" b="0" i="1" smtClean="0">
+                                        <a:latin typeface="Cambria Math" panose="02040503050406030204" pitchFamily="18" charset="0"/>
+                                      </a:rPr>
+                                      <m:t>1</m:t>
+                                    </m:r>
+                                  </m:sub>
+                                  <m:sup>
+                                    <m:r>
+                                      <a:rPr lang="en-US" i="1">
+                                        <a:latin typeface="Cambria Math" panose="02040503050406030204" pitchFamily="18" charset="0"/>
+                                      </a:rPr>
+                                      <m:t>𝑁𝑁</m:t>
+                                    </m:r>
+                                  </m:sup>
+                                </m:sSubSup>
+                                <m:r>
+                                  <a:rPr lang="en-US" i="1">
+                                    <a:latin typeface="Cambria Math" panose="02040503050406030204" pitchFamily="18" charset="0"/>
+                                  </a:rPr>
+                                  <m:t>(⋅)</m:t>
+                                </m:r>
+                              </m:oMath>
+                            </m:oMathPara>
+                          </a14:m>
+                          <a:endParaRPr lang="en-US" dirty="0"/>
+                        </a:p>
+                      </p:txBody>
+                    </p:sp>
+                  </mc:Choice>
+                  <mc:Fallback>
+                    <p:sp>
+                      <p:nvSpPr>
+                        <p:cNvPr id="48" name="TextBox 47">
+                          <a:extLst>
+                            <a:ext uri="{FF2B5EF4-FFF2-40B4-BE49-F238E27FC236}">
+                              <a16:creationId xmlns:a16="http://schemas.microsoft.com/office/drawing/2014/main" id="{97383156-46C0-8748-A695-292603A58B43}"/>
+                            </a:ext>
+                          </a:extLst>
+                        </p:cNvPr>
+                        <p:cNvSpPr txBox="1">
+                          <a:spLocks noRot="1" noChangeAspect="1" noMove="1" noResize="1" noEditPoints="1" noAdjustHandles="1" noChangeArrowheads="1" noChangeShapeType="1" noTextEdit="1"/>
+                        </p:cNvSpPr>
+                        <p:nvPr/>
+                      </p:nvSpPr>
+                      <p:spPr>
+                        <a:xfrm>
+                          <a:off x="4631991" y="4970754"/>
+                          <a:ext cx="903068" cy="372666"/>
+                        </a:xfrm>
+                        <a:prstGeom prst="rect">
+                          <a:avLst/>
+                        </a:prstGeom>
+                        <a:blipFill>
+                          <a:blip r:embed="rId10"/>
+                          <a:stretch>
+                            <a:fillRect b="-13333"/>
+                          </a:stretch>
+                        </a:blipFill>
+                      </p:spPr>
+                      <p:txBody>
+                        <a:bodyPr/>
+                        <a:lstStyle/>
+                        <a:p>
+                          <a:r>
+                            <a:rPr lang="en-US">
+                              <a:noFill/>
+                            </a:rPr>
+                            <a:t> </a:t>
+                          </a:r>
+                        </a:p>
+                      </p:txBody>
+                    </p:sp>
+                  </mc:Fallback>
+                </mc:AlternateContent>
+                <mc:AlternateContent xmlns:mc="http://schemas.openxmlformats.org/markup-compatibility/2006">
+                  <mc:Choice xmlns:a14="http://schemas.microsoft.com/office/drawing/2010/main" Requires="a14">
+                    <p:sp>
+                      <p:nvSpPr>
+                        <p:cNvPr id="50" name="TextBox 49">
+                          <a:extLst>
+                            <a:ext uri="{FF2B5EF4-FFF2-40B4-BE49-F238E27FC236}">
+                              <a16:creationId xmlns:a16="http://schemas.microsoft.com/office/drawing/2014/main" id="{CA93B607-33DA-E84C-B0C8-29F862F4988C}"/>
+                            </a:ext>
+                          </a:extLst>
+                        </p:cNvPr>
+                        <p:cNvSpPr txBox="1"/>
+                        <p:nvPr/>
+                      </p:nvSpPr>
+                      <p:spPr>
+                        <a:xfrm>
+                          <a:off x="849530" y="4919953"/>
+                          <a:ext cx="672428" cy="391646"/>
+                        </a:xfrm>
+                        <a:prstGeom prst="rect">
+                          <a:avLst/>
+                        </a:prstGeom>
+                        <a:noFill/>
+                      </p:spPr>
+                      <p:txBody>
+                        <a:bodyPr wrap="none" rtlCol="0">
+                          <a:spAutoFit/>
+                        </a:bodyPr>
+                        <a:lstStyle/>
+                        <a:p>
+                          <a14:m>
+                            <m:oMathPara xmlns:m="http://schemas.openxmlformats.org/officeDocument/2006/math">
+                              <m:oMathParaPr>
+                                <m:jc m:val="centerGroup"/>
+                              </m:oMathParaPr>
+                              <m:oMath xmlns:m="http://schemas.openxmlformats.org/officeDocument/2006/math">
+                                <m:sSub>
+                                  <m:sSubPr>
+                                    <m:ctrlPr>
+                                      <a:rPr lang="en-US" b="0" i="1" smtClean="0">
+                                        <a:latin typeface="Cambria Math" panose="02040503050406030204" pitchFamily="18" charset="0"/>
+                                      </a:rPr>
+                                    </m:ctrlPr>
+                                  </m:sSubPr>
+                                  <m:e>
+                                    <m:r>
+                                      <a:rPr lang="en-US" b="0" i="1" smtClean="0">
+                                        <a:latin typeface="Cambria Math" panose="02040503050406030204" pitchFamily="18" charset="0"/>
+                                      </a:rPr>
+                                      <m:t>𝑐</m:t>
+                                    </m:r>
+                                  </m:e>
+                                  <m:sub>
+                                    <m:r>
+                                      <a:rPr lang="en-US" b="0" i="1" smtClean="0">
+                                        <a:latin typeface="Cambria Math" panose="02040503050406030204" pitchFamily="18" charset="0"/>
+                                      </a:rPr>
+                                      <m:t>𝑖</m:t>
+                                    </m:r>
+                                  </m:sub>
+                                </m:sSub>
+                                <m:r>
+                                  <a:rPr lang="en-US" b="0" i="1" smtClean="0">
+                                    <a:latin typeface="Cambria Math" panose="02040503050406030204" pitchFamily="18" charset="0"/>
+                                  </a:rPr>
+                                  <m:t>,</m:t>
+                                </m:r>
+                                <m:sSub>
+                                  <m:sSubPr>
+                                    <m:ctrlPr>
+                                      <a:rPr lang="en-US" b="0" i="1" smtClean="0">
+                                        <a:latin typeface="Cambria Math" panose="02040503050406030204" pitchFamily="18" charset="0"/>
+                                      </a:rPr>
+                                    </m:ctrlPr>
+                                  </m:sSubPr>
+                                  <m:e>
+                                    <m:r>
+                                      <a:rPr lang="en-US" b="0" i="1" smtClean="0">
+                                        <a:latin typeface="Cambria Math" panose="02040503050406030204" pitchFamily="18" charset="0"/>
+                                      </a:rPr>
+                                      <m:t>𝑐</m:t>
+                                    </m:r>
+                                  </m:e>
+                                  <m:sub>
+                                    <m:r>
+                                      <a:rPr lang="en-US" b="0" i="1" smtClean="0">
+                                        <a:latin typeface="Cambria Math" panose="02040503050406030204" pitchFamily="18" charset="0"/>
+                                      </a:rPr>
+                                      <m:t>𝑗</m:t>
+                                    </m:r>
+                                  </m:sub>
+                                </m:sSub>
+                              </m:oMath>
+                            </m:oMathPara>
+                          </a14:m>
+                          <a:endParaRPr lang="en-US" b="0" dirty="0"/>
+                        </a:p>
+                      </p:txBody>
+                    </p:sp>
+                  </mc:Choice>
+                  <mc:Fallback>
+                    <p:sp>
+                      <p:nvSpPr>
+                        <p:cNvPr id="50" name="TextBox 49">
+                          <a:extLst>
+                            <a:ext uri="{FF2B5EF4-FFF2-40B4-BE49-F238E27FC236}">
+                              <a16:creationId xmlns:a16="http://schemas.microsoft.com/office/drawing/2014/main" id="{CA93B607-33DA-E84C-B0C8-29F862F4988C}"/>
+                            </a:ext>
+                          </a:extLst>
+                        </p:cNvPr>
+                        <p:cNvSpPr txBox="1">
+                          <a:spLocks noRot="1" noChangeAspect="1" noMove="1" noResize="1" noEditPoints="1" noAdjustHandles="1" noChangeArrowheads="1" noChangeShapeType="1" noTextEdit="1"/>
+                        </p:cNvSpPr>
+                        <p:nvPr/>
+                      </p:nvSpPr>
+                      <p:spPr>
+                        <a:xfrm>
+                          <a:off x="849530" y="4919953"/>
+                          <a:ext cx="672428" cy="391646"/>
+                        </a:xfrm>
+                        <a:prstGeom prst="rect">
+                          <a:avLst/>
+                        </a:prstGeom>
+                        <a:blipFill>
+                          <a:blip r:embed="rId11"/>
+                          <a:stretch>
+                            <a:fillRect b="-6250"/>
+                          </a:stretch>
+                        </a:blipFill>
+                      </p:spPr>
+                      <p:txBody>
+                        <a:bodyPr/>
+                        <a:lstStyle/>
+                        <a:p>
+                          <a:r>
+                            <a:rPr lang="en-US">
+                              <a:noFill/>
+                            </a:rPr>
+                            <a:t> </a:t>
+                          </a:r>
+                        </a:p>
+                      </p:txBody>
+                    </p:sp>
+                  </mc:Fallback>
+                </mc:AlternateContent>
+                <p:sp>
+                  <p:nvSpPr>
+                    <p:cNvPr id="51" name="Rounded Rectangle 50">
+                      <a:extLst>
+                        <a:ext uri="{FF2B5EF4-FFF2-40B4-BE49-F238E27FC236}">
+                          <a16:creationId xmlns:a16="http://schemas.microsoft.com/office/drawing/2014/main" id="{949C6B90-7504-B646-BC2B-7F6DAD82FC04}"/>
+                        </a:ext>
+                      </a:extLst>
+                    </p:cNvPr>
+                    <p:cNvSpPr/>
+                    <p:nvPr/>
+                  </p:nvSpPr>
+                  <p:spPr>
+                    <a:xfrm>
+                      <a:off x="455417" y="4889499"/>
+                      <a:ext cx="1460653" cy="531840"/>
+                    </a:xfrm>
+                    <a:prstGeom prst="roundRect">
+                      <a:avLst/>
+                    </a:prstGeom>
+                    <a:noFill/>
+                    <a:ln w="31750">
+                      <a:solidFill>
+                        <a:schemeClr val="tx1"/>
+                      </a:solidFill>
+                      <a:prstDash val="dash"/>
+                    </a:ln>
+                  </p:spPr>
+                  <p:style>
+                    <a:lnRef idx="2">
+                      <a:schemeClr val="accent1">
+                        <a:shade val="50000"/>
+                      </a:schemeClr>
+                    </a:lnRef>
+                    <a:fillRef idx="1">
+                      <a:schemeClr val="accent1"/>
+                    </a:fillRef>
+                    <a:effectRef idx="0">
+                      <a:schemeClr val="accent1"/>
+                    </a:effectRef>
+                    <a:fontRef idx="minor">
+                      <a:schemeClr val="lt1"/>
+                    </a:fontRef>
+                  </p:style>
+                  <p:txBody>
+                    <a:bodyPr rtlCol="0" anchor="ctr"/>
+                    <a:lstStyle/>
+                    <a:p>
+                      <a:pPr algn="ctr"/>
+                      <a:endParaRPr lang="en-US"/>
+                    </a:p>
+                  </p:txBody>
+                </p:sp>
+                <p:sp>
+                  <p:nvSpPr>
+                    <p:cNvPr id="52" name="TextBox 51">
+                      <a:extLst>
+                        <a:ext uri="{FF2B5EF4-FFF2-40B4-BE49-F238E27FC236}">
+                          <a16:creationId xmlns:a16="http://schemas.microsoft.com/office/drawing/2014/main" id="{F7AF45A8-4169-9A46-AD10-6A658C77FD78}"/>
+                        </a:ext>
+                      </a:extLst>
+                    </p:cNvPr>
+                    <p:cNvSpPr txBox="1"/>
+                    <p:nvPr/>
+                  </p:nvSpPr>
+                  <p:spPr>
+                    <a:xfrm>
+                      <a:off x="1006682" y="6312585"/>
+                      <a:ext cx="1502719" cy="646331"/>
+                    </a:xfrm>
+                    <a:prstGeom prst="rect">
+                      <a:avLst/>
+                    </a:prstGeom>
+                    <a:noFill/>
+                  </p:spPr>
+                  <p:txBody>
+                    <a:bodyPr wrap="none" rtlCol="0">
+                      <a:spAutoFit/>
+                    </a:bodyPr>
+                    <a:lstStyle/>
+                    <a:p>
+                      <a:pPr algn="ctr"/>
+                      <a:r>
+                        <a:rPr lang="en-US" i="1" dirty="0">
+                          <a:solidFill>
+                            <a:schemeClr val="accent2"/>
+                          </a:solidFill>
+                        </a:rPr>
+                        <a:t>Set of queries </a:t>
+                      </a:r>
+                    </a:p>
+                    <a:p>
+                      <a:pPr algn="ctr"/>
+                      <a:r>
+                        <a:rPr lang="en-US" i="1" dirty="0">
+                          <a:solidFill>
+                            <a:schemeClr val="accent2"/>
+                          </a:solidFill>
+                        </a:rPr>
+                        <a:t>(Q)</a:t>
+                      </a:r>
+                    </a:p>
+                  </p:txBody>
+                </p:sp>
+              </p:grpSp>
+              <p:cxnSp>
+                <p:nvCxnSpPr>
+                  <p:cNvPr id="54" name="Straight Arrow Connector 53">
+                    <a:extLst>
+                      <a:ext uri="{FF2B5EF4-FFF2-40B4-BE49-F238E27FC236}">
+                        <a16:creationId xmlns:a16="http://schemas.microsoft.com/office/drawing/2014/main" id="{21A24696-0219-394B-919B-F12026F00D54}"/>
+                      </a:ext>
+                    </a:extLst>
+                  </p:cNvPr>
+                  <p:cNvCxnSpPr>
+                    <a:cxnSpLocks/>
+                    <a:stCxn id="51" idx="3"/>
+                    <a:endCxn id="43" idx="1"/>
+                  </p:cNvCxnSpPr>
+                  <p:nvPr/>
+                </p:nvCxnSpPr>
+                <p:spPr>
+                  <a:xfrm flipV="1">
+                    <a:off x="1954170" y="4152120"/>
+                    <a:ext cx="495230" cy="698499"/>
+                  </a:xfrm>
+                  <a:prstGeom prst="straightConnector1">
+                    <a:avLst/>
+                  </a:prstGeom>
+                  <a:ln w="31750">
+                    <a:solidFill>
+                      <a:schemeClr val="tx1"/>
+                    </a:solidFill>
+                    <a:tailEnd type="stealth" w="lg" len="lg"/>
+                  </a:ln>
+                </p:spPr>
+                <p:style>
+                  <a:lnRef idx="1">
+                    <a:schemeClr val="accent1"/>
+                  </a:lnRef>
+                  <a:fillRef idx="0">
+                    <a:schemeClr val="accent1"/>
+                  </a:fillRef>
+                  <a:effectRef idx="0">
+                    <a:schemeClr val="accent1"/>
+                  </a:effectRef>
+                  <a:fontRef idx="minor">
+                    <a:schemeClr val="tx1"/>
+                  </a:fontRef>
+                </p:style>
+              </p:cxnSp>
+              <p:cxnSp>
+                <p:nvCxnSpPr>
+                  <p:cNvPr id="57" name="Straight Arrow Connector 56">
+                    <a:extLst>
+                      <a:ext uri="{FF2B5EF4-FFF2-40B4-BE49-F238E27FC236}">
+                        <a16:creationId xmlns:a16="http://schemas.microsoft.com/office/drawing/2014/main" id="{E9B747CE-D0DE-AB4E-9FD4-D126943BFD7D}"/>
+                      </a:ext>
+                    </a:extLst>
+                  </p:cNvPr>
+                  <p:cNvCxnSpPr>
+                    <a:cxnSpLocks/>
+                    <a:stCxn id="51" idx="3"/>
+                    <a:endCxn id="44" idx="1"/>
+                  </p:cNvCxnSpPr>
+                  <p:nvPr/>
+                </p:nvCxnSpPr>
+                <p:spPr>
+                  <a:xfrm>
+                    <a:off x="1954170" y="4850619"/>
+                    <a:ext cx="495230" cy="698502"/>
+                  </a:xfrm>
+                  <a:prstGeom prst="straightConnector1">
+                    <a:avLst/>
+                  </a:prstGeom>
+                  <a:ln w="31750">
+                    <a:solidFill>
+                      <a:schemeClr val="tx1"/>
+                    </a:solidFill>
+                    <a:tailEnd type="stealth" w="lg" len="lg"/>
+                  </a:ln>
+                </p:spPr>
+                <p:style>
+                  <a:lnRef idx="1">
+                    <a:schemeClr val="accent1"/>
+                  </a:lnRef>
+                  <a:fillRef idx="0">
+                    <a:schemeClr val="accent1"/>
+                  </a:fillRef>
+                  <a:effectRef idx="0">
+                    <a:schemeClr val="accent1"/>
+                  </a:effectRef>
+                  <a:fontRef idx="minor">
+                    <a:schemeClr val="tx1"/>
+                  </a:fontRef>
+                </p:style>
+              </p:cxnSp>
+              <p:cxnSp>
+                <p:nvCxnSpPr>
+                  <p:cNvPr id="60" name="Straight Arrow Connector 59">
+                    <a:extLst>
+                      <a:ext uri="{FF2B5EF4-FFF2-40B4-BE49-F238E27FC236}">
+                        <a16:creationId xmlns:a16="http://schemas.microsoft.com/office/drawing/2014/main" id="{3779F490-4B30-264E-819C-2631B9F09E0F}"/>
+                      </a:ext>
+                    </a:extLst>
+                  </p:cNvPr>
+                  <p:cNvCxnSpPr>
+                    <a:cxnSpLocks/>
+                    <a:stCxn id="43" idx="3"/>
+                    <a:endCxn id="48" idx="1"/>
+                  </p:cNvCxnSpPr>
+                  <p:nvPr/>
+                </p:nvCxnSpPr>
+                <p:spPr>
+                  <a:xfrm>
+                    <a:off x="3910053" y="4152120"/>
+                    <a:ext cx="760038" cy="700167"/>
+                  </a:xfrm>
+                  <a:prstGeom prst="straightConnector1">
+                    <a:avLst/>
+                  </a:prstGeom>
+                  <a:ln w="31750">
+                    <a:solidFill>
+                      <a:schemeClr val="tx1"/>
+                    </a:solidFill>
+                    <a:tailEnd type="stealth" w="lg" len="lg"/>
+                  </a:ln>
+                </p:spPr>
+                <p:style>
+                  <a:lnRef idx="1">
+                    <a:schemeClr val="accent1"/>
+                  </a:lnRef>
+                  <a:fillRef idx="0">
+                    <a:schemeClr val="accent1"/>
+                  </a:fillRef>
+                  <a:effectRef idx="0">
+                    <a:schemeClr val="accent1"/>
+                  </a:effectRef>
+                  <a:fontRef idx="minor">
+                    <a:schemeClr val="tx1"/>
+                  </a:fontRef>
+                </p:style>
+              </p:cxnSp>
+              <p:cxnSp>
+                <p:nvCxnSpPr>
+                  <p:cNvPr id="63" name="Straight Arrow Connector 62">
+                    <a:extLst>
+                      <a:ext uri="{FF2B5EF4-FFF2-40B4-BE49-F238E27FC236}">
+                        <a16:creationId xmlns:a16="http://schemas.microsoft.com/office/drawing/2014/main" id="{42037D03-AFEC-D240-BC10-1D770CC356D8}"/>
+                      </a:ext>
+                    </a:extLst>
+                  </p:cNvPr>
+                  <p:cNvCxnSpPr>
+                    <a:cxnSpLocks/>
+                    <a:stCxn id="44" idx="3"/>
+                    <a:endCxn id="48" idx="1"/>
+                  </p:cNvCxnSpPr>
+                  <p:nvPr/>
+                </p:nvCxnSpPr>
+                <p:spPr>
+                  <a:xfrm flipV="1">
+                    <a:off x="3910053" y="4852287"/>
+                    <a:ext cx="760038" cy="696834"/>
+                  </a:xfrm>
+                  <a:prstGeom prst="straightConnector1">
+                    <a:avLst/>
+                  </a:prstGeom>
+                  <a:ln w="31750">
+                    <a:solidFill>
+                      <a:schemeClr val="tx1"/>
+                    </a:solidFill>
+                    <a:tailEnd type="stealth" w="lg" len="lg"/>
+                  </a:ln>
+                </p:spPr>
+                <p:style>
+                  <a:lnRef idx="1">
+                    <a:schemeClr val="accent1"/>
+                  </a:lnRef>
+                  <a:fillRef idx="0">
+                    <a:schemeClr val="accent1"/>
+                  </a:fillRef>
+                  <a:effectRef idx="0">
+                    <a:schemeClr val="accent1"/>
+                  </a:effectRef>
+                  <a:fontRef idx="minor">
+                    <a:schemeClr val="tx1"/>
+                  </a:fontRef>
+                </p:style>
+              </p:cxnSp>
+              <p:sp>
+                <p:nvSpPr>
+                  <p:cNvPr id="66" name="Rounded Rectangle 65">
+                    <a:extLst>
+                      <a:ext uri="{FF2B5EF4-FFF2-40B4-BE49-F238E27FC236}">
+                        <a16:creationId xmlns:a16="http://schemas.microsoft.com/office/drawing/2014/main" id="{04EE750C-1208-4442-B2C0-172DF62488B8}"/>
+                      </a:ext>
+                    </a:extLst>
+                  </p:cNvPr>
+                  <p:cNvSpPr/>
+                  <p:nvPr/>
+                </p:nvSpPr>
+                <p:spPr>
+                  <a:xfrm>
+                    <a:off x="6369367" y="3727114"/>
+                    <a:ext cx="914597" cy="2254586"/>
+                  </a:xfrm>
+                  <a:prstGeom prst="roundRect">
+                    <a:avLst/>
+                  </a:prstGeom>
+                  <a:solidFill>
+                    <a:schemeClr val="accent6">
+                      <a:lumMod val="40000"/>
+                      <a:lumOff val="60000"/>
+                    </a:schemeClr>
+                  </a:solidFill>
+                  <a:ln w="31750">
+                    <a:solidFill>
+                      <a:schemeClr val="tx1"/>
+                    </a:solidFill>
+                  </a:ln>
+                </p:spPr>
+                <p:style>
+                  <a:lnRef idx="2">
+                    <a:schemeClr val="accent1">
+                      <a:shade val="50000"/>
+                    </a:schemeClr>
+                  </a:lnRef>
+                  <a:fillRef idx="1">
+                    <a:schemeClr val="accent1"/>
+                  </a:fillRef>
+                  <a:effectRef idx="0">
+                    <a:schemeClr val="accent1"/>
+                  </a:effectRef>
+                  <a:fontRef idx="minor">
+                    <a:schemeClr val="lt1"/>
+                  </a:fontRef>
+                </p:style>
+                <p:txBody>
+                  <a:bodyPr rtlCol="0" anchor="ctr"/>
+                  <a:lstStyle/>
+                  <a:p>
+                    <a:pPr algn="ctr"/>
+                    <a:endParaRPr lang="en-US"/>
+                  </a:p>
+                </p:txBody>
+              </p:sp>
+              <p:sp>
+                <p:nvSpPr>
+                  <p:cNvPr id="67" name="Rounded Rectangle 66">
+                    <a:extLst>
+                      <a:ext uri="{FF2B5EF4-FFF2-40B4-BE49-F238E27FC236}">
+                        <a16:creationId xmlns:a16="http://schemas.microsoft.com/office/drawing/2014/main" id="{E7801D7B-9E80-8D4B-BF3C-C5017AF86867}"/>
+                      </a:ext>
+                    </a:extLst>
+                  </p:cNvPr>
+                  <p:cNvSpPr/>
+                  <p:nvPr/>
+                </p:nvSpPr>
+                <p:spPr>
+                  <a:xfrm>
+                    <a:off x="6103541" y="4578348"/>
+                    <a:ext cx="1460653" cy="531840"/>
+                  </a:xfrm>
+                  <a:prstGeom prst="roundRect">
+                    <a:avLst/>
+                  </a:prstGeom>
+                  <a:noFill/>
+                  <a:ln w="31750">
+                    <a:solidFill>
+                      <a:schemeClr val="tx1"/>
+                    </a:solidFill>
+                    <a:prstDash val="dash"/>
+                  </a:ln>
+                </p:spPr>
+                <p:style>
+                  <a:lnRef idx="2">
+                    <a:schemeClr val="accent1">
+                      <a:shade val="50000"/>
+                    </a:schemeClr>
+                  </a:lnRef>
+                  <a:fillRef idx="1">
+                    <a:schemeClr val="accent1"/>
+                  </a:fillRef>
+                  <a:effectRef idx="0">
+                    <a:schemeClr val="accent1"/>
+                  </a:effectRef>
+                  <a:fontRef idx="minor">
+                    <a:schemeClr val="lt1"/>
+                  </a:fontRef>
+                </p:style>
+                <p:txBody>
+                  <a:bodyPr rtlCol="0" anchor="ctr"/>
+                  <a:lstStyle/>
+                  <a:p>
+                    <a:pPr algn="ctr"/>
+                    <a:endParaRPr lang="en-US"/>
+                  </a:p>
+                </p:txBody>
+              </p:sp>
+              <p:cxnSp>
+                <p:nvCxnSpPr>
+                  <p:cNvPr id="68" name="Straight Arrow Connector 67">
+                    <a:extLst>
+                      <a:ext uri="{FF2B5EF4-FFF2-40B4-BE49-F238E27FC236}">
+                        <a16:creationId xmlns:a16="http://schemas.microsoft.com/office/drawing/2014/main" id="{F923CF61-15DD-8448-ABC3-71D6CB6576D0}"/>
+                      </a:ext>
+                    </a:extLst>
+                  </p:cNvPr>
+                  <p:cNvCxnSpPr>
+                    <a:cxnSpLocks/>
+                    <a:stCxn id="48" idx="3"/>
+                    <a:endCxn id="67" idx="1"/>
+                  </p:cNvCxnSpPr>
+                  <p:nvPr/>
+                </p:nvCxnSpPr>
+                <p:spPr>
+                  <a:xfrm flipV="1">
+                    <a:off x="5573159" y="4844268"/>
+                    <a:ext cx="530382" cy="8019"/>
+                  </a:xfrm>
+                  <a:prstGeom prst="straightConnector1">
+                    <a:avLst/>
+                  </a:prstGeom>
+                  <a:ln w="31750">
+                    <a:solidFill>
+                      <a:schemeClr val="tx1"/>
+                    </a:solidFill>
+                    <a:tailEnd type="stealth" w="lg" len="lg"/>
+                  </a:ln>
+                </p:spPr>
+                <p:style>
+                  <a:lnRef idx="1">
+                    <a:schemeClr val="accent1"/>
+                  </a:lnRef>
+                  <a:fillRef idx="0">
+                    <a:schemeClr val="accent1"/>
+                  </a:fillRef>
+                  <a:effectRef idx="0">
+                    <a:schemeClr val="accent1"/>
+                  </a:effectRef>
+                  <a:fontRef idx="minor">
+                    <a:schemeClr val="tx1"/>
+                  </a:fontRef>
+                </p:style>
+              </p:cxnSp>
+              <mc:AlternateContent xmlns:mc="http://schemas.openxmlformats.org/markup-compatibility/2006">
+                <mc:Choice xmlns:a14="http://schemas.microsoft.com/office/drawing/2010/main" Requires="a14">
+                  <p:sp>
+                    <p:nvSpPr>
+                      <p:cNvPr id="71" name="TextBox 70">
+                        <a:extLst>
+                          <a:ext uri="{FF2B5EF4-FFF2-40B4-BE49-F238E27FC236}">
+                            <a16:creationId xmlns:a16="http://schemas.microsoft.com/office/drawing/2014/main" id="{2B1BA133-7055-2847-AED4-14E618C72A9D}"/>
+                          </a:ext>
+                        </a:extLst>
+                      </p:cNvPr>
+                      <p:cNvSpPr txBox="1"/>
+                      <p:nvPr/>
+                    </p:nvSpPr>
+                    <p:spPr>
+                      <a:xfrm>
+                        <a:off x="6499874" y="4643640"/>
+                        <a:ext cx="685252" cy="391646"/>
+                      </a:xfrm>
+                      <a:prstGeom prst="rect">
+                        <a:avLst/>
+                      </a:prstGeom>
+                      <a:noFill/>
+                    </p:spPr>
+                    <p:txBody>
+                      <a:bodyPr wrap="none" rtlCol="0">
+                        <a:spAutoFit/>
+                      </a:bodyPr>
+                      <a:lstStyle/>
+                      <a:p>
+                        <a14:m>
+                          <m:oMathPara xmlns:m="http://schemas.openxmlformats.org/officeDocument/2006/math">
+                            <m:oMathParaPr>
+                              <m:jc m:val="centerGroup"/>
+                            </m:oMathParaPr>
+                            <m:oMath xmlns:m="http://schemas.openxmlformats.org/officeDocument/2006/math">
+                              <m:sSub>
+                                <m:sSubPr>
+                                  <m:ctrlPr>
+                                    <a:rPr lang="en-US" b="0" i="1" smtClean="0">
+                                      <a:latin typeface="Cambria Math" panose="02040503050406030204" pitchFamily="18" charset="0"/>
+                                    </a:rPr>
+                                  </m:ctrlPr>
+                                </m:sSubPr>
+                                <m:e>
+                                  <m:r>
+                                    <a:rPr lang="en-US" b="0" i="1" smtClean="0">
+                                      <a:latin typeface="Cambria Math" panose="02040503050406030204" pitchFamily="18" charset="0"/>
+                                    </a:rPr>
+                                    <m:t>𝑧</m:t>
+                                  </m:r>
+                                </m:e>
+                                <m:sub>
+                                  <m:r>
+                                    <a:rPr lang="en-US" b="0" i="1" smtClean="0">
+                                      <a:latin typeface="Cambria Math" panose="02040503050406030204" pitchFamily="18" charset="0"/>
+                                    </a:rPr>
+                                    <m:t>𝑖</m:t>
+                                  </m:r>
+                                </m:sub>
+                              </m:sSub>
+                              <m:r>
+                                <a:rPr lang="en-US" b="0" i="1" smtClean="0">
+                                  <a:latin typeface="Cambria Math" panose="02040503050406030204" pitchFamily="18" charset="0"/>
+                                </a:rPr>
+                                <m:t>,</m:t>
+                              </m:r>
+                              <m:sSub>
+                                <m:sSubPr>
+                                  <m:ctrlPr>
+                                    <a:rPr lang="en-US" b="0" i="1" smtClean="0">
+                                      <a:latin typeface="Cambria Math" panose="02040503050406030204" pitchFamily="18" charset="0"/>
+                                    </a:rPr>
+                                  </m:ctrlPr>
+                                </m:sSubPr>
+                                <m:e>
+                                  <m:r>
+                                    <a:rPr lang="en-US" b="0" i="1" smtClean="0">
+                                      <a:latin typeface="Cambria Math" panose="02040503050406030204" pitchFamily="18" charset="0"/>
+                                    </a:rPr>
+                                    <m:t>𝑧</m:t>
+                                  </m:r>
+                                </m:e>
+                                <m:sub>
+                                  <m:r>
+                                    <a:rPr lang="en-US" b="0" i="1" smtClean="0">
+                                      <a:latin typeface="Cambria Math" panose="02040503050406030204" pitchFamily="18" charset="0"/>
+                                    </a:rPr>
+                                    <m:t>𝑗</m:t>
+                                  </m:r>
+                                </m:sub>
+                              </m:sSub>
+                            </m:oMath>
+                          </m:oMathPara>
+                        </a14:m>
+                        <a:endParaRPr lang="en-US" b="0" dirty="0"/>
+                      </a:p>
+                    </p:txBody>
+                  </p:sp>
+                </mc:Choice>
+                <mc:Fallback>
+                  <p:sp>
+                    <p:nvSpPr>
+                      <p:cNvPr id="71" name="TextBox 70">
+                        <a:extLst>
+                          <a:ext uri="{FF2B5EF4-FFF2-40B4-BE49-F238E27FC236}">
+                            <a16:creationId xmlns:a16="http://schemas.microsoft.com/office/drawing/2014/main" id="{2B1BA133-7055-2847-AED4-14E618C72A9D}"/>
+                          </a:ext>
+                        </a:extLst>
+                      </p:cNvPr>
+                      <p:cNvSpPr txBox="1">
+                        <a:spLocks noRot="1" noChangeAspect="1" noMove="1" noResize="1" noEditPoints="1" noAdjustHandles="1" noChangeArrowheads="1" noChangeShapeType="1" noTextEdit="1"/>
+                      </p:cNvSpPr>
+                      <p:nvPr/>
+                    </p:nvSpPr>
+                    <p:spPr>
+                      <a:xfrm>
+                        <a:off x="6499874" y="4643640"/>
+                        <a:ext cx="685252" cy="391646"/>
+                      </a:xfrm>
+                      <a:prstGeom prst="rect">
+                        <a:avLst/>
+                      </a:prstGeom>
+                      <a:blipFill>
+                        <a:blip r:embed="rId12"/>
+                        <a:stretch>
+                          <a:fillRect b="-9375"/>
+                        </a:stretch>
+                      </a:blipFill>
+                    </p:spPr>
+                    <p:txBody>
+                      <a:bodyPr/>
+                      <a:lstStyle/>
+                      <a:p>
+                        <a:r>
+                          <a:rPr lang="en-US">
+                            <a:noFill/>
+                          </a:rPr>
+                          <a:t> </a:t>
+                        </a:r>
+                      </a:p>
+                    </p:txBody>
+                  </p:sp>
+                </mc:Fallback>
+              </mc:AlternateContent>
+              <p:sp>
+                <p:nvSpPr>
+                  <p:cNvPr id="72" name="Rounded Rectangle 71">
+                    <a:extLst>
+                      <a:ext uri="{FF2B5EF4-FFF2-40B4-BE49-F238E27FC236}">
+                        <a16:creationId xmlns:a16="http://schemas.microsoft.com/office/drawing/2014/main" id="{14C083D4-8912-B541-A715-4C3C4E91CD72}"/>
+                      </a:ext>
+                    </a:extLst>
+                  </p:cNvPr>
+                  <p:cNvSpPr/>
+                  <p:nvPr/>
+                </p:nvSpPr>
+                <p:spPr>
+                  <a:xfrm>
+                    <a:off x="8071531" y="3733800"/>
+                    <a:ext cx="914591" cy="2242770"/>
+                  </a:xfrm>
+                  <a:prstGeom prst="roundRect">
+                    <a:avLst/>
+                  </a:prstGeom>
+                  <a:solidFill>
+                    <a:schemeClr val="bg1">
+                      <a:lumMod val="85000"/>
+                    </a:schemeClr>
+                  </a:solidFill>
+                  <a:ln w="31750">
+                    <a:solidFill>
+                      <a:schemeClr val="tx1"/>
+                    </a:solidFill>
+                    <a:prstDash val="solid"/>
+                  </a:ln>
+                </p:spPr>
+                <p:style>
+                  <a:lnRef idx="2">
+                    <a:schemeClr val="accent1">
+                      <a:shade val="50000"/>
+                    </a:schemeClr>
+                  </a:lnRef>
+                  <a:fillRef idx="1">
+                    <a:schemeClr val="accent1"/>
+                  </a:fillRef>
+                  <a:effectRef idx="0">
+                    <a:schemeClr val="accent1"/>
+                  </a:effectRef>
+                  <a:fontRef idx="minor">
+                    <a:schemeClr val="lt1"/>
+                  </a:fontRef>
+                </p:style>
+                <p:txBody>
+                  <a:bodyPr rtlCol="0" anchor="ctr"/>
+                  <a:lstStyle/>
+                  <a:p>
+                    <a:pPr algn="ctr"/>
+                    <a:endParaRPr lang="en-US"/>
+                  </a:p>
+                </p:txBody>
+              </p:sp>
+              <p:cxnSp>
+                <p:nvCxnSpPr>
+                  <p:cNvPr id="73" name="Straight Arrow Connector 72">
+                    <a:extLst>
+                      <a:ext uri="{FF2B5EF4-FFF2-40B4-BE49-F238E27FC236}">
+                        <a16:creationId xmlns:a16="http://schemas.microsoft.com/office/drawing/2014/main" id="{29F724A6-E9D3-2D4C-A001-FC7963738BC2}"/>
+                      </a:ext>
+                    </a:extLst>
+                  </p:cNvPr>
+                  <p:cNvCxnSpPr>
+                    <a:cxnSpLocks/>
+                    <a:stCxn id="67" idx="3"/>
+                  </p:cNvCxnSpPr>
+                  <p:nvPr/>
+                </p:nvCxnSpPr>
+                <p:spPr>
+                  <a:xfrm>
+                    <a:off x="7564194" y="4844268"/>
+                    <a:ext cx="462845" cy="6351"/>
+                  </a:xfrm>
+                  <a:prstGeom prst="straightConnector1">
+                    <a:avLst/>
+                  </a:prstGeom>
+                  <a:ln w="31750">
+                    <a:solidFill>
+                      <a:schemeClr val="tx1"/>
+                    </a:solidFill>
+                    <a:tailEnd type="stealth" w="lg" len="lg"/>
+                  </a:ln>
+                </p:spPr>
+                <p:style>
+                  <a:lnRef idx="1">
+                    <a:schemeClr val="accent1"/>
+                  </a:lnRef>
+                  <a:fillRef idx="0">
+                    <a:schemeClr val="accent1"/>
+                  </a:fillRef>
+                  <a:effectRef idx="0">
+                    <a:schemeClr val="accent1"/>
+                  </a:effectRef>
+                  <a:fontRef idx="minor">
+                    <a:schemeClr val="tx1"/>
+                  </a:fontRef>
+                </p:style>
+              </p:cxnSp>
+              <mc:AlternateContent xmlns:mc="http://schemas.openxmlformats.org/markup-compatibility/2006">
+                <mc:Choice xmlns:a14="http://schemas.microsoft.com/office/drawing/2010/main" Requires="a14">
+                  <p:sp>
+                    <p:nvSpPr>
+                      <p:cNvPr id="76" name="TextBox 75">
+                        <a:extLst>
+                          <a:ext uri="{FF2B5EF4-FFF2-40B4-BE49-F238E27FC236}">
+                            <a16:creationId xmlns:a16="http://schemas.microsoft.com/office/drawing/2014/main" id="{B9D21D1D-47A3-AC40-9996-FD08E8F9D130}"/>
+                          </a:ext>
+                        </a:extLst>
+                      </p:cNvPr>
+                      <p:cNvSpPr txBox="1"/>
+                      <p:nvPr/>
+                    </p:nvSpPr>
+                    <p:spPr>
+                      <a:xfrm>
+                        <a:off x="8122485" y="4650024"/>
+                        <a:ext cx="903068" cy="373179"/>
+                      </a:xfrm>
+                      <a:prstGeom prst="rect">
+                        <a:avLst/>
+                      </a:prstGeom>
+                      <a:noFill/>
+                    </p:spPr>
+                    <p:txBody>
+                      <a:bodyPr wrap="none" rtlCol="0">
+                        <a:spAutoFit/>
+                      </a:bodyPr>
+                      <a:lstStyle/>
+                      <a:p>
+                        <a14:m>
+                          <m:oMathPara xmlns:m="http://schemas.openxmlformats.org/officeDocument/2006/math">
+                            <m:oMathParaPr>
+                              <m:jc m:val="centerGroup"/>
+                            </m:oMathParaPr>
+                            <m:oMath xmlns:m="http://schemas.openxmlformats.org/officeDocument/2006/math">
+                              <m:sSubSup>
+                                <m:sSubSupPr>
+                                  <m:ctrlPr>
+                                    <a:rPr lang="en-US" b="0" i="1" smtClean="0">
+                                      <a:latin typeface="Cambria Math" panose="02040503050406030204" pitchFamily="18" charset="0"/>
+                                    </a:rPr>
+                                  </m:ctrlPr>
+                                </m:sSubSupPr>
+                                <m:e>
+                                  <m:r>
+                                    <a:rPr lang="en-US" i="1">
+                                      <a:latin typeface="Cambria Math" panose="02040503050406030204" pitchFamily="18" charset="0"/>
+                                    </a:rPr>
+                                    <m:t>𝑓</m:t>
+                                  </m:r>
+                                </m:e>
+                                <m:sub>
+                                  <m:r>
+                                    <a:rPr lang="en-US" b="0" i="1" smtClean="0">
+                                      <a:latin typeface="Cambria Math" panose="02040503050406030204" pitchFamily="18" charset="0"/>
+                                    </a:rPr>
+                                    <m:t>2</m:t>
+                                  </m:r>
+                                </m:sub>
+                                <m:sup>
+                                  <m:r>
+                                    <a:rPr lang="en-US" i="1">
+                                      <a:latin typeface="Cambria Math" panose="02040503050406030204" pitchFamily="18" charset="0"/>
+                                    </a:rPr>
+                                    <m:t>𝑁𝑁</m:t>
+                                  </m:r>
+                                </m:sup>
+                              </m:sSubSup>
+                              <m:r>
+                                <a:rPr lang="en-US" i="1">
+                                  <a:latin typeface="Cambria Math" panose="02040503050406030204" pitchFamily="18" charset="0"/>
+                                </a:rPr>
+                                <m:t>(⋅)</m:t>
+                              </m:r>
+                            </m:oMath>
+                          </m:oMathPara>
+                        </a14:m>
+                        <a:endParaRPr lang="en-US" dirty="0"/>
+                      </a:p>
+                    </p:txBody>
+                  </p:sp>
+                </mc:Choice>
+                <mc:Fallback>
+                  <p:sp>
+                    <p:nvSpPr>
+                      <p:cNvPr id="76" name="TextBox 75">
+                        <a:extLst>
+                          <a:ext uri="{FF2B5EF4-FFF2-40B4-BE49-F238E27FC236}">
+                            <a16:creationId xmlns:a16="http://schemas.microsoft.com/office/drawing/2014/main" id="{B9D21D1D-47A3-AC40-9996-FD08E8F9D130}"/>
+                          </a:ext>
+                        </a:extLst>
+                      </p:cNvPr>
+                      <p:cNvSpPr txBox="1">
+                        <a:spLocks noRot="1" noChangeAspect="1" noMove="1" noResize="1" noEditPoints="1" noAdjustHandles="1" noChangeArrowheads="1" noChangeShapeType="1" noTextEdit="1"/>
+                      </p:cNvSpPr>
+                      <p:nvPr/>
+                    </p:nvSpPr>
+                    <p:spPr>
+                      <a:xfrm>
+                        <a:off x="8122485" y="4650024"/>
+                        <a:ext cx="903068" cy="373179"/>
+                      </a:xfrm>
+                      <a:prstGeom prst="rect">
+                        <a:avLst/>
+                      </a:prstGeom>
+                      <a:blipFill>
+                        <a:blip r:embed="rId13"/>
+                        <a:stretch>
+                          <a:fillRect b="-13333"/>
+                        </a:stretch>
+                      </a:blipFill>
+                    </p:spPr>
+                    <p:txBody>
+                      <a:bodyPr/>
+                      <a:lstStyle/>
+                      <a:p>
+                        <a:r>
+                          <a:rPr lang="en-US">
+                            <a:noFill/>
+                          </a:rPr>
+                          <a:t> </a:t>
+                        </a:r>
+                      </a:p>
+                    </p:txBody>
+                  </p:sp>
+                </mc:Fallback>
+              </mc:AlternateContent>
+              <p:sp>
+                <p:nvSpPr>
+                  <p:cNvPr id="77" name="TextBox 76">
+                    <a:extLst>
+                      <a:ext uri="{FF2B5EF4-FFF2-40B4-BE49-F238E27FC236}">
+                        <a16:creationId xmlns:a16="http://schemas.microsoft.com/office/drawing/2014/main" id="{A8AD55FB-82FA-964B-BFC9-FD8C00AFC39D}"/>
+                      </a:ext>
+                    </a:extLst>
+                  </p:cNvPr>
+                  <p:cNvSpPr txBox="1"/>
+                  <p:nvPr/>
+                </p:nvSpPr>
+                <p:spPr>
+                  <a:xfrm>
+                    <a:off x="6301124" y="5976570"/>
+                    <a:ext cx="2440412" cy="646331"/>
+                  </a:xfrm>
+                  <a:prstGeom prst="rect">
+                    <a:avLst/>
+                  </a:prstGeom>
+                  <a:noFill/>
+                </p:spPr>
+                <p:txBody>
+                  <a:bodyPr wrap="none" rtlCol="0">
+                    <a:spAutoFit/>
+                  </a:bodyPr>
+                  <a:lstStyle/>
+                  <a:p>
+                    <a:pPr algn="ctr"/>
+                    <a:r>
+                      <a:rPr lang="en-US" i="1" dirty="0">
+                        <a:solidFill>
+                          <a:schemeClr val="accent6"/>
+                        </a:solidFill>
+                      </a:rPr>
+                      <a:t>Node embeddings, z</a:t>
+                    </a:r>
+                  </a:p>
+                  <a:p>
+                    <a:pPr algn="ctr"/>
+                    <a:r>
+                      <a:rPr lang="en-US" i="1" dirty="0">
+                        <a:solidFill>
+                          <a:schemeClr val="accent6"/>
+                        </a:solidFill>
+                      </a:rPr>
+                      <a:t>(supervised </a:t>
+                    </a:r>
+                    <a:r>
+                      <a:rPr lang="en-US" i="1" dirty="0" err="1">
+                        <a:solidFill>
+                          <a:schemeClr val="accent6"/>
+                        </a:solidFill>
+                      </a:rPr>
+                      <a:t>GraphSAGE</a:t>
+                    </a:r>
+                    <a:r>
+                      <a:rPr lang="en-US" i="1" dirty="0">
+                        <a:solidFill>
+                          <a:schemeClr val="accent6"/>
+                        </a:solidFill>
+                      </a:rPr>
+                      <a:t>)</a:t>
+                    </a:r>
+                  </a:p>
+                </p:txBody>
+              </p:sp>
+              <p:sp>
+                <p:nvSpPr>
+                  <p:cNvPr id="78" name="Freeform 77">
+                    <a:extLst>
+                      <a:ext uri="{FF2B5EF4-FFF2-40B4-BE49-F238E27FC236}">
+                        <a16:creationId xmlns:a16="http://schemas.microsoft.com/office/drawing/2014/main" id="{5199505E-2B14-FA4B-B14A-9422A475554A}"/>
+                      </a:ext>
+                    </a:extLst>
+                  </p:cNvPr>
+                  <p:cNvSpPr/>
+                  <p:nvPr/>
+                </p:nvSpPr>
+                <p:spPr>
+                  <a:xfrm>
+                    <a:off x="3102369" y="2463800"/>
+                    <a:ext cx="2193531" cy="1270000"/>
+                  </a:xfrm>
+                  <a:custGeom>
+                    <a:avLst/>
+                    <a:gdLst>
+                      <a:gd name="connsiteX0" fmla="*/ 2193531 w 2193531"/>
+                      <a:gd name="connsiteY0" fmla="*/ 0 h 1270000"/>
+                      <a:gd name="connsiteX1" fmla="*/ 1164831 w 2193531"/>
+                      <a:gd name="connsiteY1" fmla="*/ 266700 h 1270000"/>
+                      <a:gd name="connsiteX2" fmla="*/ 123431 w 2193531"/>
+                      <a:gd name="connsiteY2" fmla="*/ 660400 h 1270000"/>
+                      <a:gd name="connsiteX3" fmla="*/ 59931 w 2193531"/>
+                      <a:gd name="connsiteY3" fmla="*/ 1270000 h 1270000"/>
+                    </a:gdLst>
+                    <a:ahLst/>
+                    <a:cxnLst>
+                      <a:cxn ang="0">
+                        <a:pos x="connsiteX0" y="connsiteY0"/>
+                      </a:cxn>
+                      <a:cxn ang="0">
+                        <a:pos x="connsiteX1" y="connsiteY1"/>
+                      </a:cxn>
+                      <a:cxn ang="0">
+                        <a:pos x="connsiteX2" y="connsiteY2"/>
+                      </a:cxn>
+                      <a:cxn ang="0">
+                        <a:pos x="connsiteX3" y="connsiteY3"/>
+                      </a:cxn>
+                    </a:cxnLst>
+                    <a:rect l="l" t="t" r="r" b="b"/>
+                    <a:pathLst>
+                      <a:path w="2193531" h="1270000">
+                        <a:moveTo>
+                          <a:pt x="2193531" y="0"/>
+                        </a:moveTo>
+                        <a:cubicBezTo>
+                          <a:pt x="1851689" y="78316"/>
+                          <a:pt x="1509848" y="156633"/>
+                          <a:pt x="1164831" y="266700"/>
+                        </a:cubicBezTo>
+                        <a:cubicBezTo>
+                          <a:pt x="819814" y="376767"/>
+                          <a:pt x="307581" y="493183"/>
+                          <a:pt x="123431" y="660400"/>
+                        </a:cubicBezTo>
+                        <a:cubicBezTo>
+                          <a:pt x="-60719" y="827617"/>
+                          <a:pt x="-394" y="1048808"/>
+                          <a:pt x="59931" y="1270000"/>
+                        </a:cubicBezTo>
+                      </a:path>
+                    </a:pathLst>
+                  </a:custGeom>
+                  <a:noFill/>
+                  <a:ln w="31750">
+                    <a:solidFill>
+                      <a:schemeClr val="accent6">
+                        <a:lumMod val="75000"/>
+                      </a:schemeClr>
+                    </a:solidFill>
+                    <a:headEnd type="oval" w="lg" len="lg"/>
+                    <a:tailEnd type="stealth" w="lg" len="lg"/>
+                  </a:ln>
+                </p:spPr>
+                <p:style>
+                  <a:lnRef idx="2">
+                    <a:schemeClr val="accent1">
+                      <a:shade val="50000"/>
+                    </a:schemeClr>
+                  </a:lnRef>
+                  <a:fillRef idx="1">
+                    <a:schemeClr val="accent1"/>
+                  </a:fillRef>
+                  <a:effectRef idx="0">
+                    <a:schemeClr val="accent1"/>
+                  </a:effectRef>
+                  <a:fontRef idx="minor">
+                    <a:schemeClr val="lt1"/>
+                  </a:fontRef>
+                </p:style>
+                <p:txBody>
+                  <a:bodyPr rtlCol="0" anchor="ctr"/>
+                  <a:lstStyle/>
+                  <a:p>
+                    <a:pPr algn="ctr"/>
+                    <a:endParaRPr lang="en-US"/>
+                  </a:p>
+                </p:txBody>
+              </p:sp>
+              <p:sp>
+                <p:nvSpPr>
+                  <p:cNvPr id="79" name="Freeform 78">
+                    <a:extLst>
+                      <a:ext uri="{FF2B5EF4-FFF2-40B4-BE49-F238E27FC236}">
+                        <a16:creationId xmlns:a16="http://schemas.microsoft.com/office/drawing/2014/main" id="{9948F2E8-B2FE-6A4A-A71B-274A02D4FC8F}"/>
+                      </a:ext>
+                    </a:extLst>
+                  </p:cNvPr>
+                  <p:cNvSpPr/>
+                  <p:nvPr/>
+                </p:nvSpPr>
+                <p:spPr>
+                  <a:xfrm>
+                    <a:off x="3187700" y="2463800"/>
+                    <a:ext cx="2120900" cy="2667000"/>
+                  </a:xfrm>
+                  <a:custGeom>
+                    <a:avLst/>
+                    <a:gdLst>
+                      <a:gd name="connsiteX0" fmla="*/ 2120900 w 2120900"/>
+                      <a:gd name="connsiteY0" fmla="*/ 0 h 2667000"/>
+                      <a:gd name="connsiteX1" fmla="*/ 1295400 w 2120900"/>
+                      <a:gd name="connsiteY1" fmla="*/ 723900 h 2667000"/>
+                      <a:gd name="connsiteX2" fmla="*/ 241300 w 2120900"/>
+                      <a:gd name="connsiteY2" fmla="*/ 1993900 h 2667000"/>
+                      <a:gd name="connsiteX3" fmla="*/ 0 w 2120900"/>
+                      <a:gd name="connsiteY3" fmla="*/ 2667000 h 2667000"/>
+                    </a:gdLst>
+                    <a:ahLst/>
+                    <a:cxnLst>
+                      <a:cxn ang="0">
+                        <a:pos x="connsiteX0" y="connsiteY0"/>
+                      </a:cxn>
+                      <a:cxn ang="0">
+                        <a:pos x="connsiteX1" y="connsiteY1"/>
+                      </a:cxn>
+                      <a:cxn ang="0">
+                        <a:pos x="connsiteX2" y="connsiteY2"/>
+                      </a:cxn>
+                      <a:cxn ang="0">
+                        <a:pos x="connsiteX3" y="connsiteY3"/>
+                      </a:cxn>
+                    </a:cxnLst>
+                    <a:rect l="l" t="t" r="r" b="b"/>
+                    <a:pathLst>
+                      <a:path w="2120900" h="2667000">
+                        <a:moveTo>
+                          <a:pt x="2120900" y="0"/>
+                        </a:moveTo>
+                        <a:cubicBezTo>
+                          <a:pt x="1864783" y="195791"/>
+                          <a:pt x="1608667" y="391583"/>
+                          <a:pt x="1295400" y="723900"/>
+                        </a:cubicBezTo>
+                        <a:cubicBezTo>
+                          <a:pt x="982133" y="1056217"/>
+                          <a:pt x="457200" y="1670050"/>
+                          <a:pt x="241300" y="1993900"/>
+                        </a:cubicBezTo>
+                        <a:cubicBezTo>
+                          <a:pt x="25400" y="2317750"/>
+                          <a:pt x="38100" y="2552700"/>
+                          <a:pt x="0" y="2667000"/>
+                        </a:cubicBezTo>
+                      </a:path>
+                    </a:pathLst>
+                  </a:custGeom>
+                  <a:noFill/>
+                  <a:ln w="31750">
+                    <a:solidFill>
+                      <a:schemeClr val="accent6">
+                        <a:lumMod val="75000"/>
+                      </a:schemeClr>
+                    </a:solidFill>
+                    <a:tailEnd type="stealth" w="lg" len="lg"/>
+                  </a:ln>
+                </p:spPr>
+                <p:style>
+                  <a:lnRef idx="2">
+                    <a:schemeClr val="accent1">
+                      <a:shade val="50000"/>
+                    </a:schemeClr>
+                  </a:lnRef>
+                  <a:fillRef idx="1">
+                    <a:schemeClr val="accent1"/>
+                  </a:fillRef>
+                  <a:effectRef idx="0">
+                    <a:schemeClr val="accent1"/>
+                  </a:effectRef>
+                  <a:fontRef idx="minor">
+                    <a:schemeClr val="lt1"/>
+                  </a:fontRef>
+                </p:style>
+                <p:txBody>
+                  <a:bodyPr rtlCol="0" anchor="ctr"/>
+                  <a:lstStyle/>
+                  <a:p>
+                    <a:pPr algn="ctr"/>
+                    <a:endParaRPr lang="en-US"/>
+                  </a:p>
+                </p:txBody>
+              </p:sp>
+            </p:grpSp>
+            <p:sp>
+              <p:nvSpPr>
+                <p:cNvPr id="87" name="Rounded Rectangle 86">
+                  <a:extLst>
+                    <a:ext uri="{FF2B5EF4-FFF2-40B4-BE49-F238E27FC236}">
+                      <a16:creationId xmlns:a16="http://schemas.microsoft.com/office/drawing/2014/main" id="{7B726279-4268-B340-8139-2E70B606C997}"/>
+                    </a:ext>
+                  </a:extLst>
+                </p:cNvPr>
+                <p:cNvSpPr/>
+                <p:nvPr/>
+              </p:nvSpPr>
+              <p:spPr>
+                <a:xfrm>
+                  <a:off x="9705516" y="3749994"/>
+                  <a:ext cx="1460653" cy="865159"/>
+                </a:xfrm>
+                <a:prstGeom prst="roundRect">
+                  <a:avLst/>
+                </a:prstGeom>
+                <a:solidFill>
+                  <a:schemeClr val="accent2">
+                    <a:lumMod val="60000"/>
+                    <a:lumOff val="40000"/>
+                  </a:schemeClr>
+                </a:solidFill>
+                <a:ln w="31750">
+                  <a:solidFill>
+                    <a:schemeClr val="tx1"/>
+                  </a:solidFill>
+                </a:ln>
+              </p:spPr>
+              <p:style>
+                <a:lnRef idx="2">
+                  <a:schemeClr val="accent1">
+                    <a:shade val="50000"/>
+                  </a:schemeClr>
+                </a:lnRef>
+                <a:fillRef idx="1">
+                  <a:schemeClr val="accent1"/>
+                </a:fillRef>
+                <a:effectRef idx="0">
+                  <a:schemeClr val="accent1"/>
+                </a:effectRef>
+                <a:fontRef idx="minor">
+                  <a:schemeClr val="lt1"/>
+                </a:fontRef>
+              </p:style>
+              <p:txBody>
+                <a:bodyPr rtlCol="0" anchor="ctr"/>
+                <a:lstStyle/>
+                <a:p>
+                  <a:pPr algn="ctr"/>
+                  <a:r>
+                    <a:rPr lang="en-US" dirty="0">
+                      <a:solidFill>
+                        <a:schemeClr val="tx1"/>
+                      </a:solidFill>
+                    </a:rPr>
+                    <a:t>Side-effect</a:t>
+                  </a:r>
+                </a:p>
+              </p:txBody>
+            </p:sp>
+            <p:sp>
+              <p:nvSpPr>
+                <p:cNvPr id="88" name="Rounded Rectangle 87">
+                  <a:extLst>
+                    <a:ext uri="{FF2B5EF4-FFF2-40B4-BE49-F238E27FC236}">
+                      <a16:creationId xmlns:a16="http://schemas.microsoft.com/office/drawing/2014/main" id="{F220E1EB-6006-E247-900F-D5A858953BA5}"/>
+                    </a:ext>
+                  </a:extLst>
+                </p:cNvPr>
+                <p:cNvSpPr/>
+                <p:nvPr/>
+              </p:nvSpPr>
+              <p:spPr>
+                <a:xfrm>
+                  <a:off x="9705516" y="5146995"/>
+                  <a:ext cx="1460653" cy="865159"/>
+                </a:xfrm>
+                <a:prstGeom prst="roundRect">
+                  <a:avLst/>
+                </a:prstGeom>
+                <a:solidFill>
+                  <a:schemeClr val="accent2">
+                    <a:lumMod val="60000"/>
+                    <a:lumOff val="40000"/>
+                  </a:schemeClr>
+                </a:solidFill>
+                <a:ln w="31750">
+                  <a:solidFill>
+                    <a:schemeClr val="tx1"/>
+                  </a:solidFill>
+                </a:ln>
+              </p:spPr>
+              <p:style>
+                <a:lnRef idx="2">
+                  <a:schemeClr val="accent1">
+                    <a:shade val="50000"/>
+                  </a:schemeClr>
+                </a:lnRef>
+                <a:fillRef idx="1">
+                  <a:schemeClr val="accent1"/>
+                </a:fillRef>
+                <a:effectRef idx="0">
+                  <a:schemeClr val="accent1"/>
+                </a:effectRef>
+                <a:fontRef idx="minor">
+                  <a:schemeClr val="lt1"/>
+                </a:fontRef>
+              </p:style>
+              <p:txBody>
+                <a:bodyPr rtlCol="0" anchor="ctr"/>
+                <a:lstStyle/>
+                <a:p>
+                  <a:pPr algn="ctr"/>
+                  <a:r>
+                    <a:rPr lang="en-US" dirty="0">
+                      <a:solidFill>
+                        <a:schemeClr val="tx1"/>
+                      </a:solidFill>
+                    </a:rPr>
+                    <a:t>No side-effect</a:t>
+                  </a:r>
+                </a:p>
+              </p:txBody>
+            </p:sp>
+            <p:cxnSp>
+              <p:nvCxnSpPr>
+                <p:cNvPr id="89" name="Straight Arrow Connector 88">
+                  <a:extLst>
+                    <a:ext uri="{FF2B5EF4-FFF2-40B4-BE49-F238E27FC236}">
+                      <a16:creationId xmlns:a16="http://schemas.microsoft.com/office/drawing/2014/main" id="{CA3E0222-8A81-9449-81CF-A3268E677E64}"/>
+                    </a:ext>
+                  </a:extLst>
+                </p:cNvPr>
+                <p:cNvCxnSpPr>
+                  <a:cxnSpLocks/>
+                  <a:stCxn id="76" idx="3"/>
+                  <a:endCxn id="87" idx="1"/>
+                </p:cNvCxnSpPr>
+                <p:nvPr/>
+              </p:nvCxnSpPr>
+              <p:spPr>
+                <a:xfrm flipV="1">
+                  <a:off x="9025553" y="4182574"/>
+                  <a:ext cx="679963" cy="654040"/>
+                </a:xfrm>
+                <a:prstGeom prst="straightConnector1">
+                  <a:avLst/>
+                </a:prstGeom>
+                <a:ln w="31750">
+                  <a:solidFill>
+                    <a:schemeClr val="tx1"/>
+                  </a:solidFill>
+                  <a:tailEnd type="stealth" w="lg" len="lg"/>
+                </a:ln>
+              </p:spPr>
+              <p:style>
+                <a:lnRef idx="1">
+                  <a:schemeClr val="accent1"/>
+                </a:lnRef>
+                <a:fillRef idx="0">
+                  <a:schemeClr val="accent1"/>
+                </a:fillRef>
+                <a:effectRef idx="0">
+                  <a:schemeClr val="accent1"/>
+                </a:effectRef>
+                <a:fontRef idx="minor">
+                  <a:schemeClr val="tx1"/>
+                </a:fontRef>
+              </p:style>
+            </p:cxnSp>
+            <p:cxnSp>
+              <p:nvCxnSpPr>
+                <p:cNvPr id="92" name="Straight Arrow Connector 91">
+                  <a:extLst>
+                    <a:ext uri="{FF2B5EF4-FFF2-40B4-BE49-F238E27FC236}">
+                      <a16:creationId xmlns:a16="http://schemas.microsoft.com/office/drawing/2014/main" id="{D86ED973-F02F-F144-895D-38CFF50C3F6B}"/>
+                    </a:ext>
+                  </a:extLst>
+                </p:cNvPr>
+                <p:cNvCxnSpPr>
+                  <a:cxnSpLocks/>
+                  <a:stCxn id="76" idx="3"/>
+                  <a:endCxn id="88" idx="1"/>
+                </p:cNvCxnSpPr>
+                <p:nvPr/>
+              </p:nvCxnSpPr>
+              <p:spPr>
+                <a:xfrm>
+                  <a:off x="9025553" y="4836614"/>
+                  <a:ext cx="679963" cy="742961"/>
+                </a:xfrm>
+                <a:prstGeom prst="straightConnector1">
+                  <a:avLst/>
+                </a:prstGeom>
+                <a:ln w="31750">
+                  <a:solidFill>
+                    <a:schemeClr val="tx1"/>
+                  </a:solidFill>
+                  <a:tailEnd type="stealth" w="lg" len="lg"/>
+                </a:ln>
+              </p:spPr>
+              <p:style>
+                <a:lnRef idx="1">
+                  <a:schemeClr val="accent1"/>
+                </a:lnRef>
+                <a:fillRef idx="0">
+                  <a:schemeClr val="accent1"/>
+                </a:fillRef>
+                <a:effectRef idx="0">
+                  <a:schemeClr val="accent1"/>
+                </a:effectRef>
+                <a:fontRef idx="minor">
+                  <a:schemeClr val="tx1"/>
+                </a:fontRef>
+              </p:style>
+            </p:cxnSp>
+            <p:sp>
+              <p:nvSpPr>
+                <p:cNvPr id="95" name="TextBox 94">
+                  <a:extLst>
+                    <a:ext uri="{FF2B5EF4-FFF2-40B4-BE49-F238E27FC236}">
+                      <a16:creationId xmlns:a16="http://schemas.microsoft.com/office/drawing/2014/main" id="{5E46E969-9A28-FD43-B637-9D8842B4E875}"/>
+                    </a:ext>
+                  </a:extLst>
+                </p:cNvPr>
+                <p:cNvSpPr txBox="1"/>
+                <p:nvPr/>
+              </p:nvSpPr>
+              <p:spPr>
+                <a:xfrm>
+                  <a:off x="9765634" y="6007785"/>
+                  <a:ext cx="2142830" cy="646331"/>
+                </a:xfrm>
+                <a:prstGeom prst="rect">
+                  <a:avLst/>
+                </a:prstGeom>
+                <a:noFill/>
+              </p:spPr>
+              <p:txBody>
+                <a:bodyPr wrap="none" rtlCol="0">
+                  <a:spAutoFit/>
+                </a:bodyPr>
+                <a:lstStyle/>
+                <a:p>
+                  <a:pPr algn="ctr"/>
+                  <a:r>
+                    <a:rPr lang="en-US" i="1" dirty="0">
+                      <a:solidFill>
+                        <a:schemeClr val="accent2"/>
+                      </a:solidFill>
+                    </a:rPr>
+                    <a:t>Target for supervised</a:t>
+                  </a:r>
+                </a:p>
+                <a:p>
+                  <a:pPr algn="ctr"/>
+                  <a:r>
+                    <a:rPr lang="en-US" i="1" dirty="0">
+                      <a:solidFill>
+                        <a:schemeClr val="accent2"/>
+                      </a:solidFill>
+                    </a:rPr>
+                    <a:t>learning (r)</a:t>
+                  </a:r>
+                </a:p>
+              </p:txBody>
+            </p:sp>
+          </p:grpSp>
+          <p:cxnSp>
+            <p:nvCxnSpPr>
+              <p:cNvPr id="98" name="Straight Connector 97">
+                <a:extLst>
+                  <a:ext uri="{FF2B5EF4-FFF2-40B4-BE49-F238E27FC236}">
+                    <a16:creationId xmlns:a16="http://schemas.microsoft.com/office/drawing/2014/main" id="{F2D7F615-606B-ED42-899C-40809ED8864B}"/>
+                  </a:ext>
+                </a:extLst>
+              </p:cNvPr>
+              <p:cNvCxnSpPr>
+                <a:cxnSpLocks/>
+              </p:cNvCxnSpPr>
+              <p:nvPr/>
+            </p:nvCxnSpPr>
+            <p:spPr>
+              <a:xfrm>
+                <a:off x="8242260" y="152895"/>
+                <a:ext cx="0" cy="2391340"/>
+              </a:xfrm>
+              <a:prstGeom prst="line">
+                <a:avLst/>
+              </a:prstGeom>
+              <a:ln w="31750">
+                <a:solidFill>
+                  <a:schemeClr val="tx1"/>
+                </a:solidFill>
+                <a:prstDash val="dash"/>
+              </a:ln>
+            </p:spPr>
+            <p:style>
+              <a:lnRef idx="1">
+                <a:schemeClr val="accent1"/>
+              </a:lnRef>
+              <a:fillRef idx="0">
+                <a:schemeClr val="accent1"/>
+              </a:fillRef>
+              <a:effectRef idx="0">
+                <a:schemeClr val="accent1"/>
+              </a:effectRef>
+              <a:fontRef idx="minor">
+                <a:schemeClr val="tx1"/>
+              </a:fontRef>
+            </p:style>
+          </p:cxnSp>
+          <p:sp>
+            <p:nvSpPr>
+              <p:cNvPr id="99" name="Rounded Rectangle 98">
+                <a:extLst>
+                  <a:ext uri="{FF2B5EF4-FFF2-40B4-BE49-F238E27FC236}">
+                    <a16:creationId xmlns:a16="http://schemas.microsoft.com/office/drawing/2014/main" id="{CA1F270A-A845-6A42-B69B-6E453ED10900}"/>
+                  </a:ext>
+                </a:extLst>
+              </p:cNvPr>
+              <p:cNvSpPr/>
+              <p:nvPr/>
+            </p:nvSpPr>
+            <p:spPr>
+              <a:xfrm>
+                <a:off x="8499411" y="287287"/>
+                <a:ext cx="569978" cy="563526"/>
+              </a:xfrm>
+              <a:prstGeom prst="roundRect">
+                <a:avLst/>
+              </a:prstGeom>
+              <a:solidFill>
+                <a:schemeClr val="bg1">
+                  <a:lumMod val="85000"/>
+                </a:schemeClr>
+              </a:solidFill>
+              <a:ln w="31750">
+                <a:solidFill>
+                  <a:schemeClr val="tx1"/>
+                </a:solidFill>
+              </a:ln>
+            </p:spPr>
+            <p:style>
+              <a:lnRef idx="2">
+                <a:schemeClr val="accent1">
+                  <a:shade val="50000"/>
+                </a:schemeClr>
+              </a:lnRef>
+              <a:fillRef idx="1">
+                <a:schemeClr val="accent1"/>
+              </a:fillRef>
+              <a:effectRef idx="0">
+                <a:schemeClr val="accent1"/>
+              </a:effectRef>
+              <a:fontRef idx="minor">
+                <a:schemeClr val="lt1"/>
+              </a:fontRef>
+            </p:style>
+            <p:txBody>
+              <a:bodyPr rtlCol="0" anchor="ctr"/>
+              <a:lstStyle/>
+              <a:p>
+                <a:pPr algn="ctr"/>
+                <a:endParaRPr lang="en-US"/>
+              </a:p>
+            </p:txBody>
+          </p:sp>
+          <p:sp>
+            <p:nvSpPr>
+              <p:cNvPr id="100" name="Rounded Rectangle 99">
+                <a:extLst>
+                  <a:ext uri="{FF2B5EF4-FFF2-40B4-BE49-F238E27FC236}">
+                    <a16:creationId xmlns:a16="http://schemas.microsoft.com/office/drawing/2014/main" id="{E0F2AE62-8E45-884B-A12D-62BE98248F63}"/>
+                  </a:ext>
+                </a:extLst>
+              </p:cNvPr>
+              <p:cNvSpPr/>
+              <p:nvPr/>
+            </p:nvSpPr>
+            <p:spPr>
+              <a:xfrm>
+                <a:off x="8496237" y="1066802"/>
+                <a:ext cx="569976" cy="563527"/>
+              </a:xfrm>
+              <a:prstGeom prst="roundRect">
+                <a:avLst/>
+              </a:prstGeom>
+              <a:solidFill>
+                <a:schemeClr val="accent2">
+                  <a:lumMod val="60000"/>
+                  <a:lumOff val="40000"/>
+                </a:schemeClr>
+              </a:solidFill>
+              <a:ln w="31750">
+                <a:solidFill>
+                  <a:schemeClr val="tx1"/>
+                </a:solidFill>
+              </a:ln>
+            </p:spPr>
+            <p:style>
+              <a:lnRef idx="2">
+                <a:schemeClr val="accent1">
+                  <a:shade val="50000"/>
+                </a:schemeClr>
+              </a:lnRef>
+              <a:fillRef idx="1">
+                <a:schemeClr val="accent1"/>
+              </a:fillRef>
+              <a:effectRef idx="0">
+                <a:schemeClr val="accent1"/>
+              </a:effectRef>
+              <a:fontRef idx="minor">
+                <a:schemeClr val="lt1"/>
+              </a:fontRef>
+            </p:style>
+            <p:txBody>
+              <a:bodyPr rtlCol="0" anchor="ctr"/>
+              <a:lstStyle/>
+              <a:p>
+                <a:pPr algn="ctr"/>
+                <a:endParaRPr lang="en-US"/>
+              </a:p>
+            </p:txBody>
+          </p:sp>
+          <p:sp>
+            <p:nvSpPr>
+              <p:cNvPr id="101" name="Rounded Rectangle 100">
+                <a:extLst>
+                  <a:ext uri="{FF2B5EF4-FFF2-40B4-BE49-F238E27FC236}">
+                    <a16:creationId xmlns:a16="http://schemas.microsoft.com/office/drawing/2014/main" id="{1CF660E1-301B-8E4F-B83A-43976BAEF374}"/>
+                  </a:ext>
+                </a:extLst>
+              </p:cNvPr>
+              <p:cNvSpPr/>
+              <p:nvPr/>
+            </p:nvSpPr>
+            <p:spPr>
+              <a:xfrm>
+                <a:off x="8496237" y="1836389"/>
+                <a:ext cx="569976" cy="563527"/>
+              </a:xfrm>
+              <a:prstGeom prst="roundRect">
+                <a:avLst/>
+              </a:prstGeom>
+              <a:solidFill>
+                <a:schemeClr val="accent6">
+                  <a:lumMod val="40000"/>
+                  <a:lumOff val="60000"/>
+                </a:schemeClr>
+              </a:solidFill>
+              <a:ln w="31750">
+                <a:solidFill>
+                  <a:schemeClr val="tx1"/>
+                </a:solidFill>
+              </a:ln>
+            </p:spPr>
+            <p:style>
+              <a:lnRef idx="2">
+                <a:schemeClr val="accent1">
+                  <a:shade val="50000"/>
+                </a:schemeClr>
+              </a:lnRef>
+              <a:fillRef idx="1">
+                <a:schemeClr val="accent1"/>
+              </a:fillRef>
+              <a:effectRef idx="0">
+                <a:schemeClr val="accent1"/>
+              </a:effectRef>
+              <a:fontRef idx="minor">
+                <a:schemeClr val="lt1"/>
+              </a:fontRef>
+            </p:style>
+            <p:txBody>
+              <a:bodyPr rtlCol="0" anchor="ctr"/>
+              <a:lstStyle/>
+              <a:p>
+                <a:pPr algn="ctr"/>
+                <a:endParaRPr lang="en-US"/>
+              </a:p>
+            </p:txBody>
+          </p:sp>
+          <p:sp>
+            <p:nvSpPr>
+              <p:cNvPr id="102" name="TextBox 101">
+                <a:extLst>
+                  <a:ext uri="{FF2B5EF4-FFF2-40B4-BE49-F238E27FC236}">
+                    <a16:creationId xmlns:a16="http://schemas.microsoft.com/office/drawing/2014/main" id="{85D94079-64BD-A340-9CBC-4E706F5A0D32}"/>
+                  </a:ext>
+                </a:extLst>
+              </p:cNvPr>
+              <p:cNvSpPr txBox="1"/>
+              <p:nvPr/>
+            </p:nvSpPr>
+            <p:spPr>
+              <a:xfrm>
+                <a:off x="9231951" y="384384"/>
+                <a:ext cx="1915396" cy="369332"/>
+              </a:xfrm>
+              <a:prstGeom prst="rect">
+                <a:avLst/>
+              </a:prstGeom>
+              <a:noFill/>
+            </p:spPr>
+            <p:txBody>
+              <a:bodyPr wrap="none" rtlCol="0">
+                <a:spAutoFit/>
+              </a:bodyPr>
+              <a:lstStyle/>
+              <a:p>
+                <a:r>
+                  <a:rPr lang="en-US" i="1" dirty="0"/>
+                  <a:t>Model parameters</a:t>
+                </a:r>
+              </a:p>
+            </p:txBody>
+          </p:sp>
+          <p:sp>
+            <p:nvSpPr>
+              <p:cNvPr id="103" name="TextBox 102">
+                <a:extLst>
+                  <a:ext uri="{FF2B5EF4-FFF2-40B4-BE49-F238E27FC236}">
+                    <a16:creationId xmlns:a16="http://schemas.microsoft.com/office/drawing/2014/main" id="{27F2B39B-72A6-7C42-B852-64ECDCEC8AB3}"/>
+                  </a:ext>
+                </a:extLst>
+              </p:cNvPr>
+              <p:cNvSpPr txBox="1"/>
+              <p:nvPr/>
+            </p:nvSpPr>
+            <p:spPr>
+              <a:xfrm>
+                <a:off x="9231951" y="1138376"/>
+                <a:ext cx="1520031" cy="369332"/>
+              </a:xfrm>
+              <a:prstGeom prst="rect">
+                <a:avLst/>
+              </a:prstGeom>
+              <a:noFill/>
+            </p:spPr>
+            <p:txBody>
+              <a:bodyPr wrap="none" rtlCol="0">
+                <a:spAutoFit/>
+              </a:bodyPr>
+              <a:lstStyle/>
+              <a:p>
+                <a:r>
+                  <a:rPr lang="en-US" i="1" dirty="0"/>
+                  <a:t>Available data</a:t>
+                </a:r>
+              </a:p>
+            </p:txBody>
+          </p:sp>
+          <p:sp>
+            <p:nvSpPr>
+              <p:cNvPr id="104" name="TextBox 103">
+                <a:extLst>
+                  <a:ext uri="{FF2B5EF4-FFF2-40B4-BE49-F238E27FC236}">
+                    <a16:creationId xmlns:a16="http://schemas.microsoft.com/office/drawing/2014/main" id="{AD3A1608-21F9-5F48-83AD-3B1C9020BFC5}"/>
+                  </a:ext>
+                </a:extLst>
+              </p:cNvPr>
+              <p:cNvSpPr txBox="1"/>
+              <p:nvPr/>
+            </p:nvSpPr>
+            <p:spPr>
+              <a:xfrm>
+                <a:off x="9231951" y="1794986"/>
+                <a:ext cx="1609736" cy="646331"/>
+              </a:xfrm>
+              <a:prstGeom prst="rect">
+                <a:avLst/>
+              </a:prstGeom>
+              <a:noFill/>
+            </p:spPr>
+            <p:txBody>
+              <a:bodyPr wrap="none" rtlCol="0">
+                <a:spAutoFit/>
+              </a:bodyPr>
+              <a:lstStyle/>
+              <a:p>
+                <a:r>
+                  <a:rPr lang="en-US" i="1" dirty="0"/>
+                  <a:t>Inductive node </a:t>
+                </a:r>
+              </a:p>
+              <a:p>
+                <a:r>
+                  <a:rPr lang="en-US" i="1" dirty="0"/>
+                  <a:t>representation</a:t>
+                </a:r>
+              </a:p>
+            </p:txBody>
+          </p:sp>
+        </p:grpSp>
+        <p:sp>
+          <p:nvSpPr>
+            <p:cNvPr id="114" name="TextBox 113">
+              <a:extLst>
+                <a:ext uri="{FF2B5EF4-FFF2-40B4-BE49-F238E27FC236}">
+                  <a16:creationId xmlns:a16="http://schemas.microsoft.com/office/drawing/2014/main" id="{A9A2EB36-0AAC-2E4A-A1CD-4D557800784E}"/>
+                </a:ext>
+              </a:extLst>
+            </p:cNvPr>
+            <p:cNvSpPr txBox="1"/>
+            <p:nvPr/>
+          </p:nvSpPr>
+          <p:spPr>
+            <a:xfrm>
+              <a:off x="516377" y="87525"/>
+              <a:ext cx="1887376" cy="646331"/>
+            </a:xfrm>
+            <a:prstGeom prst="rect">
+              <a:avLst/>
+            </a:prstGeom>
+            <a:noFill/>
+          </p:spPr>
+          <p:txBody>
+            <a:bodyPr wrap="none" rtlCol="0">
+              <a:spAutoFit/>
+            </a:bodyPr>
+            <a:lstStyle/>
+            <a:p>
+              <a:pPr algn="ctr"/>
+              <a:r>
+                <a:rPr lang="en-US" i="1" dirty="0">
+                  <a:solidFill>
+                    <a:schemeClr val="accent2"/>
+                  </a:solidFill>
+                </a:rPr>
+                <a:t>Set of side-effects </a:t>
+              </a:r>
+            </a:p>
+            <a:p>
+              <a:pPr algn="ctr"/>
+              <a:r>
+                <a:rPr lang="en-US" i="1" dirty="0">
+                  <a:solidFill>
+                    <a:schemeClr val="accent2"/>
+                  </a:solidFill>
+                </a:rPr>
+                <a:t>for every drug</a:t>
+              </a:r>
+            </a:p>
+          </p:txBody>
+        </p:sp>
+        <p:sp>
+          <p:nvSpPr>
+            <p:cNvPr id="115" name="TextBox 114">
+              <a:extLst>
+                <a:ext uri="{FF2B5EF4-FFF2-40B4-BE49-F238E27FC236}">
+                  <a16:creationId xmlns:a16="http://schemas.microsoft.com/office/drawing/2014/main" id="{7E2AB743-817F-AE4C-86D5-21CB0AD7A153}"/>
+                </a:ext>
+              </a:extLst>
+            </p:cNvPr>
+            <p:cNvSpPr txBox="1"/>
+            <p:nvPr/>
+          </p:nvSpPr>
+          <p:spPr>
+            <a:xfrm>
+              <a:off x="684299" y="2482490"/>
+              <a:ext cx="1863202" cy="646331"/>
+            </a:xfrm>
+            <a:prstGeom prst="rect">
+              <a:avLst/>
+            </a:prstGeom>
+            <a:noFill/>
+          </p:spPr>
+          <p:txBody>
+            <a:bodyPr wrap="none" rtlCol="0">
+              <a:spAutoFit/>
+            </a:bodyPr>
+            <a:lstStyle/>
+            <a:p>
+              <a:pPr algn="ctr"/>
+              <a:r>
+                <a:rPr lang="en-US" i="1" dirty="0">
+                  <a:solidFill>
+                    <a:schemeClr val="accent2"/>
+                  </a:solidFill>
+                </a:rPr>
+                <a:t>Protein-to-protein</a:t>
+              </a:r>
+            </a:p>
+            <a:p>
+              <a:pPr algn="ctr"/>
+              <a:r>
+                <a:rPr lang="en-US" i="1" dirty="0">
+                  <a:solidFill>
+                    <a:schemeClr val="accent2"/>
+                  </a:solidFill>
+                </a:rPr>
+                <a:t>graph</a:t>
+              </a:r>
+            </a:p>
+          </p:txBody>
+        </p:sp>
+      </p:grpSp>
+    </p:spTree>
+    <p:extLst>
+      <p:ext uri="{BB962C8B-B14F-4D97-AF65-F5344CB8AC3E}">
+        <p14:creationId xmlns:p14="http://schemas.microsoft.com/office/powerpoint/2010/main" val="1388059544"/>
       </p:ext>
     </p:extLst>
   </p:cSld>
@@ -8040,8 +12110,8 @@
           </a:p>
         </p:txBody>
       </p:sp>
-      <mc:AlternateContent xmlns:mc="http://schemas.openxmlformats.org/markup-compatibility/2006">
-        <mc:Choice xmlns:a14="http://schemas.microsoft.com/office/drawing/2010/main" Requires="a14">
+      <mc:AlternateContent xmlns:mc="http://schemas.openxmlformats.org/markup-compatibility/2006" xmlns:a14="http://schemas.microsoft.com/office/drawing/2010/main">
+        <mc:Choice Requires="a14">
           <p:sp>
             <p:nvSpPr>
               <p:cNvPr id="3" name="Content Placeholder 2">
@@ -8264,13 +12334,7 @@
                           <a:rPr lang="en-US" i="1">
                             <a:latin typeface="Cambria Math" panose="02040503050406030204" pitchFamily="18" charset="0"/>
                           </a:rPr>
-                          <m:t>𝐶</m:t>
-                        </m:r>
-                        <m:r>
-                          <a:rPr lang="en-US" i="1">
-                            <a:latin typeface="Cambria Math" panose="02040503050406030204" pitchFamily="18" charset="0"/>
-                          </a:rPr>
-                          <m:t>𝑃</m:t>
+                          <m:t>𝐶𝑃</m:t>
                         </m:r>
                       </m:sup>
                     </m:sSup>
@@ -8386,7 +12450,7 @@
             </p:txBody>
           </p:sp>
         </mc:Choice>
-        <mc:Fallback>
+        <mc:Fallback xmlns="">
           <p:sp>
             <p:nvSpPr>
               <p:cNvPr id="3" name="Content Placeholder 2">
@@ -8456,8 +12520,8 @@
           <a:chExt cx="0" cy="0"/>
         </a:xfrm>
       </p:grpSpPr>
-      <mc:AlternateContent xmlns:mc="http://schemas.openxmlformats.org/markup-compatibility/2006">
-        <mc:Choice xmlns:a14="http://schemas.microsoft.com/office/drawing/2010/main" Requires="a14">
+      <mc:AlternateContent xmlns:mc="http://schemas.openxmlformats.org/markup-compatibility/2006" xmlns:a14="http://schemas.microsoft.com/office/drawing/2010/main">
+        <mc:Choice Requires="a14">
           <p:sp>
             <p:nvSpPr>
               <p:cNvPr id="2" name="Title 1">
@@ -8517,7 +12581,7 @@
             </p:txBody>
           </p:sp>
         </mc:Choice>
-        <mc:Fallback>
+        <mc:Fallback xmlns="">
           <p:sp>
             <p:nvSpPr>
               <p:cNvPr id="2" name="Title 1">
@@ -8557,8 +12621,8 @@
           </p:sp>
         </mc:Fallback>
       </mc:AlternateContent>
-      <mc:AlternateContent xmlns:mc="http://schemas.openxmlformats.org/markup-compatibility/2006">
-        <mc:Choice xmlns:a14="http://schemas.microsoft.com/office/drawing/2010/main" Requires="a14">
+      <mc:AlternateContent xmlns:mc="http://schemas.openxmlformats.org/markup-compatibility/2006" xmlns:a14="http://schemas.microsoft.com/office/drawing/2010/main">
+        <mc:Choice Requires="a14">
           <p:sp>
             <p:nvSpPr>
               <p:cNvPr id="3" name="Content Placeholder 2">
@@ -8932,7 +12996,7 @@
             </p:txBody>
           </p:sp>
         </mc:Choice>
-        <mc:Fallback>
+        <mc:Fallback xmlns="">
           <p:sp>
             <p:nvSpPr>
               <p:cNvPr id="3" name="Content Placeholder 2">
@@ -9036,8 +13100,8 @@
           <a:chExt cx="0" cy="0"/>
         </a:xfrm>
       </p:grpSpPr>
-      <mc:AlternateContent xmlns:mc="http://schemas.openxmlformats.org/markup-compatibility/2006">
-        <mc:Choice xmlns:a14="http://schemas.microsoft.com/office/drawing/2010/main" Requires="a14">
+      <mc:AlternateContent xmlns:mc="http://schemas.openxmlformats.org/markup-compatibility/2006" xmlns:a14="http://schemas.microsoft.com/office/drawing/2010/main">
+        <mc:Choice Requires="a14">
           <p:sp>
             <p:nvSpPr>
               <p:cNvPr id="2" name="Title 1">
@@ -9097,7 +13161,7 @@
             </p:txBody>
           </p:sp>
         </mc:Choice>
-        <mc:Fallback>
+        <mc:Fallback xmlns="">
           <p:sp>
             <p:nvSpPr>
               <p:cNvPr id="2" name="Title 1">
@@ -9137,8 +13201,8 @@
           </p:sp>
         </mc:Fallback>
       </mc:AlternateContent>
-      <mc:AlternateContent xmlns:mc="http://schemas.openxmlformats.org/markup-compatibility/2006">
-        <mc:Choice xmlns:a14="http://schemas.microsoft.com/office/drawing/2010/main" Requires="a14">
+      <mc:AlternateContent xmlns:mc="http://schemas.openxmlformats.org/markup-compatibility/2006" xmlns:a14="http://schemas.microsoft.com/office/drawing/2010/main">
+        <mc:Choice Requires="a14">
           <p:sp>
             <p:nvSpPr>
               <p:cNvPr id="3" name="Content Placeholder 2">
@@ -9314,13 +13378,7 @@
                           <a:rPr lang="en-US" i="1">
                             <a:latin typeface="Cambria Math" panose="02040503050406030204" pitchFamily="18" charset="0"/>
                           </a:rPr>
-                          <m:t>𝐶</m:t>
-                        </m:r>
-                        <m:r>
-                          <a:rPr lang="en-US" i="1">
-                            <a:latin typeface="Cambria Math" panose="02040503050406030204" pitchFamily="18" charset="0"/>
-                          </a:rPr>
-                          <m:t>𝑃</m:t>
+                          <m:t>𝐶𝑃</m:t>
                         </m:r>
                       </m:sup>
                     </m:sSup>
@@ -9337,7 +13395,7 @@
                         <m:begChr m:val="{"/>
                         <m:endChr m:val="}"/>
                         <m:ctrlPr>
-                          <a:rPr lang="en-US" b="0" i="0" smtClean="0">
+                          <a:rPr lang="en-US" b="0" i="1" smtClean="0">
                             <a:latin typeface="Cambria Math" panose="02040503050406030204" pitchFamily="18" charset="0"/>
                           </a:rPr>
                         </m:ctrlPr>
@@ -9441,13 +13499,7 @@
                           <a:rPr lang="en-US" i="1">
                             <a:latin typeface="Cambria Math" panose="02040503050406030204" pitchFamily="18" charset="0"/>
                           </a:rPr>
-                          <m:t>𝐶</m:t>
-                        </m:r>
-                        <m:r>
-                          <a:rPr lang="en-US" i="1">
-                            <a:latin typeface="Cambria Math" panose="02040503050406030204" pitchFamily="18" charset="0"/>
-                          </a:rPr>
-                          <m:t>𝑃</m:t>
+                          <m:t>𝐶𝑃</m:t>
                         </m:r>
                       </m:sup>
                     </m:sSup>
@@ -9521,7 +13573,7 @@
             </p:txBody>
           </p:sp>
         </mc:Choice>
-        <mc:Fallback>
+        <mc:Fallback xmlns="">
           <p:sp>
             <p:nvSpPr>
               <p:cNvPr id="3" name="Content Placeholder 2">
@@ -9565,8 +13617,8 @@
           </p:sp>
         </mc:Fallback>
       </mc:AlternateContent>
-      <mc:AlternateContent xmlns:mc="http://schemas.openxmlformats.org/markup-compatibility/2006">
-        <mc:Choice xmlns:a14="http://schemas.microsoft.com/office/drawing/2010/main" Requires="a14">
+      <mc:AlternateContent xmlns:mc="http://schemas.openxmlformats.org/markup-compatibility/2006" xmlns:a14="http://schemas.microsoft.com/office/drawing/2010/main">
+        <mc:Choice Requires="a14">
           <p:sp>
             <p:nvSpPr>
               <p:cNvPr id="4" name="Oval 3">
@@ -9667,7 +13719,7 @@
             </p:txBody>
           </p:sp>
         </mc:Choice>
-        <mc:Fallback>
+        <mc:Fallback xmlns="">
           <p:sp>
             <p:nvSpPr>
               <p:cNvPr id="4" name="Oval 3">
@@ -9717,8 +13769,8 @@
           </p:sp>
         </mc:Fallback>
       </mc:AlternateContent>
-      <mc:AlternateContent xmlns:mc="http://schemas.openxmlformats.org/markup-compatibility/2006">
-        <mc:Choice xmlns:a14="http://schemas.microsoft.com/office/drawing/2010/main" Requires="a14">
+      <mc:AlternateContent xmlns:mc="http://schemas.openxmlformats.org/markup-compatibility/2006" xmlns:a14="http://schemas.microsoft.com/office/drawing/2010/main">
+        <mc:Choice Requires="a14">
           <p:sp>
             <p:nvSpPr>
               <p:cNvPr id="9" name="Oval 8">
@@ -9830,7 +13882,7 @@
             </p:txBody>
           </p:sp>
         </mc:Choice>
-        <mc:Fallback>
+        <mc:Fallback xmlns="">
           <p:sp>
             <p:nvSpPr>
               <p:cNvPr id="9" name="Oval 8">
@@ -10293,8 +14345,8 @@
           <a:chExt cx="0" cy="0"/>
         </a:xfrm>
       </p:grpSpPr>
-      <mc:AlternateContent xmlns:mc="http://schemas.openxmlformats.org/markup-compatibility/2006">
-        <mc:Choice xmlns:a14="http://schemas.microsoft.com/office/drawing/2010/main" Requires="a14">
+      <mc:AlternateContent xmlns:mc="http://schemas.openxmlformats.org/markup-compatibility/2006" xmlns:a14="http://schemas.microsoft.com/office/drawing/2010/main">
+        <mc:Choice Requires="a14">
           <p:sp>
             <p:nvSpPr>
               <p:cNvPr id="2" name="Title 1">
@@ -10354,7 +14406,7 @@
             </p:txBody>
           </p:sp>
         </mc:Choice>
-        <mc:Fallback>
+        <mc:Fallback xmlns="">
           <p:sp>
             <p:nvSpPr>
               <p:cNvPr id="2" name="Title 1">
@@ -10394,8 +14446,8 @@
           </p:sp>
         </mc:Fallback>
       </mc:AlternateContent>
-      <mc:AlternateContent xmlns:mc="http://schemas.openxmlformats.org/markup-compatibility/2006">
-        <mc:Choice xmlns:a14="http://schemas.microsoft.com/office/drawing/2010/main" Requires="a14">
+      <mc:AlternateContent xmlns:mc="http://schemas.openxmlformats.org/markup-compatibility/2006" xmlns:a14="http://schemas.microsoft.com/office/drawing/2010/main">
+        <mc:Choice Requires="a14">
           <p:sp>
             <p:nvSpPr>
               <p:cNvPr id="3" name="Content Placeholder 2">
@@ -10647,7 +14699,7 @@
             </p:txBody>
           </p:sp>
         </mc:Choice>
-        <mc:Fallback>
+        <mc:Fallback xmlns="">
           <p:sp>
             <p:nvSpPr>
               <p:cNvPr id="3" name="Content Placeholder 2">
@@ -10779,8 +14831,8 @@
           </a:p>
         </p:txBody>
       </p:sp>
-      <mc:AlternateContent xmlns:mc="http://schemas.openxmlformats.org/markup-compatibility/2006">
-        <mc:Choice xmlns:a14="http://schemas.microsoft.com/office/drawing/2010/main" Requires="a14">
+      <mc:AlternateContent xmlns:mc="http://schemas.openxmlformats.org/markup-compatibility/2006" xmlns:a14="http://schemas.microsoft.com/office/drawing/2010/main">
+        <mc:Choice Requires="a14">
           <p:sp>
             <p:nvSpPr>
               <p:cNvPr id="3" name="Content Placeholder 2">
@@ -11296,7 +15348,7 @@
             </p:txBody>
           </p:sp>
         </mc:Choice>
-        <mc:Fallback>
+        <mc:Fallback xmlns="">
           <p:sp>
             <p:nvSpPr>
               <p:cNvPr id="3" name="Content Placeholder 2">
@@ -11464,8 +15516,8 @@
             <a:chExt cx="2577935" cy="5511348"/>
           </a:xfrm>
         </p:grpSpPr>
-        <mc:AlternateContent xmlns:mc="http://schemas.openxmlformats.org/markup-compatibility/2006">
-          <mc:Choice xmlns:a14="http://schemas.microsoft.com/office/drawing/2010/main" Requires="a14">
+        <mc:AlternateContent xmlns:mc="http://schemas.openxmlformats.org/markup-compatibility/2006" xmlns:a14="http://schemas.microsoft.com/office/drawing/2010/main">
+          <mc:Choice Requires="a14">
             <p:sp>
               <p:nvSpPr>
                 <p:cNvPr id="4" name="Rounded Rectangle 3">
@@ -11607,7 +15659,7 @@
               </p:txBody>
             </p:sp>
           </mc:Choice>
-          <mc:Fallback>
+          <mc:Fallback xmlns="">
             <p:sp>
               <p:nvSpPr>
                 <p:cNvPr id="4" name="Rounded Rectangle 3">
@@ -11701,8 +15753,8 @@
             </a:fontRef>
           </p:style>
         </p:cxnSp>
-        <mc:AlternateContent xmlns:mc="http://schemas.openxmlformats.org/markup-compatibility/2006">
-          <mc:Choice xmlns:a14="http://schemas.microsoft.com/office/drawing/2010/main" Requires="a14">
+        <mc:AlternateContent xmlns:mc="http://schemas.openxmlformats.org/markup-compatibility/2006" xmlns:a14="http://schemas.microsoft.com/office/drawing/2010/main">
+          <mc:Choice Requires="a14">
             <p:sp>
               <p:nvSpPr>
                 <p:cNvPr id="9" name="TextBox 8">
@@ -11731,6 +15783,7 @@
                 </a:bodyPr>
                 <a:lstStyle/>
                 <a:p>
+                  <a:pPr/>
                   <a14:m>
                     <m:oMathPara xmlns:m="http://schemas.openxmlformats.org/officeDocument/2006/math">
                       <m:oMathParaPr>
@@ -12025,7 +16078,7 @@
               </p:txBody>
             </p:sp>
           </mc:Choice>
-          <mc:Fallback>
+          <mc:Fallback xmlns="">
             <p:sp>
               <p:nvSpPr>
                 <p:cNvPr id="9" name="TextBox 8">
@@ -12114,8 +16167,8 @@
             </a:fontRef>
           </p:style>
         </p:cxnSp>
-        <mc:AlternateContent xmlns:mc="http://schemas.openxmlformats.org/markup-compatibility/2006">
-          <mc:Choice xmlns:a14="http://schemas.microsoft.com/office/drawing/2010/main" Requires="a14">
+        <mc:AlternateContent xmlns:mc="http://schemas.openxmlformats.org/markup-compatibility/2006" xmlns:a14="http://schemas.microsoft.com/office/drawing/2010/main">
+          <mc:Choice Requires="a14">
             <p:sp>
               <p:nvSpPr>
                 <p:cNvPr id="12" name="TextBox 11">
@@ -12144,6 +16197,7 @@
                 </a:bodyPr>
                 <a:lstStyle/>
                 <a:p>
+                  <a:pPr/>
                   <a14:m>
                     <m:oMathPara xmlns:m="http://schemas.openxmlformats.org/officeDocument/2006/math">
                       <m:oMathParaPr>
@@ -12322,7 +16376,7 @@
               </p:txBody>
             </p:sp>
           </mc:Choice>
-          <mc:Fallback>
+          <mc:Fallback xmlns="">
             <p:sp>
               <p:nvSpPr>
                 <p:cNvPr id="12" name="TextBox 11">
@@ -12548,8 +16602,8 @@
             <a:chExt cx="2577935" cy="4969256"/>
           </a:xfrm>
         </p:grpSpPr>
-        <mc:AlternateContent xmlns:mc="http://schemas.openxmlformats.org/markup-compatibility/2006">
-          <mc:Choice xmlns:a14="http://schemas.microsoft.com/office/drawing/2010/main" Requires="a14">
+        <mc:AlternateContent xmlns:mc="http://schemas.openxmlformats.org/markup-compatibility/2006" xmlns:a14="http://schemas.microsoft.com/office/drawing/2010/main">
+          <mc:Choice Requires="a14">
             <p:sp>
               <p:nvSpPr>
                 <p:cNvPr id="5" name="Rounded Rectangle 4">
@@ -12691,7 +16745,7 @@
               </p:txBody>
             </p:sp>
           </mc:Choice>
-          <mc:Fallback>
+          <mc:Fallback xmlns="">
             <p:sp>
               <p:nvSpPr>
                 <p:cNvPr id="5" name="Rounded Rectangle 4">
@@ -12785,8 +16839,8 @@
             </a:fontRef>
           </p:style>
         </p:cxnSp>
-        <mc:AlternateContent xmlns:mc="http://schemas.openxmlformats.org/markup-compatibility/2006">
-          <mc:Choice xmlns:a14="http://schemas.microsoft.com/office/drawing/2010/main" Requires="a14">
+        <mc:AlternateContent xmlns:mc="http://schemas.openxmlformats.org/markup-compatibility/2006" xmlns:a14="http://schemas.microsoft.com/office/drawing/2010/main">
+          <mc:Choice Requires="a14">
             <p:sp>
               <p:nvSpPr>
                 <p:cNvPr id="7" name="TextBox 6">
@@ -12815,6 +16869,7 @@
                 </a:bodyPr>
                 <a:lstStyle/>
                 <a:p>
+                  <a:pPr/>
                   <a14:m>
                     <m:oMathPara xmlns:m="http://schemas.openxmlformats.org/officeDocument/2006/math">
                       <m:oMathParaPr>
@@ -13107,7 +17162,7 @@
               </p:txBody>
             </p:sp>
           </mc:Choice>
-          <mc:Fallback>
+          <mc:Fallback xmlns="">
             <p:sp>
               <p:nvSpPr>
                 <p:cNvPr id="7" name="TextBox 6">
@@ -13196,8 +17251,8 @@
             </a:fontRef>
           </p:style>
         </p:cxnSp>
-        <mc:AlternateContent xmlns:mc="http://schemas.openxmlformats.org/markup-compatibility/2006">
-          <mc:Choice xmlns:a14="http://schemas.microsoft.com/office/drawing/2010/main" Requires="a14">
+        <mc:AlternateContent xmlns:mc="http://schemas.openxmlformats.org/markup-compatibility/2006" xmlns:a14="http://schemas.microsoft.com/office/drawing/2010/main">
+          <mc:Choice Requires="a14">
             <p:sp>
               <p:nvSpPr>
                 <p:cNvPr id="9" name="TextBox 8">
@@ -13226,6 +17281,7 @@
                 </a:bodyPr>
                 <a:lstStyle/>
                 <a:p>
+                  <a:pPr/>
                   <a14:m>
                     <m:oMathPara xmlns:m="http://schemas.openxmlformats.org/officeDocument/2006/math">
                       <m:oMathParaPr>
@@ -13395,7 +17451,7 @@
               </p:txBody>
             </p:sp>
           </mc:Choice>
-          <mc:Fallback>
+          <mc:Fallback xmlns="">
             <p:sp>
               <p:nvSpPr>
                 <p:cNvPr id="9" name="TextBox 8">
@@ -13503,8 +17559,8 @@
             <a:chExt cx="5211642" cy="5213825"/>
           </a:xfrm>
         </p:grpSpPr>
-        <mc:AlternateContent xmlns:mc="http://schemas.openxmlformats.org/markup-compatibility/2006">
-          <mc:Choice xmlns:a14="http://schemas.microsoft.com/office/drawing/2010/main" Requires="a14">
+        <mc:AlternateContent xmlns:mc="http://schemas.openxmlformats.org/markup-compatibility/2006" xmlns:a14="http://schemas.microsoft.com/office/drawing/2010/main">
+          <mc:Choice Requires="a14">
             <p:sp>
               <p:nvSpPr>
                 <p:cNvPr id="12" name="Rounded Rectangle 11">
@@ -13657,7 +17713,7 @@
               </p:txBody>
             </p:sp>
           </mc:Choice>
-          <mc:Fallback>
+          <mc:Fallback xmlns="">
             <p:sp>
               <p:nvSpPr>
                 <p:cNvPr id="12" name="Rounded Rectangle 11">
@@ -13707,8 +17763,8 @@
             </p:sp>
           </mc:Fallback>
         </mc:AlternateContent>
-        <mc:AlternateContent xmlns:mc="http://schemas.openxmlformats.org/markup-compatibility/2006">
-          <mc:Choice xmlns:a14="http://schemas.microsoft.com/office/drawing/2010/main" Requires="a14">
+        <mc:AlternateContent xmlns:mc="http://schemas.openxmlformats.org/markup-compatibility/2006" xmlns:a14="http://schemas.microsoft.com/office/drawing/2010/main">
+          <mc:Choice Requires="a14">
             <p:sp>
               <p:nvSpPr>
                 <p:cNvPr id="13" name="Rounded Rectangle 12">
@@ -13861,7 +17917,7 @@
               </p:txBody>
             </p:sp>
           </mc:Choice>
-          <mc:Fallback>
+          <mc:Fallback xmlns="">
             <p:sp>
               <p:nvSpPr>
                 <p:cNvPr id="13" name="Rounded Rectangle 12">
@@ -13911,8 +17967,8 @@
             </p:sp>
           </mc:Fallback>
         </mc:AlternateContent>
-        <mc:AlternateContent xmlns:mc="http://schemas.openxmlformats.org/markup-compatibility/2006">
-          <mc:Choice xmlns:a14="http://schemas.microsoft.com/office/drawing/2010/main" Requires="a14">
+        <mc:AlternateContent xmlns:mc="http://schemas.openxmlformats.org/markup-compatibility/2006" xmlns:a14="http://schemas.microsoft.com/office/drawing/2010/main">
+          <mc:Choice Requires="a14">
             <p:sp>
               <p:nvSpPr>
                 <p:cNvPr id="15" name="Rounded Rectangle 14">
@@ -14055,7 +18111,7 @@
               </p:txBody>
             </p:sp>
           </mc:Choice>
-          <mc:Fallback>
+          <mc:Fallback xmlns="">
             <p:sp>
               <p:nvSpPr>
                 <p:cNvPr id="15" name="Rounded Rectangle 14">
@@ -14157,8 +18213,8 @@
             </a:p>
           </p:txBody>
         </p:sp>
-        <mc:AlternateContent xmlns:mc="http://schemas.openxmlformats.org/markup-compatibility/2006">
-          <mc:Choice xmlns:a14="http://schemas.microsoft.com/office/drawing/2010/main" Requires="a14">
+        <mc:AlternateContent xmlns:mc="http://schemas.openxmlformats.org/markup-compatibility/2006" xmlns:a14="http://schemas.microsoft.com/office/drawing/2010/main">
+          <mc:Choice Requires="a14">
             <p:sp>
               <p:nvSpPr>
                 <p:cNvPr id="17" name="TextBox 16">
@@ -14187,6 +18243,7 @@
                 </a:bodyPr>
                 <a:lstStyle/>
                 <a:p>
+                  <a:pPr/>
                   <a14:m>
                     <m:oMathPara xmlns:m="http://schemas.openxmlformats.org/officeDocument/2006/math">
                       <m:oMathParaPr>
@@ -14226,7 +18283,7 @@
               </p:txBody>
             </p:sp>
           </mc:Choice>
-          <mc:Fallback>
+          <mc:Fallback xmlns="">
             <p:sp>
               <p:nvSpPr>
                 <p:cNvPr id="17" name="TextBox 16">
@@ -14359,8 +18416,8 @@
             </a:fontRef>
           </p:style>
         </p:cxnSp>
-        <mc:AlternateContent xmlns:mc="http://schemas.openxmlformats.org/markup-compatibility/2006">
-          <mc:Choice xmlns:a14="http://schemas.microsoft.com/office/drawing/2010/main" Requires="a14">
+        <mc:AlternateContent xmlns:mc="http://schemas.openxmlformats.org/markup-compatibility/2006" xmlns:a14="http://schemas.microsoft.com/office/drawing/2010/main">
+          <mc:Choice Requires="a14">
             <p:sp>
               <p:nvSpPr>
                 <p:cNvPr id="23" name="TextBox 22">
@@ -14389,6 +18446,7 @@
                 </a:bodyPr>
                 <a:lstStyle/>
                 <a:p>
+                  <a:pPr/>
                   <a14:m>
                     <m:oMathPara xmlns:m="http://schemas.openxmlformats.org/officeDocument/2006/math">
                       <m:oMathParaPr>
@@ -14409,7 +18467,7 @@
               </p:txBody>
             </p:sp>
           </mc:Choice>
-          <mc:Fallback>
+          <mc:Fallback xmlns="">
             <p:sp>
               <p:nvSpPr>
                 <p:cNvPr id="23" name="TextBox 22">
@@ -14454,8 +18512,8 @@
             </p:sp>
           </mc:Fallback>
         </mc:AlternateContent>
-        <mc:AlternateContent xmlns:mc="http://schemas.openxmlformats.org/markup-compatibility/2006">
-          <mc:Choice xmlns:a14="http://schemas.microsoft.com/office/drawing/2010/main" Requires="a14">
+        <mc:AlternateContent xmlns:mc="http://schemas.openxmlformats.org/markup-compatibility/2006" xmlns:a14="http://schemas.microsoft.com/office/drawing/2010/main">
+          <mc:Choice Requires="a14">
             <p:sp>
               <p:nvSpPr>
                 <p:cNvPr id="24" name="TextBox 23">
@@ -14484,6 +18542,7 @@
                 </a:bodyPr>
                 <a:lstStyle/>
                 <a:p>
+                  <a:pPr/>
                   <a14:m>
                     <m:oMathPara xmlns:m="http://schemas.openxmlformats.org/officeDocument/2006/math">
                       <m:oMathParaPr>
@@ -14504,7 +18563,7 @@
               </p:txBody>
             </p:sp>
           </mc:Choice>
-          <mc:Fallback>
+          <mc:Fallback xmlns="">
             <p:sp>
               <p:nvSpPr>
                 <p:cNvPr id="24" name="TextBox 23">

--- a/Project/Report/Presentation1 copy.pptx
+++ b/Project/Report/Presentation1 copy.pptx
@@ -272,7 +272,7 @@
           <a:p>
             <a:fld id="{7E3CF419-5A02-7343-AB86-E833DAAF76A0}" type="datetimeFigureOut">
               <a:rPr lang="en-US" smtClean="0"/>
-              <a:t>12/22/21</a:t>
+              <a:t>12/24/21</a:t>
             </a:fld>
             <a:endParaRPr lang="en-US"/>
           </a:p>
@@ -470,7 +470,7 @@
           <a:p>
             <a:fld id="{7E3CF419-5A02-7343-AB86-E833DAAF76A0}" type="datetimeFigureOut">
               <a:rPr lang="en-US" smtClean="0"/>
-              <a:t>12/22/21</a:t>
+              <a:t>12/24/21</a:t>
             </a:fld>
             <a:endParaRPr lang="en-US"/>
           </a:p>
@@ -678,7 +678,7 @@
           <a:p>
             <a:fld id="{7E3CF419-5A02-7343-AB86-E833DAAF76A0}" type="datetimeFigureOut">
               <a:rPr lang="en-US" smtClean="0"/>
-              <a:t>12/22/21</a:t>
+              <a:t>12/24/21</a:t>
             </a:fld>
             <a:endParaRPr lang="en-US"/>
           </a:p>
@@ -876,7 +876,7 @@
           <a:p>
             <a:fld id="{7E3CF419-5A02-7343-AB86-E833DAAF76A0}" type="datetimeFigureOut">
               <a:rPr lang="en-US" smtClean="0"/>
-              <a:t>12/22/21</a:t>
+              <a:t>12/24/21</a:t>
             </a:fld>
             <a:endParaRPr lang="en-US"/>
           </a:p>
@@ -1151,7 +1151,7 @@
           <a:p>
             <a:fld id="{7E3CF419-5A02-7343-AB86-E833DAAF76A0}" type="datetimeFigureOut">
               <a:rPr lang="en-US" smtClean="0"/>
-              <a:t>12/22/21</a:t>
+              <a:t>12/24/21</a:t>
             </a:fld>
             <a:endParaRPr lang="en-US"/>
           </a:p>
@@ -1416,7 +1416,7 @@
           <a:p>
             <a:fld id="{7E3CF419-5A02-7343-AB86-E833DAAF76A0}" type="datetimeFigureOut">
               <a:rPr lang="en-US" smtClean="0"/>
-              <a:t>12/22/21</a:t>
+              <a:t>12/24/21</a:t>
             </a:fld>
             <a:endParaRPr lang="en-US"/>
           </a:p>
@@ -1828,7 +1828,7 @@
           <a:p>
             <a:fld id="{7E3CF419-5A02-7343-AB86-E833DAAF76A0}" type="datetimeFigureOut">
               <a:rPr lang="en-US" smtClean="0"/>
-              <a:t>12/22/21</a:t>
+              <a:t>12/24/21</a:t>
             </a:fld>
             <a:endParaRPr lang="en-US"/>
           </a:p>
@@ -1969,7 +1969,7 @@
           <a:p>
             <a:fld id="{7E3CF419-5A02-7343-AB86-E833DAAF76A0}" type="datetimeFigureOut">
               <a:rPr lang="en-US" smtClean="0"/>
-              <a:t>12/22/21</a:t>
+              <a:t>12/24/21</a:t>
             </a:fld>
             <a:endParaRPr lang="en-US"/>
           </a:p>
@@ -2082,7 +2082,7 @@
           <a:p>
             <a:fld id="{7E3CF419-5A02-7343-AB86-E833DAAF76A0}" type="datetimeFigureOut">
               <a:rPr lang="en-US" smtClean="0"/>
-              <a:t>12/22/21</a:t>
+              <a:t>12/24/21</a:t>
             </a:fld>
             <a:endParaRPr lang="en-US"/>
           </a:p>
@@ -2393,7 +2393,7 @@
           <a:p>
             <a:fld id="{7E3CF419-5A02-7343-AB86-E833DAAF76A0}" type="datetimeFigureOut">
               <a:rPr lang="en-US" smtClean="0"/>
-              <a:t>12/22/21</a:t>
+              <a:t>12/24/21</a:t>
             </a:fld>
             <a:endParaRPr lang="en-US"/>
           </a:p>
@@ -2681,7 +2681,7 @@
           <a:p>
             <a:fld id="{7E3CF419-5A02-7343-AB86-E833DAAF76A0}" type="datetimeFigureOut">
               <a:rPr lang="en-US" smtClean="0"/>
-              <a:t>12/22/21</a:t>
+              <a:t>12/24/21</a:t>
             </a:fld>
             <a:endParaRPr lang="en-US"/>
           </a:p>
@@ -2922,7 +2922,7 @@
           <a:p>
             <a:fld id="{7E3CF419-5A02-7343-AB86-E833DAAF76A0}" type="datetimeFigureOut">
               <a:rPr lang="en-US" smtClean="0"/>
-              <a:t>12/22/21</a:t>
+              <a:t>12/24/21</a:t>
             </a:fld>
             <a:endParaRPr lang="en-US"/>
           </a:p>
@@ -7824,10 +7824,10 @@
       </p:grpSpPr>
       <p:grpSp>
         <p:nvGrpSpPr>
-          <p:cNvPr id="116" name="Group 115">
+          <p:cNvPr id="2" name="Group 1">
             <a:extLst>
               <a:ext uri="{FF2B5EF4-FFF2-40B4-BE49-F238E27FC236}">
-                <a16:creationId xmlns:a16="http://schemas.microsoft.com/office/drawing/2014/main" id="{D836A9D6-2A1B-874E-8223-0322A47D5C3B}"/>
+                <a16:creationId xmlns:a16="http://schemas.microsoft.com/office/drawing/2014/main" id="{BAB6F80E-20A9-AD4B-B726-B05B0C0A5775}"/>
               </a:ext>
             </a:extLst>
           </p:cNvPr>
@@ -7836,132 +7836,18 @@
         </p:nvGrpSpPr>
         <p:grpSpPr>
           <a:xfrm>
-            <a:off x="493517" y="87525"/>
-            <a:ext cx="11414947" cy="6566591"/>
-            <a:chOff x="493517" y="87525"/>
-            <a:chExt cx="11414947" cy="6566591"/>
+            <a:off x="493517" y="34968"/>
+            <a:ext cx="11414947" cy="6619148"/>
+            <a:chOff x="493517" y="34968"/>
+            <a:chExt cx="11414947" cy="6619148"/>
           </a:xfrm>
         </p:grpSpPr>
-        <p:sp>
-          <p:nvSpPr>
-            <p:cNvPr id="113" name="Rounded Rectangle 112">
+        <p:grpSp>
+          <p:nvGrpSpPr>
+            <p:cNvPr id="116" name="Group 115">
               <a:extLst>
                 <a:ext uri="{FF2B5EF4-FFF2-40B4-BE49-F238E27FC236}">
-                  <a16:creationId xmlns:a16="http://schemas.microsoft.com/office/drawing/2014/main" id="{1024C8CF-08A3-424B-A99F-CB05E27D153E}"/>
-                </a:ext>
-              </a:extLst>
-            </p:cNvPr>
-            <p:cNvSpPr/>
-            <p:nvPr/>
-          </p:nvSpPr>
-          <p:spPr>
-            <a:xfrm>
-              <a:off x="525412" y="1869754"/>
-              <a:ext cx="914606" cy="594046"/>
-            </a:xfrm>
-            <a:prstGeom prst="roundRect">
-              <a:avLst/>
-            </a:prstGeom>
-            <a:solidFill>
-              <a:schemeClr val="accent2">
-                <a:lumMod val="60000"/>
-                <a:lumOff val="40000"/>
-              </a:schemeClr>
-            </a:solidFill>
-            <a:ln w="31750">
-              <a:solidFill>
-                <a:schemeClr val="tx1"/>
-              </a:solidFill>
-            </a:ln>
-          </p:spPr>
-          <p:style>
-            <a:lnRef idx="2">
-              <a:schemeClr val="accent1">
-                <a:shade val="50000"/>
-              </a:schemeClr>
-            </a:lnRef>
-            <a:fillRef idx="1">
-              <a:schemeClr val="accent1"/>
-            </a:fillRef>
-            <a:effectRef idx="0">
-              <a:schemeClr val="accent1"/>
-            </a:effectRef>
-            <a:fontRef idx="minor">
-              <a:schemeClr val="lt1"/>
-            </a:fontRef>
-          </p:style>
-          <p:txBody>
-            <a:bodyPr rtlCol="0" anchor="ctr"/>
-            <a:lstStyle/>
-            <a:p>
-              <a:pPr algn="ctr"/>
-              <a:endParaRPr lang="en-US"/>
-            </a:p>
-          </p:txBody>
-        </p:sp>
-        <p:sp>
-          <p:nvSpPr>
-            <p:cNvPr id="107" name="Rounded Rectangle 106">
-              <a:extLst>
-                <a:ext uri="{FF2B5EF4-FFF2-40B4-BE49-F238E27FC236}">
-                  <a16:creationId xmlns:a16="http://schemas.microsoft.com/office/drawing/2014/main" id="{BAB4AD51-9EF6-B84C-91D2-415C35894729}"/>
-                </a:ext>
-              </a:extLst>
-            </p:cNvPr>
-            <p:cNvSpPr/>
-            <p:nvPr/>
-          </p:nvSpPr>
-          <p:spPr>
-            <a:xfrm>
-              <a:off x="519611" y="719765"/>
-              <a:ext cx="914606" cy="531840"/>
-            </a:xfrm>
-            <a:prstGeom prst="roundRect">
-              <a:avLst/>
-            </a:prstGeom>
-            <a:solidFill>
-              <a:schemeClr val="accent2">
-                <a:lumMod val="60000"/>
-                <a:lumOff val="40000"/>
-              </a:schemeClr>
-            </a:solidFill>
-            <a:ln w="31750">
-              <a:solidFill>
-                <a:schemeClr val="tx1"/>
-              </a:solidFill>
-            </a:ln>
-          </p:spPr>
-          <p:style>
-            <a:lnRef idx="2">
-              <a:schemeClr val="accent1">
-                <a:shade val="50000"/>
-              </a:schemeClr>
-            </a:lnRef>
-            <a:fillRef idx="1">
-              <a:schemeClr val="accent1"/>
-            </a:fillRef>
-            <a:effectRef idx="0">
-              <a:schemeClr val="accent1"/>
-            </a:effectRef>
-            <a:fontRef idx="minor">
-              <a:schemeClr val="lt1"/>
-            </a:fontRef>
-          </p:style>
-          <p:txBody>
-            <a:bodyPr rtlCol="0" anchor="ctr"/>
-            <a:lstStyle/>
-            <a:p>
-              <a:pPr algn="ctr"/>
-              <a:endParaRPr lang="en-US"/>
-            </a:p>
-          </p:txBody>
-        </p:sp>
-        <p:grpSp>
-          <p:nvGrpSpPr>
-            <p:cNvPr id="106" name="Group 105">
-              <a:extLst>
-                <a:ext uri="{FF2B5EF4-FFF2-40B4-BE49-F238E27FC236}">
-                  <a16:creationId xmlns:a16="http://schemas.microsoft.com/office/drawing/2014/main" id="{6DB5C635-05F7-554F-94EF-BA00D1E83842}"/>
+                  <a16:creationId xmlns:a16="http://schemas.microsoft.com/office/drawing/2014/main" id="{D836A9D6-2A1B-874E-8223-0322A47D5C3B}"/>
                 </a:ext>
               </a:extLst>
             </p:cNvPr>
@@ -7970,3424 +7856,18 @@
           </p:nvGrpSpPr>
           <p:grpSpPr>
             <a:xfrm>
-              <a:off x="493517" y="152895"/>
-              <a:ext cx="11414947" cy="6501221"/>
-              <a:chOff x="493517" y="152895"/>
-              <a:chExt cx="11414947" cy="6501221"/>
+              <a:off x="493517" y="34968"/>
+              <a:ext cx="11414947" cy="6619148"/>
+              <a:chOff x="493517" y="34968"/>
+              <a:chExt cx="11414947" cy="6619148"/>
             </a:xfrm>
           </p:grpSpPr>
-          <p:grpSp>
-            <p:nvGrpSpPr>
-              <p:cNvPr id="96" name="Group 95">
+          <p:sp>
+            <p:nvSpPr>
+              <p:cNvPr id="113" name="Rounded Rectangle 112">
                 <a:extLst>
                   <a:ext uri="{FF2B5EF4-FFF2-40B4-BE49-F238E27FC236}">
-                    <a16:creationId xmlns:a16="http://schemas.microsoft.com/office/drawing/2014/main" id="{85E1A920-ED59-124A-9181-FD5234A4EAC0}"/>
-                  </a:ext>
-                </a:extLst>
-              </p:cNvPr>
-              <p:cNvGrpSpPr/>
-              <p:nvPr/>
-            </p:nvGrpSpPr>
-            <p:grpSpPr>
-              <a:xfrm>
-                <a:off x="493517" y="719765"/>
-                <a:ext cx="11414947" cy="5934351"/>
-                <a:chOff x="493517" y="719765"/>
-                <a:chExt cx="11414947" cy="5934351"/>
-              </a:xfrm>
-            </p:grpSpPr>
-            <p:grpSp>
-              <p:nvGrpSpPr>
-                <p:cNvPr id="86" name="Group 85">
-                  <a:extLst>
-                    <a:ext uri="{FF2B5EF4-FFF2-40B4-BE49-F238E27FC236}">
-                      <a16:creationId xmlns:a16="http://schemas.microsoft.com/office/drawing/2014/main" id="{16F0B8A8-EA23-6E42-8429-2B89F5E70B09}"/>
-                    </a:ext>
-                  </a:extLst>
-                </p:cNvPr>
-                <p:cNvGrpSpPr/>
-                <p:nvPr/>
-              </p:nvGrpSpPr>
-              <p:grpSpPr>
-                <a:xfrm>
-                  <a:off x="493517" y="719765"/>
-                  <a:ext cx="8532036" cy="5934351"/>
-                  <a:chOff x="493517" y="719765"/>
-                  <a:chExt cx="8532036" cy="5934351"/>
-                </a:xfrm>
-              </p:grpSpPr>
-              <p:grpSp>
-                <p:nvGrpSpPr>
-                  <p:cNvPr id="31" name="Group 30">
-                    <a:extLst>
-                      <a:ext uri="{FF2B5EF4-FFF2-40B4-BE49-F238E27FC236}">
-                        <a16:creationId xmlns:a16="http://schemas.microsoft.com/office/drawing/2014/main" id="{6C701DA5-D044-914A-955E-EE4D23CA4E0F}"/>
-                      </a:ext>
-                    </a:extLst>
-                  </p:cNvPr>
-                  <p:cNvGrpSpPr/>
-                  <p:nvPr/>
-                </p:nvGrpSpPr>
-                <p:grpSpPr>
-                  <a:xfrm>
-                    <a:off x="2345736" y="719765"/>
-                    <a:ext cx="5709837" cy="2347646"/>
-                    <a:chOff x="1685336" y="656265"/>
-                    <a:chExt cx="5709837" cy="2347646"/>
-                  </a:xfrm>
-                </p:grpSpPr>
-                <p:grpSp>
-                  <p:nvGrpSpPr>
-                    <p:cNvPr id="29" name="Group 28">
-                      <a:extLst>
-                        <a:ext uri="{FF2B5EF4-FFF2-40B4-BE49-F238E27FC236}">
-                          <a16:creationId xmlns:a16="http://schemas.microsoft.com/office/drawing/2014/main" id="{60828D63-E23D-B042-805C-12B0D96CF275}"/>
-                        </a:ext>
-                      </a:extLst>
-                    </p:cNvPr>
-                    <p:cNvGrpSpPr/>
-                    <p:nvPr/>
-                  </p:nvGrpSpPr>
-                  <p:grpSpPr>
-                    <a:xfrm>
-                      <a:off x="1685336" y="656265"/>
-                      <a:ext cx="3619799" cy="1730531"/>
-                      <a:chOff x="1063036" y="478465"/>
-                      <a:chExt cx="3619799" cy="1730531"/>
-                    </a:xfrm>
-                  </p:grpSpPr>
-                  <p:sp>
-                    <p:nvSpPr>
-                      <p:cNvPr id="4" name="Rounded Rectangle 3">
-                        <a:extLst>
-                          <a:ext uri="{FF2B5EF4-FFF2-40B4-BE49-F238E27FC236}">
-                            <a16:creationId xmlns:a16="http://schemas.microsoft.com/office/drawing/2014/main" id="{0F4C0D68-0473-A340-91D3-FB5EE2029C74}"/>
-                          </a:ext>
-                        </a:extLst>
-                      </p:cNvPr>
-                      <p:cNvSpPr/>
-                      <p:nvPr/>
-                    </p:nvSpPr>
-                    <p:spPr>
-                      <a:xfrm>
-                        <a:off x="1128600" y="478465"/>
-                        <a:ext cx="1460658" cy="563526"/>
-                      </a:xfrm>
-                      <a:prstGeom prst="roundRect">
-                        <a:avLst/>
-                      </a:prstGeom>
-                      <a:solidFill>
-                        <a:schemeClr val="bg1">
-                          <a:lumMod val="85000"/>
-                        </a:schemeClr>
-                      </a:solidFill>
-                      <a:ln w="31750">
-                        <a:solidFill>
-                          <a:schemeClr val="tx1"/>
-                        </a:solidFill>
-                      </a:ln>
-                    </p:spPr>
-                    <p:style>
-                      <a:lnRef idx="2">
-                        <a:schemeClr val="accent1">
-                          <a:shade val="50000"/>
-                        </a:schemeClr>
-                      </a:lnRef>
-                      <a:fillRef idx="1">
-                        <a:schemeClr val="accent1"/>
-                      </a:fillRef>
-                      <a:effectRef idx="0">
-                        <a:schemeClr val="accent1"/>
-                      </a:effectRef>
-                      <a:fontRef idx="minor">
-                        <a:schemeClr val="lt1"/>
-                      </a:fontRef>
-                    </p:style>
-                    <p:txBody>
-                      <a:bodyPr rtlCol="0" anchor="ctr"/>
-                      <a:lstStyle/>
-                      <a:p>
-                        <a:pPr algn="ctr"/>
-                        <a:endParaRPr lang="en-US"/>
-                      </a:p>
-                    </p:txBody>
-                  </p:sp>
-                  <p:sp>
-                    <p:nvSpPr>
-                      <p:cNvPr id="5" name="Rounded Rectangle 4">
-                        <a:extLst>
-                          <a:ext uri="{FF2B5EF4-FFF2-40B4-BE49-F238E27FC236}">
-                            <a16:creationId xmlns:a16="http://schemas.microsoft.com/office/drawing/2014/main" id="{36A491C8-B272-E24E-9E12-1807ACA10F76}"/>
-                          </a:ext>
-                        </a:extLst>
-                      </p:cNvPr>
-                      <p:cNvSpPr/>
-                      <p:nvPr/>
-                    </p:nvSpPr>
-                    <p:spPr>
-                      <a:xfrm>
-                        <a:off x="1128600" y="1645470"/>
-                        <a:ext cx="1460657" cy="563526"/>
-                      </a:xfrm>
-                      <a:prstGeom prst="roundRect">
-                        <a:avLst/>
-                      </a:prstGeom>
-                      <a:solidFill>
-                        <a:schemeClr val="bg1">
-                          <a:lumMod val="85000"/>
-                        </a:schemeClr>
-                      </a:solidFill>
-                      <a:ln w="31750">
-                        <a:solidFill>
-                          <a:schemeClr val="tx1"/>
-                        </a:solidFill>
-                      </a:ln>
-                    </p:spPr>
-                    <p:style>
-                      <a:lnRef idx="2">
-                        <a:schemeClr val="accent1">
-                          <a:shade val="50000"/>
-                        </a:schemeClr>
-                      </a:lnRef>
-                      <a:fillRef idx="1">
-                        <a:schemeClr val="accent1"/>
-                      </a:fillRef>
-                      <a:effectRef idx="0">
-                        <a:schemeClr val="accent1"/>
-                      </a:effectRef>
-                      <a:fontRef idx="minor">
-                        <a:schemeClr val="lt1"/>
-                      </a:fontRef>
-                    </p:style>
-                    <p:txBody>
-                      <a:bodyPr rtlCol="0" anchor="ctr"/>
-                      <a:lstStyle/>
-                      <a:p>
-                        <a:pPr algn="ctr"/>
-                        <a:endParaRPr lang="en-US"/>
-                      </a:p>
-                    </p:txBody>
-                  </p:sp>
-                  <p:sp>
-                    <p:nvSpPr>
-                      <p:cNvPr id="6" name="Rounded Rectangle 5">
-                        <a:extLst>
-                          <a:ext uri="{FF2B5EF4-FFF2-40B4-BE49-F238E27FC236}">
-                            <a16:creationId xmlns:a16="http://schemas.microsoft.com/office/drawing/2014/main" id="{946CF030-BA9F-4D42-BD9F-0ADCDC2F046B}"/>
-                          </a:ext>
-                        </a:extLst>
-                      </p:cNvPr>
-                      <p:cNvSpPr/>
-                      <p:nvPr/>
-                    </p:nvSpPr>
-                    <p:spPr>
-                      <a:xfrm>
-                        <a:off x="3383414" y="478465"/>
-                        <a:ext cx="1299421" cy="1730531"/>
-                      </a:xfrm>
-                      <a:prstGeom prst="roundRect">
-                        <a:avLst/>
-                      </a:prstGeom>
-                      <a:solidFill>
-                        <a:schemeClr val="accent6">
-                          <a:lumMod val="40000"/>
-                          <a:lumOff val="60000"/>
-                        </a:schemeClr>
-                      </a:solidFill>
-                      <a:ln w="31750">
-                        <a:solidFill>
-                          <a:schemeClr val="tx1"/>
-                        </a:solidFill>
-                      </a:ln>
-                    </p:spPr>
-                    <p:style>
-                      <a:lnRef idx="2">
-                        <a:schemeClr val="accent1">
-                          <a:shade val="50000"/>
-                        </a:schemeClr>
-                      </a:lnRef>
-                      <a:fillRef idx="1">
-                        <a:schemeClr val="accent1"/>
-                      </a:fillRef>
-                      <a:effectRef idx="0">
-                        <a:schemeClr val="accent1"/>
-                      </a:effectRef>
-                      <a:fontRef idx="minor">
-                        <a:schemeClr val="lt1"/>
-                      </a:fontRef>
-                    </p:style>
-                    <p:txBody>
-                      <a:bodyPr rtlCol="0" anchor="ctr"/>
-                      <a:lstStyle/>
-                      <a:p>
-                        <a:pPr algn="ctr"/>
-                        <a:endParaRPr lang="en-US"/>
-                      </a:p>
-                    </p:txBody>
-                  </p:sp>
-                  <mc:AlternateContent xmlns:mc="http://schemas.openxmlformats.org/markup-compatibility/2006">
-                    <mc:Choice xmlns:a14="http://schemas.microsoft.com/office/drawing/2010/main" Requires="a14">
-                      <p:sp>
-                        <p:nvSpPr>
-                          <p:cNvPr id="7" name="TextBox 6">
-                            <a:extLst>
-                              <a:ext uri="{FF2B5EF4-FFF2-40B4-BE49-F238E27FC236}">
-                                <a16:creationId xmlns:a16="http://schemas.microsoft.com/office/drawing/2014/main" id="{1DE6CAE0-727A-504A-AD25-5372FF4C320D}"/>
-                              </a:ext>
-                            </a:extLst>
-                          </p:cNvPr>
-                          <p:cNvSpPr txBox="1"/>
-                          <p:nvPr/>
-                        </p:nvSpPr>
-                        <p:spPr>
-                          <a:xfrm>
-                            <a:off x="1194162" y="574174"/>
-                            <a:ext cx="1329531" cy="378245"/>
-                          </a:xfrm>
-                          <a:prstGeom prst="rect">
-                            <a:avLst/>
-                          </a:prstGeom>
-                          <a:noFill/>
-                        </p:spPr>
-                        <p:txBody>
-                          <a:bodyPr wrap="none" rtlCol="0">
-                            <a:spAutoFit/>
-                          </a:bodyPr>
-                          <a:lstStyle/>
-                          <a:p>
-                            <a14:m>
-                              <m:oMathPara xmlns:m="http://schemas.openxmlformats.org/officeDocument/2006/math">
-                                <m:oMathParaPr>
-                                  <m:jc m:val="centerGroup"/>
-                                </m:oMathParaPr>
-                                <m:oMath xmlns:m="http://schemas.openxmlformats.org/officeDocument/2006/math">
-                                  <m:sSup>
-                                    <m:sSupPr>
-                                      <m:ctrlPr>
-                                        <a:rPr lang="en-US" b="0" i="1" smtClean="0">
-                                          <a:latin typeface="Cambria Math" panose="02040503050406030204" pitchFamily="18" charset="0"/>
-                                        </a:rPr>
-                                      </m:ctrlPr>
-                                    </m:sSupPr>
-                                    <m:e>
-                                      <m:r>
-                                        <a:rPr lang="en-US" b="0" i="1" smtClean="0">
-                                          <a:latin typeface="Cambria Math" panose="02040503050406030204" pitchFamily="18" charset="0"/>
-                                        </a:rPr>
-                                        <m:t>𝑓</m:t>
-                                      </m:r>
-                                    </m:e>
-                                    <m:sup>
-                                      <m:r>
-                                        <a:rPr lang="en-US" b="0" i="1" smtClean="0">
-                                          <a:latin typeface="Cambria Math" panose="02040503050406030204" pitchFamily="18" charset="0"/>
-                                        </a:rPr>
-                                        <m:t>𝑆𝑐𝑖𝐵𝐸𝑅𝑇</m:t>
-                                      </m:r>
-                                    </m:sup>
-                                  </m:sSup>
-                                  <m:r>
-                                    <a:rPr lang="en-US" b="0" i="1" smtClean="0">
-                                      <a:latin typeface="Cambria Math" panose="02040503050406030204" pitchFamily="18" charset="0"/>
-                                    </a:rPr>
-                                    <m:t>(⋅)</m:t>
-                                  </m:r>
-                                </m:oMath>
-                              </m:oMathPara>
-                            </a14:m>
-                            <a:endParaRPr lang="en-US" b="0" dirty="0"/>
-                          </a:p>
-                        </p:txBody>
-                      </p:sp>
-                    </mc:Choice>
-                    <mc:Fallback>
-                      <p:sp>
-                        <p:nvSpPr>
-                          <p:cNvPr id="7" name="TextBox 6">
-                            <a:extLst>
-                              <a:ext uri="{FF2B5EF4-FFF2-40B4-BE49-F238E27FC236}">
-                                <a16:creationId xmlns:a16="http://schemas.microsoft.com/office/drawing/2014/main" id="{1DE6CAE0-727A-504A-AD25-5372FF4C320D}"/>
-                              </a:ext>
-                            </a:extLst>
-                          </p:cNvPr>
-                          <p:cNvSpPr txBox="1">
-                            <a:spLocks noRot="1" noChangeAspect="1" noMove="1" noResize="1" noEditPoints="1" noAdjustHandles="1" noChangeArrowheads="1" noChangeShapeType="1" noTextEdit="1"/>
-                          </p:cNvSpPr>
-                          <p:nvPr/>
-                        </p:nvSpPr>
-                        <p:spPr>
-                          <a:xfrm>
-                            <a:off x="1194162" y="574174"/>
-                            <a:ext cx="1329531" cy="378245"/>
-                          </a:xfrm>
-                          <a:prstGeom prst="rect">
-                            <a:avLst/>
-                          </a:prstGeom>
-                          <a:blipFill>
-                            <a:blip r:embed="rId2"/>
-                            <a:stretch>
-                              <a:fillRect b="-12903"/>
-                            </a:stretch>
-                          </a:blipFill>
-                        </p:spPr>
-                        <p:txBody>
-                          <a:bodyPr/>
-                          <a:lstStyle/>
-                          <a:p>
-                            <a:r>
-                              <a:rPr lang="en-US">
-                                <a:noFill/>
-                              </a:rPr>
-                              <a:t> </a:t>
-                            </a:r>
-                          </a:p>
-                        </p:txBody>
-                      </p:sp>
-                    </mc:Fallback>
-                  </mc:AlternateContent>
-                  <mc:AlternateContent xmlns:mc="http://schemas.openxmlformats.org/markup-compatibility/2006">
-                    <mc:Choice xmlns:a14="http://schemas.microsoft.com/office/drawing/2010/main" Requires="a14">
-                      <p:sp>
-                        <p:nvSpPr>
-                          <p:cNvPr id="8" name="TextBox 7">
-                            <a:extLst>
-                              <a:ext uri="{FF2B5EF4-FFF2-40B4-BE49-F238E27FC236}">
-                                <a16:creationId xmlns:a16="http://schemas.microsoft.com/office/drawing/2014/main" id="{61DD76A0-59DB-6747-A6AB-73BD6D208A60}"/>
-                              </a:ext>
-                            </a:extLst>
-                          </p:cNvPr>
-                          <p:cNvSpPr txBox="1"/>
-                          <p:nvPr/>
-                        </p:nvSpPr>
-                        <p:spPr>
-                          <a:xfrm>
-                            <a:off x="1063036" y="1751324"/>
-                            <a:ext cx="1591782" cy="374270"/>
-                          </a:xfrm>
-                          <a:prstGeom prst="rect">
-                            <a:avLst/>
-                          </a:prstGeom>
-                          <a:noFill/>
-                        </p:spPr>
-                        <p:txBody>
-                          <a:bodyPr wrap="none" rtlCol="0">
-                            <a:spAutoFit/>
-                          </a:bodyPr>
-                          <a:lstStyle/>
-                          <a:p>
-                            <a14:m>
-                              <m:oMathPara xmlns:m="http://schemas.openxmlformats.org/officeDocument/2006/math">
-                                <m:oMathParaPr>
-                                  <m:jc m:val="centerGroup"/>
-                                </m:oMathParaPr>
-                                <m:oMath xmlns:m="http://schemas.openxmlformats.org/officeDocument/2006/math">
-                                  <m:sSup>
-                                    <m:sSupPr>
-                                      <m:ctrlPr>
-                                        <a:rPr lang="en-US" b="0" i="1" smtClean="0">
-                                          <a:latin typeface="Cambria Math" panose="02040503050406030204" pitchFamily="18" charset="0"/>
-                                        </a:rPr>
-                                      </m:ctrlPr>
-                                    </m:sSupPr>
-                                    <m:e>
-                                      <m:r>
-                                        <a:rPr lang="en-US" b="0" i="1" smtClean="0">
-                                          <a:latin typeface="Cambria Math" panose="02040503050406030204" pitchFamily="18" charset="0"/>
-                                        </a:rPr>
-                                        <m:t>𝑓</m:t>
-                                      </m:r>
-                                    </m:e>
-                                    <m:sup>
-                                      <m:r>
-                                        <a:rPr lang="en-US" b="0" i="1" smtClean="0">
-                                          <a:latin typeface="Cambria Math" panose="02040503050406030204" pitchFamily="18" charset="0"/>
-                                        </a:rPr>
-                                        <m:t>𝐺𝑟𝑎𝑝h𝑆𝐴𝐺𝐸</m:t>
-                                      </m:r>
-                                    </m:sup>
-                                  </m:sSup>
-                                  <m:r>
-                                    <a:rPr lang="en-US" b="0" i="1" smtClean="0">
-                                      <a:latin typeface="Cambria Math" panose="02040503050406030204" pitchFamily="18" charset="0"/>
-                                    </a:rPr>
-                                    <m:t>(⋅)</m:t>
-                                  </m:r>
-                                </m:oMath>
-                              </m:oMathPara>
-                            </a14:m>
-                            <a:endParaRPr lang="en-US" b="0" dirty="0"/>
-                          </a:p>
-                        </p:txBody>
-                      </p:sp>
-                    </mc:Choice>
-                    <mc:Fallback>
-                      <p:sp>
-                        <p:nvSpPr>
-                          <p:cNvPr id="8" name="TextBox 7">
-                            <a:extLst>
-                              <a:ext uri="{FF2B5EF4-FFF2-40B4-BE49-F238E27FC236}">
-                                <a16:creationId xmlns:a16="http://schemas.microsoft.com/office/drawing/2014/main" id="{61DD76A0-59DB-6747-A6AB-73BD6D208A60}"/>
-                              </a:ext>
-                            </a:extLst>
-                          </p:cNvPr>
-                          <p:cNvSpPr txBox="1">
-                            <a:spLocks noRot="1" noChangeAspect="1" noMove="1" noResize="1" noEditPoints="1" noAdjustHandles="1" noChangeArrowheads="1" noChangeShapeType="1" noTextEdit="1"/>
-                          </p:cNvSpPr>
-                          <p:nvPr/>
-                        </p:nvSpPr>
-                        <p:spPr>
-                          <a:xfrm>
-                            <a:off x="1063036" y="1751324"/>
-                            <a:ext cx="1591782" cy="374270"/>
-                          </a:xfrm>
-                          <a:prstGeom prst="rect">
-                            <a:avLst/>
-                          </a:prstGeom>
-                          <a:blipFill>
-                            <a:blip r:embed="rId3"/>
-                            <a:stretch>
-                              <a:fillRect b="-12903"/>
-                            </a:stretch>
-                          </a:blipFill>
-                        </p:spPr>
-                        <p:txBody>
-                          <a:bodyPr/>
-                          <a:lstStyle/>
-                          <a:p>
-                            <a:r>
-                              <a:rPr lang="en-US">
-                                <a:noFill/>
-                              </a:rPr>
-                              <a:t> </a:t>
-                            </a:r>
-                          </a:p>
-                        </p:txBody>
-                      </p:sp>
-                    </mc:Fallback>
-                  </mc:AlternateContent>
-                  <mc:AlternateContent xmlns:mc="http://schemas.openxmlformats.org/markup-compatibility/2006">
-                    <mc:Choice xmlns:a14="http://schemas.microsoft.com/office/drawing/2010/main" Requires="a14">
-                      <p:sp>
-                        <p:nvSpPr>
-                          <p:cNvPr id="9" name="TextBox 8">
-                            <a:extLst>
-                              <a:ext uri="{FF2B5EF4-FFF2-40B4-BE49-F238E27FC236}">
-                                <a16:creationId xmlns:a16="http://schemas.microsoft.com/office/drawing/2014/main" id="{5C9140AA-EEA7-8E43-B912-92BF8EE7A110}"/>
-                              </a:ext>
-                            </a:extLst>
-                          </p:cNvPr>
-                          <p:cNvSpPr txBox="1"/>
-                          <p:nvPr/>
-                        </p:nvSpPr>
-                        <p:spPr>
-                          <a:xfrm>
-                            <a:off x="3701614" y="767753"/>
-                            <a:ext cx="708198" cy="369332"/>
-                          </a:xfrm>
-                          <a:prstGeom prst="rect">
-                            <a:avLst/>
-                          </a:prstGeom>
-                          <a:noFill/>
-                        </p:spPr>
-                        <p:txBody>
-                          <a:bodyPr wrap="square" rtlCol="0">
-                            <a:spAutoFit/>
-                          </a:bodyPr>
-                          <a:lstStyle/>
-                          <a:p>
-                            <a14:m>
-                              <m:oMathPara xmlns:m="http://schemas.openxmlformats.org/officeDocument/2006/math">
-                                <m:oMathParaPr>
-                                  <m:jc m:val="centerGroup"/>
-                                </m:oMathParaPr>
-                                <m:oMath xmlns:m="http://schemas.openxmlformats.org/officeDocument/2006/math">
-                                  <m:sSup>
-                                    <m:sSupPr>
-                                      <m:ctrlPr>
-                                        <a:rPr lang="en-US" b="1" i="1" smtClean="0">
-                                          <a:latin typeface="Cambria Math" panose="02040503050406030204" pitchFamily="18" charset="0"/>
-                                        </a:rPr>
-                                      </m:ctrlPr>
-                                    </m:sSupPr>
-                                    <m:e>
-                                      <m:r>
-                                        <a:rPr lang="en-US" b="1" i="1" smtClean="0">
-                                          <a:latin typeface="Cambria Math" panose="02040503050406030204" pitchFamily="18" charset="0"/>
-                                        </a:rPr>
-                                        <m:t>𝒆</m:t>
-                                      </m:r>
-                                    </m:e>
-                                    <m:sup>
-                                      <m:r>
-                                        <a:rPr lang="en-US" b="1" i="1" smtClean="0">
-                                          <a:latin typeface="Cambria Math" panose="02040503050406030204" pitchFamily="18" charset="0"/>
-                                        </a:rPr>
-                                        <m:t>𝒄</m:t>
-                                      </m:r>
-                                    </m:sup>
-                                  </m:sSup>
-                                </m:oMath>
-                              </m:oMathPara>
-                            </a14:m>
-                            <a:endParaRPr lang="en-US" b="1" dirty="0"/>
-                          </a:p>
-                        </p:txBody>
-                      </p:sp>
-                    </mc:Choice>
-                    <mc:Fallback>
-                      <p:sp>
-                        <p:nvSpPr>
-                          <p:cNvPr id="9" name="TextBox 8">
-                            <a:extLst>
-                              <a:ext uri="{FF2B5EF4-FFF2-40B4-BE49-F238E27FC236}">
-                                <a16:creationId xmlns:a16="http://schemas.microsoft.com/office/drawing/2014/main" id="{5C9140AA-EEA7-8E43-B912-92BF8EE7A110}"/>
-                              </a:ext>
-                            </a:extLst>
-                          </p:cNvPr>
-                          <p:cNvSpPr txBox="1">
-                            <a:spLocks noRot="1" noChangeAspect="1" noMove="1" noResize="1" noEditPoints="1" noAdjustHandles="1" noChangeArrowheads="1" noChangeShapeType="1" noTextEdit="1"/>
-                          </p:cNvSpPr>
-                          <p:nvPr/>
-                        </p:nvSpPr>
-                        <p:spPr>
-                          <a:xfrm>
-                            <a:off x="3701614" y="767753"/>
-                            <a:ext cx="708198" cy="369332"/>
-                          </a:xfrm>
-                          <a:prstGeom prst="rect">
-                            <a:avLst/>
-                          </a:prstGeom>
-                          <a:blipFill>
-                            <a:blip r:embed="rId4"/>
-                            <a:stretch>
-                              <a:fillRect/>
-                            </a:stretch>
-                          </a:blipFill>
-                        </p:spPr>
-                        <p:txBody>
-                          <a:bodyPr/>
-                          <a:lstStyle/>
-                          <a:p>
-                            <a:r>
-                              <a:rPr lang="en-US">
-                                <a:noFill/>
-                              </a:rPr>
-                              <a:t> </a:t>
-                            </a:r>
-                          </a:p>
-                        </p:txBody>
-                      </p:sp>
-                    </mc:Fallback>
-                  </mc:AlternateContent>
-                  <mc:AlternateContent xmlns:mc="http://schemas.openxmlformats.org/markup-compatibility/2006">
-                    <mc:Choice xmlns:a14="http://schemas.microsoft.com/office/drawing/2010/main" Requires="a14">
-                      <p:sp>
-                        <p:nvSpPr>
-                          <p:cNvPr id="10" name="TextBox 9">
-                            <a:extLst>
-                              <a:ext uri="{FF2B5EF4-FFF2-40B4-BE49-F238E27FC236}">
-                                <a16:creationId xmlns:a16="http://schemas.microsoft.com/office/drawing/2014/main" id="{03D447FB-A128-A645-AFD1-5DA07E45D4E0}"/>
-                              </a:ext>
-                            </a:extLst>
-                          </p:cNvPr>
-                          <p:cNvSpPr txBox="1"/>
-                          <p:nvPr/>
-                        </p:nvSpPr>
-                        <p:spPr>
-                          <a:xfrm>
-                            <a:off x="3701614" y="1569127"/>
-                            <a:ext cx="730139" cy="369332"/>
-                          </a:xfrm>
-                          <a:prstGeom prst="rect">
-                            <a:avLst/>
-                          </a:prstGeom>
-                          <a:noFill/>
-                        </p:spPr>
-                        <p:txBody>
-                          <a:bodyPr wrap="square" rtlCol="0">
-                            <a:spAutoFit/>
-                          </a:bodyPr>
-                          <a:lstStyle/>
-                          <a:p>
-                            <a14:m>
-                              <m:oMathPara xmlns:m="http://schemas.openxmlformats.org/officeDocument/2006/math">
-                                <m:oMathParaPr>
-                                  <m:jc m:val="centerGroup"/>
-                                </m:oMathParaPr>
-                                <m:oMath xmlns:m="http://schemas.openxmlformats.org/officeDocument/2006/math">
-                                  <m:sSup>
-                                    <m:sSupPr>
-                                      <m:ctrlPr>
-                                        <a:rPr lang="en-US" b="1" i="1" smtClean="0">
-                                          <a:latin typeface="Cambria Math" panose="02040503050406030204" pitchFamily="18" charset="0"/>
-                                        </a:rPr>
-                                      </m:ctrlPr>
-                                    </m:sSupPr>
-                                    <m:e>
-                                      <m:r>
-                                        <a:rPr lang="en-US" b="1" i="1" smtClean="0">
-                                          <a:latin typeface="Cambria Math" panose="02040503050406030204" pitchFamily="18" charset="0"/>
-                                        </a:rPr>
-                                        <m:t>𝒆</m:t>
-                                      </m:r>
-                                    </m:e>
-                                    <m:sup>
-                                      <m:r>
-                                        <a:rPr lang="en-US" b="1" i="1" smtClean="0">
-                                          <a:latin typeface="Cambria Math" panose="02040503050406030204" pitchFamily="18" charset="0"/>
-                                        </a:rPr>
-                                        <m:t>𝒑</m:t>
-                                      </m:r>
-                                    </m:sup>
-                                  </m:sSup>
-                                </m:oMath>
-                              </m:oMathPara>
-                            </a14:m>
-                            <a:endParaRPr lang="en-US" b="1" dirty="0"/>
-                          </a:p>
-                        </p:txBody>
-                      </p:sp>
-                    </mc:Choice>
-                    <mc:Fallback>
-                      <p:sp>
-                        <p:nvSpPr>
-                          <p:cNvPr id="10" name="TextBox 9">
-                            <a:extLst>
-                              <a:ext uri="{FF2B5EF4-FFF2-40B4-BE49-F238E27FC236}">
-                                <a16:creationId xmlns:a16="http://schemas.microsoft.com/office/drawing/2014/main" id="{03D447FB-A128-A645-AFD1-5DA07E45D4E0}"/>
-                              </a:ext>
-                            </a:extLst>
-                          </p:cNvPr>
-                          <p:cNvSpPr txBox="1">
-                            <a:spLocks noRot="1" noChangeAspect="1" noMove="1" noResize="1" noEditPoints="1" noAdjustHandles="1" noChangeArrowheads="1" noChangeShapeType="1" noTextEdit="1"/>
-                          </p:cNvSpPr>
-                          <p:nvPr/>
-                        </p:nvSpPr>
-                        <p:spPr>
-                          <a:xfrm>
-                            <a:off x="3701614" y="1569127"/>
-                            <a:ext cx="730139" cy="369332"/>
-                          </a:xfrm>
-                          <a:prstGeom prst="rect">
-                            <a:avLst/>
-                          </a:prstGeom>
-                          <a:blipFill>
-                            <a:blip r:embed="rId5"/>
-                            <a:stretch>
-                              <a:fillRect/>
-                            </a:stretch>
-                          </a:blipFill>
-                        </p:spPr>
-                        <p:txBody>
-                          <a:bodyPr/>
-                          <a:lstStyle/>
-                          <a:p>
-                            <a:r>
-                              <a:rPr lang="en-US">
-                                <a:noFill/>
-                              </a:rPr>
-                              <a:t> </a:t>
-                            </a:r>
-                          </a:p>
-                        </p:txBody>
-                      </p:sp>
-                    </mc:Fallback>
-                  </mc:AlternateContent>
-                  <p:cxnSp>
-                    <p:nvCxnSpPr>
-                      <p:cNvPr id="12" name="Straight Connector 11">
-                        <a:extLst>
-                          <a:ext uri="{FF2B5EF4-FFF2-40B4-BE49-F238E27FC236}">
-                            <a16:creationId xmlns:a16="http://schemas.microsoft.com/office/drawing/2014/main" id="{E8CB8CC1-259A-9C4B-ABA0-4B828025E398}"/>
-                          </a:ext>
-                        </a:extLst>
-                      </p:cNvPr>
-                      <p:cNvCxnSpPr>
-                        <a:cxnSpLocks/>
-                        <a:stCxn id="6" idx="3"/>
-                        <a:endCxn id="6" idx="1"/>
-                      </p:cNvCxnSpPr>
-                      <p:nvPr/>
-                    </p:nvCxnSpPr>
-                    <p:spPr>
-                      <a:xfrm flipH="1">
-                        <a:off x="3383414" y="1343731"/>
-                        <a:ext cx="1299421" cy="0"/>
-                      </a:xfrm>
-                      <a:prstGeom prst="line">
-                        <a:avLst/>
-                      </a:prstGeom>
-                      <a:ln w="22225">
-                        <a:solidFill>
-                          <a:schemeClr val="tx1"/>
-                        </a:solidFill>
-                        <a:prstDash val="dash"/>
-                      </a:ln>
-                    </p:spPr>
-                    <p:style>
-                      <a:lnRef idx="1">
-                        <a:schemeClr val="accent1"/>
-                      </a:lnRef>
-                      <a:fillRef idx="0">
-                        <a:schemeClr val="accent1"/>
-                      </a:fillRef>
-                      <a:effectRef idx="0">
-                        <a:schemeClr val="accent1"/>
-                      </a:effectRef>
-                      <a:fontRef idx="minor">
-                        <a:schemeClr val="tx1"/>
-                      </a:fontRef>
-                    </p:style>
-                  </p:cxnSp>
-                  <p:cxnSp>
-                    <p:nvCxnSpPr>
-                      <p:cNvPr id="19" name="Straight Arrow Connector 18">
-                        <a:extLst>
-                          <a:ext uri="{FF2B5EF4-FFF2-40B4-BE49-F238E27FC236}">
-                            <a16:creationId xmlns:a16="http://schemas.microsoft.com/office/drawing/2014/main" id="{951316B6-CE40-FF42-81E5-AC9D1AA2DA5C}"/>
-                          </a:ext>
-                        </a:extLst>
-                      </p:cNvPr>
-                      <p:cNvCxnSpPr>
-                        <a:stCxn id="4" idx="3"/>
-                      </p:cNvCxnSpPr>
-                      <p:nvPr/>
-                    </p:nvCxnSpPr>
-                    <p:spPr>
-                      <a:xfrm>
-                        <a:off x="2589258" y="760228"/>
-                        <a:ext cx="794156" cy="192191"/>
-                      </a:xfrm>
-                      <a:prstGeom prst="straightConnector1">
-                        <a:avLst/>
-                      </a:prstGeom>
-                      <a:ln w="31750">
-                        <a:solidFill>
-                          <a:schemeClr val="tx1"/>
-                        </a:solidFill>
-                        <a:tailEnd type="stealth" w="lg" len="lg"/>
-                      </a:ln>
-                    </p:spPr>
-                    <p:style>
-                      <a:lnRef idx="1">
-                        <a:schemeClr val="accent1"/>
-                      </a:lnRef>
-                      <a:fillRef idx="0">
-                        <a:schemeClr val="accent1"/>
-                      </a:fillRef>
-                      <a:effectRef idx="0">
-                        <a:schemeClr val="accent1"/>
-                      </a:effectRef>
-                      <a:fontRef idx="minor">
-                        <a:schemeClr val="tx1"/>
-                      </a:fontRef>
-                    </p:style>
-                  </p:cxnSp>
-                  <p:cxnSp>
-                    <p:nvCxnSpPr>
-                      <p:cNvPr id="20" name="Straight Arrow Connector 19">
-                        <a:extLst>
-                          <a:ext uri="{FF2B5EF4-FFF2-40B4-BE49-F238E27FC236}">
-                            <a16:creationId xmlns:a16="http://schemas.microsoft.com/office/drawing/2014/main" id="{73DC7317-03A4-6945-8DCB-1FEAB91A7623}"/>
-                          </a:ext>
-                        </a:extLst>
-                      </p:cNvPr>
-                      <p:cNvCxnSpPr>
-                        <a:cxnSpLocks/>
-                        <a:stCxn id="5" idx="3"/>
-                      </p:cNvCxnSpPr>
-                      <p:nvPr/>
-                    </p:nvCxnSpPr>
-                    <p:spPr>
-                      <a:xfrm flipV="1">
-                        <a:off x="2589257" y="1751325"/>
-                        <a:ext cx="794156" cy="175908"/>
-                      </a:xfrm>
-                      <a:prstGeom prst="straightConnector1">
-                        <a:avLst/>
-                      </a:prstGeom>
-                      <a:ln w="31750">
-                        <a:solidFill>
-                          <a:schemeClr val="tx1"/>
-                        </a:solidFill>
-                        <a:tailEnd type="stealth" w="lg" len="lg"/>
-                      </a:ln>
-                    </p:spPr>
-                    <p:style>
-                      <a:lnRef idx="1">
-                        <a:schemeClr val="accent1"/>
-                      </a:lnRef>
-                      <a:fillRef idx="0">
-                        <a:schemeClr val="accent1"/>
-                      </a:fillRef>
-                      <a:effectRef idx="0">
-                        <a:schemeClr val="accent1"/>
-                      </a:effectRef>
-                      <a:fontRef idx="minor">
-                        <a:schemeClr val="tx1"/>
-                      </a:fontRef>
-                    </p:style>
-                  </p:cxnSp>
-                </p:grpSp>
-                <p:sp>
-                  <p:nvSpPr>
-                    <p:cNvPr id="30" name="TextBox 29">
-                      <a:extLst>
-                        <a:ext uri="{FF2B5EF4-FFF2-40B4-BE49-F238E27FC236}">
-                          <a16:creationId xmlns:a16="http://schemas.microsoft.com/office/drawing/2014/main" id="{63C00C6E-982C-0F4F-843F-AF53CD9230E5}"/>
-                        </a:ext>
-                      </a:extLst>
-                    </p:cNvPr>
-                    <p:cNvSpPr txBox="1"/>
-                    <p:nvPr/>
-                  </p:nvSpPr>
-                  <p:spPr>
-                    <a:xfrm>
-                      <a:off x="4688983" y="2357580"/>
-                      <a:ext cx="2706190" cy="646331"/>
-                    </a:xfrm>
-                    <a:prstGeom prst="rect">
-                      <a:avLst/>
-                    </a:prstGeom>
-                    <a:noFill/>
-                  </p:spPr>
-                  <p:txBody>
-                    <a:bodyPr wrap="none" rtlCol="0">
-                      <a:spAutoFit/>
-                    </a:bodyPr>
-                    <a:lstStyle/>
-                    <a:p>
-                      <a:r>
-                        <a:rPr lang="en-US" i="1" dirty="0">
-                          <a:solidFill>
-                            <a:schemeClr val="accent6"/>
-                          </a:solidFill>
-                        </a:rPr>
-                        <a:t>Initial node embeddings, e</a:t>
-                      </a:r>
-                    </a:p>
-                    <a:p>
-                      <a:r>
-                        <a:rPr lang="en-US" i="1" dirty="0">
-                          <a:solidFill>
-                            <a:schemeClr val="accent6"/>
-                          </a:solidFill>
-                        </a:rPr>
-                        <a:t>(unsupervised </a:t>
-                      </a:r>
-                      <a:r>
-                        <a:rPr lang="en-US" i="1" dirty="0" err="1">
-                          <a:solidFill>
-                            <a:schemeClr val="accent6"/>
-                          </a:solidFill>
-                        </a:rPr>
-                        <a:t>GraphSAGE</a:t>
-                      </a:r>
-                      <a:r>
-                        <a:rPr lang="en-US" i="1" dirty="0">
-                          <a:solidFill>
-                            <a:schemeClr val="accent6"/>
-                          </a:solidFill>
-                        </a:rPr>
-                        <a:t>)</a:t>
-                      </a:r>
-                    </a:p>
-                  </p:txBody>
-                </p:sp>
-              </p:grpSp>
-              <p:cxnSp>
-                <p:nvCxnSpPr>
-                  <p:cNvPr id="32" name="Straight Arrow Connector 31">
-                    <a:extLst>
-                      <a:ext uri="{FF2B5EF4-FFF2-40B4-BE49-F238E27FC236}">
-                        <a16:creationId xmlns:a16="http://schemas.microsoft.com/office/drawing/2014/main" id="{D2E73C34-F271-1F4B-91ED-0FE72AE8CE9B}"/>
-                      </a:ext>
-                    </a:extLst>
-                  </p:cNvPr>
-                  <p:cNvCxnSpPr>
-                    <a:cxnSpLocks/>
-                    <a:endCxn id="4" idx="1"/>
-                  </p:cNvCxnSpPr>
-                  <p:nvPr/>
-                </p:nvCxnSpPr>
-                <p:spPr>
-                  <a:xfrm flipV="1">
-                    <a:off x="1434217" y="1001528"/>
-                    <a:ext cx="977083" cy="3068"/>
-                  </a:xfrm>
-                  <a:prstGeom prst="straightConnector1">
-                    <a:avLst/>
-                  </a:prstGeom>
-                  <a:ln w="31750">
-                    <a:solidFill>
-                      <a:schemeClr val="tx1"/>
-                    </a:solidFill>
-                    <a:headEnd type="none" w="lg" len="lg"/>
-                    <a:tailEnd type="stealth" w="lg" len="lg"/>
-                  </a:ln>
-                </p:spPr>
-                <p:style>
-                  <a:lnRef idx="1">
-                    <a:schemeClr val="accent1"/>
-                  </a:lnRef>
-                  <a:fillRef idx="0">
-                    <a:schemeClr val="accent1"/>
-                  </a:fillRef>
-                  <a:effectRef idx="0">
-                    <a:schemeClr val="accent1"/>
-                  </a:effectRef>
-                  <a:fontRef idx="minor">
-                    <a:schemeClr val="tx1"/>
-                  </a:fontRef>
-                </p:style>
-              </p:cxnSp>
-              <p:cxnSp>
-                <p:nvCxnSpPr>
-                  <p:cNvPr id="35" name="Straight Arrow Connector 34">
-                    <a:extLst>
-                      <a:ext uri="{FF2B5EF4-FFF2-40B4-BE49-F238E27FC236}">
-                        <a16:creationId xmlns:a16="http://schemas.microsoft.com/office/drawing/2014/main" id="{9FA4558D-7A00-2E48-B88A-C0C7D51FA701}"/>
-                      </a:ext>
-                    </a:extLst>
-                  </p:cNvPr>
-                  <p:cNvCxnSpPr>
-                    <a:cxnSpLocks/>
-                  </p:cNvCxnSpPr>
-                  <p:nvPr/>
-                </p:nvCxnSpPr>
-                <p:spPr>
-                  <a:xfrm>
-                    <a:off x="1434217" y="2203387"/>
-                    <a:ext cx="977083" cy="0"/>
-                  </a:xfrm>
-                  <a:prstGeom prst="straightConnector1">
-                    <a:avLst/>
-                  </a:prstGeom>
-                  <a:ln w="31750">
-                    <a:solidFill>
-                      <a:schemeClr val="tx1"/>
-                    </a:solidFill>
-                    <a:headEnd type="none" w="lg" len="lg"/>
-                    <a:tailEnd type="stealth" w="lg" len="lg"/>
-                  </a:ln>
-                </p:spPr>
-                <p:style>
-                  <a:lnRef idx="1">
-                    <a:schemeClr val="accent1"/>
-                  </a:lnRef>
-                  <a:fillRef idx="0">
-                    <a:schemeClr val="accent1"/>
-                  </a:fillRef>
-                  <a:effectRef idx="0">
-                    <a:schemeClr val="accent1"/>
-                  </a:effectRef>
-                  <a:fontRef idx="minor">
-                    <a:schemeClr val="tx1"/>
-                  </a:fontRef>
-                </p:style>
-              </p:cxnSp>
-              <mc:AlternateContent xmlns:mc="http://schemas.openxmlformats.org/markup-compatibility/2006">
-                <mc:Choice xmlns:a14="http://schemas.microsoft.com/office/drawing/2010/main" Requires="a14">
-                  <p:sp>
-                    <p:nvSpPr>
-                      <p:cNvPr id="36" name="TextBox 35">
-                        <a:extLst>
-                          <a:ext uri="{FF2B5EF4-FFF2-40B4-BE49-F238E27FC236}">
-                            <a16:creationId xmlns:a16="http://schemas.microsoft.com/office/drawing/2014/main" id="{75D40319-7F49-824D-A254-C9042A95ED00}"/>
-                          </a:ext>
-                        </a:extLst>
-                      </p:cNvPr>
-                      <p:cNvSpPr txBox="1"/>
-                      <p:nvPr/>
-                    </p:nvSpPr>
-                    <p:spPr>
-                      <a:xfrm>
-                        <a:off x="816732" y="813386"/>
-                        <a:ext cx="369012" cy="369332"/>
-                      </a:xfrm>
-                      <a:prstGeom prst="rect">
-                        <a:avLst/>
-                      </a:prstGeom>
-                      <a:noFill/>
-                    </p:spPr>
-                    <p:txBody>
-                      <a:bodyPr wrap="none" rtlCol="0">
-                        <a:spAutoFit/>
-                      </a:bodyPr>
-                      <a:lstStyle/>
-                      <a:p>
-                        <a14:m>
-                          <m:oMath xmlns:m="http://schemas.openxmlformats.org/officeDocument/2006/math">
-                            <m:r>
-                              <a:rPr lang="en-US" b="1" i="1"/>
-                              <m:t>𝑺</m:t>
-                            </m:r>
-                          </m:oMath>
-                        </a14:m>
-                        <a:r>
-                          <a:rPr lang="en-US" dirty="0">
-                            <a:effectLst/>
-                          </a:rPr>
-                          <a:t> </a:t>
-                        </a:r>
-                        <a:endParaRPr lang="en-US" dirty="0"/>
-                      </a:p>
-                    </p:txBody>
-                  </p:sp>
-                </mc:Choice>
-                <mc:Fallback>
-                  <p:sp>
-                    <p:nvSpPr>
-                      <p:cNvPr id="36" name="TextBox 35">
-                        <a:extLst>
-                          <a:ext uri="{FF2B5EF4-FFF2-40B4-BE49-F238E27FC236}">
-                            <a16:creationId xmlns:a16="http://schemas.microsoft.com/office/drawing/2014/main" id="{75D40319-7F49-824D-A254-C9042A95ED00}"/>
-                          </a:ext>
-                        </a:extLst>
-                      </p:cNvPr>
-                      <p:cNvSpPr txBox="1">
-                        <a:spLocks noRot="1" noChangeAspect="1" noMove="1" noResize="1" noEditPoints="1" noAdjustHandles="1" noChangeArrowheads="1" noChangeShapeType="1" noTextEdit="1"/>
-                      </p:cNvSpPr>
-                      <p:nvPr/>
-                    </p:nvSpPr>
-                    <p:spPr>
-                      <a:xfrm>
-                        <a:off x="816732" y="813386"/>
-                        <a:ext cx="369012" cy="369332"/>
-                      </a:xfrm>
-                      <a:prstGeom prst="rect">
-                        <a:avLst/>
-                      </a:prstGeom>
-                      <a:blipFill>
-                        <a:blip r:embed="rId6"/>
-                        <a:stretch>
-                          <a:fillRect/>
-                        </a:stretch>
-                      </a:blipFill>
-                    </p:spPr>
-                    <p:txBody>
-                      <a:bodyPr/>
-                      <a:lstStyle/>
-                      <a:p>
-                        <a:r>
-                          <a:rPr lang="en-US">
-                            <a:noFill/>
-                          </a:rPr>
-                          <a:t> </a:t>
-                        </a:r>
-                      </a:p>
-                    </p:txBody>
-                  </p:sp>
-                </mc:Fallback>
-              </mc:AlternateContent>
-              <mc:AlternateContent xmlns:mc="http://schemas.openxmlformats.org/markup-compatibility/2006">
-                <mc:Choice xmlns:a14="http://schemas.microsoft.com/office/drawing/2010/main" Requires="a14">
-                  <p:sp>
-                    <p:nvSpPr>
-                      <p:cNvPr id="37" name="TextBox 36">
-                        <a:extLst>
-                          <a:ext uri="{FF2B5EF4-FFF2-40B4-BE49-F238E27FC236}">
-                            <a16:creationId xmlns:a16="http://schemas.microsoft.com/office/drawing/2014/main" id="{0F159875-06EC-2E43-B5F3-1314A2124B14}"/>
-                          </a:ext>
-                        </a:extLst>
-                      </p:cNvPr>
-                      <p:cNvSpPr txBox="1"/>
-                      <p:nvPr/>
-                    </p:nvSpPr>
-                    <p:spPr>
-                      <a:xfrm>
-                        <a:off x="660193" y="2016252"/>
-                        <a:ext cx="633443" cy="374270"/>
-                      </a:xfrm>
-                      <a:prstGeom prst="rect">
-                        <a:avLst/>
-                      </a:prstGeom>
-                      <a:noFill/>
-                    </p:spPr>
-                    <p:txBody>
-                      <a:bodyPr wrap="none" rtlCol="0">
-                        <a:spAutoFit/>
-                      </a:bodyPr>
-                      <a:lstStyle/>
-                      <a:p>
-                        <a14:m>
-                          <m:oMath xmlns:m="http://schemas.openxmlformats.org/officeDocument/2006/math">
-                            <m:sSup>
-                              <m:sSupPr>
-                                <m:ctrlPr>
-                                  <a:rPr lang="en-US" b="1" i="1" smtClean="0"/>
-                                </m:ctrlPr>
-                              </m:sSupPr>
-                              <m:e>
-                                <m:r>
-                                  <a:rPr lang="en-US" b="1" i="1"/>
-                                  <m:t>𝑮</m:t>
-                                </m:r>
-                              </m:e>
-                              <m:sup>
-                                <m:r>
-                                  <a:rPr lang="en-US" b="1" i="1"/>
-                                  <m:t>𝑷𝑷</m:t>
-                                </m:r>
-                              </m:sup>
-                            </m:sSup>
-                          </m:oMath>
-                        </a14:m>
-                        <a:r>
-                          <a:rPr lang="en-US" dirty="0">
-                            <a:effectLst/>
-                          </a:rPr>
-                          <a:t> </a:t>
-                        </a:r>
-                        <a:endParaRPr lang="en-US" dirty="0"/>
-                      </a:p>
-                    </p:txBody>
-                  </p:sp>
-                </mc:Choice>
-                <mc:Fallback>
-                  <p:sp>
-                    <p:nvSpPr>
-                      <p:cNvPr id="37" name="TextBox 36">
-                        <a:extLst>
-                          <a:ext uri="{FF2B5EF4-FFF2-40B4-BE49-F238E27FC236}">
-                            <a16:creationId xmlns:a16="http://schemas.microsoft.com/office/drawing/2014/main" id="{0F159875-06EC-2E43-B5F3-1314A2124B14}"/>
-                          </a:ext>
-                        </a:extLst>
-                      </p:cNvPr>
-                      <p:cNvSpPr txBox="1">
-                        <a:spLocks noRot="1" noChangeAspect="1" noMove="1" noResize="1" noEditPoints="1" noAdjustHandles="1" noChangeArrowheads="1" noChangeShapeType="1" noTextEdit="1"/>
-                      </p:cNvSpPr>
-                      <p:nvPr/>
-                    </p:nvSpPr>
-                    <p:spPr>
-                      <a:xfrm>
-                        <a:off x="660193" y="2016252"/>
-                        <a:ext cx="633443" cy="374270"/>
-                      </a:xfrm>
-                      <a:prstGeom prst="rect">
-                        <a:avLst/>
-                      </a:prstGeom>
-                      <a:blipFill>
-                        <a:blip r:embed="rId7"/>
-                        <a:stretch>
-                          <a:fillRect/>
-                        </a:stretch>
-                      </a:blipFill>
-                    </p:spPr>
-                    <p:txBody>
-                      <a:bodyPr/>
-                      <a:lstStyle/>
-                      <a:p>
-                        <a:r>
-                          <a:rPr lang="en-US">
-                            <a:noFill/>
-                          </a:rPr>
-                          <a:t> </a:t>
-                        </a:r>
-                      </a:p>
-                    </p:txBody>
-                  </p:sp>
-                </mc:Fallback>
-              </mc:AlternateContent>
-              <p:grpSp>
-                <p:nvGrpSpPr>
-                  <p:cNvPr id="53" name="Group 52">
-                    <a:extLst>
-                      <a:ext uri="{FF2B5EF4-FFF2-40B4-BE49-F238E27FC236}">
-                        <a16:creationId xmlns:a16="http://schemas.microsoft.com/office/drawing/2014/main" id="{0D630600-92B7-2C48-A2DC-F65F5E66BD7F}"/>
-                      </a:ext>
-                    </a:extLst>
-                  </p:cNvPr>
-                  <p:cNvGrpSpPr/>
-                  <p:nvPr/>
-                </p:nvGrpSpPr>
-                <p:grpSpPr>
-                  <a:xfrm>
-                    <a:off x="493517" y="3719540"/>
-                    <a:ext cx="5099385" cy="2934576"/>
-                    <a:chOff x="455417" y="4024340"/>
-                    <a:chExt cx="5099385" cy="2934576"/>
-                  </a:xfrm>
-                </p:grpSpPr>
-                <p:sp>
-                  <p:nvSpPr>
-                    <p:cNvPr id="42" name="Rounded Rectangle 41">
-                      <a:extLst>
-                        <a:ext uri="{FF2B5EF4-FFF2-40B4-BE49-F238E27FC236}">
-                          <a16:creationId xmlns:a16="http://schemas.microsoft.com/office/drawing/2014/main" id="{C046E554-4426-AC42-AC76-8625FB7C054D}"/>
-                        </a:ext>
-                      </a:extLst>
-                    </p:cNvPr>
-                    <p:cNvSpPr/>
-                    <p:nvPr/>
-                  </p:nvSpPr>
-                  <p:spPr>
-                    <a:xfrm>
-                      <a:off x="728441" y="4024341"/>
-                      <a:ext cx="914606" cy="2262159"/>
-                    </a:xfrm>
-                    <a:prstGeom prst="roundRect">
-                      <a:avLst/>
-                    </a:prstGeom>
-                    <a:solidFill>
-                      <a:schemeClr val="accent2">
-                        <a:lumMod val="60000"/>
-                        <a:lumOff val="40000"/>
-                      </a:schemeClr>
-                    </a:solidFill>
-                    <a:ln w="31750">
-                      <a:solidFill>
-                        <a:schemeClr val="tx1"/>
-                      </a:solidFill>
-                    </a:ln>
-                  </p:spPr>
-                  <p:style>
-                    <a:lnRef idx="2">
-                      <a:schemeClr val="accent1">
-                        <a:shade val="50000"/>
-                      </a:schemeClr>
-                    </a:lnRef>
-                    <a:fillRef idx="1">
-                      <a:schemeClr val="accent1"/>
-                    </a:fillRef>
-                    <a:effectRef idx="0">
-                      <a:schemeClr val="accent1"/>
-                    </a:effectRef>
-                    <a:fontRef idx="minor">
-                      <a:schemeClr val="lt1"/>
-                    </a:fontRef>
-                  </p:style>
-                  <p:txBody>
-                    <a:bodyPr rtlCol="0" anchor="ctr"/>
-                    <a:lstStyle/>
-                    <a:p>
-                      <a:pPr algn="ctr"/>
-                      <a:endParaRPr lang="en-US"/>
-                    </a:p>
-                  </p:txBody>
-                </p:sp>
-                <p:sp>
-                  <p:nvSpPr>
-                    <p:cNvPr id="43" name="Rounded Rectangle 42">
-                      <a:extLst>
-                        <a:ext uri="{FF2B5EF4-FFF2-40B4-BE49-F238E27FC236}">
-                          <a16:creationId xmlns:a16="http://schemas.microsoft.com/office/drawing/2014/main" id="{CF02F1AD-DCD9-B544-A5CF-159E9F1725B9}"/>
-                        </a:ext>
-                      </a:extLst>
-                    </p:cNvPr>
-                    <p:cNvSpPr/>
-                    <p:nvPr/>
-                  </p:nvSpPr>
-                  <p:spPr>
-                    <a:xfrm>
-                      <a:off x="2411300" y="4024340"/>
-                      <a:ext cx="1460653" cy="865159"/>
-                    </a:xfrm>
-                    <a:prstGeom prst="roundRect">
-                      <a:avLst/>
-                    </a:prstGeom>
-                    <a:solidFill>
-                      <a:schemeClr val="bg1">
-                        <a:lumMod val="85000"/>
-                      </a:schemeClr>
-                    </a:solidFill>
-                    <a:ln w="31750">
-                      <a:solidFill>
-                        <a:schemeClr val="tx1"/>
-                      </a:solidFill>
-                    </a:ln>
-                  </p:spPr>
-                  <p:style>
-                    <a:lnRef idx="2">
-                      <a:schemeClr val="accent1">
-                        <a:shade val="50000"/>
-                      </a:schemeClr>
-                    </a:lnRef>
-                    <a:fillRef idx="1">
-                      <a:schemeClr val="accent1"/>
-                    </a:fillRef>
-                    <a:effectRef idx="0">
-                      <a:schemeClr val="accent1"/>
-                    </a:effectRef>
-                    <a:fontRef idx="minor">
-                      <a:schemeClr val="lt1"/>
-                    </a:fontRef>
-                  </p:style>
-                  <p:txBody>
-                    <a:bodyPr rtlCol="0" anchor="ctr"/>
-                    <a:lstStyle/>
-                    <a:p>
-                      <a:pPr algn="ctr"/>
-                      <a:endParaRPr lang="en-US"/>
-                    </a:p>
-                  </p:txBody>
-                </p:sp>
-                <p:sp>
-                  <p:nvSpPr>
-                    <p:cNvPr id="44" name="Rounded Rectangle 43">
-                      <a:extLst>
-                        <a:ext uri="{FF2B5EF4-FFF2-40B4-BE49-F238E27FC236}">
-                          <a16:creationId xmlns:a16="http://schemas.microsoft.com/office/drawing/2014/main" id="{47B39C31-4A08-6049-BF1D-A30207A2D1F6}"/>
-                        </a:ext>
-                      </a:extLst>
-                    </p:cNvPr>
-                    <p:cNvSpPr/>
-                    <p:nvPr/>
-                  </p:nvSpPr>
-                  <p:spPr>
-                    <a:xfrm>
-                      <a:off x="2411300" y="5421341"/>
-                      <a:ext cx="1460653" cy="865159"/>
-                    </a:xfrm>
-                    <a:prstGeom prst="roundRect">
-                      <a:avLst/>
-                    </a:prstGeom>
-                    <a:solidFill>
-                      <a:schemeClr val="bg1">
-                        <a:lumMod val="85000"/>
-                      </a:schemeClr>
-                    </a:solidFill>
-                    <a:ln w="31750">
-                      <a:solidFill>
-                        <a:schemeClr val="tx1"/>
-                      </a:solidFill>
-                    </a:ln>
-                  </p:spPr>
-                  <p:style>
-                    <a:lnRef idx="2">
-                      <a:schemeClr val="accent1">
-                        <a:shade val="50000"/>
-                      </a:schemeClr>
-                    </a:lnRef>
-                    <a:fillRef idx="1">
-                      <a:schemeClr val="accent1"/>
-                    </a:fillRef>
-                    <a:effectRef idx="0">
-                      <a:schemeClr val="accent1"/>
-                    </a:effectRef>
-                    <a:fontRef idx="minor">
-                      <a:schemeClr val="lt1"/>
-                    </a:fontRef>
-                  </p:style>
-                  <p:txBody>
-                    <a:bodyPr rtlCol="0" anchor="ctr"/>
-                    <a:lstStyle/>
-                    <a:p>
-                      <a:pPr algn="ctr"/>
-                      <a:endParaRPr lang="en-US"/>
-                    </a:p>
-                  </p:txBody>
-                </p:sp>
-                <mc:AlternateContent xmlns:mc="http://schemas.openxmlformats.org/markup-compatibility/2006">
-                  <mc:Choice xmlns:a14="http://schemas.microsoft.com/office/drawing/2010/main" Requires="a14">
-                    <p:sp>
-                      <p:nvSpPr>
-                        <p:cNvPr id="45" name="TextBox 44">
-                          <a:extLst>
-                            <a:ext uri="{FF2B5EF4-FFF2-40B4-BE49-F238E27FC236}">
-                              <a16:creationId xmlns:a16="http://schemas.microsoft.com/office/drawing/2014/main" id="{1658A18D-D483-7247-A6C1-FAB6C7CA482B}"/>
-                            </a:ext>
-                          </a:extLst>
-                        </p:cNvPr>
-                        <p:cNvSpPr txBox="1"/>
-                        <p:nvPr/>
-                      </p:nvSpPr>
-                      <p:spPr>
-                        <a:xfrm>
-                          <a:off x="2509401" y="4271804"/>
-                          <a:ext cx="1264449" cy="370230"/>
-                        </a:xfrm>
-                        <a:prstGeom prst="rect">
-                          <a:avLst/>
-                        </a:prstGeom>
-                        <a:noFill/>
-                      </p:spPr>
-                      <p:txBody>
-                        <a:bodyPr wrap="none" rtlCol="0">
-                          <a:spAutoFit/>
-                        </a:bodyPr>
-                        <a:lstStyle/>
-                        <a:p>
-                          <a14:m>
-                            <m:oMathPara xmlns:m="http://schemas.openxmlformats.org/officeDocument/2006/math">
-                              <m:oMathParaPr>
-                                <m:jc m:val="centerGroup"/>
-                              </m:oMathParaPr>
-                              <m:oMath xmlns:m="http://schemas.openxmlformats.org/officeDocument/2006/math">
-                                <m:sSup>
-                                  <m:sSupPr>
-                                    <m:ctrlPr>
-                                      <a:rPr lang="en-US" b="0" i="1" smtClean="0">
-                                        <a:latin typeface="Cambria Math" panose="02040503050406030204" pitchFamily="18" charset="0"/>
-                                      </a:rPr>
-                                    </m:ctrlPr>
-                                  </m:sSupPr>
-                                  <m:e>
-                                    <m:r>
-                                      <a:rPr lang="en-US" b="0" i="1" smtClean="0">
-                                        <a:latin typeface="Cambria Math" panose="02040503050406030204" pitchFamily="18" charset="0"/>
-                                      </a:rPr>
-                                      <m:t>𝑓</m:t>
-                                    </m:r>
-                                  </m:e>
-                                  <m:sup>
-                                    <m:r>
-                                      <a:rPr lang="en-US" b="0" i="1" smtClean="0">
-                                        <a:latin typeface="Cambria Math" panose="02040503050406030204" pitchFamily="18" charset="0"/>
-                                      </a:rPr>
-                                      <m:t>𝐺𝑁𝑁</m:t>
-                                    </m:r>
-                                    <m:r>
-                                      <a:rPr lang="en-US" b="0" i="1" smtClean="0">
-                                        <a:latin typeface="Cambria Math" panose="02040503050406030204" pitchFamily="18" charset="0"/>
-                                      </a:rPr>
-                                      <m:t>,</m:t>
-                                    </m:r>
-                                    <m:r>
-                                      <a:rPr lang="en-US" b="0" i="1" smtClean="0">
-                                        <a:latin typeface="Cambria Math" panose="02040503050406030204" pitchFamily="18" charset="0"/>
-                                      </a:rPr>
-                                      <m:t>𝐶𝑃</m:t>
-                                    </m:r>
-                                  </m:sup>
-                                </m:sSup>
-                                <m:r>
-                                  <a:rPr lang="en-US" b="0" i="1" smtClean="0">
-                                    <a:latin typeface="Cambria Math" panose="02040503050406030204" pitchFamily="18" charset="0"/>
-                                  </a:rPr>
-                                  <m:t>(⋅)</m:t>
-                                </m:r>
-                              </m:oMath>
-                            </m:oMathPara>
-                          </a14:m>
-                          <a:endParaRPr lang="en-US" b="0" dirty="0"/>
-                        </a:p>
-                      </p:txBody>
-                    </p:sp>
-                  </mc:Choice>
-                  <mc:Fallback>
-                    <p:sp>
-                      <p:nvSpPr>
-                        <p:cNvPr id="45" name="TextBox 44">
-                          <a:extLst>
-                            <a:ext uri="{FF2B5EF4-FFF2-40B4-BE49-F238E27FC236}">
-                              <a16:creationId xmlns:a16="http://schemas.microsoft.com/office/drawing/2014/main" id="{1658A18D-D483-7247-A6C1-FAB6C7CA482B}"/>
-                            </a:ext>
-                          </a:extLst>
-                        </p:cNvPr>
-                        <p:cNvSpPr txBox="1">
-                          <a:spLocks noRot="1" noChangeAspect="1" noMove="1" noResize="1" noEditPoints="1" noAdjustHandles="1" noChangeArrowheads="1" noChangeShapeType="1" noTextEdit="1"/>
-                        </p:cNvSpPr>
-                        <p:nvPr/>
-                      </p:nvSpPr>
-                      <p:spPr>
-                        <a:xfrm>
-                          <a:off x="2509401" y="4271804"/>
-                          <a:ext cx="1264449" cy="370230"/>
-                        </a:xfrm>
-                        <a:prstGeom prst="rect">
-                          <a:avLst/>
-                        </a:prstGeom>
-                        <a:blipFill>
-                          <a:blip r:embed="rId8"/>
-                          <a:stretch>
-                            <a:fillRect b="-13333"/>
-                          </a:stretch>
-                        </a:blipFill>
-                      </p:spPr>
-                      <p:txBody>
-                        <a:bodyPr/>
-                        <a:lstStyle/>
-                        <a:p>
-                          <a:r>
-                            <a:rPr lang="en-US">
-                              <a:noFill/>
-                            </a:rPr>
-                            <a:t> </a:t>
-                          </a:r>
-                        </a:p>
-                      </p:txBody>
-                    </p:sp>
-                  </mc:Fallback>
-                </mc:AlternateContent>
-                <mc:AlternateContent xmlns:mc="http://schemas.openxmlformats.org/markup-compatibility/2006">
-                  <mc:Choice xmlns:a14="http://schemas.microsoft.com/office/drawing/2010/main" Requires="a14">
-                    <p:sp>
-                      <p:nvSpPr>
-                        <p:cNvPr id="46" name="TextBox 45">
-                          <a:extLst>
-                            <a:ext uri="{FF2B5EF4-FFF2-40B4-BE49-F238E27FC236}">
-                              <a16:creationId xmlns:a16="http://schemas.microsoft.com/office/drawing/2014/main" id="{625C80D9-D468-8F41-B19B-8B88B75CA480}"/>
-                            </a:ext>
-                          </a:extLst>
-                        </p:cNvPr>
-                        <p:cNvSpPr txBox="1"/>
-                        <p:nvPr/>
-                      </p:nvSpPr>
-                      <p:spPr>
-                        <a:xfrm>
-                          <a:off x="2512351" y="5672296"/>
-                          <a:ext cx="1261499" cy="370230"/>
-                        </a:xfrm>
-                        <a:prstGeom prst="rect">
-                          <a:avLst/>
-                        </a:prstGeom>
-                        <a:noFill/>
-                      </p:spPr>
-                      <p:txBody>
-                        <a:bodyPr wrap="none" rtlCol="0">
-                          <a:spAutoFit/>
-                        </a:bodyPr>
-                        <a:lstStyle/>
-                        <a:p>
-                          <a14:m>
-                            <m:oMathPara xmlns:m="http://schemas.openxmlformats.org/officeDocument/2006/math">
-                              <m:oMathParaPr>
-                                <m:jc m:val="centerGroup"/>
-                              </m:oMathParaPr>
-                              <m:oMath xmlns:m="http://schemas.openxmlformats.org/officeDocument/2006/math">
-                                <m:sSup>
-                                  <m:sSupPr>
-                                    <m:ctrlPr>
-                                      <a:rPr lang="en-US" i="1" smtClean="0">
-                                        <a:latin typeface="Cambria Math" panose="02040503050406030204" pitchFamily="18" charset="0"/>
-                                      </a:rPr>
-                                    </m:ctrlPr>
-                                  </m:sSupPr>
-                                  <m:e>
-                                    <m:r>
-                                      <a:rPr lang="en-US" i="1">
-                                        <a:latin typeface="Cambria Math" panose="02040503050406030204" pitchFamily="18" charset="0"/>
-                                      </a:rPr>
-                                      <m:t>𝑓</m:t>
-                                    </m:r>
-                                  </m:e>
-                                  <m:sup>
-                                    <m:r>
-                                      <a:rPr lang="en-US" i="1">
-                                        <a:latin typeface="Cambria Math" panose="02040503050406030204" pitchFamily="18" charset="0"/>
-                                      </a:rPr>
-                                      <m:t>𝐺𝑁𝑁</m:t>
-                                    </m:r>
-                                    <m:r>
-                                      <a:rPr lang="en-US" i="1">
-                                        <a:latin typeface="Cambria Math" panose="02040503050406030204" pitchFamily="18" charset="0"/>
-                                      </a:rPr>
-                                      <m:t>,</m:t>
-                                    </m:r>
-                                    <m:r>
-                                      <a:rPr lang="en-US" b="0" i="1" smtClean="0">
-                                        <a:latin typeface="Cambria Math" panose="02040503050406030204" pitchFamily="18" charset="0"/>
-                                      </a:rPr>
-                                      <m:t>𝐶𝐶</m:t>
-                                    </m:r>
-                                  </m:sup>
-                                </m:sSup>
-                                <m:r>
-                                  <a:rPr lang="en-US" i="1">
-                                    <a:latin typeface="Cambria Math" panose="02040503050406030204" pitchFamily="18" charset="0"/>
-                                  </a:rPr>
-                                  <m:t>(⋅)</m:t>
-                                </m:r>
-                              </m:oMath>
-                            </m:oMathPara>
-                          </a14:m>
-                          <a:endParaRPr lang="en-US" dirty="0"/>
-                        </a:p>
-                      </p:txBody>
-                    </p:sp>
-                  </mc:Choice>
-                  <mc:Fallback>
-                    <p:sp>
-                      <p:nvSpPr>
-                        <p:cNvPr id="46" name="TextBox 45">
-                          <a:extLst>
-                            <a:ext uri="{FF2B5EF4-FFF2-40B4-BE49-F238E27FC236}">
-                              <a16:creationId xmlns:a16="http://schemas.microsoft.com/office/drawing/2014/main" id="{625C80D9-D468-8F41-B19B-8B88B75CA480}"/>
-                            </a:ext>
-                          </a:extLst>
-                        </p:cNvPr>
-                        <p:cNvSpPr txBox="1">
-                          <a:spLocks noRot="1" noChangeAspect="1" noMove="1" noResize="1" noEditPoints="1" noAdjustHandles="1" noChangeArrowheads="1" noChangeShapeType="1" noTextEdit="1"/>
-                        </p:cNvSpPr>
-                        <p:nvPr/>
-                      </p:nvSpPr>
-                      <p:spPr>
-                        <a:xfrm>
-                          <a:off x="2512351" y="5672296"/>
-                          <a:ext cx="1261499" cy="370230"/>
-                        </a:xfrm>
-                        <a:prstGeom prst="rect">
-                          <a:avLst/>
-                        </a:prstGeom>
-                        <a:blipFill>
-                          <a:blip r:embed="rId9"/>
-                          <a:stretch>
-                            <a:fillRect b="-16667"/>
-                          </a:stretch>
-                        </a:blipFill>
-                      </p:spPr>
-                      <p:txBody>
-                        <a:bodyPr/>
-                        <a:lstStyle/>
-                        <a:p>
-                          <a:r>
-                            <a:rPr lang="en-US">
-                              <a:noFill/>
-                            </a:rPr>
-                            <a:t> </a:t>
-                          </a:r>
-                        </a:p>
-                      </p:txBody>
-                    </p:sp>
-                  </mc:Fallback>
-                </mc:AlternateContent>
-                <p:sp>
-                  <p:nvSpPr>
-                    <p:cNvPr id="47" name="Rounded Rectangle 46">
-                      <a:extLst>
-                        <a:ext uri="{FF2B5EF4-FFF2-40B4-BE49-F238E27FC236}">
-                          <a16:creationId xmlns:a16="http://schemas.microsoft.com/office/drawing/2014/main" id="{DD1117BE-3AD8-7F40-A963-9CB00B0808E5}"/>
-                        </a:ext>
-                      </a:extLst>
-                    </p:cNvPr>
-                    <p:cNvSpPr/>
-                    <p:nvPr/>
-                  </p:nvSpPr>
-                  <p:spPr>
-                    <a:xfrm>
-                      <a:off x="4640205" y="4024340"/>
-                      <a:ext cx="914597" cy="2262160"/>
-                    </a:xfrm>
-                    <a:prstGeom prst="roundRect">
-                      <a:avLst/>
-                    </a:prstGeom>
-                    <a:solidFill>
-                      <a:schemeClr val="bg1">
-                        <a:lumMod val="85000"/>
-                      </a:schemeClr>
-                    </a:solidFill>
-                    <a:ln w="31750">
-                      <a:solidFill>
-                        <a:schemeClr val="tx1"/>
-                      </a:solidFill>
-                    </a:ln>
-                  </p:spPr>
-                  <p:style>
-                    <a:lnRef idx="2">
-                      <a:schemeClr val="accent1">
-                        <a:shade val="50000"/>
-                      </a:schemeClr>
-                    </a:lnRef>
-                    <a:fillRef idx="1">
-                      <a:schemeClr val="accent1"/>
-                    </a:fillRef>
-                    <a:effectRef idx="0">
-                      <a:schemeClr val="accent1"/>
-                    </a:effectRef>
-                    <a:fontRef idx="minor">
-                      <a:schemeClr val="lt1"/>
-                    </a:fontRef>
-                  </p:style>
-                  <p:txBody>
-                    <a:bodyPr rtlCol="0" anchor="ctr"/>
-                    <a:lstStyle/>
-                    <a:p>
-                      <a:pPr algn="ctr"/>
-                      <a:endParaRPr lang="en-US"/>
-                    </a:p>
-                  </p:txBody>
-                </p:sp>
-                <mc:AlternateContent xmlns:mc="http://schemas.openxmlformats.org/markup-compatibility/2006">
-                  <mc:Choice xmlns:a14="http://schemas.microsoft.com/office/drawing/2010/main" Requires="a14">
-                    <p:sp>
-                      <p:nvSpPr>
-                        <p:cNvPr id="48" name="TextBox 47">
-                          <a:extLst>
-                            <a:ext uri="{FF2B5EF4-FFF2-40B4-BE49-F238E27FC236}">
-                              <a16:creationId xmlns:a16="http://schemas.microsoft.com/office/drawing/2014/main" id="{97383156-46C0-8748-A695-292603A58B43}"/>
-                            </a:ext>
-                          </a:extLst>
-                        </p:cNvPr>
-                        <p:cNvSpPr txBox="1"/>
-                        <p:nvPr/>
-                      </p:nvSpPr>
-                      <p:spPr>
-                        <a:xfrm>
-                          <a:off x="4631991" y="4970754"/>
-                          <a:ext cx="903068" cy="372666"/>
-                        </a:xfrm>
-                        <a:prstGeom prst="rect">
-                          <a:avLst/>
-                        </a:prstGeom>
-                        <a:noFill/>
-                      </p:spPr>
-                      <p:txBody>
-                        <a:bodyPr wrap="none" rtlCol="0">
-                          <a:spAutoFit/>
-                        </a:bodyPr>
-                        <a:lstStyle/>
-                        <a:p>
-                          <a14:m>
-                            <m:oMathPara xmlns:m="http://schemas.openxmlformats.org/officeDocument/2006/math">
-                              <m:oMathParaPr>
-                                <m:jc m:val="centerGroup"/>
-                              </m:oMathParaPr>
-                              <m:oMath xmlns:m="http://schemas.openxmlformats.org/officeDocument/2006/math">
-                                <m:sSubSup>
-                                  <m:sSubSupPr>
-                                    <m:ctrlPr>
-                                      <a:rPr lang="en-US" b="0" i="1" smtClean="0">
-                                        <a:latin typeface="Cambria Math" panose="02040503050406030204" pitchFamily="18" charset="0"/>
-                                      </a:rPr>
-                                    </m:ctrlPr>
-                                  </m:sSubSupPr>
-                                  <m:e>
-                                    <m:r>
-                                      <a:rPr lang="en-US" i="1">
-                                        <a:latin typeface="Cambria Math" panose="02040503050406030204" pitchFamily="18" charset="0"/>
-                                      </a:rPr>
-                                      <m:t>𝑓</m:t>
-                                    </m:r>
-                                  </m:e>
-                                  <m:sub>
-                                    <m:r>
-                                      <a:rPr lang="en-US" b="0" i="1" smtClean="0">
-                                        <a:latin typeface="Cambria Math" panose="02040503050406030204" pitchFamily="18" charset="0"/>
-                                      </a:rPr>
-                                      <m:t>1</m:t>
-                                    </m:r>
-                                  </m:sub>
-                                  <m:sup>
-                                    <m:r>
-                                      <a:rPr lang="en-US" i="1">
-                                        <a:latin typeface="Cambria Math" panose="02040503050406030204" pitchFamily="18" charset="0"/>
-                                      </a:rPr>
-                                      <m:t>𝑁𝑁</m:t>
-                                    </m:r>
-                                  </m:sup>
-                                </m:sSubSup>
-                                <m:r>
-                                  <a:rPr lang="en-US" i="1">
-                                    <a:latin typeface="Cambria Math" panose="02040503050406030204" pitchFamily="18" charset="0"/>
-                                  </a:rPr>
-                                  <m:t>(⋅)</m:t>
-                                </m:r>
-                              </m:oMath>
-                            </m:oMathPara>
-                          </a14:m>
-                          <a:endParaRPr lang="en-US" dirty="0"/>
-                        </a:p>
-                      </p:txBody>
-                    </p:sp>
-                  </mc:Choice>
-                  <mc:Fallback>
-                    <p:sp>
-                      <p:nvSpPr>
-                        <p:cNvPr id="48" name="TextBox 47">
-                          <a:extLst>
-                            <a:ext uri="{FF2B5EF4-FFF2-40B4-BE49-F238E27FC236}">
-                              <a16:creationId xmlns:a16="http://schemas.microsoft.com/office/drawing/2014/main" id="{97383156-46C0-8748-A695-292603A58B43}"/>
-                            </a:ext>
-                          </a:extLst>
-                        </p:cNvPr>
-                        <p:cNvSpPr txBox="1">
-                          <a:spLocks noRot="1" noChangeAspect="1" noMove="1" noResize="1" noEditPoints="1" noAdjustHandles="1" noChangeArrowheads="1" noChangeShapeType="1" noTextEdit="1"/>
-                        </p:cNvSpPr>
-                        <p:nvPr/>
-                      </p:nvSpPr>
-                      <p:spPr>
-                        <a:xfrm>
-                          <a:off x="4631991" y="4970754"/>
-                          <a:ext cx="903068" cy="372666"/>
-                        </a:xfrm>
-                        <a:prstGeom prst="rect">
-                          <a:avLst/>
-                        </a:prstGeom>
-                        <a:blipFill>
-                          <a:blip r:embed="rId10"/>
-                          <a:stretch>
-                            <a:fillRect b="-13333"/>
-                          </a:stretch>
-                        </a:blipFill>
-                      </p:spPr>
-                      <p:txBody>
-                        <a:bodyPr/>
-                        <a:lstStyle/>
-                        <a:p>
-                          <a:r>
-                            <a:rPr lang="en-US">
-                              <a:noFill/>
-                            </a:rPr>
-                            <a:t> </a:t>
-                          </a:r>
-                        </a:p>
-                      </p:txBody>
-                    </p:sp>
-                  </mc:Fallback>
-                </mc:AlternateContent>
-                <mc:AlternateContent xmlns:mc="http://schemas.openxmlformats.org/markup-compatibility/2006">
-                  <mc:Choice xmlns:a14="http://schemas.microsoft.com/office/drawing/2010/main" Requires="a14">
-                    <p:sp>
-                      <p:nvSpPr>
-                        <p:cNvPr id="50" name="TextBox 49">
-                          <a:extLst>
-                            <a:ext uri="{FF2B5EF4-FFF2-40B4-BE49-F238E27FC236}">
-                              <a16:creationId xmlns:a16="http://schemas.microsoft.com/office/drawing/2014/main" id="{CA93B607-33DA-E84C-B0C8-29F862F4988C}"/>
-                            </a:ext>
-                          </a:extLst>
-                        </p:cNvPr>
-                        <p:cNvSpPr txBox="1"/>
-                        <p:nvPr/>
-                      </p:nvSpPr>
-                      <p:spPr>
-                        <a:xfrm>
-                          <a:off x="849530" y="4919953"/>
-                          <a:ext cx="672428" cy="391646"/>
-                        </a:xfrm>
-                        <a:prstGeom prst="rect">
-                          <a:avLst/>
-                        </a:prstGeom>
-                        <a:noFill/>
-                      </p:spPr>
-                      <p:txBody>
-                        <a:bodyPr wrap="none" rtlCol="0">
-                          <a:spAutoFit/>
-                        </a:bodyPr>
-                        <a:lstStyle/>
-                        <a:p>
-                          <a14:m>
-                            <m:oMathPara xmlns:m="http://schemas.openxmlformats.org/officeDocument/2006/math">
-                              <m:oMathParaPr>
-                                <m:jc m:val="centerGroup"/>
-                              </m:oMathParaPr>
-                              <m:oMath xmlns:m="http://schemas.openxmlformats.org/officeDocument/2006/math">
-                                <m:sSub>
-                                  <m:sSubPr>
-                                    <m:ctrlPr>
-                                      <a:rPr lang="en-US" b="0" i="1" smtClean="0">
-                                        <a:latin typeface="Cambria Math" panose="02040503050406030204" pitchFamily="18" charset="0"/>
-                                      </a:rPr>
-                                    </m:ctrlPr>
-                                  </m:sSubPr>
-                                  <m:e>
-                                    <m:r>
-                                      <a:rPr lang="en-US" b="0" i="1" smtClean="0">
-                                        <a:latin typeface="Cambria Math" panose="02040503050406030204" pitchFamily="18" charset="0"/>
-                                      </a:rPr>
-                                      <m:t>𝑐</m:t>
-                                    </m:r>
-                                  </m:e>
-                                  <m:sub>
-                                    <m:r>
-                                      <a:rPr lang="en-US" b="0" i="1" smtClean="0">
-                                        <a:latin typeface="Cambria Math" panose="02040503050406030204" pitchFamily="18" charset="0"/>
-                                      </a:rPr>
-                                      <m:t>𝑖</m:t>
-                                    </m:r>
-                                  </m:sub>
-                                </m:sSub>
-                                <m:r>
-                                  <a:rPr lang="en-US" b="0" i="1" smtClean="0">
-                                    <a:latin typeface="Cambria Math" panose="02040503050406030204" pitchFamily="18" charset="0"/>
-                                  </a:rPr>
-                                  <m:t>,</m:t>
-                                </m:r>
-                                <m:sSub>
-                                  <m:sSubPr>
-                                    <m:ctrlPr>
-                                      <a:rPr lang="en-US" b="0" i="1" smtClean="0">
-                                        <a:latin typeface="Cambria Math" panose="02040503050406030204" pitchFamily="18" charset="0"/>
-                                      </a:rPr>
-                                    </m:ctrlPr>
-                                  </m:sSubPr>
-                                  <m:e>
-                                    <m:r>
-                                      <a:rPr lang="en-US" b="0" i="1" smtClean="0">
-                                        <a:latin typeface="Cambria Math" panose="02040503050406030204" pitchFamily="18" charset="0"/>
-                                      </a:rPr>
-                                      <m:t>𝑐</m:t>
-                                    </m:r>
-                                  </m:e>
-                                  <m:sub>
-                                    <m:r>
-                                      <a:rPr lang="en-US" b="0" i="1" smtClean="0">
-                                        <a:latin typeface="Cambria Math" panose="02040503050406030204" pitchFamily="18" charset="0"/>
-                                      </a:rPr>
-                                      <m:t>𝑗</m:t>
-                                    </m:r>
-                                  </m:sub>
-                                </m:sSub>
-                              </m:oMath>
-                            </m:oMathPara>
-                          </a14:m>
-                          <a:endParaRPr lang="en-US" b="0" dirty="0"/>
-                        </a:p>
-                      </p:txBody>
-                    </p:sp>
-                  </mc:Choice>
-                  <mc:Fallback>
-                    <p:sp>
-                      <p:nvSpPr>
-                        <p:cNvPr id="50" name="TextBox 49">
-                          <a:extLst>
-                            <a:ext uri="{FF2B5EF4-FFF2-40B4-BE49-F238E27FC236}">
-                              <a16:creationId xmlns:a16="http://schemas.microsoft.com/office/drawing/2014/main" id="{CA93B607-33DA-E84C-B0C8-29F862F4988C}"/>
-                            </a:ext>
-                          </a:extLst>
-                        </p:cNvPr>
-                        <p:cNvSpPr txBox="1">
-                          <a:spLocks noRot="1" noChangeAspect="1" noMove="1" noResize="1" noEditPoints="1" noAdjustHandles="1" noChangeArrowheads="1" noChangeShapeType="1" noTextEdit="1"/>
-                        </p:cNvSpPr>
-                        <p:nvPr/>
-                      </p:nvSpPr>
-                      <p:spPr>
-                        <a:xfrm>
-                          <a:off x="849530" y="4919953"/>
-                          <a:ext cx="672428" cy="391646"/>
-                        </a:xfrm>
-                        <a:prstGeom prst="rect">
-                          <a:avLst/>
-                        </a:prstGeom>
-                        <a:blipFill>
-                          <a:blip r:embed="rId11"/>
-                          <a:stretch>
-                            <a:fillRect b="-6250"/>
-                          </a:stretch>
-                        </a:blipFill>
-                      </p:spPr>
-                      <p:txBody>
-                        <a:bodyPr/>
-                        <a:lstStyle/>
-                        <a:p>
-                          <a:r>
-                            <a:rPr lang="en-US">
-                              <a:noFill/>
-                            </a:rPr>
-                            <a:t> </a:t>
-                          </a:r>
-                        </a:p>
-                      </p:txBody>
-                    </p:sp>
-                  </mc:Fallback>
-                </mc:AlternateContent>
-                <p:sp>
-                  <p:nvSpPr>
-                    <p:cNvPr id="51" name="Rounded Rectangle 50">
-                      <a:extLst>
-                        <a:ext uri="{FF2B5EF4-FFF2-40B4-BE49-F238E27FC236}">
-                          <a16:creationId xmlns:a16="http://schemas.microsoft.com/office/drawing/2014/main" id="{949C6B90-7504-B646-BC2B-7F6DAD82FC04}"/>
-                        </a:ext>
-                      </a:extLst>
-                    </p:cNvPr>
-                    <p:cNvSpPr/>
-                    <p:nvPr/>
-                  </p:nvSpPr>
-                  <p:spPr>
-                    <a:xfrm>
-                      <a:off x="455417" y="4889499"/>
-                      <a:ext cx="1460653" cy="531840"/>
-                    </a:xfrm>
-                    <a:prstGeom prst="roundRect">
-                      <a:avLst/>
-                    </a:prstGeom>
-                    <a:noFill/>
-                    <a:ln w="31750">
-                      <a:solidFill>
-                        <a:schemeClr val="tx1"/>
-                      </a:solidFill>
-                      <a:prstDash val="dash"/>
-                    </a:ln>
-                  </p:spPr>
-                  <p:style>
-                    <a:lnRef idx="2">
-                      <a:schemeClr val="accent1">
-                        <a:shade val="50000"/>
-                      </a:schemeClr>
-                    </a:lnRef>
-                    <a:fillRef idx="1">
-                      <a:schemeClr val="accent1"/>
-                    </a:fillRef>
-                    <a:effectRef idx="0">
-                      <a:schemeClr val="accent1"/>
-                    </a:effectRef>
-                    <a:fontRef idx="minor">
-                      <a:schemeClr val="lt1"/>
-                    </a:fontRef>
-                  </p:style>
-                  <p:txBody>
-                    <a:bodyPr rtlCol="0" anchor="ctr"/>
-                    <a:lstStyle/>
-                    <a:p>
-                      <a:pPr algn="ctr"/>
-                      <a:endParaRPr lang="en-US"/>
-                    </a:p>
-                  </p:txBody>
-                </p:sp>
-                <p:sp>
-                  <p:nvSpPr>
-                    <p:cNvPr id="52" name="TextBox 51">
-                      <a:extLst>
-                        <a:ext uri="{FF2B5EF4-FFF2-40B4-BE49-F238E27FC236}">
-                          <a16:creationId xmlns:a16="http://schemas.microsoft.com/office/drawing/2014/main" id="{F7AF45A8-4169-9A46-AD10-6A658C77FD78}"/>
-                        </a:ext>
-                      </a:extLst>
-                    </p:cNvPr>
-                    <p:cNvSpPr txBox="1"/>
-                    <p:nvPr/>
-                  </p:nvSpPr>
-                  <p:spPr>
-                    <a:xfrm>
-                      <a:off x="1006682" y="6312585"/>
-                      <a:ext cx="1502719" cy="646331"/>
-                    </a:xfrm>
-                    <a:prstGeom prst="rect">
-                      <a:avLst/>
-                    </a:prstGeom>
-                    <a:noFill/>
-                  </p:spPr>
-                  <p:txBody>
-                    <a:bodyPr wrap="none" rtlCol="0">
-                      <a:spAutoFit/>
-                    </a:bodyPr>
-                    <a:lstStyle/>
-                    <a:p>
-                      <a:pPr algn="ctr"/>
-                      <a:r>
-                        <a:rPr lang="en-US" i="1" dirty="0">
-                          <a:solidFill>
-                            <a:schemeClr val="accent2"/>
-                          </a:solidFill>
-                        </a:rPr>
-                        <a:t>Set of queries </a:t>
-                      </a:r>
-                    </a:p>
-                    <a:p>
-                      <a:pPr algn="ctr"/>
-                      <a:r>
-                        <a:rPr lang="en-US" i="1" dirty="0">
-                          <a:solidFill>
-                            <a:schemeClr val="accent2"/>
-                          </a:solidFill>
-                        </a:rPr>
-                        <a:t>(Q)</a:t>
-                      </a:r>
-                    </a:p>
-                  </p:txBody>
-                </p:sp>
-              </p:grpSp>
-              <p:cxnSp>
-                <p:nvCxnSpPr>
-                  <p:cNvPr id="54" name="Straight Arrow Connector 53">
-                    <a:extLst>
-                      <a:ext uri="{FF2B5EF4-FFF2-40B4-BE49-F238E27FC236}">
-                        <a16:creationId xmlns:a16="http://schemas.microsoft.com/office/drawing/2014/main" id="{21A24696-0219-394B-919B-F12026F00D54}"/>
-                      </a:ext>
-                    </a:extLst>
-                  </p:cNvPr>
-                  <p:cNvCxnSpPr>
-                    <a:cxnSpLocks/>
-                    <a:stCxn id="51" idx="3"/>
-                    <a:endCxn id="43" idx="1"/>
-                  </p:cNvCxnSpPr>
-                  <p:nvPr/>
-                </p:nvCxnSpPr>
-                <p:spPr>
-                  <a:xfrm flipV="1">
-                    <a:off x="1954170" y="4152120"/>
-                    <a:ext cx="495230" cy="698499"/>
-                  </a:xfrm>
-                  <a:prstGeom prst="straightConnector1">
-                    <a:avLst/>
-                  </a:prstGeom>
-                  <a:ln w="31750">
-                    <a:solidFill>
-                      <a:schemeClr val="tx1"/>
-                    </a:solidFill>
-                    <a:tailEnd type="stealth" w="lg" len="lg"/>
-                  </a:ln>
-                </p:spPr>
-                <p:style>
-                  <a:lnRef idx="1">
-                    <a:schemeClr val="accent1"/>
-                  </a:lnRef>
-                  <a:fillRef idx="0">
-                    <a:schemeClr val="accent1"/>
-                  </a:fillRef>
-                  <a:effectRef idx="0">
-                    <a:schemeClr val="accent1"/>
-                  </a:effectRef>
-                  <a:fontRef idx="minor">
-                    <a:schemeClr val="tx1"/>
-                  </a:fontRef>
-                </p:style>
-              </p:cxnSp>
-              <p:cxnSp>
-                <p:nvCxnSpPr>
-                  <p:cNvPr id="57" name="Straight Arrow Connector 56">
-                    <a:extLst>
-                      <a:ext uri="{FF2B5EF4-FFF2-40B4-BE49-F238E27FC236}">
-                        <a16:creationId xmlns:a16="http://schemas.microsoft.com/office/drawing/2014/main" id="{E9B747CE-D0DE-AB4E-9FD4-D126943BFD7D}"/>
-                      </a:ext>
-                    </a:extLst>
-                  </p:cNvPr>
-                  <p:cNvCxnSpPr>
-                    <a:cxnSpLocks/>
-                    <a:stCxn id="51" idx="3"/>
-                    <a:endCxn id="44" idx="1"/>
-                  </p:cNvCxnSpPr>
-                  <p:nvPr/>
-                </p:nvCxnSpPr>
-                <p:spPr>
-                  <a:xfrm>
-                    <a:off x="1954170" y="4850619"/>
-                    <a:ext cx="495230" cy="698502"/>
-                  </a:xfrm>
-                  <a:prstGeom prst="straightConnector1">
-                    <a:avLst/>
-                  </a:prstGeom>
-                  <a:ln w="31750">
-                    <a:solidFill>
-                      <a:schemeClr val="tx1"/>
-                    </a:solidFill>
-                    <a:tailEnd type="stealth" w="lg" len="lg"/>
-                  </a:ln>
-                </p:spPr>
-                <p:style>
-                  <a:lnRef idx="1">
-                    <a:schemeClr val="accent1"/>
-                  </a:lnRef>
-                  <a:fillRef idx="0">
-                    <a:schemeClr val="accent1"/>
-                  </a:fillRef>
-                  <a:effectRef idx="0">
-                    <a:schemeClr val="accent1"/>
-                  </a:effectRef>
-                  <a:fontRef idx="minor">
-                    <a:schemeClr val="tx1"/>
-                  </a:fontRef>
-                </p:style>
-              </p:cxnSp>
-              <p:cxnSp>
-                <p:nvCxnSpPr>
-                  <p:cNvPr id="60" name="Straight Arrow Connector 59">
-                    <a:extLst>
-                      <a:ext uri="{FF2B5EF4-FFF2-40B4-BE49-F238E27FC236}">
-                        <a16:creationId xmlns:a16="http://schemas.microsoft.com/office/drawing/2014/main" id="{3779F490-4B30-264E-819C-2631B9F09E0F}"/>
-                      </a:ext>
-                    </a:extLst>
-                  </p:cNvPr>
-                  <p:cNvCxnSpPr>
-                    <a:cxnSpLocks/>
-                    <a:stCxn id="43" idx="3"/>
-                    <a:endCxn id="48" idx="1"/>
-                  </p:cNvCxnSpPr>
-                  <p:nvPr/>
-                </p:nvCxnSpPr>
-                <p:spPr>
-                  <a:xfrm>
-                    <a:off x="3910053" y="4152120"/>
-                    <a:ext cx="760038" cy="700167"/>
-                  </a:xfrm>
-                  <a:prstGeom prst="straightConnector1">
-                    <a:avLst/>
-                  </a:prstGeom>
-                  <a:ln w="31750">
-                    <a:solidFill>
-                      <a:schemeClr val="tx1"/>
-                    </a:solidFill>
-                    <a:tailEnd type="stealth" w="lg" len="lg"/>
-                  </a:ln>
-                </p:spPr>
-                <p:style>
-                  <a:lnRef idx="1">
-                    <a:schemeClr val="accent1"/>
-                  </a:lnRef>
-                  <a:fillRef idx="0">
-                    <a:schemeClr val="accent1"/>
-                  </a:fillRef>
-                  <a:effectRef idx="0">
-                    <a:schemeClr val="accent1"/>
-                  </a:effectRef>
-                  <a:fontRef idx="minor">
-                    <a:schemeClr val="tx1"/>
-                  </a:fontRef>
-                </p:style>
-              </p:cxnSp>
-              <p:cxnSp>
-                <p:nvCxnSpPr>
-                  <p:cNvPr id="63" name="Straight Arrow Connector 62">
-                    <a:extLst>
-                      <a:ext uri="{FF2B5EF4-FFF2-40B4-BE49-F238E27FC236}">
-                        <a16:creationId xmlns:a16="http://schemas.microsoft.com/office/drawing/2014/main" id="{42037D03-AFEC-D240-BC10-1D770CC356D8}"/>
-                      </a:ext>
-                    </a:extLst>
-                  </p:cNvPr>
-                  <p:cNvCxnSpPr>
-                    <a:cxnSpLocks/>
-                    <a:stCxn id="44" idx="3"/>
-                    <a:endCxn id="48" idx="1"/>
-                  </p:cNvCxnSpPr>
-                  <p:nvPr/>
-                </p:nvCxnSpPr>
-                <p:spPr>
-                  <a:xfrm flipV="1">
-                    <a:off x="3910053" y="4852287"/>
-                    <a:ext cx="760038" cy="696834"/>
-                  </a:xfrm>
-                  <a:prstGeom prst="straightConnector1">
-                    <a:avLst/>
-                  </a:prstGeom>
-                  <a:ln w="31750">
-                    <a:solidFill>
-                      <a:schemeClr val="tx1"/>
-                    </a:solidFill>
-                    <a:tailEnd type="stealth" w="lg" len="lg"/>
-                  </a:ln>
-                </p:spPr>
-                <p:style>
-                  <a:lnRef idx="1">
-                    <a:schemeClr val="accent1"/>
-                  </a:lnRef>
-                  <a:fillRef idx="0">
-                    <a:schemeClr val="accent1"/>
-                  </a:fillRef>
-                  <a:effectRef idx="0">
-                    <a:schemeClr val="accent1"/>
-                  </a:effectRef>
-                  <a:fontRef idx="minor">
-                    <a:schemeClr val="tx1"/>
-                  </a:fontRef>
-                </p:style>
-              </p:cxnSp>
-              <p:sp>
-                <p:nvSpPr>
-                  <p:cNvPr id="66" name="Rounded Rectangle 65">
-                    <a:extLst>
-                      <a:ext uri="{FF2B5EF4-FFF2-40B4-BE49-F238E27FC236}">
-                        <a16:creationId xmlns:a16="http://schemas.microsoft.com/office/drawing/2014/main" id="{04EE750C-1208-4442-B2C0-172DF62488B8}"/>
-                      </a:ext>
-                    </a:extLst>
-                  </p:cNvPr>
-                  <p:cNvSpPr/>
-                  <p:nvPr/>
-                </p:nvSpPr>
-                <p:spPr>
-                  <a:xfrm>
-                    <a:off x="6369367" y="3727114"/>
-                    <a:ext cx="914597" cy="2254586"/>
-                  </a:xfrm>
-                  <a:prstGeom prst="roundRect">
-                    <a:avLst/>
-                  </a:prstGeom>
-                  <a:solidFill>
-                    <a:schemeClr val="accent6">
-                      <a:lumMod val="40000"/>
-                      <a:lumOff val="60000"/>
-                    </a:schemeClr>
-                  </a:solidFill>
-                  <a:ln w="31750">
-                    <a:solidFill>
-                      <a:schemeClr val="tx1"/>
-                    </a:solidFill>
-                  </a:ln>
-                </p:spPr>
-                <p:style>
-                  <a:lnRef idx="2">
-                    <a:schemeClr val="accent1">
-                      <a:shade val="50000"/>
-                    </a:schemeClr>
-                  </a:lnRef>
-                  <a:fillRef idx="1">
-                    <a:schemeClr val="accent1"/>
-                  </a:fillRef>
-                  <a:effectRef idx="0">
-                    <a:schemeClr val="accent1"/>
-                  </a:effectRef>
-                  <a:fontRef idx="minor">
-                    <a:schemeClr val="lt1"/>
-                  </a:fontRef>
-                </p:style>
-                <p:txBody>
-                  <a:bodyPr rtlCol="0" anchor="ctr"/>
-                  <a:lstStyle/>
-                  <a:p>
-                    <a:pPr algn="ctr"/>
-                    <a:endParaRPr lang="en-US"/>
-                  </a:p>
-                </p:txBody>
-              </p:sp>
-              <p:sp>
-                <p:nvSpPr>
-                  <p:cNvPr id="67" name="Rounded Rectangle 66">
-                    <a:extLst>
-                      <a:ext uri="{FF2B5EF4-FFF2-40B4-BE49-F238E27FC236}">
-                        <a16:creationId xmlns:a16="http://schemas.microsoft.com/office/drawing/2014/main" id="{E7801D7B-9E80-8D4B-BF3C-C5017AF86867}"/>
-                      </a:ext>
-                    </a:extLst>
-                  </p:cNvPr>
-                  <p:cNvSpPr/>
-                  <p:nvPr/>
-                </p:nvSpPr>
-                <p:spPr>
-                  <a:xfrm>
-                    <a:off x="6103541" y="4578348"/>
-                    <a:ext cx="1460653" cy="531840"/>
-                  </a:xfrm>
-                  <a:prstGeom prst="roundRect">
-                    <a:avLst/>
-                  </a:prstGeom>
-                  <a:noFill/>
-                  <a:ln w="31750">
-                    <a:solidFill>
-                      <a:schemeClr val="tx1"/>
-                    </a:solidFill>
-                    <a:prstDash val="dash"/>
-                  </a:ln>
-                </p:spPr>
-                <p:style>
-                  <a:lnRef idx="2">
-                    <a:schemeClr val="accent1">
-                      <a:shade val="50000"/>
-                    </a:schemeClr>
-                  </a:lnRef>
-                  <a:fillRef idx="1">
-                    <a:schemeClr val="accent1"/>
-                  </a:fillRef>
-                  <a:effectRef idx="0">
-                    <a:schemeClr val="accent1"/>
-                  </a:effectRef>
-                  <a:fontRef idx="minor">
-                    <a:schemeClr val="lt1"/>
-                  </a:fontRef>
-                </p:style>
-                <p:txBody>
-                  <a:bodyPr rtlCol="0" anchor="ctr"/>
-                  <a:lstStyle/>
-                  <a:p>
-                    <a:pPr algn="ctr"/>
-                    <a:endParaRPr lang="en-US"/>
-                  </a:p>
-                </p:txBody>
-              </p:sp>
-              <p:cxnSp>
-                <p:nvCxnSpPr>
-                  <p:cNvPr id="68" name="Straight Arrow Connector 67">
-                    <a:extLst>
-                      <a:ext uri="{FF2B5EF4-FFF2-40B4-BE49-F238E27FC236}">
-                        <a16:creationId xmlns:a16="http://schemas.microsoft.com/office/drawing/2014/main" id="{F923CF61-15DD-8448-ABC3-71D6CB6576D0}"/>
-                      </a:ext>
-                    </a:extLst>
-                  </p:cNvPr>
-                  <p:cNvCxnSpPr>
-                    <a:cxnSpLocks/>
-                    <a:stCxn id="48" idx="3"/>
-                    <a:endCxn id="67" idx="1"/>
-                  </p:cNvCxnSpPr>
-                  <p:nvPr/>
-                </p:nvCxnSpPr>
-                <p:spPr>
-                  <a:xfrm flipV="1">
-                    <a:off x="5573159" y="4844268"/>
-                    <a:ext cx="530382" cy="8019"/>
-                  </a:xfrm>
-                  <a:prstGeom prst="straightConnector1">
-                    <a:avLst/>
-                  </a:prstGeom>
-                  <a:ln w="31750">
-                    <a:solidFill>
-                      <a:schemeClr val="tx1"/>
-                    </a:solidFill>
-                    <a:tailEnd type="stealth" w="lg" len="lg"/>
-                  </a:ln>
-                </p:spPr>
-                <p:style>
-                  <a:lnRef idx="1">
-                    <a:schemeClr val="accent1"/>
-                  </a:lnRef>
-                  <a:fillRef idx="0">
-                    <a:schemeClr val="accent1"/>
-                  </a:fillRef>
-                  <a:effectRef idx="0">
-                    <a:schemeClr val="accent1"/>
-                  </a:effectRef>
-                  <a:fontRef idx="minor">
-                    <a:schemeClr val="tx1"/>
-                  </a:fontRef>
-                </p:style>
-              </p:cxnSp>
-              <mc:AlternateContent xmlns:mc="http://schemas.openxmlformats.org/markup-compatibility/2006">
-                <mc:Choice xmlns:a14="http://schemas.microsoft.com/office/drawing/2010/main" Requires="a14">
-                  <p:sp>
-                    <p:nvSpPr>
-                      <p:cNvPr id="71" name="TextBox 70">
-                        <a:extLst>
-                          <a:ext uri="{FF2B5EF4-FFF2-40B4-BE49-F238E27FC236}">
-                            <a16:creationId xmlns:a16="http://schemas.microsoft.com/office/drawing/2014/main" id="{2B1BA133-7055-2847-AED4-14E618C72A9D}"/>
-                          </a:ext>
-                        </a:extLst>
-                      </p:cNvPr>
-                      <p:cNvSpPr txBox="1"/>
-                      <p:nvPr/>
-                    </p:nvSpPr>
-                    <p:spPr>
-                      <a:xfrm>
-                        <a:off x="6499874" y="4643640"/>
-                        <a:ext cx="685252" cy="391646"/>
-                      </a:xfrm>
-                      <a:prstGeom prst="rect">
-                        <a:avLst/>
-                      </a:prstGeom>
-                      <a:noFill/>
-                    </p:spPr>
-                    <p:txBody>
-                      <a:bodyPr wrap="none" rtlCol="0">
-                        <a:spAutoFit/>
-                      </a:bodyPr>
-                      <a:lstStyle/>
-                      <a:p>
-                        <a14:m>
-                          <m:oMathPara xmlns:m="http://schemas.openxmlformats.org/officeDocument/2006/math">
-                            <m:oMathParaPr>
-                              <m:jc m:val="centerGroup"/>
-                            </m:oMathParaPr>
-                            <m:oMath xmlns:m="http://schemas.openxmlformats.org/officeDocument/2006/math">
-                              <m:sSub>
-                                <m:sSubPr>
-                                  <m:ctrlPr>
-                                    <a:rPr lang="en-US" b="0" i="1" smtClean="0">
-                                      <a:latin typeface="Cambria Math" panose="02040503050406030204" pitchFamily="18" charset="0"/>
-                                    </a:rPr>
-                                  </m:ctrlPr>
-                                </m:sSubPr>
-                                <m:e>
-                                  <m:r>
-                                    <a:rPr lang="en-US" b="0" i="1" smtClean="0">
-                                      <a:latin typeface="Cambria Math" panose="02040503050406030204" pitchFamily="18" charset="0"/>
-                                    </a:rPr>
-                                    <m:t>𝑧</m:t>
-                                  </m:r>
-                                </m:e>
-                                <m:sub>
-                                  <m:r>
-                                    <a:rPr lang="en-US" b="0" i="1" smtClean="0">
-                                      <a:latin typeface="Cambria Math" panose="02040503050406030204" pitchFamily="18" charset="0"/>
-                                    </a:rPr>
-                                    <m:t>𝑖</m:t>
-                                  </m:r>
-                                </m:sub>
-                              </m:sSub>
-                              <m:r>
-                                <a:rPr lang="en-US" b="0" i="1" smtClean="0">
-                                  <a:latin typeface="Cambria Math" panose="02040503050406030204" pitchFamily="18" charset="0"/>
-                                </a:rPr>
-                                <m:t>,</m:t>
-                              </m:r>
-                              <m:sSub>
-                                <m:sSubPr>
-                                  <m:ctrlPr>
-                                    <a:rPr lang="en-US" b="0" i="1" smtClean="0">
-                                      <a:latin typeface="Cambria Math" panose="02040503050406030204" pitchFamily="18" charset="0"/>
-                                    </a:rPr>
-                                  </m:ctrlPr>
-                                </m:sSubPr>
-                                <m:e>
-                                  <m:r>
-                                    <a:rPr lang="en-US" b="0" i="1" smtClean="0">
-                                      <a:latin typeface="Cambria Math" panose="02040503050406030204" pitchFamily="18" charset="0"/>
-                                    </a:rPr>
-                                    <m:t>𝑧</m:t>
-                                  </m:r>
-                                </m:e>
-                                <m:sub>
-                                  <m:r>
-                                    <a:rPr lang="en-US" b="0" i="1" smtClean="0">
-                                      <a:latin typeface="Cambria Math" panose="02040503050406030204" pitchFamily="18" charset="0"/>
-                                    </a:rPr>
-                                    <m:t>𝑗</m:t>
-                                  </m:r>
-                                </m:sub>
-                              </m:sSub>
-                            </m:oMath>
-                          </m:oMathPara>
-                        </a14:m>
-                        <a:endParaRPr lang="en-US" b="0" dirty="0"/>
-                      </a:p>
-                    </p:txBody>
-                  </p:sp>
-                </mc:Choice>
-                <mc:Fallback>
-                  <p:sp>
-                    <p:nvSpPr>
-                      <p:cNvPr id="71" name="TextBox 70">
-                        <a:extLst>
-                          <a:ext uri="{FF2B5EF4-FFF2-40B4-BE49-F238E27FC236}">
-                            <a16:creationId xmlns:a16="http://schemas.microsoft.com/office/drawing/2014/main" id="{2B1BA133-7055-2847-AED4-14E618C72A9D}"/>
-                          </a:ext>
-                        </a:extLst>
-                      </p:cNvPr>
-                      <p:cNvSpPr txBox="1">
-                        <a:spLocks noRot="1" noChangeAspect="1" noMove="1" noResize="1" noEditPoints="1" noAdjustHandles="1" noChangeArrowheads="1" noChangeShapeType="1" noTextEdit="1"/>
-                      </p:cNvSpPr>
-                      <p:nvPr/>
-                    </p:nvSpPr>
-                    <p:spPr>
-                      <a:xfrm>
-                        <a:off x="6499874" y="4643640"/>
-                        <a:ext cx="685252" cy="391646"/>
-                      </a:xfrm>
-                      <a:prstGeom prst="rect">
-                        <a:avLst/>
-                      </a:prstGeom>
-                      <a:blipFill>
-                        <a:blip r:embed="rId12"/>
-                        <a:stretch>
-                          <a:fillRect b="-9375"/>
-                        </a:stretch>
-                      </a:blipFill>
-                    </p:spPr>
-                    <p:txBody>
-                      <a:bodyPr/>
-                      <a:lstStyle/>
-                      <a:p>
-                        <a:r>
-                          <a:rPr lang="en-US">
-                            <a:noFill/>
-                          </a:rPr>
-                          <a:t> </a:t>
-                        </a:r>
-                      </a:p>
-                    </p:txBody>
-                  </p:sp>
-                </mc:Fallback>
-              </mc:AlternateContent>
-              <p:sp>
-                <p:nvSpPr>
-                  <p:cNvPr id="72" name="Rounded Rectangle 71">
-                    <a:extLst>
-                      <a:ext uri="{FF2B5EF4-FFF2-40B4-BE49-F238E27FC236}">
-                        <a16:creationId xmlns:a16="http://schemas.microsoft.com/office/drawing/2014/main" id="{14C083D4-8912-B541-A715-4C3C4E91CD72}"/>
-                      </a:ext>
-                    </a:extLst>
-                  </p:cNvPr>
-                  <p:cNvSpPr/>
-                  <p:nvPr/>
-                </p:nvSpPr>
-                <p:spPr>
-                  <a:xfrm>
-                    <a:off x="8071531" y="3733800"/>
-                    <a:ext cx="914591" cy="2242770"/>
-                  </a:xfrm>
-                  <a:prstGeom prst="roundRect">
-                    <a:avLst/>
-                  </a:prstGeom>
-                  <a:solidFill>
-                    <a:schemeClr val="bg1">
-                      <a:lumMod val="85000"/>
-                    </a:schemeClr>
-                  </a:solidFill>
-                  <a:ln w="31750">
-                    <a:solidFill>
-                      <a:schemeClr val="tx1"/>
-                    </a:solidFill>
-                    <a:prstDash val="solid"/>
-                  </a:ln>
-                </p:spPr>
-                <p:style>
-                  <a:lnRef idx="2">
-                    <a:schemeClr val="accent1">
-                      <a:shade val="50000"/>
-                    </a:schemeClr>
-                  </a:lnRef>
-                  <a:fillRef idx="1">
-                    <a:schemeClr val="accent1"/>
-                  </a:fillRef>
-                  <a:effectRef idx="0">
-                    <a:schemeClr val="accent1"/>
-                  </a:effectRef>
-                  <a:fontRef idx="minor">
-                    <a:schemeClr val="lt1"/>
-                  </a:fontRef>
-                </p:style>
-                <p:txBody>
-                  <a:bodyPr rtlCol="0" anchor="ctr"/>
-                  <a:lstStyle/>
-                  <a:p>
-                    <a:pPr algn="ctr"/>
-                    <a:endParaRPr lang="en-US"/>
-                  </a:p>
-                </p:txBody>
-              </p:sp>
-              <p:cxnSp>
-                <p:nvCxnSpPr>
-                  <p:cNvPr id="73" name="Straight Arrow Connector 72">
-                    <a:extLst>
-                      <a:ext uri="{FF2B5EF4-FFF2-40B4-BE49-F238E27FC236}">
-                        <a16:creationId xmlns:a16="http://schemas.microsoft.com/office/drawing/2014/main" id="{29F724A6-E9D3-2D4C-A001-FC7963738BC2}"/>
-                      </a:ext>
-                    </a:extLst>
-                  </p:cNvPr>
-                  <p:cNvCxnSpPr>
-                    <a:cxnSpLocks/>
-                    <a:stCxn id="67" idx="3"/>
-                  </p:cNvCxnSpPr>
-                  <p:nvPr/>
-                </p:nvCxnSpPr>
-                <p:spPr>
-                  <a:xfrm>
-                    <a:off x="7564194" y="4844268"/>
-                    <a:ext cx="462845" cy="6351"/>
-                  </a:xfrm>
-                  <a:prstGeom prst="straightConnector1">
-                    <a:avLst/>
-                  </a:prstGeom>
-                  <a:ln w="31750">
-                    <a:solidFill>
-                      <a:schemeClr val="tx1"/>
-                    </a:solidFill>
-                    <a:tailEnd type="stealth" w="lg" len="lg"/>
-                  </a:ln>
-                </p:spPr>
-                <p:style>
-                  <a:lnRef idx="1">
-                    <a:schemeClr val="accent1"/>
-                  </a:lnRef>
-                  <a:fillRef idx="0">
-                    <a:schemeClr val="accent1"/>
-                  </a:fillRef>
-                  <a:effectRef idx="0">
-                    <a:schemeClr val="accent1"/>
-                  </a:effectRef>
-                  <a:fontRef idx="minor">
-                    <a:schemeClr val="tx1"/>
-                  </a:fontRef>
-                </p:style>
-              </p:cxnSp>
-              <mc:AlternateContent xmlns:mc="http://schemas.openxmlformats.org/markup-compatibility/2006">
-                <mc:Choice xmlns:a14="http://schemas.microsoft.com/office/drawing/2010/main" Requires="a14">
-                  <p:sp>
-                    <p:nvSpPr>
-                      <p:cNvPr id="76" name="TextBox 75">
-                        <a:extLst>
-                          <a:ext uri="{FF2B5EF4-FFF2-40B4-BE49-F238E27FC236}">
-                            <a16:creationId xmlns:a16="http://schemas.microsoft.com/office/drawing/2014/main" id="{B9D21D1D-47A3-AC40-9996-FD08E8F9D130}"/>
-                          </a:ext>
-                        </a:extLst>
-                      </p:cNvPr>
-                      <p:cNvSpPr txBox="1"/>
-                      <p:nvPr/>
-                    </p:nvSpPr>
-                    <p:spPr>
-                      <a:xfrm>
-                        <a:off x="8122485" y="4650024"/>
-                        <a:ext cx="903068" cy="373179"/>
-                      </a:xfrm>
-                      <a:prstGeom prst="rect">
-                        <a:avLst/>
-                      </a:prstGeom>
-                      <a:noFill/>
-                    </p:spPr>
-                    <p:txBody>
-                      <a:bodyPr wrap="none" rtlCol="0">
-                        <a:spAutoFit/>
-                      </a:bodyPr>
-                      <a:lstStyle/>
-                      <a:p>
-                        <a14:m>
-                          <m:oMathPara xmlns:m="http://schemas.openxmlformats.org/officeDocument/2006/math">
-                            <m:oMathParaPr>
-                              <m:jc m:val="centerGroup"/>
-                            </m:oMathParaPr>
-                            <m:oMath xmlns:m="http://schemas.openxmlformats.org/officeDocument/2006/math">
-                              <m:sSubSup>
-                                <m:sSubSupPr>
-                                  <m:ctrlPr>
-                                    <a:rPr lang="en-US" b="0" i="1" smtClean="0">
-                                      <a:latin typeface="Cambria Math" panose="02040503050406030204" pitchFamily="18" charset="0"/>
-                                    </a:rPr>
-                                  </m:ctrlPr>
-                                </m:sSubSupPr>
-                                <m:e>
-                                  <m:r>
-                                    <a:rPr lang="en-US" i="1">
-                                      <a:latin typeface="Cambria Math" panose="02040503050406030204" pitchFamily="18" charset="0"/>
-                                    </a:rPr>
-                                    <m:t>𝑓</m:t>
-                                  </m:r>
-                                </m:e>
-                                <m:sub>
-                                  <m:r>
-                                    <a:rPr lang="en-US" b="0" i="1" smtClean="0">
-                                      <a:latin typeface="Cambria Math" panose="02040503050406030204" pitchFamily="18" charset="0"/>
-                                    </a:rPr>
-                                    <m:t>2</m:t>
-                                  </m:r>
-                                </m:sub>
-                                <m:sup>
-                                  <m:r>
-                                    <a:rPr lang="en-US" i="1">
-                                      <a:latin typeface="Cambria Math" panose="02040503050406030204" pitchFamily="18" charset="0"/>
-                                    </a:rPr>
-                                    <m:t>𝑁𝑁</m:t>
-                                  </m:r>
-                                </m:sup>
-                              </m:sSubSup>
-                              <m:r>
-                                <a:rPr lang="en-US" i="1">
-                                  <a:latin typeface="Cambria Math" panose="02040503050406030204" pitchFamily="18" charset="0"/>
-                                </a:rPr>
-                                <m:t>(⋅)</m:t>
-                              </m:r>
-                            </m:oMath>
-                          </m:oMathPara>
-                        </a14:m>
-                        <a:endParaRPr lang="en-US" dirty="0"/>
-                      </a:p>
-                    </p:txBody>
-                  </p:sp>
-                </mc:Choice>
-                <mc:Fallback>
-                  <p:sp>
-                    <p:nvSpPr>
-                      <p:cNvPr id="76" name="TextBox 75">
-                        <a:extLst>
-                          <a:ext uri="{FF2B5EF4-FFF2-40B4-BE49-F238E27FC236}">
-                            <a16:creationId xmlns:a16="http://schemas.microsoft.com/office/drawing/2014/main" id="{B9D21D1D-47A3-AC40-9996-FD08E8F9D130}"/>
-                          </a:ext>
-                        </a:extLst>
-                      </p:cNvPr>
-                      <p:cNvSpPr txBox="1">
-                        <a:spLocks noRot="1" noChangeAspect="1" noMove="1" noResize="1" noEditPoints="1" noAdjustHandles="1" noChangeArrowheads="1" noChangeShapeType="1" noTextEdit="1"/>
-                      </p:cNvSpPr>
-                      <p:nvPr/>
-                    </p:nvSpPr>
-                    <p:spPr>
-                      <a:xfrm>
-                        <a:off x="8122485" y="4650024"/>
-                        <a:ext cx="903068" cy="373179"/>
-                      </a:xfrm>
-                      <a:prstGeom prst="rect">
-                        <a:avLst/>
-                      </a:prstGeom>
-                      <a:blipFill>
-                        <a:blip r:embed="rId13"/>
-                        <a:stretch>
-                          <a:fillRect b="-13333"/>
-                        </a:stretch>
-                      </a:blipFill>
-                    </p:spPr>
-                    <p:txBody>
-                      <a:bodyPr/>
-                      <a:lstStyle/>
-                      <a:p>
-                        <a:r>
-                          <a:rPr lang="en-US">
-                            <a:noFill/>
-                          </a:rPr>
-                          <a:t> </a:t>
-                        </a:r>
-                      </a:p>
-                    </p:txBody>
-                  </p:sp>
-                </mc:Fallback>
-              </mc:AlternateContent>
-              <p:sp>
-                <p:nvSpPr>
-                  <p:cNvPr id="77" name="TextBox 76">
-                    <a:extLst>
-                      <a:ext uri="{FF2B5EF4-FFF2-40B4-BE49-F238E27FC236}">
-                        <a16:creationId xmlns:a16="http://schemas.microsoft.com/office/drawing/2014/main" id="{A8AD55FB-82FA-964B-BFC9-FD8C00AFC39D}"/>
-                      </a:ext>
-                    </a:extLst>
-                  </p:cNvPr>
-                  <p:cNvSpPr txBox="1"/>
-                  <p:nvPr/>
-                </p:nvSpPr>
-                <p:spPr>
-                  <a:xfrm>
-                    <a:off x="6301124" y="5976570"/>
-                    <a:ext cx="2440412" cy="646331"/>
-                  </a:xfrm>
-                  <a:prstGeom prst="rect">
-                    <a:avLst/>
-                  </a:prstGeom>
-                  <a:noFill/>
-                </p:spPr>
-                <p:txBody>
-                  <a:bodyPr wrap="none" rtlCol="0">
-                    <a:spAutoFit/>
-                  </a:bodyPr>
-                  <a:lstStyle/>
-                  <a:p>
-                    <a:pPr algn="ctr"/>
-                    <a:r>
-                      <a:rPr lang="en-US" i="1" dirty="0">
-                        <a:solidFill>
-                          <a:schemeClr val="accent6"/>
-                        </a:solidFill>
-                      </a:rPr>
-                      <a:t>Node embeddings, z</a:t>
-                    </a:r>
-                  </a:p>
-                  <a:p>
-                    <a:pPr algn="ctr"/>
-                    <a:r>
-                      <a:rPr lang="en-US" i="1" dirty="0">
-                        <a:solidFill>
-                          <a:schemeClr val="accent6"/>
-                        </a:solidFill>
-                      </a:rPr>
-                      <a:t>(supervised </a:t>
-                    </a:r>
-                    <a:r>
-                      <a:rPr lang="en-US" i="1" dirty="0" err="1">
-                        <a:solidFill>
-                          <a:schemeClr val="accent6"/>
-                        </a:solidFill>
-                      </a:rPr>
-                      <a:t>GraphSAGE</a:t>
-                    </a:r>
-                    <a:r>
-                      <a:rPr lang="en-US" i="1" dirty="0">
-                        <a:solidFill>
-                          <a:schemeClr val="accent6"/>
-                        </a:solidFill>
-                      </a:rPr>
-                      <a:t>)</a:t>
-                    </a:r>
-                  </a:p>
-                </p:txBody>
-              </p:sp>
-              <p:sp>
-                <p:nvSpPr>
-                  <p:cNvPr id="78" name="Freeform 77">
-                    <a:extLst>
-                      <a:ext uri="{FF2B5EF4-FFF2-40B4-BE49-F238E27FC236}">
-                        <a16:creationId xmlns:a16="http://schemas.microsoft.com/office/drawing/2014/main" id="{5199505E-2B14-FA4B-B14A-9422A475554A}"/>
-                      </a:ext>
-                    </a:extLst>
-                  </p:cNvPr>
-                  <p:cNvSpPr/>
-                  <p:nvPr/>
-                </p:nvSpPr>
-                <p:spPr>
-                  <a:xfrm>
-                    <a:off x="3102369" y="2463800"/>
-                    <a:ext cx="2193531" cy="1270000"/>
-                  </a:xfrm>
-                  <a:custGeom>
-                    <a:avLst/>
-                    <a:gdLst>
-                      <a:gd name="connsiteX0" fmla="*/ 2193531 w 2193531"/>
-                      <a:gd name="connsiteY0" fmla="*/ 0 h 1270000"/>
-                      <a:gd name="connsiteX1" fmla="*/ 1164831 w 2193531"/>
-                      <a:gd name="connsiteY1" fmla="*/ 266700 h 1270000"/>
-                      <a:gd name="connsiteX2" fmla="*/ 123431 w 2193531"/>
-                      <a:gd name="connsiteY2" fmla="*/ 660400 h 1270000"/>
-                      <a:gd name="connsiteX3" fmla="*/ 59931 w 2193531"/>
-                      <a:gd name="connsiteY3" fmla="*/ 1270000 h 1270000"/>
-                    </a:gdLst>
-                    <a:ahLst/>
-                    <a:cxnLst>
-                      <a:cxn ang="0">
-                        <a:pos x="connsiteX0" y="connsiteY0"/>
-                      </a:cxn>
-                      <a:cxn ang="0">
-                        <a:pos x="connsiteX1" y="connsiteY1"/>
-                      </a:cxn>
-                      <a:cxn ang="0">
-                        <a:pos x="connsiteX2" y="connsiteY2"/>
-                      </a:cxn>
-                      <a:cxn ang="0">
-                        <a:pos x="connsiteX3" y="connsiteY3"/>
-                      </a:cxn>
-                    </a:cxnLst>
-                    <a:rect l="l" t="t" r="r" b="b"/>
-                    <a:pathLst>
-                      <a:path w="2193531" h="1270000">
-                        <a:moveTo>
-                          <a:pt x="2193531" y="0"/>
-                        </a:moveTo>
-                        <a:cubicBezTo>
-                          <a:pt x="1851689" y="78316"/>
-                          <a:pt x="1509848" y="156633"/>
-                          <a:pt x="1164831" y="266700"/>
-                        </a:cubicBezTo>
-                        <a:cubicBezTo>
-                          <a:pt x="819814" y="376767"/>
-                          <a:pt x="307581" y="493183"/>
-                          <a:pt x="123431" y="660400"/>
-                        </a:cubicBezTo>
-                        <a:cubicBezTo>
-                          <a:pt x="-60719" y="827617"/>
-                          <a:pt x="-394" y="1048808"/>
-                          <a:pt x="59931" y="1270000"/>
-                        </a:cubicBezTo>
-                      </a:path>
-                    </a:pathLst>
-                  </a:custGeom>
-                  <a:noFill/>
-                  <a:ln w="31750">
-                    <a:solidFill>
-                      <a:schemeClr val="accent6">
-                        <a:lumMod val="75000"/>
-                      </a:schemeClr>
-                    </a:solidFill>
-                    <a:headEnd type="oval" w="lg" len="lg"/>
-                    <a:tailEnd type="stealth" w="lg" len="lg"/>
-                  </a:ln>
-                </p:spPr>
-                <p:style>
-                  <a:lnRef idx="2">
-                    <a:schemeClr val="accent1">
-                      <a:shade val="50000"/>
-                    </a:schemeClr>
-                  </a:lnRef>
-                  <a:fillRef idx="1">
-                    <a:schemeClr val="accent1"/>
-                  </a:fillRef>
-                  <a:effectRef idx="0">
-                    <a:schemeClr val="accent1"/>
-                  </a:effectRef>
-                  <a:fontRef idx="minor">
-                    <a:schemeClr val="lt1"/>
-                  </a:fontRef>
-                </p:style>
-                <p:txBody>
-                  <a:bodyPr rtlCol="0" anchor="ctr"/>
-                  <a:lstStyle/>
-                  <a:p>
-                    <a:pPr algn="ctr"/>
-                    <a:endParaRPr lang="en-US"/>
-                  </a:p>
-                </p:txBody>
-              </p:sp>
-              <p:sp>
-                <p:nvSpPr>
-                  <p:cNvPr id="79" name="Freeform 78">
-                    <a:extLst>
-                      <a:ext uri="{FF2B5EF4-FFF2-40B4-BE49-F238E27FC236}">
-                        <a16:creationId xmlns:a16="http://schemas.microsoft.com/office/drawing/2014/main" id="{9948F2E8-B2FE-6A4A-A71B-274A02D4FC8F}"/>
-                      </a:ext>
-                    </a:extLst>
-                  </p:cNvPr>
-                  <p:cNvSpPr/>
-                  <p:nvPr/>
-                </p:nvSpPr>
-                <p:spPr>
-                  <a:xfrm>
-                    <a:off x="3187700" y="2463800"/>
-                    <a:ext cx="2120900" cy="2667000"/>
-                  </a:xfrm>
-                  <a:custGeom>
-                    <a:avLst/>
-                    <a:gdLst>
-                      <a:gd name="connsiteX0" fmla="*/ 2120900 w 2120900"/>
-                      <a:gd name="connsiteY0" fmla="*/ 0 h 2667000"/>
-                      <a:gd name="connsiteX1" fmla="*/ 1295400 w 2120900"/>
-                      <a:gd name="connsiteY1" fmla="*/ 723900 h 2667000"/>
-                      <a:gd name="connsiteX2" fmla="*/ 241300 w 2120900"/>
-                      <a:gd name="connsiteY2" fmla="*/ 1993900 h 2667000"/>
-                      <a:gd name="connsiteX3" fmla="*/ 0 w 2120900"/>
-                      <a:gd name="connsiteY3" fmla="*/ 2667000 h 2667000"/>
-                    </a:gdLst>
-                    <a:ahLst/>
-                    <a:cxnLst>
-                      <a:cxn ang="0">
-                        <a:pos x="connsiteX0" y="connsiteY0"/>
-                      </a:cxn>
-                      <a:cxn ang="0">
-                        <a:pos x="connsiteX1" y="connsiteY1"/>
-                      </a:cxn>
-                      <a:cxn ang="0">
-                        <a:pos x="connsiteX2" y="connsiteY2"/>
-                      </a:cxn>
-                      <a:cxn ang="0">
-                        <a:pos x="connsiteX3" y="connsiteY3"/>
-                      </a:cxn>
-                    </a:cxnLst>
-                    <a:rect l="l" t="t" r="r" b="b"/>
-                    <a:pathLst>
-                      <a:path w="2120900" h="2667000">
-                        <a:moveTo>
-                          <a:pt x="2120900" y="0"/>
-                        </a:moveTo>
-                        <a:cubicBezTo>
-                          <a:pt x="1864783" y="195791"/>
-                          <a:pt x="1608667" y="391583"/>
-                          <a:pt x="1295400" y="723900"/>
-                        </a:cubicBezTo>
-                        <a:cubicBezTo>
-                          <a:pt x="982133" y="1056217"/>
-                          <a:pt x="457200" y="1670050"/>
-                          <a:pt x="241300" y="1993900"/>
-                        </a:cubicBezTo>
-                        <a:cubicBezTo>
-                          <a:pt x="25400" y="2317750"/>
-                          <a:pt x="38100" y="2552700"/>
-                          <a:pt x="0" y="2667000"/>
-                        </a:cubicBezTo>
-                      </a:path>
-                    </a:pathLst>
-                  </a:custGeom>
-                  <a:noFill/>
-                  <a:ln w="31750">
-                    <a:solidFill>
-                      <a:schemeClr val="accent6">
-                        <a:lumMod val="75000"/>
-                      </a:schemeClr>
-                    </a:solidFill>
-                    <a:tailEnd type="stealth" w="lg" len="lg"/>
-                  </a:ln>
-                </p:spPr>
-                <p:style>
-                  <a:lnRef idx="2">
-                    <a:schemeClr val="accent1">
-                      <a:shade val="50000"/>
-                    </a:schemeClr>
-                  </a:lnRef>
-                  <a:fillRef idx="1">
-                    <a:schemeClr val="accent1"/>
-                  </a:fillRef>
-                  <a:effectRef idx="0">
-                    <a:schemeClr val="accent1"/>
-                  </a:effectRef>
-                  <a:fontRef idx="minor">
-                    <a:schemeClr val="lt1"/>
-                  </a:fontRef>
-                </p:style>
-                <p:txBody>
-                  <a:bodyPr rtlCol="0" anchor="ctr"/>
-                  <a:lstStyle/>
-                  <a:p>
-                    <a:pPr algn="ctr"/>
-                    <a:endParaRPr lang="en-US"/>
-                  </a:p>
-                </p:txBody>
-              </p:sp>
-            </p:grpSp>
-            <p:sp>
-              <p:nvSpPr>
-                <p:cNvPr id="87" name="Rounded Rectangle 86">
-                  <a:extLst>
-                    <a:ext uri="{FF2B5EF4-FFF2-40B4-BE49-F238E27FC236}">
-                      <a16:creationId xmlns:a16="http://schemas.microsoft.com/office/drawing/2014/main" id="{7B726279-4268-B340-8139-2E70B606C997}"/>
-                    </a:ext>
-                  </a:extLst>
-                </p:cNvPr>
-                <p:cNvSpPr/>
-                <p:nvPr/>
-              </p:nvSpPr>
-              <p:spPr>
-                <a:xfrm>
-                  <a:off x="9705516" y="3749994"/>
-                  <a:ext cx="1460653" cy="865159"/>
-                </a:xfrm>
-                <a:prstGeom prst="roundRect">
-                  <a:avLst/>
-                </a:prstGeom>
-                <a:solidFill>
-                  <a:schemeClr val="accent2">
-                    <a:lumMod val="60000"/>
-                    <a:lumOff val="40000"/>
-                  </a:schemeClr>
-                </a:solidFill>
-                <a:ln w="31750">
-                  <a:solidFill>
-                    <a:schemeClr val="tx1"/>
-                  </a:solidFill>
-                </a:ln>
-              </p:spPr>
-              <p:style>
-                <a:lnRef idx="2">
-                  <a:schemeClr val="accent1">
-                    <a:shade val="50000"/>
-                  </a:schemeClr>
-                </a:lnRef>
-                <a:fillRef idx="1">
-                  <a:schemeClr val="accent1"/>
-                </a:fillRef>
-                <a:effectRef idx="0">
-                  <a:schemeClr val="accent1"/>
-                </a:effectRef>
-                <a:fontRef idx="minor">
-                  <a:schemeClr val="lt1"/>
-                </a:fontRef>
-              </p:style>
-              <p:txBody>
-                <a:bodyPr rtlCol="0" anchor="ctr"/>
-                <a:lstStyle/>
-                <a:p>
-                  <a:pPr algn="ctr"/>
-                  <a:r>
-                    <a:rPr lang="en-US" dirty="0">
-                      <a:solidFill>
-                        <a:schemeClr val="tx1"/>
-                      </a:solidFill>
-                    </a:rPr>
-                    <a:t>Side-effect</a:t>
-                  </a:r>
-                </a:p>
-              </p:txBody>
-            </p:sp>
-            <p:sp>
-              <p:nvSpPr>
-                <p:cNvPr id="88" name="Rounded Rectangle 87">
-                  <a:extLst>
-                    <a:ext uri="{FF2B5EF4-FFF2-40B4-BE49-F238E27FC236}">
-                      <a16:creationId xmlns:a16="http://schemas.microsoft.com/office/drawing/2014/main" id="{F220E1EB-6006-E247-900F-D5A858953BA5}"/>
-                    </a:ext>
-                  </a:extLst>
-                </p:cNvPr>
-                <p:cNvSpPr/>
-                <p:nvPr/>
-              </p:nvSpPr>
-              <p:spPr>
-                <a:xfrm>
-                  <a:off x="9705516" y="5146995"/>
-                  <a:ext cx="1460653" cy="865159"/>
-                </a:xfrm>
-                <a:prstGeom prst="roundRect">
-                  <a:avLst/>
-                </a:prstGeom>
-                <a:solidFill>
-                  <a:schemeClr val="accent2">
-                    <a:lumMod val="60000"/>
-                    <a:lumOff val="40000"/>
-                  </a:schemeClr>
-                </a:solidFill>
-                <a:ln w="31750">
-                  <a:solidFill>
-                    <a:schemeClr val="tx1"/>
-                  </a:solidFill>
-                </a:ln>
-              </p:spPr>
-              <p:style>
-                <a:lnRef idx="2">
-                  <a:schemeClr val="accent1">
-                    <a:shade val="50000"/>
-                  </a:schemeClr>
-                </a:lnRef>
-                <a:fillRef idx="1">
-                  <a:schemeClr val="accent1"/>
-                </a:fillRef>
-                <a:effectRef idx="0">
-                  <a:schemeClr val="accent1"/>
-                </a:effectRef>
-                <a:fontRef idx="minor">
-                  <a:schemeClr val="lt1"/>
-                </a:fontRef>
-              </p:style>
-              <p:txBody>
-                <a:bodyPr rtlCol="0" anchor="ctr"/>
-                <a:lstStyle/>
-                <a:p>
-                  <a:pPr algn="ctr"/>
-                  <a:r>
-                    <a:rPr lang="en-US" dirty="0">
-                      <a:solidFill>
-                        <a:schemeClr val="tx1"/>
-                      </a:solidFill>
-                    </a:rPr>
-                    <a:t>No side-effect</a:t>
-                  </a:r>
-                </a:p>
-              </p:txBody>
-            </p:sp>
-            <p:cxnSp>
-              <p:nvCxnSpPr>
-                <p:cNvPr id="89" name="Straight Arrow Connector 88">
-                  <a:extLst>
-                    <a:ext uri="{FF2B5EF4-FFF2-40B4-BE49-F238E27FC236}">
-                      <a16:creationId xmlns:a16="http://schemas.microsoft.com/office/drawing/2014/main" id="{CA3E0222-8A81-9449-81CF-A3268E677E64}"/>
-                    </a:ext>
-                  </a:extLst>
-                </p:cNvPr>
-                <p:cNvCxnSpPr>
-                  <a:cxnSpLocks/>
-                  <a:stCxn id="76" idx="3"/>
-                  <a:endCxn id="87" idx="1"/>
-                </p:cNvCxnSpPr>
-                <p:nvPr/>
-              </p:nvCxnSpPr>
-              <p:spPr>
-                <a:xfrm flipV="1">
-                  <a:off x="9025553" y="4182574"/>
-                  <a:ext cx="679963" cy="654040"/>
-                </a:xfrm>
-                <a:prstGeom prst="straightConnector1">
-                  <a:avLst/>
-                </a:prstGeom>
-                <a:ln w="31750">
-                  <a:solidFill>
-                    <a:schemeClr val="tx1"/>
-                  </a:solidFill>
-                  <a:tailEnd type="stealth" w="lg" len="lg"/>
-                </a:ln>
-              </p:spPr>
-              <p:style>
-                <a:lnRef idx="1">
-                  <a:schemeClr val="accent1"/>
-                </a:lnRef>
-                <a:fillRef idx="0">
-                  <a:schemeClr val="accent1"/>
-                </a:fillRef>
-                <a:effectRef idx="0">
-                  <a:schemeClr val="accent1"/>
-                </a:effectRef>
-                <a:fontRef idx="minor">
-                  <a:schemeClr val="tx1"/>
-                </a:fontRef>
-              </p:style>
-            </p:cxnSp>
-            <p:cxnSp>
-              <p:nvCxnSpPr>
-                <p:cNvPr id="92" name="Straight Arrow Connector 91">
-                  <a:extLst>
-                    <a:ext uri="{FF2B5EF4-FFF2-40B4-BE49-F238E27FC236}">
-                      <a16:creationId xmlns:a16="http://schemas.microsoft.com/office/drawing/2014/main" id="{D86ED973-F02F-F144-895D-38CFF50C3F6B}"/>
-                    </a:ext>
-                  </a:extLst>
-                </p:cNvPr>
-                <p:cNvCxnSpPr>
-                  <a:cxnSpLocks/>
-                  <a:stCxn id="76" idx="3"/>
-                  <a:endCxn id="88" idx="1"/>
-                </p:cNvCxnSpPr>
-                <p:nvPr/>
-              </p:nvCxnSpPr>
-              <p:spPr>
-                <a:xfrm>
-                  <a:off x="9025553" y="4836614"/>
-                  <a:ext cx="679963" cy="742961"/>
-                </a:xfrm>
-                <a:prstGeom prst="straightConnector1">
-                  <a:avLst/>
-                </a:prstGeom>
-                <a:ln w="31750">
-                  <a:solidFill>
-                    <a:schemeClr val="tx1"/>
-                  </a:solidFill>
-                  <a:tailEnd type="stealth" w="lg" len="lg"/>
-                </a:ln>
-              </p:spPr>
-              <p:style>
-                <a:lnRef idx="1">
-                  <a:schemeClr val="accent1"/>
-                </a:lnRef>
-                <a:fillRef idx="0">
-                  <a:schemeClr val="accent1"/>
-                </a:fillRef>
-                <a:effectRef idx="0">
-                  <a:schemeClr val="accent1"/>
-                </a:effectRef>
-                <a:fontRef idx="minor">
-                  <a:schemeClr val="tx1"/>
-                </a:fontRef>
-              </p:style>
-            </p:cxnSp>
-            <p:sp>
-              <p:nvSpPr>
-                <p:cNvPr id="95" name="TextBox 94">
-                  <a:extLst>
-                    <a:ext uri="{FF2B5EF4-FFF2-40B4-BE49-F238E27FC236}">
-                      <a16:creationId xmlns:a16="http://schemas.microsoft.com/office/drawing/2014/main" id="{5E46E969-9A28-FD43-B637-9D8842B4E875}"/>
-                    </a:ext>
-                  </a:extLst>
-                </p:cNvPr>
-                <p:cNvSpPr txBox="1"/>
-                <p:nvPr/>
-              </p:nvSpPr>
-              <p:spPr>
-                <a:xfrm>
-                  <a:off x="9765634" y="6007785"/>
-                  <a:ext cx="2142830" cy="646331"/>
-                </a:xfrm>
-                <a:prstGeom prst="rect">
-                  <a:avLst/>
-                </a:prstGeom>
-                <a:noFill/>
-              </p:spPr>
-              <p:txBody>
-                <a:bodyPr wrap="none" rtlCol="0">
-                  <a:spAutoFit/>
-                </a:bodyPr>
-                <a:lstStyle/>
-                <a:p>
-                  <a:pPr algn="ctr"/>
-                  <a:r>
-                    <a:rPr lang="en-US" i="1" dirty="0">
-                      <a:solidFill>
-                        <a:schemeClr val="accent2"/>
-                      </a:solidFill>
-                    </a:rPr>
-                    <a:t>Target for supervised</a:t>
-                  </a:r>
-                </a:p>
-                <a:p>
-                  <a:pPr algn="ctr"/>
-                  <a:r>
-                    <a:rPr lang="en-US" i="1" dirty="0">
-                      <a:solidFill>
-                        <a:schemeClr val="accent2"/>
-                      </a:solidFill>
-                    </a:rPr>
-                    <a:t>learning (r)</a:t>
-                  </a:r>
-                </a:p>
-              </p:txBody>
-            </p:sp>
-          </p:grpSp>
-          <p:cxnSp>
-            <p:nvCxnSpPr>
-              <p:cNvPr id="98" name="Straight Connector 97">
-                <a:extLst>
-                  <a:ext uri="{FF2B5EF4-FFF2-40B4-BE49-F238E27FC236}">
-                    <a16:creationId xmlns:a16="http://schemas.microsoft.com/office/drawing/2014/main" id="{F2D7F615-606B-ED42-899C-40809ED8864B}"/>
-                  </a:ext>
-                </a:extLst>
-              </p:cNvPr>
-              <p:cNvCxnSpPr>
-                <a:cxnSpLocks/>
-              </p:cNvCxnSpPr>
-              <p:nvPr/>
-            </p:nvCxnSpPr>
-            <p:spPr>
-              <a:xfrm>
-                <a:off x="8242260" y="152895"/>
-                <a:ext cx="0" cy="2391340"/>
-              </a:xfrm>
-              <a:prstGeom prst="line">
-                <a:avLst/>
-              </a:prstGeom>
-              <a:ln w="31750">
-                <a:solidFill>
-                  <a:schemeClr val="tx1"/>
-                </a:solidFill>
-                <a:prstDash val="dash"/>
-              </a:ln>
-            </p:spPr>
-            <p:style>
-              <a:lnRef idx="1">
-                <a:schemeClr val="accent1"/>
-              </a:lnRef>
-              <a:fillRef idx="0">
-                <a:schemeClr val="accent1"/>
-              </a:fillRef>
-              <a:effectRef idx="0">
-                <a:schemeClr val="accent1"/>
-              </a:effectRef>
-              <a:fontRef idx="minor">
-                <a:schemeClr val="tx1"/>
-              </a:fontRef>
-            </p:style>
-          </p:cxnSp>
-          <p:sp>
-            <p:nvSpPr>
-              <p:cNvPr id="99" name="Rounded Rectangle 98">
-                <a:extLst>
-                  <a:ext uri="{FF2B5EF4-FFF2-40B4-BE49-F238E27FC236}">
-                    <a16:creationId xmlns:a16="http://schemas.microsoft.com/office/drawing/2014/main" id="{CA1F270A-A845-6A42-B69B-6E453ED10900}"/>
+                    <a16:creationId xmlns:a16="http://schemas.microsoft.com/office/drawing/2014/main" id="{1024C8CF-08A3-424B-A99F-CB05E27D153E}"/>
                   </a:ext>
                 </a:extLst>
               </p:cNvPr>
@@ -11396,64 +7876,8 @@
             </p:nvSpPr>
             <p:spPr>
               <a:xfrm>
-                <a:off x="8499411" y="287287"/>
-                <a:ext cx="569978" cy="563526"/>
-              </a:xfrm>
-              <a:prstGeom prst="roundRect">
-                <a:avLst/>
-              </a:prstGeom>
-              <a:solidFill>
-                <a:schemeClr val="bg1">
-                  <a:lumMod val="85000"/>
-                </a:schemeClr>
-              </a:solidFill>
-              <a:ln w="31750">
-                <a:solidFill>
-                  <a:schemeClr val="tx1"/>
-                </a:solidFill>
-              </a:ln>
-            </p:spPr>
-            <p:style>
-              <a:lnRef idx="2">
-                <a:schemeClr val="accent1">
-                  <a:shade val="50000"/>
-                </a:schemeClr>
-              </a:lnRef>
-              <a:fillRef idx="1">
-                <a:schemeClr val="accent1"/>
-              </a:fillRef>
-              <a:effectRef idx="0">
-                <a:schemeClr val="accent1"/>
-              </a:effectRef>
-              <a:fontRef idx="minor">
-                <a:schemeClr val="lt1"/>
-              </a:fontRef>
-            </p:style>
-            <p:txBody>
-              <a:bodyPr rtlCol="0" anchor="ctr"/>
-              <a:lstStyle/>
-              <a:p>
-                <a:pPr algn="ctr"/>
-                <a:endParaRPr lang="en-US"/>
-              </a:p>
-            </p:txBody>
-          </p:sp>
-          <p:sp>
-            <p:nvSpPr>
-              <p:cNvPr id="100" name="Rounded Rectangle 99">
-                <a:extLst>
-                  <a:ext uri="{FF2B5EF4-FFF2-40B4-BE49-F238E27FC236}">
-                    <a16:creationId xmlns:a16="http://schemas.microsoft.com/office/drawing/2014/main" id="{E0F2AE62-8E45-884B-A12D-62BE98248F63}"/>
-                  </a:ext>
-                </a:extLst>
-              </p:cNvPr>
-              <p:cNvSpPr/>
-              <p:nvPr/>
-            </p:nvSpPr>
-            <p:spPr>
-              <a:xfrm>
-                <a:off x="8496237" y="1066802"/>
-                <a:ext cx="569976" cy="563527"/>
+                <a:off x="525412" y="1869754"/>
+                <a:ext cx="914606" cy="594046"/>
               </a:xfrm>
               <a:prstGeom prst="roundRect">
                 <a:avLst/>
@@ -11497,10 +7921,10 @@
           </p:sp>
           <p:sp>
             <p:nvSpPr>
-              <p:cNvPr id="101" name="Rounded Rectangle 100">
+              <p:cNvPr id="107" name="Rounded Rectangle 106">
                 <a:extLst>
                   <a:ext uri="{FF2B5EF4-FFF2-40B4-BE49-F238E27FC236}">
-                    <a16:creationId xmlns:a16="http://schemas.microsoft.com/office/drawing/2014/main" id="{1CF660E1-301B-8E4F-B83A-43976BAEF374}"/>
+                    <a16:creationId xmlns:a16="http://schemas.microsoft.com/office/drawing/2014/main" id="{BAB4AD51-9EF6-B84C-91D2-415C35894729}"/>
                   </a:ext>
                 </a:extLst>
               </p:cNvPr>
@@ -11509,16 +7933,16 @@
             </p:nvSpPr>
             <p:spPr>
               <a:xfrm>
-                <a:off x="8496237" y="1836389"/>
-                <a:ext cx="569976" cy="563527"/>
+                <a:off x="519611" y="719765"/>
+                <a:ext cx="914606" cy="531840"/>
               </a:xfrm>
               <a:prstGeom prst="roundRect">
                 <a:avLst/>
               </a:prstGeom>
               <a:solidFill>
-                <a:schemeClr val="accent6">
-                  <a:lumMod val="40000"/>
-                  <a:lumOff val="60000"/>
+                <a:schemeClr val="accent2">
+                  <a:lumMod val="60000"/>
+                  <a:lumOff val="40000"/>
                 </a:schemeClr>
               </a:solidFill>
               <a:ln w="31750">
@@ -11552,12 +7976,3292 @@
               </a:p>
             </p:txBody>
           </p:sp>
+          <p:grpSp>
+            <p:nvGrpSpPr>
+              <p:cNvPr id="106" name="Group 105">
+                <a:extLst>
+                  <a:ext uri="{FF2B5EF4-FFF2-40B4-BE49-F238E27FC236}">
+                    <a16:creationId xmlns:a16="http://schemas.microsoft.com/office/drawing/2014/main" id="{6DB5C635-05F7-554F-94EF-BA00D1E83842}"/>
+                  </a:ext>
+                </a:extLst>
+              </p:cNvPr>
+              <p:cNvGrpSpPr/>
+              <p:nvPr/>
+            </p:nvGrpSpPr>
+            <p:grpSpPr>
+              <a:xfrm>
+                <a:off x="493517" y="34968"/>
+                <a:ext cx="11414947" cy="6619148"/>
+                <a:chOff x="493517" y="34968"/>
+                <a:chExt cx="11414947" cy="6619148"/>
+              </a:xfrm>
+            </p:grpSpPr>
+            <p:grpSp>
+              <p:nvGrpSpPr>
+                <p:cNvPr id="96" name="Group 95">
+                  <a:extLst>
+                    <a:ext uri="{FF2B5EF4-FFF2-40B4-BE49-F238E27FC236}">
+                      <a16:creationId xmlns:a16="http://schemas.microsoft.com/office/drawing/2014/main" id="{85E1A920-ED59-124A-9181-FD5234A4EAC0}"/>
+                    </a:ext>
+                  </a:extLst>
+                </p:cNvPr>
+                <p:cNvGrpSpPr/>
+                <p:nvPr/>
+              </p:nvGrpSpPr>
+              <p:grpSpPr>
+                <a:xfrm>
+                  <a:off x="493517" y="34968"/>
+                  <a:ext cx="11414947" cy="6619148"/>
+                  <a:chOff x="493517" y="34968"/>
+                  <a:chExt cx="11414947" cy="6619148"/>
+                </a:xfrm>
+              </p:grpSpPr>
+              <p:grpSp>
+                <p:nvGrpSpPr>
+                  <p:cNvPr id="86" name="Group 85">
+                    <a:extLst>
+                      <a:ext uri="{FF2B5EF4-FFF2-40B4-BE49-F238E27FC236}">
+                        <a16:creationId xmlns:a16="http://schemas.microsoft.com/office/drawing/2014/main" id="{16F0B8A8-EA23-6E42-8429-2B89F5E70B09}"/>
+                      </a:ext>
+                    </a:extLst>
+                  </p:cNvPr>
+                  <p:cNvGrpSpPr/>
+                  <p:nvPr/>
+                </p:nvGrpSpPr>
+                <p:grpSpPr>
+                  <a:xfrm>
+                    <a:off x="493517" y="34968"/>
+                    <a:ext cx="8532036" cy="6619148"/>
+                    <a:chOff x="493517" y="34968"/>
+                    <a:chExt cx="8532036" cy="6619148"/>
+                  </a:xfrm>
+                </p:grpSpPr>
+                <p:grpSp>
+                  <p:nvGrpSpPr>
+                    <p:cNvPr id="31" name="Group 30">
+                      <a:extLst>
+                        <a:ext uri="{FF2B5EF4-FFF2-40B4-BE49-F238E27FC236}">
+                          <a16:creationId xmlns:a16="http://schemas.microsoft.com/office/drawing/2014/main" id="{6C701DA5-D044-914A-955E-EE4D23CA4E0F}"/>
+                        </a:ext>
+                      </a:extLst>
+                    </p:cNvPr>
+                    <p:cNvGrpSpPr/>
+                    <p:nvPr/>
+                  </p:nvGrpSpPr>
+                  <p:grpSpPr>
+                    <a:xfrm>
+                      <a:off x="2411300" y="34968"/>
+                      <a:ext cx="5817919" cy="2428832"/>
+                      <a:chOff x="1750900" y="-28532"/>
+                      <a:chExt cx="5817919" cy="2428832"/>
+                    </a:xfrm>
+                  </p:grpSpPr>
+                  <p:grpSp>
+                    <p:nvGrpSpPr>
+                      <p:cNvPr id="29" name="Group 28">
+                        <a:extLst>
+                          <a:ext uri="{FF2B5EF4-FFF2-40B4-BE49-F238E27FC236}">
+                            <a16:creationId xmlns:a16="http://schemas.microsoft.com/office/drawing/2014/main" id="{60828D63-E23D-B042-805C-12B0D96CF275}"/>
+                          </a:ext>
+                        </a:extLst>
+                      </p:cNvPr>
+                      <p:cNvGrpSpPr/>
+                      <p:nvPr/>
+                    </p:nvGrpSpPr>
+                    <p:grpSpPr>
+                      <a:xfrm>
+                        <a:off x="1750900" y="656265"/>
+                        <a:ext cx="5336115" cy="1744035"/>
+                        <a:chOff x="1128600" y="478465"/>
+                        <a:chExt cx="5336115" cy="1744035"/>
+                      </a:xfrm>
+                    </p:grpSpPr>
+                    <p:sp>
+                      <p:nvSpPr>
+                        <p:cNvPr id="4" name="Rounded Rectangle 3">
+                          <a:extLst>
+                            <a:ext uri="{FF2B5EF4-FFF2-40B4-BE49-F238E27FC236}">
+                              <a16:creationId xmlns:a16="http://schemas.microsoft.com/office/drawing/2014/main" id="{0F4C0D68-0473-A340-91D3-FB5EE2029C74}"/>
+                            </a:ext>
+                          </a:extLst>
+                        </p:cNvPr>
+                        <p:cNvSpPr/>
+                        <p:nvPr/>
+                      </p:nvSpPr>
+                      <p:spPr>
+                        <a:xfrm>
+                          <a:off x="1128600" y="478465"/>
+                          <a:ext cx="1460658" cy="563526"/>
+                        </a:xfrm>
+                        <a:prstGeom prst="roundRect">
+                          <a:avLst/>
+                        </a:prstGeom>
+                        <a:noFill/>
+                        <a:ln w="31750">
+                          <a:solidFill>
+                            <a:schemeClr val="tx1"/>
+                          </a:solidFill>
+                        </a:ln>
+                      </p:spPr>
+                      <p:style>
+                        <a:lnRef idx="2">
+                          <a:schemeClr val="accent1">
+                            <a:shade val="50000"/>
+                          </a:schemeClr>
+                        </a:lnRef>
+                        <a:fillRef idx="1">
+                          <a:schemeClr val="accent1"/>
+                        </a:fillRef>
+                        <a:effectRef idx="0">
+                          <a:schemeClr val="accent1"/>
+                        </a:effectRef>
+                        <a:fontRef idx="minor">
+                          <a:schemeClr val="lt1"/>
+                        </a:fontRef>
+                      </p:style>
+                      <p:txBody>
+                        <a:bodyPr rtlCol="0" anchor="ctr"/>
+                        <a:lstStyle/>
+                        <a:p>
+                          <a:pPr algn="ctr"/>
+                          <a:endParaRPr lang="en-US"/>
+                        </a:p>
+                      </p:txBody>
+                    </p:sp>
+                    <p:sp>
+                      <p:nvSpPr>
+                        <p:cNvPr id="5" name="Rounded Rectangle 4">
+                          <a:extLst>
+                            <a:ext uri="{FF2B5EF4-FFF2-40B4-BE49-F238E27FC236}">
+                              <a16:creationId xmlns:a16="http://schemas.microsoft.com/office/drawing/2014/main" id="{36A491C8-B272-E24E-9E12-1807ACA10F76}"/>
+                            </a:ext>
+                          </a:extLst>
+                        </p:cNvPr>
+                        <p:cNvSpPr/>
+                        <p:nvPr/>
+                      </p:nvSpPr>
+                      <p:spPr>
+                        <a:xfrm>
+                          <a:off x="1128600" y="1645470"/>
+                          <a:ext cx="1460657" cy="563526"/>
+                        </a:xfrm>
+                        <a:prstGeom prst="roundRect">
+                          <a:avLst/>
+                        </a:prstGeom>
+                        <a:solidFill>
+                          <a:schemeClr val="bg1">
+                            <a:lumMod val="85000"/>
+                          </a:schemeClr>
+                        </a:solidFill>
+                        <a:ln w="31750">
+                          <a:solidFill>
+                            <a:schemeClr val="tx1"/>
+                          </a:solidFill>
+                        </a:ln>
+                      </p:spPr>
+                      <p:style>
+                        <a:lnRef idx="2">
+                          <a:schemeClr val="accent1">
+                            <a:shade val="50000"/>
+                          </a:schemeClr>
+                        </a:lnRef>
+                        <a:fillRef idx="1">
+                          <a:schemeClr val="accent1"/>
+                        </a:fillRef>
+                        <a:effectRef idx="0">
+                          <a:schemeClr val="accent1"/>
+                        </a:effectRef>
+                        <a:fontRef idx="minor">
+                          <a:schemeClr val="lt1"/>
+                        </a:fontRef>
+                      </p:style>
+                      <p:txBody>
+                        <a:bodyPr rtlCol="0" anchor="ctr"/>
+                        <a:lstStyle/>
+                        <a:p>
+                          <a:pPr algn="ctr"/>
+                          <a:endParaRPr lang="en-US"/>
+                        </a:p>
+                      </p:txBody>
+                    </p:sp>
+                    <p:sp>
+                      <p:nvSpPr>
+                        <p:cNvPr id="6" name="Rounded Rectangle 5">
+                          <a:extLst>
+                            <a:ext uri="{FF2B5EF4-FFF2-40B4-BE49-F238E27FC236}">
+                              <a16:creationId xmlns:a16="http://schemas.microsoft.com/office/drawing/2014/main" id="{946CF030-BA9F-4D42-BD9F-0ADCDC2F046B}"/>
+                            </a:ext>
+                          </a:extLst>
+                        </p:cNvPr>
+                        <p:cNvSpPr/>
+                        <p:nvPr/>
+                      </p:nvSpPr>
+                      <p:spPr>
+                        <a:xfrm>
+                          <a:off x="5165294" y="491969"/>
+                          <a:ext cx="1299421" cy="1730531"/>
+                        </a:xfrm>
+                        <a:prstGeom prst="roundRect">
+                          <a:avLst/>
+                        </a:prstGeom>
+                        <a:solidFill>
+                          <a:schemeClr val="accent6">
+                            <a:lumMod val="40000"/>
+                            <a:lumOff val="60000"/>
+                          </a:schemeClr>
+                        </a:solidFill>
+                        <a:ln w="31750">
+                          <a:solidFill>
+                            <a:schemeClr val="tx1"/>
+                          </a:solidFill>
+                        </a:ln>
+                      </p:spPr>
+                      <p:style>
+                        <a:lnRef idx="2">
+                          <a:schemeClr val="accent1">
+                            <a:shade val="50000"/>
+                          </a:schemeClr>
+                        </a:lnRef>
+                        <a:fillRef idx="1">
+                          <a:schemeClr val="accent1"/>
+                        </a:fillRef>
+                        <a:effectRef idx="0">
+                          <a:schemeClr val="accent1"/>
+                        </a:effectRef>
+                        <a:fontRef idx="minor">
+                          <a:schemeClr val="lt1"/>
+                        </a:fontRef>
+                      </p:style>
+                      <p:txBody>
+                        <a:bodyPr rtlCol="0" anchor="ctr"/>
+                        <a:lstStyle/>
+                        <a:p>
+                          <a:pPr algn="ctr"/>
+                          <a:endParaRPr lang="en-US"/>
+                        </a:p>
+                      </p:txBody>
+                    </p:sp>
+                    <mc:AlternateContent xmlns:mc="http://schemas.openxmlformats.org/markup-compatibility/2006" xmlns:a14="http://schemas.microsoft.com/office/drawing/2010/main">
+                      <mc:Choice Requires="a14">
+                        <p:sp>
+                          <p:nvSpPr>
+                            <p:cNvPr id="7" name="TextBox 6">
+                              <a:extLst>
+                                <a:ext uri="{FF2B5EF4-FFF2-40B4-BE49-F238E27FC236}">
+                                  <a16:creationId xmlns:a16="http://schemas.microsoft.com/office/drawing/2014/main" id="{1DE6CAE0-727A-504A-AD25-5372FF4C320D}"/>
+                                </a:ext>
+                              </a:extLst>
+                            </p:cNvPr>
+                            <p:cNvSpPr txBox="1"/>
+                            <p:nvPr/>
+                          </p:nvSpPr>
+                          <p:spPr>
+                            <a:xfrm>
+                              <a:off x="1194162" y="574174"/>
+                              <a:ext cx="1329531" cy="378245"/>
+                            </a:xfrm>
+                            <a:prstGeom prst="rect">
+                              <a:avLst/>
+                            </a:prstGeom>
+                            <a:noFill/>
+                          </p:spPr>
+                          <p:txBody>
+                            <a:bodyPr wrap="none" rtlCol="0">
+                              <a:spAutoFit/>
+                            </a:bodyPr>
+                            <a:lstStyle/>
+                            <a:p>
+                              <a:pPr/>
+                              <a14:m>
+                                <m:oMathPara xmlns:m="http://schemas.openxmlformats.org/officeDocument/2006/math">
+                                  <m:oMathParaPr>
+                                    <m:jc m:val="centerGroup"/>
+                                  </m:oMathParaPr>
+                                  <m:oMath xmlns:m="http://schemas.openxmlformats.org/officeDocument/2006/math">
+                                    <m:sSup>
+                                      <m:sSupPr>
+                                        <m:ctrlPr>
+                                          <a:rPr lang="en-US" b="0" i="1" smtClean="0">
+                                            <a:latin typeface="Cambria Math" panose="02040503050406030204" pitchFamily="18" charset="0"/>
+                                          </a:rPr>
+                                        </m:ctrlPr>
+                                      </m:sSupPr>
+                                      <m:e>
+                                        <m:r>
+                                          <a:rPr lang="en-US" b="0" i="1" smtClean="0">
+                                            <a:latin typeface="Cambria Math" panose="02040503050406030204" pitchFamily="18" charset="0"/>
+                                          </a:rPr>
+                                          <m:t>𝑓</m:t>
+                                        </m:r>
+                                      </m:e>
+                                      <m:sup>
+                                        <m:r>
+                                          <a:rPr lang="en-US" b="0" i="1" smtClean="0">
+                                            <a:latin typeface="Cambria Math" panose="02040503050406030204" pitchFamily="18" charset="0"/>
+                                          </a:rPr>
+                                          <m:t>𝑆𝑐𝑖𝐵𝐸𝑅𝑇</m:t>
+                                        </m:r>
+                                      </m:sup>
+                                    </m:sSup>
+                                    <m:r>
+                                      <a:rPr lang="en-US" b="0" i="1" smtClean="0">
+                                        <a:latin typeface="Cambria Math" panose="02040503050406030204" pitchFamily="18" charset="0"/>
+                                      </a:rPr>
+                                      <m:t>(⋅)</m:t>
+                                    </m:r>
+                                  </m:oMath>
+                                </m:oMathPara>
+                              </a14:m>
+                              <a:endParaRPr lang="en-US" b="0" dirty="0"/>
+                            </a:p>
+                          </p:txBody>
+                        </p:sp>
+                      </mc:Choice>
+                      <mc:Fallback xmlns="">
+                        <p:sp>
+                          <p:nvSpPr>
+                            <p:cNvPr id="7" name="TextBox 6">
+                              <a:extLst>
+                                <a:ext uri="{FF2B5EF4-FFF2-40B4-BE49-F238E27FC236}">
+                                  <a16:creationId xmlns:a16="http://schemas.microsoft.com/office/drawing/2014/main" id="{1DE6CAE0-727A-504A-AD25-5372FF4C320D}"/>
+                                </a:ext>
+                              </a:extLst>
+                            </p:cNvPr>
+                            <p:cNvSpPr txBox="1">
+                              <a:spLocks noRot="1" noChangeAspect="1" noMove="1" noResize="1" noEditPoints="1" noAdjustHandles="1" noChangeArrowheads="1" noChangeShapeType="1" noTextEdit="1"/>
+                            </p:cNvSpPr>
+                            <p:nvPr/>
+                          </p:nvSpPr>
+                          <p:spPr>
+                            <a:xfrm>
+                              <a:off x="1194162" y="574174"/>
+                              <a:ext cx="1329531" cy="378245"/>
+                            </a:xfrm>
+                            <a:prstGeom prst="rect">
+                              <a:avLst/>
+                            </a:prstGeom>
+                            <a:blipFill>
+                              <a:blip r:embed="rId2"/>
+                              <a:stretch>
+                                <a:fillRect b="-12903"/>
+                              </a:stretch>
+                            </a:blipFill>
+                          </p:spPr>
+                          <p:txBody>
+                            <a:bodyPr/>
+                            <a:lstStyle/>
+                            <a:p>
+                              <a:r>
+                                <a:rPr lang="en-US">
+                                  <a:noFill/>
+                                </a:rPr>
+                                <a:t> </a:t>
+                              </a:r>
+                            </a:p>
+                          </p:txBody>
+                        </p:sp>
+                      </mc:Fallback>
+                    </mc:AlternateContent>
+                    <mc:AlternateContent xmlns:mc="http://schemas.openxmlformats.org/markup-compatibility/2006" xmlns:a14="http://schemas.microsoft.com/office/drawing/2010/main">
+                      <mc:Choice Requires="a14">
+                        <p:sp>
+                          <p:nvSpPr>
+                            <p:cNvPr id="8" name="TextBox 7">
+                              <a:extLst>
+                                <a:ext uri="{FF2B5EF4-FFF2-40B4-BE49-F238E27FC236}">
+                                  <a16:creationId xmlns:a16="http://schemas.microsoft.com/office/drawing/2014/main" id="{61DD76A0-59DB-6747-A6AB-73BD6D208A60}"/>
+                                </a:ext>
+                              </a:extLst>
+                            </p:cNvPr>
+                            <p:cNvSpPr txBox="1"/>
+                            <p:nvPr/>
+                          </p:nvSpPr>
+                          <p:spPr>
+                            <a:xfrm>
+                              <a:off x="1225207" y="1733939"/>
+                              <a:ext cx="1270861" cy="370230"/>
+                            </a:xfrm>
+                            <a:prstGeom prst="rect">
+                              <a:avLst/>
+                            </a:prstGeom>
+                            <a:noFill/>
+                          </p:spPr>
+                          <p:txBody>
+                            <a:bodyPr wrap="none" rtlCol="0">
+                              <a:spAutoFit/>
+                            </a:bodyPr>
+                            <a:lstStyle/>
+                            <a:p>
+                              <a:pPr/>
+                              <a14:m>
+                                <m:oMathPara xmlns:m="http://schemas.openxmlformats.org/officeDocument/2006/math">
+                                  <m:oMathParaPr>
+                                    <m:jc m:val="centerGroup"/>
+                                  </m:oMathParaPr>
+                                  <m:oMath xmlns:m="http://schemas.openxmlformats.org/officeDocument/2006/math">
+                                    <m:sSup>
+                                      <m:sSupPr>
+                                        <m:ctrlPr>
+                                          <a:rPr lang="en-US" b="0" i="1" smtClean="0">
+                                            <a:latin typeface="Cambria Math" panose="02040503050406030204" pitchFamily="18" charset="0"/>
+                                          </a:rPr>
+                                        </m:ctrlPr>
+                                      </m:sSupPr>
+                                      <m:e>
+                                        <m:r>
+                                          <a:rPr lang="en-US" b="0" i="1" smtClean="0">
+                                            <a:latin typeface="Cambria Math" panose="02040503050406030204" pitchFamily="18" charset="0"/>
+                                          </a:rPr>
+                                          <m:t>𝑓</m:t>
+                                        </m:r>
+                                      </m:e>
+                                      <m:sup>
+                                        <m:r>
+                                          <a:rPr lang="en-US" b="0" i="1" smtClean="0">
+                                            <a:latin typeface="Cambria Math" panose="02040503050406030204" pitchFamily="18" charset="0"/>
+                                          </a:rPr>
+                                          <m:t>𝐺𝑁𝑁</m:t>
+                                        </m:r>
+                                        <m:r>
+                                          <a:rPr lang="en-US" b="0" i="1" smtClean="0">
+                                            <a:latin typeface="Cambria Math" panose="02040503050406030204" pitchFamily="18" charset="0"/>
+                                          </a:rPr>
+                                          <m:t>,</m:t>
+                                        </m:r>
+                                        <m:r>
+                                          <a:rPr lang="en-US" b="0" i="1" smtClean="0">
+                                            <a:latin typeface="Cambria Math" panose="02040503050406030204" pitchFamily="18" charset="0"/>
+                                          </a:rPr>
+                                          <m:t>𝑃𝑃</m:t>
+                                        </m:r>
+                                      </m:sup>
+                                    </m:sSup>
+                                    <m:r>
+                                      <a:rPr lang="en-US" b="0" i="1" smtClean="0">
+                                        <a:latin typeface="Cambria Math" panose="02040503050406030204" pitchFamily="18" charset="0"/>
+                                      </a:rPr>
+                                      <m:t>(⋅)</m:t>
+                                    </m:r>
+                                  </m:oMath>
+                                </m:oMathPara>
+                              </a14:m>
+                              <a:endParaRPr lang="en-US" b="0" dirty="0"/>
+                            </a:p>
+                          </p:txBody>
+                        </p:sp>
+                      </mc:Choice>
+                      <mc:Fallback xmlns="">
+                        <p:sp>
+                          <p:nvSpPr>
+                            <p:cNvPr id="8" name="TextBox 7">
+                              <a:extLst>
+                                <a:ext uri="{FF2B5EF4-FFF2-40B4-BE49-F238E27FC236}">
+                                  <a16:creationId xmlns:a16="http://schemas.microsoft.com/office/drawing/2014/main" id="{61DD76A0-59DB-6747-A6AB-73BD6D208A60}"/>
+                                </a:ext>
+                              </a:extLst>
+                            </p:cNvPr>
+                            <p:cNvSpPr txBox="1">
+                              <a:spLocks noRot="1" noChangeAspect="1" noMove="1" noResize="1" noEditPoints="1" noAdjustHandles="1" noChangeArrowheads="1" noChangeShapeType="1" noTextEdit="1"/>
+                            </p:cNvSpPr>
+                            <p:nvPr/>
+                          </p:nvSpPr>
+                          <p:spPr>
+                            <a:xfrm>
+                              <a:off x="1225207" y="1733939"/>
+                              <a:ext cx="1270861" cy="370230"/>
+                            </a:xfrm>
+                            <a:prstGeom prst="rect">
+                              <a:avLst/>
+                            </a:prstGeom>
+                            <a:blipFill>
+                              <a:blip r:embed="rId3"/>
+                              <a:stretch>
+                                <a:fillRect b="-13333"/>
+                              </a:stretch>
+                            </a:blipFill>
+                          </p:spPr>
+                          <p:txBody>
+                            <a:bodyPr/>
+                            <a:lstStyle/>
+                            <a:p>
+                              <a:r>
+                                <a:rPr lang="en-US">
+                                  <a:noFill/>
+                                </a:rPr>
+                                <a:t> </a:t>
+                              </a:r>
+                            </a:p>
+                          </p:txBody>
+                        </p:sp>
+                      </mc:Fallback>
+                    </mc:AlternateContent>
+                    <mc:AlternateContent xmlns:mc="http://schemas.openxmlformats.org/markup-compatibility/2006" xmlns:a14="http://schemas.microsoft.com/office/drawing/2010/main">
+                      <mc:Choice Requires="a14">
+                        <p:sp>
+                          <p:nvSpPr>
+                            <p:cNvPr id="9" name="TextBox 8">
+                              <a:extLst>
+                                <a:ext uri="{FF2B5EF4-FFF2-40B4-BE49-F238E27FC236}">
+                                  <a16:creationId xmlns:a16="http://schemas.microsoft.com/office/drawing/2014/main" id="{5C9140AA-EEA7-8E43-B912-92BF8EE7A110}"/>
+                                </a:ext>
+                              </a:extLst>
+                            </p:cNvPr>
+                            <p:cNvSpPr txBox="1"/>
+                            <p:nvPr/>
+                          </p:nvSpPr>
+                          <p:spPr>
+                            <a:xfrm>
+                              <a:off x="5460904" y="739378"/>
+                              <a:ext cx="708198" cy="369332"/>
+                            </a:xfrm>
+                            <a:prstGeom prst="rect">
+                              <a:avLst/>
+                            </a:prstGeom>
+                            <a:noFill/>
+                          </p:spPr>
+                          <p:txBody>
+                            <a:bodyPr wrap="square" rtlCol="0">
+                              <a:spAutoFit/>
+                            </a:bodyPr>
+                            <a:lstStyle/>
+                            <a:p>
+                              <a:pPr/>
+                              <a14:m>
+                                <m:oMathPara xmlns:m="http://schemas.openxmlformats.org/officeDocument/2006/math">
+                                  <m:oMathParaPr>
+                                    <m:jc m:val="centerGroup"/>
+                                  </m:oMathParaPr>
+                                  <m:oMath xmlns:m="http://schemas.openxmlformats.org/officeDocument/2006/math">
+                                    <m:sSup>
+                                      <m:sSupPr>
+                                        <m:ctrlPr>
+                                          <a:rPr lang="en-US" b="1" i="1" smtClean="0">
+                                            <a:latin typeface="Cambria Math" panose="02040503050406030204" pitchFamily="18" charset="0"/>
+                                          </a:rPr>
+                                        </m:ctrlPr>
+                                      </m:sSupPr>
+                                      <m:e>
+                                        <m:r>
+                                          <a:rPr lang="en-US" b="1" i="1" smtClean="0">
+                                            <a:latin typeface="Cambria Math" panose="02040503050406030204" pitchFamily="18" charset="0"/>
+                                          </a:rPr>
+                                          <m:t>𝒆</m:t>
+                                        </m:r>
+                                      </m:e>
+                                      <m:sup>
+                                        <m:r>
+                                          <a:rPr lang="en-US" b="1" i="1" smtClean="0">
+                                            <a:latin typeface="Cambria Math" panose="02040503050406030204" pitchFamily="18" charset="0"/>
+                                          </a:rPr>
+                                          <m:t>𝒄</m:t>
+                                        </m:r>
+                                      </m:sup>
+                                    </m:sSup>
+                                  </m:oMath>
+                                </m:oMathPara>
+                              </a14:m>
+                              <a:endParaRPr lang="en-US" b="1" dirty="0"/>
+                            </a:p>
+                          </p:txBody>
+                        </p:sp>
+                      </mc:Choice>
+                      <mc:Fallback xmlns="">
+                        <p:sp>
+                          <p:nvSpPr>
+                            <p:cNvPr id="9" name="TextBox 8">
+                              <a:extLst>
+                                <a:ext uri="{FF2B5EF4-FFF2-40B4-BE49-F238E27FC236}">
+                                  <a16:creationId xmlns:a16="http://schemas.microsoft.com/office/drawing/2014/main" id="{5C9140AA-EEA7-8E43-B912-92BF8EE7A110}"/>
+                                </a:ext>
+                              </a:extLst>
+                            </p:cNvPr>
+                            <p:cNvSpPr txBox="1">
+                              <a:spLocks noRot="1" noChangeAspect="1" noMove="1" noResize="1" noEditPoints="1" noAdjustHandles="1" noChangeArrowheads="1" noChangeShapeType="1" noTextEdit="1"/>
+                            </p:cNvSpPr>
+                            <p:nvPr/>
+                          </p:nvSpPr>
+                          <p:spPr>
+                            <a:xfrm>
+                              <a:off x="5460904" y="739378"/>
+                              <a:ext cx="708198" cy="369332"/>
+                            </a:xfrm>
+                            <a:prstGeom prst="rect">
+                              <a:avLst/>
+                            </a:prstGeom>
+                            <a:blipFill>
+                              <a:blip r:embed="rId4"/>
+                              <a:stretch>
+                                <a:fillRect/>
+                              </a:stretch>
+                            </a:blipFill>
+                          </p:spPr>
+                          <p:txBody>
+                            <a:bodyPr/>
+                            <a:lstStyle/>
+                            <a:p>
+                              <a:r>
+                                <a:rPr lang="en-US">
+                                  <a:noFill/>
+                                </a:rPr>
+                                <a:t> </a:t>
+                              </a:r>
+                            </a:p>
+                          </p:txBody>
+                        </p:sp>
+                      </mc:Fallback>
+                    </mc:AlternateContent>
+                    <mc:AlternateContent xmlns:mc="http://schemas.openxmlformats.org/markup-compatibility/2006" xmlns:a14="http://schemas.microsoft.com/office/drawing/2010/main">
+                      <mc:Choice Requires="a14">
+                        <p:sp>
+                          <p:nvSpPr>
+                            <p:cNvPr id="10" name="TextBox 9">
+                              <a:extLst>
+                                <a:ext uri="{FF2B5EF4-FFF2-40B4-BE49-F238E27FC236}">
+                                  <a16:creationId xmlns:a16="http://schemas.microsoft.com/office/drawing/2014/main" id="{03D447FB-A128-A645-AFD1-5DA07E45D4E0}"/>
+                                </a:ext>
+                              </a:extLst>
+                            </p:cNvPr>
+                            <p:cNvSpPr txBox="1"/>
+                            <p:nvPr/>
+                          </p:nvSpPr>
+                          <p:spPr>
+                            <a:xfrm>
+                              <a:off x="5449934" y="1595089"/>
+                              <a:ext cx="730139" cy="369332"/>
+                            </a:xfrm>
+                            <a:prstGeom prst="rect">
+                              <a:avLst/>
+                            </a:prstGeom>
+                            <a:noFill/>
+                          </p:spPr>
+                          <p:txBody>
+                            <a:bodyPr wrap="square" rtlCol="0">
+                              <a:spAutoFit/>
+                            </a:bodyPr>
+                            <a:lstStyle/>
+                            <a:p>
+                              <a:pPr/>
+                              <a14:m>
+                                <m:oMathPara xmlns:m="http://schemas.openxmlformats.org/officeDocument/2006/math">
+                                  <m:oMathParaPr>
+                                    <m:jc m:val="centerGroup"/>
+                                  </m:oMathParaPr>
+                                  <m:oMath xmlns:m="http://schemas.openxmlformats.org/officeDocument/2006/math">
+                                    <m:sSup>
+                                      <m:sSupPr>
+                                        <m:ctrlPr>
+                                          <a:rPr lang="en-US" b="1" i="1" smtClean="0">
+                                            <a:latin typeface="Cambria Math" panose="02040503050406030204" pitchFamily="18" charset="0"/>
+                                          </a:rPr>
+                                        </m:ctrlPr>
+                                      </m:sSupPr>
+                                      <m:e>
+                                        <m:r>
+                                          <a:rPr lang="en-US" b="1" i="1" smtClean="0">
+                                            <a:latin typeface="Cambria Math" panose="02040503050406030204" pitchFamily="18" charset="0"/>
+                                          </a:rPr>
+                                          <m:t>𝒆</m:t>
+                                        </m:r>
+                                      </m:e>
+                                      <m:sup>
+                                        <m:r>
+                                          <a:rPr lang="en-US" b="1" i="1" smtClean="0">
+                                            <a:latin typeface="Cambria Math" panose="02040503050406030204" pitchFamily="18" charset="0"/>
+                                          </a:rPr>
+                                          <m:t>𝒑</m:t>
+                                        </m:r>
+                                      </m:sup>
+                                    </m:sSup>
+                                  </m:oMath>
+                                </m:oMathPara>
+                              </a14:m>
+                              <a:endParaRPr lang="en-US" b="1" dirty="0"/>
+                            </a:p>
+                          </p:txBody>
+                        </p:sp>
+                      </mc:Choice>
+                      <mc:Fallback xmlns="">
+                        <p:sp>
+                          <p:nvSpPr>
+                            <p:cNvPr id="10" name="TextBox 9">
+                              <a:extLst>
+                                <a:ext uri="{FF2B5EF4-FFF2-40B4-BE49-F238E27FC236}">
+                                  <a16:creationId xmlns:a16="http://schemas.microsoft.com/office/drawing/2014/main" id="{03D447FB-A128-A645-AFD1-5DA07E45D4E0}"/>
+                                </a:ext>
+                              </a:extLst>
+                            </p:cNvPr>
+                            <p:cNvSpPr txBox="1">
+                              <a:spLocks noRot="1" noChangeAspect="1" noMove="1" noResize="1" noEditPoints="1" noAdjustHandles="1" noChangeArrowheads="1" noChangeShapeType="1" noTextEdit="1"/>
+                            </p:cNvSpPr>
+                            <p:nvPr/>
+                          </p:nvSpPr>
+                          <p:spPr>
+                            <a:xfrm>
+                              <a:off x="5449934" y="1595089"/>
+                              <a:ext cx="730139" cy="369332"/>
+                            </a:xfrm>
+                            <a:prstGeom prst="rect">
+                              <a:avLst/>
+                            </a:prstGeom>
+                            <a:blipFill>
+                              <a:blip r:embed="rId5"/>
+                              <a:stretch>
+                                <a:fillRect/>
+                              </a:stretch>
+                            </a:blipFill>
+                          </p:spPr>
+                          <p:txBody>
+                            <a:bodyPr/>
+                            <a:lstStyle/>
+                            <a:p>
+                              <a:r>
+                                <a:rPr lang="en-US">
+                                  <a:noFill/>
+                                </a:rPr>
+                                <a:t> </a:t>
+                              </a:r>
+                            </a:p>
+                          </p:txBody>
+                        </p:sp>
+                      </mc:Fallback>
+                    </mc:AlternateContent>
+                    <p:cxnSp>
+                      <p:nvCxnSpPr>
+                        <p:cNvPr id="12" name="Straight Connector 11">
+                          <a:extLst>
+                            <a:ext uri="{FF2B5EF4-FFF2-40B4-BE49-F238E27FC236}">
+                              <a16:creationId xmlns:a16="http://schemas.microsoft.com/office/drawing/2014/main" id="{E8CB8CC1-259A-9C4B-ABA0-4B828025E398}"/>
+                            </a:ext>
+                          </a:extLst>
+                        </p:cNvPr>
+                        <p:cNvCxnSpPr>
+                          <a:cxnSpLocks/>
+                          <a:stCxn id="6" idx="3"/>
+                          <a:endCxn id="6" idx="1"/>
+                        </p:cNvCxnSpPr>
+                        <p:nvPr/>
+                      </p:nvCxnSpPr>
+                      <p:spPr>
+                        <a:xfrm flipH="1">
+                          <a:off x="5165294" y="1357235"/>
+                          <a:ext cx="1299421" cy="0"/>
+                        </a:xfrm>
+                        <a:prstGeom prst="line">
+                          <a:avLst/>
+                        </a:prstGeom>
+                        <a:ln w="22225">
+                          <a:solidFill>
+                            <a:schemeClr val="tx1"/>
+                          </a:solidFill>
+                          <a:prstDash val="dash"/>
+                        </a:ln>
+                      </p:spPr>
+                      <p:style>
+                        <a:lnRef idx="1">
+                          <a:schemeClr val="accent1"/>
+                        </a:lnRef>
+                        <a:fillRef idx="0">
+                          <a:schemeClr val="accent1"/>
+                        </a:fillRef>
+                        <a:effectRef idx="0">
+                          <a:schemeClr val="accent1"/>
+                        </a:effectRef>
+                        <a:fontRef idx="minor">
+                          <a:schemeClr val="tx1"/>
+                        </a:fontRef>
+                      </p:style>
+                    </p:cxnSp>
+                    <p:cxnSp>
+                      <p:nvCxnSpPr>
+                        <p:cNvPr id="19" name="Straight Arrow Connector 18">
+                          <a:extLst>
+                            <a:ext uri="{FF2B5EF4-FFF2-40B4-BE49-F238E27FC236}">
+                              <a16:creationId xmlns:a16="http://schemas.microsoft.com/office/drawing/2014/main" id="{951316B6-CE40-FF42-81E5-AC9D1AA2DA5C}"/>
+                            </a:ext>
+                          </a:extLst>
+                        </p:cNvPr>
+                        <p:cNvCxnSpPr>
+                          <a:cxnSpLocks/>
+                          <a:stCxn id="4" idx="3"/>
+                          <a:endCxn id="69" idx="1"/>
+                        </p:cNvCxnSpPr>
+                        <p:nvPr/>
+                      </p:nvCxnSpPr>
+                      <p:spPr>
+                        <a:xfrm flipV="1">
+                          <a:off x="2589258" y="756752"/>
+                          <a:ext cx="628524" cy="3476"/>
+                        </a:xfrm>
+                        <a:prstGeom prst="straightConnector1">
+                          <a:avLst/>
+                        </a:prstGeom>
+                        <a:ln w="31750">
+                          <a:solidFill>
+                            <a:schemeClr val="tx1"/>
+                          </a:solidFill>
+                          <a:tailEnd type="stealth" w="lg" len="lg"/>
+                        </a:ln>
+                      </p:spPr>
+                      <p:style>
+                        <a:lnRef idx="1">
+                          <a:schemeClr val="accent1"/>
+                        </a:lnRef>
+                        <a:fillRef idx="0">
+                          <a:schemeClr val="accent1"/>
+                        </a:fillRef>
+                        <a:effectRef idx="0">
+                          <a:schemeClr val="accent1"/>
+                        </a:effectRef>
+                        <a:fontRef idx="minor">
+                          <a:schemeClr val="tx1"/>
+                        </a:fontRef>
+                      </p:style>
+                    </p:cxnSp>
+                    <p:cxnSp>
+                      <p:nvCxnSpPr>
+                        <p:cNvPr id="20" name="Straight Arrow Connector 19">
+                          <a:extLst>
+                            <a:ext uri="{FF2B5EF4-FFF2-40B4-BE49-F238E27FC236}">
+                              <a16:creationId xmlns:a16="http://schemas.microsoft.com/office/drawing/2014/main" id="{73DC7317-03A4-6945-8DCB-1FEAB91A7623}"/>
+                            </a:ext>
+                          </a:extLst>
+                        </p:cNvPr>
+                        <p:cNvCxnSpPr>
+                          <a:cxnSpLocks/>
+                          <a:stCxn id="5" idx="3"/>
+                        </p:cNvCxnSpPr>
+                        <p:nvPr/>
+                      </p:nvCxnSpPr>
+                      <p:spPr>
+                        <a:xfrm>
+                          <a:off x="2589257" y="1927233"/>
+                          <a:ext cx="2570236" cy="0"/>
+                        </a:xfrm>
+                        <a:prstGeom prst="straightConnector1">
+                          <a:avLst/>
+                        </a:prstGeom>
+                        <a:ln w="31750">
+                          <a:solidFill>
+                            <a:schemeClr val="tx1"/>
+                          </a:solidFill>
+                          <a:tailEnd type="stealth" w="lg" len="lg"/>
+                        </a:ln>
+                      </p:spPr>
+                      <p:style>
+                        <a:lnRef idx="1">
+                          <a:schemeClr val="accent1"/>
+                        </a:lnRef>
+                        <a:fillRef idx="0">
+                          <a:schemeClr val="accent1"/>
+                        </a:fillRef>
+                        <a:effectRef idx="0">
+                          <a:schemeClr val="accent1"/>
+                        </a:effectRef>
+                        <a:fontRef idx="minor">
+                          <a:schemeClr val="tx1"/>
+                        </a:fontRef>
+                      </p:style>
+                    </p:cxnSp>
+                  </p:grpSp>
+                  <p:sp>
+                    <p:nvSpPr>
+                      <p:cNvPr id="30" name="TextBox 29">
+                        <a:extLst>
+                          <a:ext uri="{FF2B5EF4-FFF2-40B4-BE49-F238E27FC236}">
+                            <a16:creationId xmlns:a16="http://schemas.microsoft.com/office/drawing/2014/main" id="{63C00C6E-982C-0F4F-843F-AF53CD9230E5}"/>
+                          </a:ext>
+                        </a:extLst>
+                      </p:cNvPr>
+                      <p:cNvSpPr txBox="1"/>
+                      <p:nvPr/>
+                    </p:nvSpPr>
+                    <p:spPr>
+                      <a:xfrm>
+                        <a:off x="4862629" y="-28532"/>
+                        <a:ext cx="2706190" cy="646331"/>
+                      </a:xfrm>
+                      <a:prstGeom prst="rect">
+                        <a:avLst/>
+                      </a:prstGeom>
+                      <a:noFill/>
+                    </p:spPr>
+                    <p:txBody>
+                      <a:bodyPr wrap="none" rtlCol="0">
+                        <a:spAutoFit/>
+                      </a:bodyPr>
+                      <a:lstStyle/>
+                      <a:p>
+                        <a:r>
+                          <a:rPr lang="en-US" i="1" dirty="0">
+                            <a:solidFill>
+                              <a:schemeClr val="accent6"/>
+                            </a:solidFill>
+                          </a:rPr>
+                          <a:t>Initial node embeddings, e</a:t>
+                        </a:r>
+                      </a:p>
+                      <a:p>
+                        <a:r>
+                          <a:rPr lang="en-US" i="1" dirty="0">
+                            <a:solidFill>
+                              <a:schemeClr val="accent6"/>
+                            </a:solidFill>
+                          </a:rPr>
+                          <a:t>(unsupervised </a:t>
+                        </a:r>
+                        <a:r>
+                          <a:rPr lang="en-US" i="1" dirty="0" err="1">
+                            <a:solidFill>
+                              <a:schemeClr val="accent6"/>
+                            </a:solidFill>
+                          </a:rPr>
+                          <a:t>GraphSAGE</a:t>
+                        </a:r>
+                        <a:r>
+                          <a:rPr lang="en-US" i="1" dirty="0">
+                            <a:solidFill>
+                              <a:schemeClr val="accent6"/>
+                            </a:solidFill>
+                          </a:rPr>
+                          <a:t>)</a:t>
+                        </a:r>
+                      </a:p>
+                    </p:txBody>
+                  </p:sp>
+                </p:grpSp>
+                <p:cxnSp>
+                  <p:nvCxnSpPr>
+                    <p:cNvPr id="32" name="Straight Arrow Connector 31">
+                      <a:extLst>
+                        <a:ext uri="{FF2B5EF4-FFF2-40B4-BE49-F238E27FC236}">
+                          <a16:creationId xmlns:a16="http://schemas.microsoft.com/office/drawing/2014/main" id="{D2E73C34-F271-1F4B-91ED-0FE72AE8CE9B}"/>
+                        </a:ext>
+                      </a:extLst>
+                    </p:cNvPr>
+                    <p:cNvCxnSpPr>
+                      <a:cxnSpLocks/>
+                      <a:endCxn id="4" idx="1"/>
+                    </p:cNvCxnSpPr>
+                    <p:nvPr/>
+                  </p:nvCxnSpPr>
+                  <p:spPr>
+                    <a:xfrm flipV="1">
+                      <a:off x="1434217" y="1001528"/>
+                      <a:ext cx="977083" cy="3068"/>
+                    </a:xfrm>
+                    <a:prstGeom prst="straightConnector1">
+                      <a:avLst/>
+                    </a:prstGeom>
+                    <a:ln w="31750">
+                      <a:solidFill>
+                        <a:schemeClr val="tx1"/>
+                      </a:solidFill>
+                      <a:headEnd type="none" w="lg" len="lg"/>
+                      <a:tailEnd type="stealth" w="lg" len="lg"/>
+                    </a:ln>
+                  </p:spPr>
+                  <p:style>
+                    <a:lnRef idx="1">
+                      <a:schemeClr val="accent1"/>
+                    </a:lnRef>
+                    <a:fillRef idx="0">
+                      <a:schemeClr val="accent1"/>
+                    </a:fillRef>
+                    <a:effectRef idx="0">
+                      <a:schemeClr val="accent1"/>
+                    </a:effectRef>
+                    <a:fontRef idx="minor">
+                      <a:schemeClr val="tx1"/>
+                    </a:fontRef>
+                  </p:style>
+                </p:cxnSp>
+                <p:cxnSp>
+                  <p:nvCxnSpPr>
+                    <p:cNvPr id="35" name="Straight Arrow Connector 34">
+                      <a:extLst>
+                        <a:ext uri="{FF2B5EF4-FFF2-40B4-BE49-F238E27FC236}">
+                          <a16:creationId xmlns:a16="http://schemas.microsoft.com/office/drawing/2014/main" id="{9FA4558D-7A00-2E48-B88A-C0C7D51FA701}"/>
+                        </a:ext>
+                      </a:extLst>
+                    </p:cNvPr>
+                    <p:cNvCxnSpPr>
+                      <a:cxnSpLocks/>
+                    </p:cNvCxnSpPr>
+                    <p:nvPr/>
+                  </p:nvCxnSpPr>
+                  <p:spPr>
+                    <a:xfrm>
+                      <a:off x="1434217" y="2203387"/>
+                      <a:ext cx="977083" cy="0"/>
+                    </a:xfrm>
+                    <a:prstGeom prst="straightConnector1">
+                      <a:avLst/>
+                    </a:prstGeom>
+                    <a:ln w="31750">
+                      <a:solidFill>
+                        <a:schemeClr val="tx1"/>
+                      </a:solidFill>
+                      <a:headEnd type="none" w="lg" len="lg"/>
+                      <a:tailEnd type="stealth" w="lg" len="lg"/>
+                    </a:ln>
+                  </p:spPr>
+                  <p:style>
+                    <a:lnRef idx="1">
+                      <a:schemeClr val="accent1"/>
+                    </a:lnRef>
+                    <a:fillRef idx="0">
+                      <a:schemeClr val="accent1"/>
+                    </a:fillRef>
+                    <a:effectRef idx="0">
+                      <a:schemeClr val="accent1"/>
+                    </a:effectRef>
+                    <a:fontRef idx="minor">
+                      <a:schemeClr val="tx1"/>
+                    </a:fontRef>
+                  </p:style>
+                </p:cxnSp>
+                <mc:AlternateContent xmlns:mc="http://schemas.openxmlformats.org/markup-compatibility/2006" xmlns:a14="http://schemas.microsoft.com/office/drawing/2010/main">
+                  <mc:Choice Requires="a14">
+                    <p:sp>
+                      <p:nvSpPr>
+                        <p:cNvPr id="36" name="TextBox 35">
+                          <a:extLst>
+                            <a:ext uri="{FF2B5EF4-FFF2-40B4-BE49-F238E27FC236}">
+                              <a16:creationId xmlns:a16="http://schemas.microsoft.com/office/drawing/2014/main" id="{75D40319-7F49-824D-A254-C9042A95ED00}"/>
+                            </a:ext>
+                          </a:extLst>
+                        </p:cNvPr>
+                        <p:cNvSpPr txBox="1"/>
+                        <p:nvPr/>
+                      </p:nvSpPr>
+                      <p:spPr>
+                        <a:xfrm>
+                          <a:off x="578398" y="797909"/>
+                          <a:ext cx="832216" cy="375552"/>
+                        </a:xfrm>
+                        <a:prstGeom prst="rect">
+                          <a:avLst/>
+                        </a:prstGeom>
+                        <a:noFill/>
+                      </p:spPr>
+                      <p:txBody>
+                        <a:bodyPr wrap="none" rtlCol="0">
+                          <a:spAutoFit/>
+                        </a:bodyPr>
+                        <a:lstStyle/>
+                        <a:p>
+                          <a14:m>
+                            <m:oMath xmlns:m="http://schemas.openxmlformats.org/officeDocument/2006/math">
+                              <m:r>
+                                <a:rPr lang="en-US" b="1" i="1" smtClean="0">
+                                  <a:latin typeface="Cambria Math" panose="02040503050406030204" pitchFamily="18" charset="0"/>
+                                </a:rPr>
+                                <m:t>𝑺</m:t>
+                              </m:r>
+                              <m:r>
+                                <a:rPr lang="en-US" b="1" i="1" smtClean="0">
+                                  <a:latin typeface="Cambria Math" panose="02040503050406030204" pitchFamily="18" charset="0"/>
+                                </a:rPr>
+                                <m:t>, </m:t>
+                              </m:r>
+                              <m:sSup>
+                                <m:sSupPr>
+                                  <m:ctrlPr>
+                                    <a:rPr lang="en-US" b="1" i="1" smtClean="0">
+                                      <a:latin typeface="Cambria Math" panose="02040503050406030204" pitchFamily="18" charset="0"/>
+                                    </a:rPr>
+                                  </m:ctrlPr>
+                                </m:sSupPr>
+                                <m:e>
+                                  <m:r>
+                                    <a:rPr lang="en-US" b="1" i="1" smtClean="0">
+                                      <a:latin typeface="Cambria Math" panose="02040503050406030204" pitchFamily="18" charset="0"/>
+                                    </a:rPr>
+                                    <m:t>𝑮</m:t>
+                                  </m:r>
+                                </m:e>
+                                <m:sup>
+                                  <m:r>
+                                    <a:rPr lang="en-US" b="1" i="1" smtClean="0">
+                                      <a:latin typeface="Cambria Math" panose="02040503050406030204" pitchFamily="18" charset="0"/>
+                                    </a:rPr>
+                                    <m:t>𝑪𝑪</m:t>
+                                  </m:r>
+                                </m:sup>
+                              </m:sSup>
+                            </m:oMath>
+                          </a14:m>
+                          <a:r>
+                            <a:rPr lang="en-US" dirty="0">
+                              <a:effectLst/>
+                            </a:rPr>
+                            <a:t> </a:t>
+                          </a:r>
+                          <a:endParaRPr lang="en-US" dirty="0"/>
+                        </a:p>
+                      </p:txBody>
+                    </p:sp>
+                  </mc:Choice>
+                  <mc:Fallback xmlns="">
+                    <p:sp>
+                      <p:nvSpPr>
+                        <p:cNvPr id="36" name="TextBox 35">
+                          <a:extLst>
+                            <a:ext uri="{FF2B5EF4-FFF2-40B4-BE49-F238E27FC236}">
+                              <a16:creationId xmlns:a16="http://schemas.microsoft.com/office/drawing/2014/main" id="{75D40319-7F49-824D-A254-C9042A95ED00}"/>
+                            </a:ext>
+                          </a:extLst>
+                        </p:cNvPr>
+                        <p:cNvSpPr txBox="1">
+                          <a:spLocks noRot="1" noChangeAspect="1" noMove="1" noResize="1" noEditPoints="1" noAdjustHandles="1" noChangeArrowheads="1" noChangeShapeType="1" noTextEdit="1"/>
+                        </p:cNvSpPr>
+                        <p:nvPr/>
+                      </p:nvSpPr>
+                      <p:spPr>
+                        <a:xfrm>
+                          <a:off x="578398" y="797909"/>
+                          <a:ext cx="832216" cy="375552"/>
+                        </a:xfrm>
+                        <a:prstGeom prst="rect">
+                          <a:avLst/>
+                        </a:prstGeom>
+                        <a:blipFill>
+                          <a:blip r:embed="rId6"/>
+                          <a:stretch>
+                            <a:fillRect/>
+                          </a:stretch>
+                        </a:blipFill>
+                      </p:spPr>
+                      <p:txBody>
+                        <a:bodyPr/>
+                        <a:lstStyle/>
+                        <a:p>
+                          <a:r>
+                            <a:rPr lang="en-US">
+                              <a:noFill/>
+                            </a:rPr>
+                            <a:t> </a:t>
+                          </a:r>
+                        </a:p>
+                      </p:txBody>
+                    </p:sp>
+                  </mc:Fallback>
+                </mc:AlternateContent>
+                <mc:AlternateContent xmlns:mc="http://schemas.openxmlformats.org/markup-compatibility/2006" xmlns:a14="http://schemas.microsoft.com/office/drawing/2010/main">
+                  <mc:Choice Requires="a14">
+                    <p:sp>
+                      <p:nvSpPr>
+                        <p:cNvPr id="37" name="TextBox 36">
+                          <a:extLst>
+                            <a:ext uri="{FF2B5EF4-FFF2-40B4-BE49-F238E27FC236}">
+                              <a16:creationId xmlns:a16="http://schemas.microsoft.com/office/drawing/2014/main" id="{0F159875-06EC-2E43-B5F3-1314A2124B14}"/>
+                            </a:ext>
+                          </a:extLst>
+                        </p:cNvPr>
+                        <p:cNvSpPr txBox="1"/>
+                        <p:nvPr/>
+                      </p:nvSpPr>
+                      <p:spPr>
+                        <a:xfrm>
+                          <a:off x="660193" y="2016252"/>
+                          <a:ext cx="633443" cy="374270"/>
+                        </a:xfrm>
+                        <a:prstGeom prst="rect">
+                          <a:avLst/>
+                        </a:prstGeom>
+                        <a:noFill/>
+                      </p:spPr>
+                      <p:txBody>
+                        <a:bodyPr wrap="none" rtlCol="0">
+                          <a:spAutoFit/>
+                        </a:bodyPr>
+                        <a:lstStyle/>
+                        <a:p>
+                          <a14:m>
+                            <m:oMath xmlns:m="http://schemas.openxmlformats.org/officeDocument/2006/math">
+                              <m:sSup>
+                                <m:sSupPr>
+                                  <m:ctrlPr>
+                                    <a:rPr lang="en-US" b="1" i="1" smtClean="0">
+                                      <a:latin typeface="Cambria Math" panose="02040503050406030204" pitchFamily="18" charset="0"/>
+                                    </a:rPr>
+                                  </m:ctrlPr>
+                                </m:sSupPr>
+                                <m:e>
+                                  <m:r>
+                                    <a:rPr lang="en-US" b="1" i="1">
+                                      <a:latin typeface="Cambria Math" panose="02040503050406030204" pitchFamily="18" charset="0"/>
+                                    </a:rPr>
+                                    <m:t>𝑮</m:t>
+                                  </m:r>
+                                </m:e>
+                                <m:sup>
+                                  <m:r>
+                                    <a:rPr lang="en-US" b="1" i="1">
+                                      <a:latin typeface="Cambria Math" panose="02040503050406030204" pitchFamily="18" charset="0"/>
+                                    </a:rPr>
+                                    <m:t>𝑷𝑷</m:t>
+                                  </m:r>
+                                </m:sup>
+                              </m:sSup>
+                            </m:oMath>
+                          </a14:m>
+                          <a:r>
+                            <a:rPr lang="en-US" dirty="0">
+                              <a:effectLst/>
+                            </a:rPr>
+                            <a:t> </a:t>
+                          </a:r>
+                          <a:endParaRPr lang="en-US" dirty="0"/>
+                        </a:p>
+                      </p:txBody>
+                    </p:sp>
+                  </mc:Choice>
+                  <mc:Fallback xmlns="">
+                    <p:sp>
+                      <p:nvSpPr>
+                        <p:cNvPr id="37" name="TextBox 36">
+                          <a:extLst>
+                            <a:ext uri="{FF2B5EF4-FFF2-40B4-BE49-F238E27FC236}">
+                              <a16:creationId xmlns:a16="http://schemas.microsoft.com/office/drawing/2014/main" id="{0F159875-06EC-2E43-B5F3-1314A2124B14}"/>
+                            </a:ext>
+                          </a:extLst>
+                        </p:cNvPr>
+                        <p:cNvSpPr txBox="1">
+                          <a:spLocks noRot="1" noChangeAspect="1" noMove="1" noResize="1" noEditPoints="1" noAdjustHandles="1" noChangeArrowheads="1" noChangeShapeType="1" noTextEdit="1"/>
+                        </p:cNvSpPr>
+                        <p:nvPr/>
+                      </p:nvSpPr>
+                      <p:spPr>
+                        <a:xfrm>
+                          <a:off x="660193" y="2016252"/>
+                          <a:ext cx="633443" cy="374270"/>
+                        </a:xfrm>
+                        <a:prstGeom prst="rect">
+                          <a:avLst/>
+                        </a:prstGeom>
+                        <a:blipFill>
+                          <a:blip r:embed="rId7"/>
+                          <a:stretch>
+                            <a:fillRect/>
+                          </a:stretch>
+                        </a:blipFill>
+                      </p:spPr>
+                      <p:txBody>
+                        <a:bodyPr/>
+                        <a:lstStyle/>
+                        <a:p>
+                          <a:r>
+                            <a:rPr lang="en-US">
+                              <a:noFill/>
+                            </a:rPr>
+                            <a:t> </a:t>
+                          </a:r>
+                        </a:p>
+                      </p:txBody>
+                    </p:sp>
+                  </mc:Fallback>
+                </mc:AlternateContent>
+                <p:grpSp>
+                  <p:nvGrpSpPr>
+                    <p:cNvPr id="53" name="Group 52">
+                      <a:extLst>
+                        <a:ext uri="{FF2B5EF4-FFF2-40B4-BE49-F238E27FC236}">
+                          <a16:creationId xmlns:a16="http://schemas.microsoft.com/office/drawing/2014/main" id="{0D630600-92B7-2C48-A2DC-F65F5E66BD7F}"/>
+                        </a:ext>
+                      </a:extLst>
+                    </p:cNvPr>
+                    <p:cNvGrpSpPr/>
+                    <p:nvPr/>
+                  </p:nvGrpSpPr>
+                  <p:grpSpPr>
+                    <a:xfrm>
+                      <a:off x="493517" y="3719540"/>
+                      <a:ext cx="5099385" cy="2934576"/>
+                      <a:chOff x="455417" y="4024340"/>
+                      <a:chExt cx="5099385" cy="2934576"/>
+                    </a:xfrm>
+                  </p:grpSpPr>
+                  <p:sp>
+                    <p:nvSpPr>
+                      <p:cNvPr id="42" name="Rounded Rectangle 41">
+                        <a:extLst>
+                          <a:ext uri="{FF2B5EF4-FFF2-40B4-BE49-F238E27FC236}">
+                            <a16:creationId xmlns:a16="http://schemas.microsoft.com/office/drawing/2014/main" id="{C046E554-4426-AC42-AC76-8625FB7C054D}"/>
+                          </a:ext>
+                        </a:extLst>
+                      </p:cNvPr>
+                      <p:cNvSpPr/>
+                      <p:nvPr/>
+                    </p:nvSpPr>
+                    <p:spPr>
+                      <a:xfrm>
+                        <a:off x="728441" y="4024341"/>
+                        <a:ext cx="914606" cy="2262159"/>
+                      </a:xfrm>
+                      <a:prstGeom prst="roundRect">
+                        <a:avLst/>
+                      </a:prstGeom>
+                      <a:solidFill>
+                        <a:schemeClr val="accent2">
+                          <a:lumMod val="60000"/>
+                          <a:lumOff val="40000"/>
+                        </a:schemeClr>
+                      </a:solidFill>
+                      <a:ln w="31750">
+                        <a:solidFill>
+                          <a:schemeClr val="tx1"/>
+                        </a:solidFill>
+                      </a:ln>
+                    </p:spPr>
+                    <p:style>
+                      <a:lnRef idx="2">
+                        <a:schemeClr val="accent1">
+                          <a:shade val="50000"/>
+                        </a:schemeClr>
+                      </a:lnRef>
+                      <a:fillRef idx="1">
+                        <a:schemeClr val="accent1"/>
+                      </a:fillRef>
+                      <a:effectRef idx="0">
+                        <a:schemeClr val="accent1"/>
+                      </a:effectRef>
+                      <a:fontRef idx="minor">
+                        <a:schemeClr val="lt1"/>
+                      </a:fontRef>
+                    </p:style>
+                    <p:txBody>
+                      <a:bodyPr rtlCol="0" anchor="ctr"/>
+                      <a:lstStyle/>
+                      <a:p>
+                        <a:pPr algn="ctr"/>
+                        <a:endParaRPr lang="en-US"/>
+                      </a:p>
+                    </p:txBody>
+                  </p:sp>
+                  <p:sp>
+                    <p:nvSpPr>
+                      <p:cNvPr id="43" name="Rounded Rectangle 42">
+                        <a:extLst>
+                          <a:ext uri="{FF2B5EF4-FFF2-40B4-BE49-F238E27FC236}">
+                            <a16:creationId xmlns:a16="http://schemas.microsoft.com/office/drawing/2014/main" id="{CF02F1AD-DCD9-B544-A5CF-159E9F1725B9}"/>
+                          </a:ext>
+                        </a:extLst>
+                      </p:cNvPr>
+                      <p:cNvSpPr/>
+                      <p:nvPr/>
+                    </p:nvSpPr>
+                    <p:spPr>
+                      <a:xfrm>
+                        <a:off x="2320103" y="4724507"/>
+                        <a:ext cx="1460653" cy="865159"/>
+                      </a:xfrm>
+                      <a:prstGeom prst="roundRect">
+                        <a:avLst/>
+                      </a:prstGeom>
+                      <a:solidFill>
+                        <a:schemeClr val="bg1">
+                          <a:lumMod val="85000"/>
+                        </a:schemeClr>
+                      </a:solidFill>
+                      <a:ln w="31750">
+                        <a:solidFill>
+                          <a:schemeClr val="tx1"/>
+                        </a:solidFill>
+                      </a:ln>
+                    </p:spPr>
+                    <p:style>
+                      <a:lnRef idx="2">
+                        <a:schemeClr val="accent1">
+                          <a:shade val="50000"/>
+                        </a:schemeClr>
+                      </a:lnRef>
+                      <a:fillRef idx="1">
+                        <a:schemeClr val="accent1"/>
+                      </a:fillRef>
+                      <a:effectRef idx="0">
+                        <a:schemeClr val="accent1"/>
+                      </a:effectRef>
+                      <a:fontRef idx="minor">
+                        <a:schemeClr val="lt1"/>
+                      </a:fontRef>
+                    </p:style>
+                    <p:txBody>
+                      <a:bodyPr rtlCol="0" anchor="ctr"/>
+                      <a:lstStyle/>
+                      <a:p>
+                        <a:pPr algn="ctr"/>
+                        <a:endParaRPr lang="en-US"/>
+                      </a:p>
+                    </p:txBody>
+                  </p:sp>
+                  <mc:AlternateContent xmlns:mc="http://schemas.openxmlformats.org/markup-compatibility/2006" xmlns:a14="http://schemas.microsoft.com/office/drawing/2010/main">
+                    <mc:Choice Requires="a14">
+                      <p:sp>
+                        <p:nvSpPr>
+                          <p:cNvPr id="45" name="TextBox 44">
+                            <a:extLst>
+                              <a:ext uri="{FF2B5EF4-FFF2-40B4-BE49-F238E27FC236}">
+                                <a16:creationId xmlns:a16="http://schemas.microsoft.com/office/drawing/2014/main" id="{1658A18D-D483-7247-A6C1-FAB6C7CA482B}"/>
+                              </a:ext>
+                            </a:extLst>
+                          </p:cNvPr>
+                          <p:cNvSpPr txBox="1"/>
+                          <p:nvPr/>
+                        </p:nvSpPr>
+                        <p:spPr>
+                          <a:xfrm>
+                            <a:off x="2418204" y="4971971"/>
+                            <a:ext cx="1264449" cy="370230"/>
+                          </a:xfrm>
+                          <a:prstGeom prst="rect">
+                            <a:avLst/>
+                          </a:prstGeom>
+                          <a:noFill/>
+                        </p:spPr>
+                        <p:txBody>
+                          <a:bodyPr wrap="none" rtlCol="0">
+                            <a:spAutoFit/>
+                          </a:bodyPr>
+                          <a:lstStyle/>
+                          <a:p>
+                            <a:pPr/>
+                            <a14:m>
+                              <m:oMathPara xmlns:m="http://schemas.openxmlformats.org/officeDocument/2006/math">
+                                <m:oMathParaPr>
+                                  <m:jc m:val="centerGroup"/>
+                                </m:oMathParaPr>
+                                <m:oMath xmlns:m="http://schemas.openxmlformats.org/officeDocument/2006/math">
+                                  <m:sSup>
+                                    <m:sSupPr>
+                                      <m:ctrlPr>
+                                        <a:rPr lang="en-US" b="0" i="1" smtClean="0">
+                                          <a:latin typeface="Cambria Math" panose="02040503050406030204" pitchFamily="18" charset="0"/>
+                                        </a:rPr>
+                                      </m:ctrlPr>
+                                    </m:sSupPr>
+                                    <m:e>
+                                      <m:r>
+                                        <a:rPr lang="en-US" b="0" i="1" smtClean="0">
+                                          <a:latin typeface="Cambria Math" panose="02040503050406030204" pitchFamily="18" charset="0"/>
+                                        </a:rPr>
+                                        <m:t>𝑓</m:t>
+                                      </m:r>
+                                    </m:e>
+                                    <m:sup>
+                                      <m:r>
+                                        <a:rPr lang="en-US" b="0" i="1" smtClean="0">
+                                          <a:latin typeface="Cambria Math" panose="02040503050406030204" pitchFamily="18" charset="0"/>
+                                        </a:rPr>
+                                        <m:t>𝐺𝑁𝑁</m:t>
+                                      </m:r>
+                                      <m:r>
+                                        <a:rPr lang="en-US" b="0" i="1" smtClean="0">
+                                          <a:latin typeface="Cambria Math" panose="02040503050406030204" pitchFamily="18" charset="0"/>
+                                        </a:rPr>
+                                        <m:t>,</m:t>
+                                      </m:r>
+                                      <m:r>
+                                        <a:rPr lang="en-US" b="0" i="1" smtClean="0">
+                                          <a:latin typeface="Cambria Math" panose="02040503050406030204" pitchFamily="18" charset="0"/>
+                                        </a:rPr>
+                                        <m:t>𝐶𝑃</m:t>
+                                      </m:r>
+                                    </m:sup>
+                                  </m:sSup>
+                                  <m:r>
+                                    <a:rPr lang="en-US" b="0" i="1" smtClean="0">
+                                      <a:latin typeface="Cambria Math" panose="02040503050406030204" pitchFamily="18" charset="0"/>
+                                    </a:rPr>
+                                    <m:t>(⋅)</m:t>
+                                  </m:r>
+                                </m:oMath>
+                              </m:oMathPara>
+                            </a14:m>
+                            <a:endParaRPr lang="en-US" b="0" dirty="0"/>
+                          </a:p>
+                        </p:txBody>
+                      </p:sp>
+                    </mc:Choice>
+                    <mc:Fallback xmlns="">
+                      <p:sp>
+                        <p:nvSpPr>
+                          <p:cNvPr id="45" name="TextBox 44">
+                            <a:extLst>
+                              <a:ext uri="{FF2B5EF4-FFF2-40B4-BE49-F238E27FC236}">
+                                <a16:creationId xmlns:a16="http://schemas.microsoft.com/office/drawing/2014/main" id="{1658A18D-D483-7247-A6C1-FAB6C7CA482B}"/>
+                              </a:ext>
+                            </a:extLst>
+                          </p:cNvPr>
+                          <p:cNvSpPr txBox="1">
+                            <a:spLocks noRot="1" noChangeAspect="1" noMove="1" noResize="1" noEditPoints="1" noAdjustHandles="1" noChangeArrowheads="1" noChangeShapeType="1" noTextEdit="1"/>
+                          </p:cNvSpPr>
+                          <p:nvPr/>
+                        </p:nvSpPr>
+                        <p:spPr>
+                          <a:xfrm>
+                            <a:off x="2418204" y="4971971"/>
+                            <a:ext cx="1264449" cy="370230"/>
+                          </a:xfrm>
+                          <a:prstGeom prst="rect">
+                            <a:avLst/>
+                          </a:prstGeom>
+                          <a:blipFill>
+                            <a:blip r:embed="rId8"/>
+                            <a:stretch>
+                              <a:fillRect b="-13333"/>
+                            </a:stretch>
+                          </a:blipFill>
+                        </p:spPr>
+                        <p:txBody>
+                          <a:bodyPr/>
+                          <a:lstStyle/>
+                          <a:p>
+                            <a:r>
+                              <a:rPr lang="en-US">
+                                <a:noFill/>
+                              </a:rPr>
+                              <a:t> </a:t>
+                            </a:r>
+                          </a:p>
+                        </p:txBody>
+                      </p:sp>
+                    </mc:Fallback>
+                  </mc:AlternateContent>
+                  <p:sp>
+                    <p:nvSpPr>
+                      <p:cNvPr id="47" name="Rounded Rectangle 46">
+                        <a:extLst>
+                          <a:ext uri="{FF2B5EF4-FFF2-40B4-BE49-F238E27FC236}">
+                            <a16:creationId xmlns:a16="http://schemas.microsoft.com/office/drawing/2014/main" id="{DD1117BE-3AD8-7F40-A963-9CB00B0808E5}"/>
+                          </a:ext>
+                        </a:extLst>
+                      </p:cNvPr>
+                      <p:cNvSpPr/>
+                      <p:nvPr/>
+                    </p:nvSpPr>
+                    <p:spPr>
+                      <a:xfrm>
+                        <a:off x="4640205" y="4024340"/>
+                        <a:ext cx="914597" cy="2262160"/>
+                      </a:xfrm>
+                      <a:prstGeom prst="roundRect">
+                        <a:avLst/>
+                      </a:prstGeom>
+                      <a:solidFill>
+                        <a:schemeClr val="bg1">
+                          <a:lumMod val="85000"/>
+                        </a:schemeClr>
+                      </a:solidFill>
+                      <a:ln w="31750">
+                        <a:solidFill>
+                          <a:schemeClr val="tx1"/>
+                        </a:solidFill>
+                      </a:ln>
+                    </p:spPr>
+                    <p:style>
+                      <a:lnRef idx="2">
+                        <a:schemeClr val="accent1">
+                          <a:shade val="50000"/>
+                        </a:schemeClr>
+                      </a:lnRef>
+                      <a:fillRef idx="1">
+                        <a:schemeClr val="accent1"/>
+                      </a:fillRef>
+                      <a:effectRef idx="0">
+                        <a:schemeClr val="accent1"/>
+                      </a:effectRef>
+                      <a:fontRef idx="minor">
+                        <a:schemeClr val="lt1"/>
+                      </a:fontRef>
+                    </p:style>
+                    <p:txBody>
+                      <a:bodyPr rtlCol="0" anchor="ctr"/>
+                      <a:lstStyle/>
+                      <a:p>
+                        <a:pPr algn="ctr"/>
+                        <a:endParaRPr lang="en-US"/>
+                      </a:p>
+                    </p:txBody>
+                  </p:sp>
+                  <mc:AlternateContent xmlns:mc="http://schemas.openxmlformats.org/markup-compatibility/2006" xmlns:a14="http://schemas.microsoft.com/office/drawing/2010/main">
+                    <mc:Choice Requires="a14">
+                      <p:sp>
+                        <p:nvSpPr>
+                          <p:cNvPr id="48" name="TextBox 47">
+                            <a:extLst>
+                              <a:ext uri="{FF2B5EF4-FFF2-40B4-BE49-F238E27FC236}">
+                                <a16:creationId xmlns:a16="http://schemas.microsoft.com/office/drawing/2014/main" id="{97383156-46C0-8748-A695-292603A58B43}"/>
+                              </a:ext>
+                            </a:extLst>
+                          </p:cNvPr>
+                          <p:cNvSpPr txBox="1"/>
+                          <p:nvPr/>
+                        </p:nvSpPr>
+                        <p:spPr>
+                          <a:xfrm>
+                            <a:off x="4631991" y="4970754"/>
+                            <a:ext cx="903068" cy="372666"/>
+                          </a:xfrm>
+                          <a:prstGeom prst="rect">
+                            <a:avLst/>
+                          </a:prstGeom>
+                          <a:noFill/>
+                        </p:spPr>
+                        <p:txBody>
+                          <a:bodyPr wrap="none" rtlCol="0">
+                            <a:spAutoFit/>
+                          </a:bodyPr>
+                          <a:lstStyle/>
+                          <a:p>
+                            <a:pPr/>
+                            <a14:m>
+                              <m:oMathPara xmlns:m="http://schemas.openxmlformats.org/officeDocument/2006/math">
+                                <m:oMathParaPr>
+                                  <m:jc m:val="centerGroup"/>
+                                </m:oMathParaPr>
+                                <m:oMath xmlns:m="http://schemas.openxmlformats.org/officeDocument/2006/math">
+                                  <m:sSubSup>
+                                    <m:sSubSupPr>
+                                      <m:ctrlPr>
+                                        <a:rPr lang="en-US" b="0" i="1" smtClean="0">
+                                          <a:latin typeface="Cambria Math" panose="02040503050406030204" pitchFamily="18" charset="0"/>
+                                        </a:rPr>
+                                      </m:ctrlPr>
+                                    </m:sSubSupPr>
+                                    <m:e>
+                                      <m:r>
+                                        <a:rPr lang="en-US" i="1">
+                                          <a:latin typeface="Cambria Math" panose="02040503050406030204" pitchFamily="18" charset="0"/>
+                                        </a:rPr>
+                                        <m:t>𝑓</m:t>
+                                      </m:r>
+                                    </m:e>
+                                    <m:sub>
+                                      <m:r>
+                                        <a:rPr lang="en-US" b="0" i="1" smtClean="0">
+                                          <a:latin typeface="Cambria Math" panose="02040503050406030204" pitchFamily="18" charset="0"/>
+                                        </a:rPr>
+                                        <m:t>1</m:t>
+                                      </m:r>
+                                    </m:sub>
+                                    <m:sup>
+                                      <m:r>
+                                        <a:rPr lang="en-US" i="1">
+                                          <a:latin typeface="Cambria Math" panose="02040503050406030204" pitchFamily="18" charset="0"/>
+                                        </a:rPr>
+                                        <m:t>𝑁𝑁</m:t>
+                                      </m:r>
+                                    </m:sup>
+                                  </m:sSubSup>
+                                  <m:r>
+                                    <a:rPr lang="en-US" i="1">
+                                      <a:latin typeface="Cambria Math" panose="02040503050406030204" pitchFamily="18" charset="0"/>
+                                    </a:rPr>
+                                    <m:t>(⋅)</m:t>
+                                  </m:r>
+                                </m:oMath>
+                              </m:oMathPara>
+                            </a14:m>
+                            <a:endParaRPr lang="en-US" dirty="0"/>
+                          </a:p>
+                        </p:txBody>
+                      </p:sp>
+                    </mc:Choice>
+                    <mc:Fallback xmlns="">
+                      <p:sp>
+                        <p:nvSpPr>
+                          <p:cNvPr id="48" name="TextBox 47">
+                            <a:extLst>
+                              <a:ext uri="{FF2B5EF4-FFF2-40B4-BE49-F238E27FC236}">
+                                <a16:creationId xmlns:a16="http://schemas.microsoft.com/office/drawing/2014/main" id="{97383156-46C0-8748-A695-292603A58B43}"/>
+                              </a:ext>
+                            </a:extLst>
+                          </p:cNvPr>
+                          <p:cNvSpPr txBox="1">
+                            <a:spLocks noRot="1" noChangeAspect="1" noMove="1" noResize="1" noEditPoints="1" noAdjustHandles="1" noChangeArrowheads="1" noChangeShapeType="1" noTextEdit="1"/>
+                          </p:cNvSpPr>
+                          <p:nvPr/>
+                        </p:nvSpPr>
+                        <p:spPr>
+                          <a:xfrm>
+                            <a:off x="4631991" y="4970754"/>
+                            <a:ext cx="903068" cy="372666"/>
+                          </a:xfrm>
+                          <a:prstGeom prst="rect">
+                            <a:avLst/>
+                          </a:prstGeom>
+                          <a:blipFill>
+                            <a:blip r:embed="rId10"/>
+                            <a:stretch>
+                              <a:fillRect b="-13333"/>
+                            </a:stretch>
+                          </a:blipFill>
+                        </p:spPr>
+                        <p:txBody>
+                          <a:bodyPr/>
+                          <a:lstStyle/>
+                          <a:p>
+                            <a:r>
+                              <a:rPr lang="en-US">
+                                <a:noFill/>
+                              </a:rPr>
+                              <a:t> </a:t>
+                            </a:r>
+                          </a:p>
+                        </p:txBody>
+                      </p:sp>
+                    </mc:Fallback>
+                  </mc:AlternateContent>
+                  <mc:AlternateContent xmlns:mc="http://schemas.openxmlformats.org/markup-compatibility/2006" xmlns:a14="http://schemas.microsoft.com/office/drawing/2010/main">
+                    <mc:Choice Requires="a14">
+                      <p:sp>
+                        <p:nvSpPr>
+                          <p:cNvPr id="50" name="TextBox 49">
+                            <a:extLst>
+                              <a:ext uri="{FF2B5EF4-FFF2-40B4-BE49-F238E27FC236}">
+                                <a16:creationId xmlns:a16="http://schemas.microsoft.com/office/drawing/2014/main" id="{CA93B607-33DA-E84C-B0C8-29F862F4988C}"/>
+                              </a:ext>
+                            </a:extLst>
+                          </p:cNvPr>
+                          <p:cNvSpPr txBox="1"/>
+                          <p:nvPr/>
+                        </p:nvSpPr>
+                        <p:spPr>
+                          <a:xfrm>
+                            <a:off x="849530" y="4919953"/>
+                            <a:ext cx="672428" cy="391646"/>
+                          </a:xfrm>
+                          <a:prstGeom prst="rect">
+                            <a:avLst/>
+                          </a:prstGeom>
+                          <a:noFill/>
+                        </p:spPr>
+                        <p:txBody>
+                          <a:bodyPr wrap="none" rtlCol="0">
+                            <a:spAutoFit/>
+                          </a:bodyPr>
+                          <a:lstStyle/>
+                          <a:p>
+                            <a:pPr/>
+                            <a14:m>
+                              <m:oMathPara xmlns:m="http://schemas.openxmlformats.org/officeDocument/2006/math">
+                                <m:oMathParaPr>
+                                  <m:jc m:val="centerGroup"/>
+                                </m:oMathParaPr>
+                                <m:oMath xmlns:m="http://schemas.openxmlformats.org/officeDocument/2006/math">
+                                  <m:sSub>
+                                    <m:sSubPr>
+                                      <m:ctrlPr>
+                                        <a:rPr lang="en-US" b="0" i="1" smtClean="0">
+                                          <a:latin typeface="Cambria Math" panose="02040503050406030204" pitchFamily="18" charset="0"/>
+                                        </a:rPr>
+                                      </m:ctrlPr>
+                                    </m:sSubPr>
+                                    <m:e>
+                                      <m:r>
+                                        <a:rPr lang="en-US" b="0" i="1" smtClean="0">
+                                          <a:latin typeface="Cambria Math" panose="02040503050406030204" pitchFamily="18" charset="0"/>
+                                        </a:rPr>
+                                        <m:t>𝑐</m:t>
+                                      </m:r>
+                                    </m:e>
+                                    <m:sub>
+                                      <m:r>
+                                        <a:rPr lang="en-US" b="0" i="1" smtClean="0">
+                                          <a:latin typeface="Cambria Math" panose="02040503050406030204" pitchFamily="18" charset="0"/>
+                                        </a:rPr>
+                                        <m:t>𝑖</m:t>
+                                      </m:r>
+                                    </m:sub>
+                                  </m:sSub>
+                                  <m:r>
+                                    <a:rPr lang="en-US" b="0" i="1" smtClean="0">
+                                      <a:latin typeface="Cambria Math" panose="02040503050406030204" pitchFamily="18" charset="0"/>
+                                    </a:rPr>
+                                    <m:t>,</m:t>
+                                  </m:r>
+                                  <m:sSub>
+                                    <m:sSubPr>
+                                      <m:ctrlPr>
+                                        <a:rPr lang="en-US" b="0" i="1" smtClean="0">
+                                          <a:latin typeface="Cambria Math" panose="02040503050406030204" pitchFamily="18" charset="0"/>
+                                        </a:rPr>
+                                      </m:ctrlPr>
+                                    </m:sSubPr>
+                                    <m:e>
+                                      <m:r>
+                                        <a:rPr lang="en-US" b="0" i="1" smtClean="0">
+                                          <a:latin typeface="Cambria Math" panose="02040503050406030204" pitchFamily="18" charset="0"/>
+                                        </a:rPr>
+                                        <m:t>𝑐</m:t>
+                                      </m:r>
+                                    </m:e>
+                                    <m:sub>
+                                      <m:r>
+                                        <a:rPr lang="en-US" b="0" i="1" smtClean="0">
+                                          <a:latin typeface="Cambria Math" panose="02040503050406030204" pitchFamily="18" charset="0"/>
+                                        </a:rPr>
+                                        <m:t>𝑗</m:t>
+                                      </m:r>
+                                    </m:sub>
+                                  </m:sSub>
+                                </m:oMath>
+                              </m:oMathPara>
+                            </a14:m>
+                            <a:endParaRPr lang="en-US" b="0" dirty="0"/>
+                          </a:p>
+                        </p:txBody>
+                      </p:sp>
+                    </mc:Choice>
+                    <mc:Fallback xmlns="">
+                      <p:sp>
+                        <p:nvSpPr>
+                          <p:cNvPr id="50" name="TextBox 49">
+                            <a:extLst>
+                              <a:ext uri="{FF2B5EF4-FFF2-40B4-BE49-F238E27FC236}">
+                                <a16:creationId xmlns:a16="http://schemas.microsoft.com/office/drawing/2014/main" id="{CA93B607-33DA-E84C-B0C8-29F862F4988C}"/>
+                              </a:ext>
+                            </a:extLst>
+                          </p:cNvPr>
+                          <p:cNvSpPr txBox="1">
+                            <a:spLocks noRot="1" noChangeAspect="1" noMove="1" noResize="1" noEditPoints="1" noAdjustHandles="1" noChangeArrowheads="1" noChangeShapeType="1" noTextEdit="1"/>
+                          </p:cNvSpPr>
+                          <p:nvPr/>
+                        </p:nvSpPr>
+                        <p:spPr>
+                          <a:xfrm>
+                            <a:off x="849530" y="4919953"/>
+                            <a:ext cx="672428" cy="391646"/>
+                          </a:xfrm>
+                          <a:prstGeom prst="rect">
+                            <a:avLst/>
+                          </a:prstGeom>
+                          <a:blipFill>
+                            <a:blip r:embed="rId11"/>
+                            <a:stretch>
+                              <a:fillRect b="-6250"/>
+                            </a:stretch>
+                          </a:blipFill>
+                        </p:spPr>
+                        <p:txBody>
+                          <a:bodyPr/>
+                          <a:lstStyle/>
+                          <a:p>
+                            <a:r>
+                              <a:rPr lang="en-US">
+                                <a:noFill/>
+                              </a:rPr>
+                              <a:t> </a:t>
+                            </a:r>
+                          </a:p>
+                        </p:txBody>
+                      </p:sp>
+                    </mc:Fallback>
+                  </mc:AlternateContent>
+                  <p:sp>
+                    <p:nvSpPr>
+                      <p:cNvPr id="51" name="Rounded Rectangle 50">
+                        <a:extLst>
+                          <a:ext uri="{FF2B5EF4-FFF2-40B4-BE49-F238E27FC236}">
+                            <a16:creationId xmlns:a16="http://schemas.microsoft.com/office/drawing/2014/main" id="{949C6B90-7504-B646-BC2B-7F6DAD82FC04}"/>
+                          </a:ext>
+                        </a:extLst>
+                      </p:cNvPr>
+                      <p:cNvSpPr/>
+                      <p:nvPr/>
+                    </p:nvSpPr>
+                    <p:spPr>
+                      <a:xfrm>
+                        <a:off x="455417" y="4889499"/>
+                        <a:ext cx="1460653" cy="531840"/>
+                      </a:xfrm>
+                      <a:prstGeom prst="roundRect">
+                        <a:avLst/>
+                      </a:prstGeom>
+                      <a:noFill/>
+                      <a:ln w="31750">
+                        <a:solidFill>
+                          <a:schemeClr val="tx1"/>
+                        </a:solidFill>
+                        <a:prstDash val="dash"/>
+                      </a:ln>
+                    </p:spPr>
+                    <p:style>
+                      <a:lnRef idx="2">
+                        <a:schemeClr val="accent1">
+                          <a:shade val="50000"/>
+                        </a:schemeClr>
+                      </a:lnRef>
+                      <a:fillRef idx="1">
+                        <a:schemeClr val="accent1"/>
+                      </a:fillRef>
+                      <a:effectRef idx="0">
+                        <a:schemeClr val="accent1"/>
+                      </a:effectRef>
+                      <a:fontRef idx="minor">
+                        <a:schemeClr val="lt1"/>
+                      </a:fontRef>
+                    </p:style>
+                    <p:txBody>
+                      <a:bodyPr rtlCol="0" anchor="ctr"/>
+                      <a:lstStyle/>
+                      <a:p>
+                        <a:pPr algn="ctr"/>
+                        <a:endParaRPr lang="en-US"/>
+                      </a:p>
+                    </p:txBody>
+                  </p:sp>
+                  <p:sp>
+                    <p:nvSpPr>
+                      <p:cNvPr id="52" name="TextBox 51">
+                        <a:extLst>
+                          <a:ext uri="{FF2B5EF4-FFF2-40B4-BE49-F238E27FC236}">
+                            <a16:creationId xmlns:a16="http://schemas.microsoft.com/office/drawing/2014/main" id="{F7AF45A8-4169-9A46-AD10-6A658C77FD78}"/>
+                          </a:ext>
+                        </a:extLst>
+                      </p:cNvPr>
+                      <p:cNvSpPr txBox="1"/>
+                      <p:nvPr/>
+                    </p:nvSpPr>
+                    <p:spPr>
+                      <a:xfrm>
+                        <a:off x="1006682" y="6312585"/>
+                        <a:ext cx="1502719" cy="646331"/>
+                      </a:xfrm>
+                      <a:prstGeom prst="rect">
+                        <a:avLst/>
+                      </a:prstGeom>
+                      <a:noFill/>
+                    </p:spPr>
+                    <p:txBody>
+                      <a:bodyPr wrap="none" rtlCol="0">
+                        <a:spAutoFit/>
+                      </a:bodyPr>
+                      <a:lstStyle/>
+                      <a:p>
+                        <a:pPr algn="ctr"/>
+                        <a:r>
+                          <a:rPr lang="en-US" i="1" dirty="0">
+                            <a:solidFill>
+                              <a:schemeClr val="accent2"/>
+                            </a:solidFill>
+                          </a:rPr>
+                          <a:t>Set of queries </a:t>
+                        </a:r>
+                      </a:p>
+                      <a:p>
+                        <a:pPr algn="ctr"/>
+                        <a:r>
+                          <a:rPr lang="en-US" i="1" dirty="0">
+                            <a:solidFill>
+                              <a:schemeClr val="accent2"/>
+                            </a:solidFill>
+                          </a:rPr>
+                          <a:t>(Q)</a:t>
+                        </a:r>
+                      </a:p>
+                    </p:txBody>
+                  </p:sp>
+                </p:grpSp>
+                <p:cxnSp>
+                  <p:nvCxnSpPr>
+                    <p:cNvPr id="57" name="Straight Arrow Connector 56">
+                      <a:extLst>
+                        <a:ext uri="{FF2B5EF4-FFF2-40B4-BE49-F238E27FC236}">
+                          <a16:creationId xmlns:a16="http://schemas.microsoft.com/office/drawing/2014/main" id="{E9B747CE-D0DE-AB4E-9FD4-D126943BFD7D}"/>
+                        </a:ext>
+                      </a:extLst>
+                    </p:cNvPr>
+                    <p:cNvCxnSpPr>
+                      <a:cxnSpLocks/>
+                      <a:stCxn id="51" idx="3"/>
+                      <a:endCxn id="43" idx="1"/>
+                    </p:cNvCxnSpPr>
+                    <p:nvPr/>
+                  </p:nvCxnSpPr>
+                  <p:spPr>
+                    <a:xfrm>
+                      <a:off x="1954170" y="4850619"/>
+                      <a:ext cx="404033" cy="1668"/>
+                    </a:xfrm>
+                    <a:prstGeom prst="straightConnector1">
+                      <a:avLst/>
+                    </a:prstGeom>
+                    <a:ln w="31750">
+                      <a:solidFill>
+                        <a:schemeClr val="tx1"/>
+                      </a:solidFill>
+                      <a:tailEnd type="stealth" w="lg" len="lg"/>
+                    </a:ln>
+                  </p:spPr>
+                  <p:style>
+                    <a:lnRef idx="1">
+                      <a:schemeClr val="accent1"/>
+                    </a:lnRef>
+                    <a:fillRef idx="0">
+                      <a:schemeClr val="accent1"/>
+                    </a:fillRef>
+                    <a:effectRef idx="0">
+                      <a:schemeClr val="accent1"/>
+                    </a:effectRef>
+                    <a:fontRef idx="minor">
+                      <a:schemeClr val="tx1"/>
+                    </a:fontRef>
+                  </p:style>
+                </p:cxnSp>
+                <p:cxnSp>
+                  <p:nvCxnSpPr>
+                    <p:cNvPr id="60" name="Straight Arrow Connector 59">
+                      <a:extLst>
+                        <a:ext uri="{FF2B5EF4-FFF2-40B4-BE49-F238E27FC236}">
+                          <a16:creationId xmlns:a16="http://schemas.microsoft.com/office/drawing/2014/main" id="{3779F490-4B30-264E-819C-2631B9F09E0F}"/>
+                        </a:ext>
+                      </a:extLst>
+                    </p:cNvPr>
+                    <p:cNvCxnSpPr>
+                      <a:cxnSpLocks/>
+                      <a:stCxn id="43" idx="3"/>
+                      <a:endCxn id="48" idx="1"/>
+                    </p:cNvCxnSpPr>
+                    <p:nvPr/>
+                  </p:nvCxnSpPr>
+                  <p:spPr>
+                    <a:xfrm>
+                      <a:off x="3818856" y="4852287"/>
+                      <a:ext cx="851235" cy="0"/>
+                    </a:xfrm>
+                    <a:prstGeom prst="straightConnector1">
+                      <a:avLst/>
+                    </a:prstGeom>
+                    <a:ln w="31750">
+                      <a:solidFill>
+                        <a:schemeClr val="tx1"/>
+                      </a:solidFill>
+                      <a:tailEnd type="stealth" w="lg" len="lg"/>
+                    </a:ln>
+                  </p:spPr>
+                  <p:style>
+                    <a:lnRef idx="1">
+                      <a:schemeClr val="accent1"/>
+                    </a:lnRef>
+                    <a:fillRef idx="0">
+                      <a:schemeClr val="accent1"/>
+                    </a:fillRef>
+                    <a:effectRef idx="0">
+                      <a:schemeClr val="accent1"/>
+                    </a:effectRef>
+                    <a:fontRef idx="minor">
+                      <a:schemeClr val="tx1"/>
+                    </a:fontRef>
+                  </p:style>
+                </p:cxnSp>
+                <p:sp>
+                  <p:nvSpPr>
+                    <p:cNvPr id="66" name="Rounded Rectangle 65">
+                      <a:extLst>
+                        <a:ext uri="{FF2B5EF4-FFF2-40B4-BE49-F238E27FC236}">
+                          <a16:creationId xmlns:a16="http://schemas.microsoft.com/office/drawing/2014/main" id="{04EE750C-1208-4442-B2C0-172DF62488B8}"/>
+                        </a:ext>
+                      </a:extLst>
+                    </p:cNvPr>
+                    <p:cNvSpPr/>
+                    <p:nvPr/>
+                  </p:nvSpPr>
+                  <p:spPr>
+                    <a:xfrm>
+                      <a:off x="6369367" y="3727114"/>
+                      <a:ext cx="914597" cy="2254586"/>
+                    </a:xfrm>
+                    <a:prstGeom prst="roundRect">
+                      <a:avLst/>
+                    </a:prstGeom>
+                    <a:solidFill>
+                      <a:schemeClr val="accent6">
+                        <a:lumMod val="40000"/>
+                        <a:lumOff val="60000"/>
+                      </a:schemeClr>
+                    </a:solidFill>
+                    <a:ln w="31750">
+                      <a:solidFill>
+                        <a:schemeClr val="tx1"/>
+                      </a:solidFill>
+                    </a:ln>
+                  </p:spPr>
+                  <p:style>
+                    <a:lnRef idx="2">
+                      <a:schemeClr val="accent1">
+                        <a:shade val="50000"/>
+                      </a:schemeClr>
+                    </a:lnRef>
+                    <a:fillRef idx="1">
+                      <a:schemeClr val="accent1"/>
+                    </a:fillRef>
+                    <a:effectRef idx="0">
+                      <a:schemeClr val="accent1"/>
+                    </a:effectRef>
+                    <a:fontRef idx="minor">
+                      <a:schemeClr val="lt1"/>
+                    </a:fontRef>
+                  </p:style>
+                  <p:txBody>
+                    <a:bodyPr rtlCol="0" anchor="ctr"/>
+                    <a:lstStyle/>
+                    <a:p>
+                      <a:pPr algn="ctr"/>
+                      <a:endParaRPr lang="en-US"/>
+                    </a:p>
+                  </p:txBody>
+                </p:sp>
+                <p:sp>
+                  <p:nvSpPr>
+                    <p:cNvPr id="67" name="Rounded Rectangle 66">
+                      <a:extLst>
+                        <a:ext uri="{FF2B5EF4-FFF2-40B4-BE49-F238E27FC236}">
+                          <a16:creationId xmlns:a16="http://schemas.microsoft.com/office/drawing/2014/main" id="{E7801D7B-9E80-8D4B-BF3C-C5017AF86867}"/>
+                        </a:ext>
+                      </a:extLst>
+                    </p:cNvPr>
+                    <p:cNvSpPr/>
+                    <p:nvPr/>
+                  </p:nvSpPr>
+                  <p:spPr>
+                    <a:xfrm>
+                      <a:off x="6103541" y="4578348"/>
+                      <a:ext cx="1460653" cy="531840"/>
+                    </a:xfrm>
+                    <a:prstGeom prst="roundRect">
+                      <a:avLst/>
+                    </a:prstGeom>
+                    <a:noFill/>
+                    <a:ln w="31750">
+                      <a:solidFill>
+                        <a:schemeClr val="tx1"/>
+                      </a:solidFill>
+                      <a:prstDash val="dash"/>
+                    </a:ln>
+                  </p:spPr>
+                  <p:style>
+                    <a:lnRef idx="2">
+                      <a:schemeClr val="accent1">
+                        <a:shade val="50000"/>
+                      </a:schemeClr>
+                    </a:lnRef>
+                    <a:fillRef idx="1">
+                      <a:schemeClr val="accent1"/>
+                    </a:fillRef>
+                    <a:effectRef idx="0">
+                      <a:schemeClr val="accent1"/>
+                    </a:effectRef>
+                    <a:fontRef idx="minor">
+                      <a:schemeClr val="lt1"/>
+                    </a:fontRef>
+                  </p:style>
+                  <p:txBody>
+                    <a:bodyPr rtlCol="0" anchor="ctr"/>
+                    <a:lstStyle/>
+                    <a:p>
+                      <a:pPr algn="ctr"/>
+                      <a:endParaRPr lang="en-US"/>
+                    </a:p>
+                  </p:txBody>
+                </p:sp>
+                <p:cxnSp>
+                  <p:nvCxnSpPr>
+                    <p:cNvPr id="68" name="Straight Arrow Connector 67">
+                      <a:extLst>
+                        <a:ext uri="{FF2B5EF4-FFF2-40B4-BE49-F238E27FC236}">
+                          <a16:creationId xmlns:a16="http://schemas.microsoft.com/office/drawing/2014/main" id="{F923CF61-15DD-8448-ABC3-71D6CB6576D0}"/>
+                        </a:ext>
+                      </a:extLst>
+                    </p:cNvPr>
+                    <p:cNvCxnSpPr>
+                      <a:cxnSpLocks/>
+                      <a:stCxn id="48" idx="3"/>
+                      <a:endCxn id="67" idx="1"/>
+                    </p:cNvCxnSpPr>
+                    <p:nvPr/>
+                  </p:nvCxnSpPr>
+                  <p:spPr>
+                    <a:xfrm flipV="1">
+                      <a:off x="5573159" y="4844268"/>
+                      <a:ext cx="530382" cy="8019"/>
+                    </a:xfrm>
+                    <a:prstGeom prst="straightConnector1">
+                      <a:avLst/>
+                    </a:prstGeom>
+                    <a:ln w="31750">
+                      <a:solidFill>
+                        <a:schemeClr val="tx1"/>
+                      </a:solidFill>
+                      <a:tailEnd type="stealth" w="lg" len="lg"/>
+                    </a:ln>
+                  </p:spPr>
+                  <p:style>
+                    <a:lnRef idx="1">
+                      <a:schemeClr val="accent1"/>
+                    </a:lnRef>
+                    <a:fillRef idx="0">
+                      <a:schemeClr val="accent1"/>
+                    </a:fillRef>
+                    <a:effectRef idx="0">
+                      <a:schemeClr val="accent1"/>
+                    </a:effectRef>
+                    <a:fontRef idx="minor">
+                      <a:schemeClr val="tx1"/>
+                    </a:fontRef>
+                  </p:style>
+                </p:cxnSp>
+                <mc:AlternateContent xmlns:mc="http://schemas.openxmlformats.org/markup-compatibility/2006" xmlns:a14="http://schemas.microsoft.com/office/drawing/2010/main">
+                  <mc:Choice Requires="a14">
+                    <p:sp>
+                      <p:nvSpPr>
+                        <p:cNvPr id="71" name="TextBox 70">
+                          <a:extLst>
+                            <a:ext uri="{FF2B5EF4-FFF2-40B4-BE49-F238E27FC236}">
+                              <a16:creationId xmlns:a16="http://schemas.microsoft.com/office/drawing/2014/main" id="{2B1BA133-7055-2847-AED4-14E618C72A9D}"/>
+                            </a:ext>
+                          </a:extLst>
+                        </p:cNvPr>
+                        <p:cNvSpPr txBox="1"/>
+                        <p:nvPr/>
+                      </p:nvSpPr>
+                      <p:spPr>
+                        <a:xfrm>
+                          <a:off x="6499874" y="4643640"/>
+                          <a:ext cx="685252" cy="391646"/>
+                        </a:xfrm>
+                        <a:prstGeom prst="rect">
+                          <a:avLst/>
+                        </a:prstGeom>
+                        <a:noFill/>
+                      </p:spPr>
+                      <p:txBody>
+                        <a:bodyPr wrap="none" rtlCol="0">
+                          <a:spAutoFit/>
+                        </a:bodyPr>
+                        <a:lstStyle/>
+                        <a:p>
+                          <a:pPr/>
+                          <a14:m>
+                            <m:oMathPara xmlns:m="http://schemas.openxmlformats.org/officeDocument/2006/math">
+                              <m:oMathParaPr>
+                                <m:jc m:val="centerGroup"/>
+                              </m:oMathParaPr>
+                              <m:oMath xmlns:m="http://schemas.openxmlformats.org/officeDocument/2006/math">
+                                <m:sSub>
+                                  <m:sSubPr>
+                                    <m:ctrlPr>
+                                      <a:rPr lang="en-US" b="0" i="1" smtClean="0">
+                                        <a:latin typeface="Cambria Math" panose="02040503050406030204" pitchFamily="18" charset="0"/>
+                                      </a:rPr>
+                                    </m:ctrlPr>
+                                  </m:sSubPr>
+                                  <m:e>
+                                    <m:r>
+                                      <a:rPr lang="en-US" b="0" i="1" smtClean="0">
+                                        <a:latin typeface="Cambria Math" panose="02040503050406030204" pitchFamily="18" charset="0"/>
+                                      </a:rPr>
+                                      <m:t>𝑧</m:t>
+                                    </m:r>
+                                  </m:e>
+                                  <m:sub>
+                                    <m:r>
+                                      <a:rPr lang="en-US" b="0" i="1" smtClean="0">
+                                        <a:latin typeface="Cambria Math" panose="02040503050406030204" pitchFamily="18" charset="0"/>
+                                      </a:rPr>
+                                      <m:t>𝑖</m:t>
+                                    </m:r>
+                                  </m:sub>
+                                </m:sSub>
+                                <m:r>
+                                  <a:rPr lang="en-US" b="0" i="1" smtClean="0">
+                                    <a:latin typeface="Cambria Math" panose="02040503050406030204" pitchFamily="18" charset="0"/>
+                                  </a:rPr>
+                                  <m:t>,</m:t>
+                                </m:r>
+                                <m:sSub>
+                                  <m:sSubPr>
+                                    <m:ctrlPr>
+                                      <a:rPr lang="en-US" b="0" i="1" smtClean="0">
+                                        <a:latin typeface="Cambria Math" panose="02040503050406030204" pitchFamily="18" charset="0"/>
+                                      </a:rPr>
+                                    </m:ctrlPr>
+                                  </m:sSubPr>
+                                  <m:e>
+                                    <m:r>
+                                      <a:rPr lang="en-US" b="0" i="1" smtClean="0">
+                                        <a:latin typeface="Cambria Math" panose="02040503050406030204" pitchFamily="18" charset="0"/>
+                                      </a:rPr>
+                                      <m:t>𝑧</m:t>
+                                    </m:r>
+                                  </m:e>
+                                  <m:sub>
+                                    <m:r>
+                                      <a:rPr lang="en-US" b="0" i="1" smtClean="0">
+                                        <a:latin typeface="Cambria Math" panose="02040503050406030204" pitchFamily="18" charset="0"/>
+                                      </a:rPr>
+                                      <m:t>𝑗</m:t>
+                                    </m:r>
+                                  </m:sub>
+                                </m:sSub>
+                              </m:oMath>
+                            </m:oMathPara>
+                          </a14:m>
+                          <a:endParaRPr lang="en-US" b="0" dirty="0"/>
+                        </a:p>
+                      </p:txBody>
+                    </p:sp>
+                  </mc:Choice>
+                  <mc:Fallback xmlns="">
+                    <p:sp>
+                      <p:nvSpPr>
+                        <p:cNvPr id="71" name="TextBox 70">
+                          <a:extLst>
+                            <a:ext uri="{FF2B5EF4-FFF2-40B4-BE49-F238E27FC236}">
+                              <a16:creationId xmlns:a16="http://schemas.microsoft.com/office/drawing/2014/main" id="{2B1BA133-7055-2847-AED4-14E618C72A9D}"/>
+                            </a:ext>
+                          </a:extLst>
+                        </p:cNvPr>
+                        <p:cNvSpPr txBox="1">
+                          <a:spLocks noRot="1" noChangeAspect="1" noMove="1" noResize="1" noEditPoints="1" noAdjustHandles="1" noChangeArrowheads="1" noChangeShapeType="1" noTextEdit="1"/>
+                        </p:cNvSpPr>
+                        <p:nvPr/>
+                      </p:nvSpPr>
+                      <p:spPr>
+                        <a:xfrm>
+                          <a:off x="6499874" y="4643640"/>
+                          <a:ext cx="685252" cy="391646"/>
+                        </a:xfrm>
+                        <a:prstGeom prst="rect">
+                          <a:avLst/>
+                        </a:prstGeom>
+                        <a:blipFill>
+                          <a:blip r:embed="rId12"/>
+                          <a:stretch>
+                            <a:fillRect b="-9375"/>
+                          </a:stretch>
+                        </a:blipFill>
+                      </p:spPr>
+                      <p:txBody>
+                        <a:bodyPr/>
+                        <a:lstStyle/>
+                        <a:p>
+                          <a:r>
+                            <a:rPr lang="en-US">
+                              <a:noFill/>
+                            </a:rPr>
+                            <a:t> </a:t>
+                          </a:r>
+                        </a:p>
+                      </p:txBody>
+                    </p:sp>
+                  </mc:Fallback>
+                </mc:AlternateContent>
+                <p:sp>
+                  <p:nvSpPr>
+                    <p:cNvPr id="72" name="Rounded Rectangle 71">
+                      <a:extLst>
+                        <a:ext uri="{FF2B5EF4-FFF2-40B4-BE49-F238E27FC236}">
+                          <a16:creationId xmlns:a16="http://schemas.microsoft.com/office/drawing/2014/main" id="{14C083D4-8912-B541-A715-4C3C4E91CD72}"/>
+                        </a:ext>
+                      </a:extLst>
+                    </p:cNvPr>
+                    <p:cNvSpPr/>
+                    <p:nvPr/>
+                  </p:nvSpPr>
+                  <p:spPr>
+                    <a:xfrm>
+                      <a:off x="8071531" y="3733800"/>
+                      <a:ext cx="914591" cy="2242770"/>
+                    </a:xfrm>
+                    <a:prstGeom prst="roundRect">
+                      <a:avLst/>
+                    </a:prstGeom>
+                    <a:solidFill>
+                      <a:schemeClr val="bg1">
+                        <a:lumMod val="85000"/>
+                      </a:schemeClr>
+                    </a:solidFill>
+                    <a:ln w="31750">
+                      <a:solidFill>
+                        <a:schemeClr val="tx1"/>
+                      </a:solidFill>
+                      <a:prstDash val="solid"/>
+                    </a:ln>
+                  </p:spPr>
+                  <p:style>
+                    <a:lnRef idx="2">
+                      <a:schemeClr val="accent1">
+                        <a:shade val="50000"/>
+                      </a:schemeClr>
+                    </a:lnRef>
+                    <a:fillRef idx="1">
+                      <a:schemeClr val="accent1"/>
+                    </a:fillRef>
+                    <a:effectRef idx="0">
+                      <a:schemeClr val="accent1"/>
+                    </a:effectRef>
+                    <a:fontRef idx="minor">
+                      <a:schemeClr val="lt1"/>
+                    </a:fontRef>
+                  </p:style>
+                  <p:txBody>
+                    <a:bodyPr rtlCol="0" anchor="ctr"/>
+                    <a:lstStyle/>
+                    <a:p>
+                      <a:pPr algn="ctr"/>
+                      <a:endParaRPr lang="en-US"/>
+                    </a:p>
+                  </p:txBody>
+                </p:sp>
+                <p:cxnSp>
+                  <p:nvCxnSpPr>
+                    <p:cNvPr id="73" name="Straight Arrow Connector 72">
+                      <a:extLst>
+                        <a:ext uri="{FF2B5EF4-FFF2-40B4-BE49-F238E27FC236}">
+                          <a16:creationId xmlns:a16="http://schemas.microsoft.com/office/drawing/2014/main" id="{29F724A6-E9D3-2D4C-A001-FC7963738BC2}"/>
+                        </a:ext>
+                      </a:extLst>
+                    </p:cNvPr>
+                    <p:cNvCxnSpPr>
+                      <a:cxnSpLocks/>
+                      <a:stCxn id="67" idx="3"/>
+                    </p:cNvCxnSpPr>
+                    <p:nvPr/>
+                  </p:nvCxnSpPr>
+                  <p:spPr>
+                    <a:xfrm>
+                      <a:off x="7564194" y="4844268"/>
+                      <a:ext cx="462845" cy="6351"/>
+                    </a:xfrm>
+                    <a:prstGeom prst="straightConnector1">
+                      <a:avLst/>
+                    </a:prstGeom>
+                    <a:ln w="31750">
+                      <a:solidFill>
+                        <a:schemeClr val="tx1"/>
+                      </a:solidFill>
+                      <a:tailEnd type="stealth" w="lg" len="lg"/>
+                    </a:ln>
+                  </p:spPr>
+                  <p:style>
+                    <a:lnRef idx="1">
+                      <a:schemeClr val="accent1"/>
+                    </a:lnRef>
+                    <a:fillRef idx="0">
+                      <a:schemeClr val="accent1"/>
+                    </a:fillRef>
+                    <a:effectRef idx="0">
+                      <a:schemeClr val="accent1"/>
+                    </a:effectRef>
+                    <a:fontRef idx="minor">
+                      <a:schemeClr val="tx1"/>
+                    </a:fontRef>
+                  </p:style>
+                </p:cxnSp>
+                <mc:AlternateContent xmlns:mc="http://schemas.openxmlformats.org/markup-compatibility/2006" xmlns:a14="http://schemas.microsoft.com/office/drawing/2010/main">
+                  <mc:Choice Requires="a14">
+                    <p:sp>
+                      <p:nvSpPr>
+                        <p:cNvPr id="76" name="TextBox 75">
+                          <a:extLst>
+                            <a:ext uri="{FF2B5EF4-FFF2-40B4-BE49-F238E27FC236}">
+                              <a16:creationId xmlns:a16="http://schemas.microsoft.com/office/drawing/2014/main" id="{B9D21D1D-47A3-AC40-9996-FD08E8F9D130}"/>
+                            </a:ext>
+                          </a:extLst>
+                        </p:cNvPr>
+                        <p:cNvSpPr txBox="1"/>
+                        <p:nvPr/>
+                      </p:nvSpPr>
+                      <p:spPr>
+                        <a:xfrm>
+                          <a:off x="8122485" y="4650024"/>
+                          <a:ext cx="903068" cy="373179"/>
+                        </a:xfrm>
+                        <a:prstGeom prst="rect">
+                          <a:avLst/>
+                        </a:prstGeom>
+                        <a:noFill/>
+                      </p:spPr>
+                      <p:txBody>
+                        <a:bodyPr wrap="none" rtlCol="0">
+                          <a:spAutoFit/>
+                        </a:bodyPr>
+                        <a:lstStyle/>
+                        <a:p>
+                          <a:pPr/>
+                          <a14:m>
+                            <m:oMathPara xmlns:m="http://schemas.openxmlformats.org/officeDocument/2006/math">
+                              <m:oMathParaPr>
+                                <m:jc m:val="centerGroup"/>
+                              </m:oMathParaPr>
+                              <m:oMath xmlns:m="http://schemas.openxmlformats.org/officeDocument/2006/math">
+                                <m:sSubSup>
+                                  <m:sSubSupPr>
+                                    <m:ctrlPr>
+                                      <a:rPr lang="en-US" b="0" i="1" smtClean="0">
+                                        <a:latin typeface="Cambria Math" panose="02040503050406030204" pitchFamily="18" charset="0"/>
+                                      </a:rPr>
+                                    </m:ctrlPr>
+                                  </m:sSubSupPr>
+                                  <m:e>
+                                    <m:r>
+                                      <a:rPr lang="en-US" i="1">
+                                        <a:latin typeface="Cambria Math" panose="02040503050406030204" pitchFamily="18" charset="0"/>
+                                      </a:rPr>
+                                      <m:t>𝑓</m:t>
+                                    </m:r>
+                                  </m:e>
+                                  <m:sub>
+                                    <m:r>
+                                      <a:rPr lang="en-US" b="0" i="1" smtClean="0">
+                                        <a:latin typeface="Cambria Math" panose="02040503050406030204" pitchFamily="18" charset="0"/>
+                                      </a:rPr>
+                                      <m:t>2</m:t>
+                                    </m:r>
+                                  </m:sub>
+                                  <m:sup>
+                                    <m:r>
+                                      <a:rPr lang="en-US" i="1">
+                                        <a:latin typeface="Cambria Math" panose="02040503050406030204" pitchFamily="18" charset="0"/>
+                                      </a:rPr>
+                                      <m:t>𝑁𝑁</m:t>
+                                    </m:r>
+                                  </m:sup>
+                                </m:sSubSup>
+                                <m:r>
+                                  <a:rPr lang="en-US" i="1">
+                                    <a:latin typeface="Cambria Math" panose="02040503050406030204" pitchFamily="18" charset="0"/>
+                                  </a:rPr>
+                                  <m:t>(⋅)</m:t>
+                                </m:r>
+                              </m:oMath>
+                            </m:oMathPara>
+                          </a14:m>
+                          <a:endParaRPr lang="en-US" dirty="0"/>
+                        </a:p>
+                      </p:txBody>
+                    </p:sp>
+                  </mc:Choice>
+                  <mc:Fallback xmlns="">
+                    <p:sp>
+                      <p:nvSpPr>
+                        <p:cNvPr id="76" name="TextBox 75">
+                          <a:extLst>
+                            <a:ext uri="{FF2B5EF4-FFF2-40B4-BE49-F238E27FC236}">
+                              <a16:creationId xmlns:a16="http://schemas.microsoft.com/office/drawing/2014/main" id="{B9D21D1D-47A3-AC40-9996-FD08E8F9D130}"/>
+                            </a:ext>
+                          </a:extLst>
+                        </p:cNvPr>
+                        <p:cNvSpPr txBox="1">
+                          <a:spLocks noRot="1" noChangeAspect="1" noMove="1" noResize="1" noEditPoints="1" noAdjustHandles="1" noChangeArrowheads="1" noChangeShapeType="1" noTextEdit="1"/>
+                        </p:cNvSpPr>
+                        <p:nvPr/>
+                      </p:nvSpPr>
+                      <p:spPr>
+                        <a:xfrm>
+                          <a:off x="8122485" y="4650024"/>
+                          <a:ext cx="903068" cy="373179"/>
+                        </a:xfrm>
+                        <a:prstGeom prst="rect">
+                          <a:avLst/>
+                        </a:prstGeom>
+                        <a:blipFill>
+                          <a:blip r:embed="rId13"/>
+                          <a:stretch>
+                            <a:fillRect b="-13333"/>
+                          </a:stretch>
+                        </a:blipFill>
+                      </p:spPr>
+                      <p:txBody>
+                        <a:bodyPr/>
+                        <a:lstStyle/>
+                        <a:p>
+                          <a:r>
+                            <a:rPr lang="en-US">
+                              <a:noFill/>
+                            </a:rPr>
+                            <a:t> </a:t>
+                          </a:r>
+                        </a:p>
+                      </p:txBody>
+                    </p:sp>
+                  </mc:Fallback>
+                </mc:AlternateContent>
+                <p:sp>
+                  <p:nvSpPr>
+                    <p:cNvPr id="77" name="TextBox 76">
+                      <a:extLst>
+                        <a:ext uri="{FF2B5EF4-FFF2-40B4-BE49-F238E27FC236}">
+                          <a16:creationId xmlns:a16="http://schemas.microsoft.com/office/drawing/2014/main" id="{A8AD55FB-82FA-964B-BFC9-FD8C00AFC39D}"/>
+                        </a:ext>
+                      </a:extLst>
+                    </p:cNvPr>
+                    <p:cNvSpPr txBox="1"/>
+                    <p:nvPr/>
+                  </p:nvSpPr>
+                  <p:spPr>
+                    <a:xfrm>
+                      <a:off x="6301124" y="5976570"/>
+                      <a:ext cx="2440412" cy="646331"/>
+                    </a:xfrm>
+                    <a:prstGeom prst="rect">
+                      <a:avLst/>
+                    </a:prstGeom>
+                    <a:noFill/>
+                  </p:spPr>
+                  <p:txBody>
+                    <a:bodyPr wrap="none" rtlCol="0">
+                      <a:spAutoFit/>
+                    </a:bodyPr>
+                    <a:lstStyle/>
+                    <a:p>
+                      <a:pPr algn="ctr"/>
+                      <a:r>
+                        <a:rPr lang="en-US" i="1" dirty="0">
+                          <a:solidFill>
+                            <a:schemeClr val="accent6"/>
+                          </a:solidFill>
+                        </a:rPr>
+                        <a:t>Node embeddings, z</a:t>
+                      </a:r>
+                    </a:p>
+                    <a:p>
+                      <a:pPr algn="ctr"/>
+                      <a:r>
+                        <a:rPr lang="en-US" i="1" dirty="0">
+                          <a:solidFill>
+                            <a:schemeClr val="accent6"/>
+                          </a:solidFill>
+                        </a:rPr>
+                        <a:t>(supervised </a:t>
+                      </a:r>
+                      <a:r>
+                        <a:rPr lang="en-US" i="1" dirty="0" err="1">
+                          <a:solidFill>
+                            <a:schemeClr val="accent6"/>
+                          </a:solidFill>
+                        </a:rPr>
+                        <a:t>GraphSAGE</a:t>
+                      </a:r>
+                      <a:r>
+                        <a:rPr lang="en-US" i="1" dirty="0">
+                          <a:solidFill>
+                            <a:schemeClr val="accent6"/>
+                          </a:solidFill>
+                        </a:rPr>
+                        <a:t>)</a:t>
+                      </a:r>
+                    </a:p>
+                  </p:txBody>
+                </p:sp>
+              </p:grpSp>
+              <p:sp>
+                <p:nvSpPr>
+                  <p:cNvPr id="87" name="Rounded Rectangle 86">
+                    <a:extLst>
+                      <a:ext uri="{FF2B5EF4-FFF2-40B4-BE49-F238E27FC236}">
+                        <a16:creationId xmlns:a16="http://schemas.microsoft.com/office/drawing/2014/main" id="{7B726279-4268-B340-8139-2E70B606C997}"/>
+                      </a:ext>
+                    </a:extLst>
+                  </p:cNvPr>
+                  <p:cNvSpPr/>
+                  <p:nvPr/>
+                </p:nvSpPr>
+                <p:spPr>
+                  <a:xfrm>
+                    <a:off x="9705516" y="3749994"/>
+                    <a:ext cx="1460653" cy="865159"/>
+                  </a:xfrm>
+                  <a:prstGeom prst="roundRect">
+                    <a:avLst/>
+                  </a:prstGeom>
+                  <a:solidFill>
+                    <a:schemeClr val="accent2">
+                      <a:lumMod val="60000"/>
+                      <a:lumOff val="40000"/>
+                    </a:schemeClr>
+                  </a:solidFill>
+                  <a:ln w="31750">
+                    <a:solidFill>
+                      <a:schemeClr val="tx1"/>
+                    </a:solidFill>
+                  </a:ln>
+                </p:spPr>
+                <p:style>
+                  <a:lnRef idx="2">
+                    <a:schemeClr val="accent1">
+                      <a:shade val="50000"/>
+                    </a:schemeClr>
+                  </a:lnRef>
+                  <a:fillRef idx="1">
+                    <a:schemeClr val="accent1"/>
+                  </a:fillRef>
+                  <a:effectRef idx="0">
+                    <a:schemeClr val="accent1"/>
+                  </a:effectRef>
+                  <a:fontRef idx="minor">
+                    <a:schemeClr val="lt1"/>
+                  </a:fontRef>
+                </p:style>
+                <p:txBody>
+                  <a:bodyPr rtlCol="0" anchor="ctr"/>
+                  <a:lstStyle/>
+                  <a:p>
+                    <a:pPr algn="ctr"/>
+                    <a:r>
+                      <a:rPr lang="en-US" dirty="0">
+                        <a:solidFill>
+                          <a:schemeClr val="tx1"/>
+                        </a:solidFill>
+                      </a:rPr>
+                      <a:t>Side-effect</a:t>
+                    </a:r>
+                  </a:p>
+                </p:txBody>
+              </p:sp>
+              <p:sp>
+                <p:nvSpPr>
+                  <p:cNvPr id="88" name="Rounded Rectangle 87">
+                    <a:extLst>
+                      <a:ext uri="{FF2B5EF4-FFF2-40B4-BE49-F238E27FC236}">
+                        <a16:creationId xmlns:a16="http://schemas.microsoft.com/office/drawing/2014/main" id="{F220E1EB-6006-E247-900F-D5A858953BA5}"/>
+                      </a:ext>
+                    </a:extLst>
+                  </p:cNvPr>
+                  <p:cNvSpPr/>
+                  <p:nvPr/>
+                </p:nvSpPr>
+                <p:spPr>
+                  <a:xfrm>
+                    <a:off x="9705516" y="5146995"/>
+                    <a:ext cx="1460653" cy="865159"/>
+                  </a:xfrm>
+                  <a:prstGeom prst="roundRect">
+                    <a:avLst/>
+                  </a:prstGeom>
+                  <a:solidFill>
+                    <a:schemeClr val="accent2">
+                      <a:lumMod val="60000"/>
+                      <a:lumOff val="40000"/>
+                    </a:schemeClr>
+                  </a:solidFill>
+                  <a:ln w="31750">
+                    <a:solidFill>
+                      <a:schemeClr val="tx1"/>
+                    </a:solidFill>
+                  </a:ln>
+                </p:spPr>
+                <p:style>
+                  <a:lnRef idx="2">
+                    <a:schemeClr val="accent1">
+                      <a:shade val="50000"/>
+                    </a:schemeClr>
+                  </a:lnRef>
+                  <a:fillRef idx="1">
+                    <a:schemeClr val="accent1"/>
+                  </a:fillRef>
+                  <a:effectRef idx="0">
+                    <a:schemeClr val="accent1"/>
+                  </a:effectRef>
+                  <a:fontRef idx="minor">
+                    <a:schemeClr val="lt1"/>
+                  </a:fontRef>
+                </p:style>
+                <p:txBody>
+                  <a:bodyPr rtlCol="0" anchor="ctr"/>
+                  <a:lstStyle/>
+                  <a:p>
+                    <a:pPr algn="ctr"/>
+                    <a:r>
+                      <a:rPr lang="en-US" dirty="0">
+                        <a:solidFill>
+                          <a:schemeClr val="tx1"/>
+                        </a:solidFill>
+                      </a:rPr>
+                      <a:t>No side-effect</a:t>
+                    </a:r>
+                  </a:p>
+                </p:txBody>
+              </p:sp>
+              <p:cxnSp>
+                <p:nvCxnSpPr>
+                  <p:cNvPr id="89" name="Straight Arrow Connector 88">
+                    <a:extLst>
+                      <a:ext uri="{FF2B5EF4-FFF2-40B4-BE49-F238E27FC236}">
+                        <a16:creationId xmlns:a16="http://schemas.microsoft.com/office/drawing/2014/main" id="{CA3E0222-8A81-9449-81CF-A3268E677E64}"/>
+                      </a:ext>
+                    </a:extLst>
+                  </p:cNvPr>
+                  <p:cNvCxnSpPr>
+                    <a:cxnSpLocks/>
+                    <a:stCxn id="76" idx="3"/>
+                    <a:endCxn id="87" idx="1"/>
+                  </p:cNvCxnSpPr>
+                  <p:nvPr/>
+                </p:nvCxnSpPr>
+                <p:spPr>
+                  <a:xfrm flipV="1">
+                    <a:off x="9025553" y="4182574"/>
+                    <a:ext cx="679963" cy="654040"/>
+                  </a:xfrm>
+                  <a:prstGeom prst="straightConnector1">
+                    <a:avLst/>
+                  </a:prstGeom>
+                  <a:ln w="31750">
+                    <a:solidFill>
+                      <a:schemeClr val="tx1"/>
+                    </a:solidFill>
+                    <a:tailEnd type="stealth" w="lg" len="lg"/>
+                  </a:ln>
+                </p:spPr>
+                <p:style>
+                  <a:lnRef idx="1">
+                    <a:schemeClr val="accent1"/>
+                  </a:lnRef>
+                  <a:fillRef idx="0">
+                    <a:schemeClr val="accent1"/>
+                  </a:fillRef>
+                  <a:effectRef idx="0">
+                    <a:schemeClr val="accent1"/>
+                  </a:effectRef>
+                  <a:fontRef idx="minor">
+                    <a:schemeClr val="tx1"/>
+                  </a:fontRef>
+                </p:style>
+              </p:cxnSp>
+              <p:cxnSp>
+                <p:nvCxnSpPr>
+                  <p:cNvPr id="92" name="Straight Arrow Connector 91">
+                    <a:extLst>
+                      <a:ext uri="{FF2B5EF4-FFF2-40B4-BE49-F238E27FC236}">
+                        <a16:creationId xmlns:a16="http://schemas.microsoft.com/office/drawing/2014/main" id="{D86ED973-F02F-F144-895D-38CFF50C3F6B}"/>
+                      </a:ext>
+                    </a:extLst>
+                  </p:cNvPr>
+                  <p:cNvCxnSpPr>
+                    <a:cxnSpLocks/>
+                    <a:stCxn id="76" idx="3"/>
+                    <a:endCxn id="88" idx="1"/>
+                  </p:cNvCxnSpPr>
+                  <p:nvPr/>
+                </p:nvCxnSpPr>
+                <p:spPr>
+                  <a:xfrm>
+                    <a:off x="9025553" y="4836614"/>
+                    <a:ext cx="679963" cy="742961"/>
+                  </a:xfrm>
+                  <a:prstGeom prst="straightConnector1">
+                    <a:avLst/>
+                  </a:prstGeom>
+                  <a:ln w="31750">
+                    <a:solidFill>
+                      <a:schemeClr val="tx1"/>
+                    </a:solidFill>
+                    <a:tailEnd type="stealth" w="lg" len="lg"/>
+                  </a:ln>
+                </p:spPr>
+                <p:style>
+                  <a:lnRef idx="1">
+                    <a:schemeClr val="accent1"/>
+                  </a:lnRef>
+                  <a:fillRef idx="0">
+                    <a:schemeClr val="accent1"/>
+                  </a:fillRef>
+                  <a:effectRef idx="0">
+                    <a:schemeClr val="accent1"/>
+                  </a:effectRef>
+                  <a:fontRef idx="minor">
+                    <a:schemeClr val="tx1"/>
+                  </a:fontRef>
+                </p:style>
+              </p:cxnSp>
+              <p:sp>
+                <p:nvSpPr>
+                  <p:cNvPr id="95" name="TextBox 94">
+                    <a:extLst>
+                      <a:ext uri="{FF2B5EF4-FFF2-40B4-BE49-F238E27FC236}">
+                        <a16:creationId xmlns:a16="http://schemas.microsoft.com/office/drawing/2014/main" id="{5E46E969-9A28-FD43-B637-9D8842B4E875}"/>
+                      </a:ext>
+                    </a:extLst>
+                  </p:cNvPr>
+                  <p:cNvSpPr txBox="1"/>
+                  <p:nvPr/>
+                </p:nvSpPr>
+                <p:spPr>
+                  <a:xfrm>
+                    <a:off x="9765634" y="6007785"/>
+                    <a:ext cx="2142830" cy="646331"/>
+                  </a:xfrm>
+                  <a:prstGeom prst="rect">
+                    <a:avLst/>
+                  </a:prstGeom>
+                  <a:noFill/>
+                </p:spPr>
+                <p:txBody>
+                  <a:bodyPr wrap="none" rtlCol="0">
+                    <a:spAutoFit/>
+                  </a:bodyPr>
+                  <a:lstStyle/>
+                  <a:p>
+                    <a:pPr algn="ctr"/>
+                    <a:r>
+                      <a:rPr lang="en-US" i="1" dirty="0">
+                        <a:solidFill>
+                          <a:schemeClr val="accent2"/>
+                        </a:solidFill>
+                      </a:rPr>
+                      <a:t>Target for supervised</a:t>
+                    </a:r>
+                  </a:p>
+                  <a:p>
+                    <a:pPr algn="ctr"/>
+                    <a:r>
+                      <a:rPr lang="en-US" i="1" dirty="0">
+                        <a:solidFill>
+                          <a:schemeClr val="accent2"/>
+                        </a:solidFill>
+                      </a:rPr>
+                      <a:t>learning (r)</a:t>
+                    </a:r>
+                  </a:p>
+                </p:txBody>
+              </p:sp>
+            </p:grpSp>
+            <p:cxnSp>
+              <p:nvCxnSpPr>
+                <p:cNvPr id="98" name="Straight Connector 97">
+                  <a:extLst>
+                    <a:ext uri="{FF2B5EF4-FFF2-40B4-BE49-F238E27FC236}">
+                      <a16:creationId xmlns:a16="http://schemas.microsoft.com/office/drawing/2014/main" id="{F2D7F615-606B-ED42-899C-40809ED8864B}"/>
+                    </a:ext>
+                  </a:extLst>
+                </p:cNvPr>
+                <p:cNvCxnSpPr>
+                  <a:cxnSpLocks/>
+                </p:cNvCxnSpPr>
+                <p:nvPr/>
+              </p:nvCxnSpPr>
+              <p:spPr>
+                <a:xfrm>
+                  <a:off x="8242260" y="152895"/>
+                  <a:ext cx="0" cy="2391340"/>
+                </a:xfrm>
+                <a:prstGeom prst="line">
+                  <a:avLst/>
+                </a:prstGeom>
+                <a:ln w="31750">
+                  <a:solidFill>
+                    <a:schemeClr val="tx1"/>
+                  </a:solidFill>
+                  <a:prstDash val="dash"/>
+                </a:ln>
+              </p:spPr>
+              <p:style>
+                <a:lnRef idx="1">
+                  <a:schemeClr val="accent1"/>
+                </a:lnRef>
+                <a:fillRef idx="0">
+                  <a:schemeClr val="accent1"/>
+                </a:fillRef>
+                <a:effectRef idx="0">
+                  <a:schemeClr val="accent1"/>
+                </a:effectRef>
+                <a:fontRef idx="minor">
+                  <a:schemeClr val="tx1"/>
+                </a:fontRef>
+              </p:style>
+            </p:cxnSp>
+            <p:sp>
+              <p:nvSpPr>
+                <p:cNvPr id="99" name="Rounded Rectangle 98">
+                  <a:extLst>
+                    <a:ext uri="{FF2B5EF4-FFF2-40B4-BE49-F238E27FC236}">
+                      <a16:creationId xmlns:a16="http://schemas.microsoft.com/office/drawing/2014/main" id="{CA1F270A-A845-6A42-B69B-6E453ED10900}"/>
+                    </a:ext>
+                  </a:extLst>
+                </p:cNvPr>
+                <p:cNvSpPr/>
+                <p:nvPr/>
+              </p:nvSpPr>
+              <p:spPr>
+                <a:xfrm>
+                  <a:off x="8499411" y="287287"/>
+                  <a:ext cx="569978" cy="563526"/>
+                </a:xfrm>
+                <a:prstGeom prst="roundRect">
+                  <a:avLst/>
+                </a:prstGeom>
+                <a:solidFill>
+                  <a:schemeClr val="bg1">
+                    <a:lumMod val="85000"/>
+                  </a:schemeClr>
+                </a:solidFill>
+                <a:ln w="31750">
+                  <a:solidFill>
+                    <a:schemeClr val="tx1"/>
+                  </a:solidFill>
+                </a:ln>
+              </p:spPr>
+              <p:style>
+                <a:lnRef idx="2">
+                  <a:schemeClr val="accent1">
+                    <a:shade val="50000"/>
+                  </a:schemeClr>
+                </a:lnRef>
+                <a:fillRef idx="1">
+                  <a:schemeClr val="accent1"/>
+                </a:fillRef>
+                <a:effectRef idx="0">
+                  <a:schemeClr val="accent1"/>
+                </a:effectRef>
+                <a:fontRef idx="minor">
+                  <a:schemeClr val="lt1"/>
+                </a:fontRef>
+              </p:style>
+              <p:txBody>
+                <a:bodyPr rtlCol="0" anchor="ctr"/>
+                <a:lstStyle/>
+                <a:p>
+                  <a:pPr algn="ctr"/>
+                  <a:endParaRPr lang="en-US"/>
+                </a:p>
+              </p:txBody>
+            </p:sp>
+            <p:sp>
+              <p:nvSpPr>
+                <p:cNvPr id="100" name="Rounded Rectangle 99">
+                  <a:extLst>
+                    <a:ext uri="{FF2B5EF4-FFF2-40B4-BE49-F238E27FC236}">
+                      <a16:creationId xmlns:a16="http://schemas.microsoft.com/office/drawing/2014/main" id="{E0F2AE62-8E45-884B-A12D-62BE98248F63}"/>
+                    </a:ext>
+                  </a:extLst>
+                </p:cNvPr>
+                <p:cNvSpPr/>
+                <p:nvPr/>
+              </p:nvSpPr>
+              <p:spPr>
+                <a:xfrm>
+                  <a:off x="8496237" y="1066802"/>
+                  <a:ext cx="569976" cy="563527"/>
+                </a:xfrm>
+                <a:prstGeom prst="roundRect">
+                  <a:avLst/>
+                </a:prstGeom>
+                <a:solidFill>
+                  <a:schemeClr val="accent2">
+                    <a:lumMod val="60000"/>
+                    <a:lumOff val="40000"/>
+                  </a:schemeClr>
+                </a:solidFill>
+                <a:ln w="31750">
+                  <a:solidFill>
+                    <a:schemeClr val="tx1"/>
+                  </a:solidFill>
+                </a:ln>
+              </p:spPr>
+              <p:style>
+                <a:lnRef idx="2">
+                  <a:schemeClr val="accent1">
+                    <a:shade val="50000"/>
+                  </a:schemeClr>
+                </a:lnRef>
+                <a:fillRef idx="1">
+                  <a:schemeClr val="accent1"/>
+                </a:fillRef>
+                <a:effectRef idx="0">
+                  <a:schemeClr val="accent1"/>
+                </a:effectRef>
+                <a:fontRef idx="minor">
+                  <a:schemeClr val="lt1"/>
+                </a:fontRef>
+              </p:style>
+              <p:txBody>
+                <a:bodyPr rtlCol="0" anchor="ctr"/>
+                <a:lstStyle/>
+                <a:p>
+                  <a:pPr algn="ctr"/>
+                  <a:endParaRPr lang="en-US"/>
+                </a:p>
+              </p:txBody>
+            </p:sp>
+            <p:sp>
+              <p:nvSpPr>
+                <p:cNvPr id="101" name="Rounded Rectangle 100">
+                  <a:extLst>
+                    <a:ext uri="{FF2B5EF4-FFF2-40B4-BE49-F238E27FC236}">
+                      <a16:creationId xmlns:a16="http://schemas.microsoft.com/office/drawing/2014/main" id="{1CF660E1-301B-8E4F-B83A-43976BAEF374}"/>
+                    </a:ext>
+                  </a:extLst>
+                </p:cNvPr>
+                <p:cNvSpPr/>
+                <p:nvPr/>
+              </p:nvSpPr>
+              <p:spPr>
+                <a:xfrm>
+                  <a:off x="8496237" y="1836389"/>
+                  <a:ext cx="569976" cy="563527"/>
+                </a:xfrm>
+                <a:prstGeom prst="roundRect">
+                  <a:avLst/>
+                </a:prstGeom>
+                <a:solidFill>
+                  <a:schemeClr val="accent6">
+                    <a:lumMod val="40000"/>
+                    <a:lumOff val="60000"/>
+                  </a:schemeClr>
+                </a:solidFill>
+                <a:ln w="31750">
+                  <a:solidFill>
+                    <a:schemeClr val="tx1"/>
+                  </a:solidFill>
+                </a:ln>
+              </p:spPr>
+              <p:style>
+                <a:lnRef idx="2">
+                  <a:schemeClr val="accent1">
+                    <a:shade val="50000"/>
+                  </a:schemeClr>
+                </a:lnRef>
+                <a:fillRef idx="1">
+                  <a:schemeClr val="accent1"/>
+                </a:fillRef>
+                <a:effectRef idx="0">
+                  <a:schemeClr val="accent1"/>
+                </a:effectRef>
+                <a:fontRef idx="minor">
+                  <a:schemeClr val="lt1"/>
+                </a:fontRef>
+              </p:style>
+              <p:txBody>
+                <a:bodyPr rtlCol="0" anchor="ctr"/>
+                <a:lstStyle/>
+                <a:p>
+                  <a:pPr algn="ctr"/>
+                  <a:endParaRPr lang="en-US"/>
+                </a:p>
+              </p:txBody>
+            </p:sp>
+            <p:sp>
+              <p:nvSpPr>
+                <p:cNvPr id="102" name="TextBox 101">
+                  <a:extLst>
+                    <a:ext uri="{FF2B5EF4-FFF2-40B4-BE49-F238E27FC236}">
+                      <a16:creationId xmlns:a16="http://schemas.microsoft.com/office/drawing/2014/main" id="{85D94079-64BD-A340-9CBC-4E706F5A0D32}"/>
+                    </a:ext>
+                  </a:extLst>
+                </p:cNvPr>
+                <p:cNvSpPr txBox="1"/>
+                <p:nvPr/>
+              </p:nvSpPr>
+              <p:spPr>
+                <a:xfrm>
+                  <a:off x="9231951" y="384384"/>
+                  <a:ext cx="2127890" cy="369332"/>
+                </a:xfrm>
+                <a:prstGeom prst="rect">
+                  <a:avLst/>
+                </a:prstGeom>
+                <a:noFill/>
+              </p:spPr>
+              <p:txBody>
+                <a:bodyPr wrap="none" rtlCol="0">
+                  <a:spAutoFit/>
+                </a:bodyPr>
+                <a:lstStyle/>
+                <a:p>
+                  <a:r>
+                    <a:rPr lang="en-US" i="1" dirty="0"/>
+                    <a:t>Models to be trained</a:t>
+                  </a:r>
+                </a:p>
+              </p:txBody>
+            </p:sp>
+            <p:sp>
+              <p:nvSpPr>
+                <p:cNvPr id="103" name="TextBox 102">
+                  <a:extLst>
+                    <a:ext uri="{FF2B5EF4-FFF2-40B4-BE49-F238E27FC236}">
+                      <a16:creationId xmlns:a16="http://schemas.microsoft.com/office/drawing/2014/main" id="{27F2B39B-72A6-7C42-B852-64ECDCEC8AB3}"/>
+                    </a:ext>
+                  </a:extLst>
+                </p:cNvPr>
+                <p:cNvSpPr txBox="1"/>
+                <p:nvPr/>
+              </p:nvSpPr>
+              <p:spPr>
+                <a:xfrm>
+                  <a:off x="9231951" y="1138376"/>
+                  <a:ext cx="1520031" cy="369332"/>
+                </a:xfrm>
+                <a:prstGeom prst="rect">
+                  <a:avLst/>
+                </a:prstGeom>
+                <a:noFill/>
+              </p:spPr>
+              <p:txBody>
+                <a:bodyPr wrap="none" rtlCol="0">
+                  <a:spAutoFit/>
+                </a:bodyPr>
+                <a:lstStyle/>
+                <a:p>
+                  <a:r>
+                    <a:rPr lang="en-US" i="1" dirty="0"/>
+                    <a:t>Available data</a:t>
+                  </a:r>
+                </a:p>
+              </p:txBody>
+            </p:sp>
+            <p:sp>
+              <p:nvSpPr>
+                <p:cNvPr id="104" name="TextBox 103">
+                  <a:extLst>
+                    <a:ext uri="{FF2B5EF4-FFF2-40B4-BE49-F238E27FC236}">
+                      <a16:creationId xmlns:a16="http://schemas.microsoft.com/office/drawing/2014/main" id="{AD3A1608-21F9-5F48-83AD-3B1C9020BFC5}"/>
+                    </a:ext>
+                  </a:extLst>
+                </p:cNvPr>
+                <p:cNvSpPr txBox="1"/>
+                <p:nvPr/>
+              </p:nvSpPr>
+              <p:spPr>
+                <a:xfrm>
+                  <a:off x="9231951" y="1794986"/>
+                  <a:ext cx="1647631" cy="646331"/>
+                </a:xfrm>
+                <a:prstGeom prst="rect">
+                  <a:avLst/>
+                </a:prstGeom>
+                <a:noFill/>
+              </p:spPr>
+              <p:txBody>
+                <a:bodyPr wrap="none" rtlCol="0">
+                  <a:spAutoFit/>
+                </a:bodyPr>
+                <a:lstStyle/>
+                <a:p>
+                  <a:r>
+                    <a:rPr lang="en-US" i="1" dirty="0"/>
+                    <a:t>Inductive node </a:t>
+                  </a:r>
+                </a:p>
+                <a:p>
+                  <a:r>
+                    <a:rPr lang="en-US" i="1"/>
+                    <a:t>representations</a:t>
+                  </a:r>
+                  <a:endParaRPr lang="en-US" i="1" dirty="0"/>
+                </a:p>
+              </p:txBody>
+            </p:sp>
+          </p:grpSp>
           <p:sp>
             <p:nvSpPr>
-              <p:cNvPr id="102" name="TextBox 101">
+              <p:cNvPr id="114" name="TextBox 113">
                 <a:extLst>
                   <a:ext uri="{FF2B5EF4-FFF2-40B4-BE49-F238E27FC236}">
-                    <a16:creationId xmlns:a16="http://schemas.microsoft.com/office/drawing/2014/main" id="{85D94079-64BD-A340-9CBC-4E706F5A0D32}"/>
+                    <a16:creationId xmlns:a16="http://schemas.microsoft.com/office/drawing/2014/main" id="{A9A2EB36-0AAC-2E4A-A1CD-4D557800784E}"/>
                   </a:ext>
                 </a:extLst>
               </p:cNvPr>
@@ -11566,8 +11270,8 @@
             </p:nvSpPr>
             <p:spPr>
               <a:xfrm>
-                <a:off x="9231951" y="384384"/>
-                <a:ext cx="1915396" cy="369332"/>
+                <a:off x="516377" y="87525"/>
+                <a:ext cx="1887376" cy="646331"/>
               </a:xfrm>
               <a:prstGeom prst="rect">
                 <a:avLst/>
@@ -11580,19 +11284,35 @@
               </a:bodyPr>
               <a:lstStyle/>
               <a:p>
+                <a:pPr algn="ctr"/>
                 <a:r>
-                  <a:rPr lang="en-US" i="1" dirty="0"/>
-                  <a:t>Model parameters</a:t>
+                  <a:rPr lang="en-US" i="1" dirty="0">
+                    <a:solidFill>
+                      <a:schemeClr val="accent2"/>
+                    </a:solidFill>
+                  </a:rPr>
+                  <a:t>Set of side-effects </a:t>
+                </a:r>
+              </a:p>
+              <a:p>
+                <a:pPr algn="ctr"/>
+                <a:r>
+                  <a:rPr lang="en-US" i="1" dirty="0">
+                    <a:solidFill>
+                      <a:schemeClr val="accent2"/>
+                    </a:solidFill>
+                  </a:rPr>
+                  <a:t>for every drug</a:t>
                 </a:r>
               </a:p>
             </p:txBody>
           </p:sp>
           <p:sp>
             <p:nvSpPr>
-              <p:cNvPr id="103" name="TextBox 102">
+              <p:cNvPr id="115" name="TextBox 114">
                 <a:extLst>
                   <a:ext uri="{FF2B5EF4-FFF2-40B4-BE49-F238E27FC236}">
-                    <a16:creationId xmlns:a16="http://schemas.microsoft.com/office/drawing/2014/main" id="{27F2B39B-72A6-7C42-B852-64ECDCEC8AB3}"/>
+                    <a16:creationId xmlns:a16="http://schemas.microsoft.com/office/drawing/2014/main" id="{7E2AB743-817F-AE4C-86D5-21CB0AD7A153}"/>
                   </a:ext>
                 </a:extLst>
               </p:cNvPr>
@@ -11601,8 +11321,8 @@
             </p:nvSpPr>
             <p:spPr>
               <a:xfrm>
-                <a:off x="9231951" y="1138376"/>
-                <a:ext cx="1520031" cy="369332"/>
+                <a:off x="684299" y="2482490"/>
+                <a:ext cx="1863202" cy="646331"/>
               </a:xfrm>
               <a:prstGeom prst="rect">
                 <a:avLst/>
@@ -11615,50 +11335,25 @@
               </a:bodyPr>
               <a:lstStyle/>
               <a:p>
+                <a:pPr algn="ctr"/>
                 <a:r>
-                  <a:rPr lang="en-US" i="1" dirty="0"/>
-                  <a:t>Available data</a:t>
-                </a:r>
-              </a:p>
-            </p:txBody>
-          </p:sp>
-          <p:sp>
-            <p:nvSpPr>
-              <p:cNvPr id="104" name="TextBox 103">
-                <a:extLst>
-                  <a:ext uri="{FF2B5EF4-FFF2-40B4-BE49-F238E27FC236}">
-                    <a16:creationId xmlns:a16="http://schemas.microsoft.com/office/drawing/2014/main" id="{AD3A1608-21F9-5F48-83AD-3B1C9020BFC5}"/>
-                  </a:ext>
-                </a:extLst>
-              </p:cNvPr>
-              <p:cNvSpPr txBox="1"/>
-              <p:nvPr/>
-            </p:nvSpPr>
-            <p:spPr>
-              <a:xfrm>
-                <a:off x="9231951" y="1794986"/>
-                <a:ext cx="1609736" cy="646331"/>
-              </a:xfrm>
-              <a:prstGeom prst="rect">
-                <a:avLst/>
-              </a:prstGeom>
-              <a:noFill/>
-            </p:spPr>
-            <p:txBody>
-              <a:bodyPr wrap="none" rtlCol="0">
-                <a:spAutoFit/>
-              </a:bodyPr>
-              <a:lstStyle/>
-              <a:p>
-                <a:r>
-                  <a:rPr lang="en-US" i="1" dirty="0"/>
-                  <a:t>Inductive node </a:t>
+                  <a:rPr lang="en-US" i="1" dirty="0">
+                    <a:solidFill>
+                      <a:schemeClr val="accent2"/>
+                    </a:solidFill>
+                  </a:rPr>
+                  <a:t>Protein-to-protein</a:t>
                 </a:r>
               </a:p>
               <a:p>
+                <a:pPr algn="ctr"/>
                 <a:r>
-                  <a:rPr lang="en-US" i="1" dirty="0"/>
-                  <a:t>representation</a:t>
+                  <a:rPr lang="en-US" i="1" dirty="0">
+                    <a:solidFill>
+                      <a:schemeClr val="accent2"/>
+                    </a:solidFill>
+                  </a:rPr>
+                  <a:t>graph</a:t>
                 </a:r>
               </a:p>
             </p:txBody>
@@ -11666,103 +11361,440 @@
         </p:grpSp>
         <p:sp>
           <p:nvSpPr>
-            <p:cNvPr id="114" name="TextBox 113">
+            <p:cNvPr id="69" name="Rounded Rectangle 68">
               <a:extLst>
                 <a:ext uri="{FF2B5EF4-FFF2-40B4-BE49-F238E27FC236}">
-                  <a16:creationId xmlns:a16="http://schemas.microsoft.com/office/drawing/2014/main" id="{A9A2EB36-0AAC-2E4A-A1CD-4D557800784E}"/>
+                  <a16:creationId xmlns:a16="http://schemas.microsoft.com/office/drawing/2014/main" id="{9968DF3D-631F-A546-8A67-1CD062BC7DD7}"/>
                 </a:ext>
               </a:extLst>
             </p:cNvPr>
-            <p:cNvSpPr txBox="1"/>
+            <p:cNvSpPr/>
             <p:nvPr/>
           </p:nvSpPr>
           <p:spPr>
             <a:xfrm>
-              <a:off x="516377" y="87525"/>
-              <a:ext cx="1887376" cy="646331"/>
+              <a:off x="4500482" y="716289"/>
+              <a:ext cx="1460658" cy="563526"/>
             </a:xfrm>
-            <a:prstGeom prst="rect">
+            <a:prstGeom prst="roundRect">
               <a:avLst/>
             </a:prstGeom>
-            <a:noFill/>
+            <a:solidFill>
+              <a:schemeClr val="bg1">
+                <a:lumMod val="85000"/>
+              </a:schemeClr>
+            </a:solidFill>
+            <a:ln w="31750">
+              <a:solidFill>
+                <a:schemeClr val="tx1"/>
+              </a:solidFill>
+            </a:ln>
           </p:spPr>
+          <p:style>
+            <a:lnRef idx="2">
+              <a:schemeClr val="accent1">
+                <a:shade val="50000"/>
+              </a:schemeClr>
+            </a:lnRef>
+            <a:fillRef idx="1">
+              <a:schemeClr val="accent1"/>
+            </a:fillRef>
+            <a:effectRef idx="0">
+              <a:schemeClr val="accent1"/>
+            </a:effectRef>
+            <a:fontRef idx="minor">
+              <a:schemeClr val="lt1"/>
+            </a:fontRef>
+          </p:style>
           <p:txBody>
-            <a:bodyPr wrap="none" rtlCol="0">
-              <a:spAutoFit/>
-            </a:bodyPr>
+            <a:bodyPr rtlCol="0" anchor="ctr"/>
             <a:lstStyle/>
             <a:p>
               <a:pPr algn="ctr"/>
-              <a:r>
-                <a:rPr lang="en-US" i="1" dirty="0">
-                  <a:solidFill>
-                    <a:schemeClr val="accent2"/>
-                  </a:solidFill>
-                </a:rPr>
-                <a:t>Set of side-effects </a:t>
-              </a:r>
+              <a:endParaRPr lang="en-US"/>
             </a:p>
+          </p:txBody>
+        </p:sp>
+        <p:cxnSp>
+          <p:nvCxnSpPr>
+            <p:cNvPr id="70" name="Straight Arrow Connector 69">
+              <a:extLst>
+                <a:ext uri="{FF2B5EF4-FFF2-40B4-BE49-F238E27FC236}">
+                  <a16:creationId xmlns:a16="http://schemas.microsoft.com/office/drawing/2014/main" id="{08599E4D-1E3E-3B4B-8FD2-D02FD6ED2CAB}"/>
+                </a:ext>
+              </a:extLst>
+            </p:cNvPr>
+            <p:cNvCxnSpPr>
+              <a:cxnSpLocks/>
+            </p:cNvCxnSpPr>
+            <p:nvPr/>
+          </p:nvCxnSpPr>
+          <p:spPr>
+            <a:xfrm>
+              <a:off x="5961140" y="968239"/>
+              <a:ext cx="481053" cy="0"/>
+            </a:xfrm>
+            <a:prstGeom prst="straightConnector1">
+              <a:avLst/>
+            </a:prstGeom>
+            <a:ln w="31750">
+              <a:solidFill>
+                <a:schemeClr val="tx1"/>
+              </a:solidFill>
+              <a:tailEnd type="stealth" w="lg" len="lg"/>
+            </a:ln>
+          </p:spPr>
+          <p:style>
+            <a:lnRef idx="1">
+              <a:schemeClr val="accent1"/>
+            </a:lnRef>
+            <a:fillRef idx="0">
+              <a:schemeClr val="accent1"/>
+            </a:fillRef>
+            <a:effectRef idx="0">
+              <a:schemeClr val="accent1"/>
+            </a:effectRef>
+            <a:fontRef idx="minor">
+              <a:schemeClr val="tx1"/>
+            </a:fontRef>
+          </p:style>
+        </p:cxnSp>
+        <mc:AlternateContent xmlns:mc="http://schemas.openxmlformats.org/markup-compatibility/2006">
+          <mc:Choice xmlns:a14="http://schemas.microsoft.com/office/drawing/2010/main" Requires="a14">
+            <p:sp>
+              <p:nvSpPr>
+                <p:cNvPr id="74" name="TextBox 73">
+                  <a:extLst>
+                    <a:ext uri="{FF2B5EF4-FFF2-40B4-BE49-F238E27FC236}">
+                      <a16:creationId xmlns:a16="http://schemas.microsoft.com/office/drawing/2014/main" id="{7EEAB6AB-AADA-4B41-9E8F-8ADA4E893782}"/>
+                    </a:ext>
+                  </a:extLst>
+                </p:cNvPr>
+                <p:cNvSpPr txBox="1"/>
+                <p:nvPr/>
+              </p:nvSpPr>
+              <p:spPr>
+                <a:xfrm>
+                  <a:off x="4589190" y="808929"/>
+                  <a:ext cx="1261499" cy="370230"/>
+                </a:xfrm>
+                <a:prstGeom prst="rect">
+                  <a:avLst/>
+                </a:prstGeom>
+                <a:noFill/>
+              </p:spPr>
+              <p:txBody>
+                <a:bodyPr wrap="none" rtlCol="0">
+                  <a:spAutoFit/>
+                </a:bodyPr>
+                <a:lstStyle/>
+                <a:p>
+                  <a:pPr/>
+                  <a14:m>
+                    <m:oMathPara xmlns:m="http://schemas.openxmlformats.org/officeDocument/2006/math">
+                      <m:oMathParaPr>
+                        <m:jc m:val="centerGroup"/>
+                      </m:oMathParaPr>
+                      <m:oMath xmlns:m="http://schemas.openxmlformats.org/officeDocument/2006/math">
+                        <m:sSup>
+                          <m:sSupPr>
+                            <m:ctrlPr>
+                              <a:rPr lang="en-US" b="0" i="1" smtClean="0">
+                                <a:latin typeface="Cambria Math" panose="02040503050406030204" pitchFamily="18" charset="0"/>
+                              </a:rPr>
+                            </m:ctrlPr>
+                          </m:sSupPr>
+                          <m:e>
+                            <m:r>
+                              <a:rPr lang="en-US" b="0" i="1" smtClean="0">
+                                <a:latin typeface="Cambria Math" panose="02040503050406030204" pitchFamily="18" charset="0"/>
+                              </a:rPr>
+                              <m:t>𝑓</m:t>
+                            </m:r>
+                          </m:e>
+                          <m:sup>
+                            <m:r>
+                              <a:rPr lang="en-US" b="0" i="1" smtClean="0">
+                                <a:latin typeface="Cambria Math" panose="02040503050406030204" pitchFamily="18" charset="0"/>
+                              </a:rPr>
+                              <m:t>𝐺𝑁𝑁</m:t>
+                            </m:r>
+                            <m:r>
+                              <a:rPr lang="en-US" b="0" i="1" smtClean="0">
+                                <a:latin typeface="Cambria Math" panose="02040503050406030204" pitchFamily="18" charset="0"/>
+                              </a:rPr>
+                              <m:t>, </m:t>
+                            </m:r>
+                            <m:r>
+                              <a:rPr lang="en-US" b="0" i="1" smtClean="0">
+                                <a:latin typeface="Cambria Math" panose="02040503050406030204" pitchFamily="18" charset="0"/>
+                              </a:rPr>
+                              <m:t>𝐶𝐶</m:t>
+                            </m:r>
+                          </m:sup>
+                        </m:sSup>
+                        <m:r>
+                          <a:rPr lang="en-US" b="0" i="1" smtClean="0">
+                            <a:latin typeface="Cambria Math" panose="02040503050406030204" pitchFamily="18" charset="0"/>
+                          </a:rPr>
+                          <m:t>(⋅)</m:t>
+                        </m:r>
+                      </m:oMath>
+                    </m:oMathPara>
+                  </a14:m>
+                  <a:endParaRPr lang="en-US" b="0" dirty="0"/>
+                </a:p>
+              </p:txBody>
+            </p:sp>
+          </mc:Choice>
+          <mc:Fallback>
+            <p:sp>
+              <p:nvSpPr>
+                <p:cNvPr id="74" name="TextBox 73">
+                  <a:extLst>
+                    <a:ext uri="{FF2B5EF4-FFF2-40B4-BE49-F238E27FC236}">
+                      <a16:creationId xmlns:a16="http://schemas.microsoft.com/office/drawing/2014/main" id="{7EEAB6AB-AADA-4B41-9E8F-8ADA4E893782}"/>
+                    </a:ext>
+                  </a:extLst>
+                </p:cNvPr>
+                <p:cNvSpPr txBox="1">
+                  <a:spLocks noRot="1" noChangeAspect="1" noMove="1" noResize="1" noEditPoints="1" noAdjustHandles="1" noChangeArrowheads="1" noChangeShapeType="1" noTextEdit="1"/>
+                </p:cNvSpPr>
+                <p:nvPr/>
+              </p:nvSpPr>
+              <p:spPr>
+                <a:xfrm>
+                  <a:off x="4589190" y="808929"/>
+                  <a:ext cx="1261499" cy="370230"/>
+                </a:xfrm>
+                <a:prstGeom prst="rect">
+                  <a:avLst/>
+                </a:prstGeom>
+                <a:blipFill>
+                  <a:blip r:embed="rId14"/>
+                  <a:stretch>
+                    <a:fillRect b="-13333"/>
+                  </a:stretch>
+                </a:blipFill>
+              </p:spPr>
+              <p:txBody>
+                <a:bodyPr/>
+                <a:lstStyle/>
+                <a:p>
+                  <a:r>
+                    <a:rPr lang="en-US">
+                      <a:noFill/>
+                    </a:rPr>
+                    <a:t> </a:t>
+                  </a:r>
+                </a:p>
+              </p:txBody>
+            </p:sp>
+          </mc:Fallback>
+        </mc:AlternateContent>
+        <p:sp>
+          <p:nvSpPr>
+            <p:cNvPr id="21" name="Freeform 20">
+              <a:extLst>
+                <a:ext uri="{FF2B5EF4-FFF2-40B4-BE49-F238E27FC236}">
+                  <a16:creationId xmlns:a16="http://schemas.microsoft.com/office/drawing/2014/main" id="{C3070E4B-F37E-2A43-89ED-89ADBDF2E77F}"/>
+                </a:ext>
+              </a:extLst>
+            </p:cNvPr>
+            <p:cNvSpPr/>
+            <p:nvPr/>
+          </p:nvSpPr>
+          <p:spPr>
+            <a:xfrm>
+              <a:off x="2811870" y="2164614"/>
+              <a:ext cx="3906982" cy="2478157"/>
+            </a:xfrm>
+            <a:custGeom>
+              <a:avLst/>
+              <a:gdLst>
+                <a:gd name="connsiteX0" fmla="*/ 3906982 w 3906982"/>
+                <a:gd name="connsiteY0" fmla="*/ 0 h 2478157"/>
+                <a:gd name="connsiteX1" fmla="*/ 209626 w 3906982"/>
+                <a:gd name="connsiteY1" fmla="*/ 742122 h 2478157"/>
+                <a:gd name="connsiteX2" fmla="*/ 448165 w 3906982"/>
+                <a:gd name="connsiteY2" fmla="*/ 1630018 h 2478157"/>
+                <a:gd name="connsiteX3" fmla="*/ 342147 w 3906982"/>
+                <a:gd name="connsiteY3" fmla="*/ 2478157 h 2478157"/>
+              </a:gdLst>
+              <a:ahLst/>
+              <a:cxnLst>
+                <a:cxn ang="0">
+                  <a:pos x="connsiteX0" y="connsiteY0"/>
+                </a:cxn>
+                <a:cxn ang="0">
+                  <a:pos x="connsiteX1" y="connsiteY1"/>
+                </a:cxn>
+                <a:cxn ang="0">
+                  <a:pos x="connsiteX2" y="connsiteY2"/>
+                </a:cxn>
+                <a:cxn ang="0">
+                  <a:pos x="connsiteX3" y="connsiteY3"/>
+                </a:cxn>
+              </a:cxnLst>
+              <a:rect l="l" t="t" r="r" b="b"/>
+              <a:pathLst>
+                <a:path w="3906982" h="2478157">
+                  <a:moveTo>
+                    <a:pt x="3906982" y="0"/>
+                  </a:moveTo>
+                  <a:cubicBezTo>
+                    <a:pt x="2346538" y="235226"/>
+                    <a:pt x="786095" y="470452"/>
+                    <a:pt x="209626" y="742122"/>
+                  </a:cubicBezTo>
+                  <a:cubicBezTo>
+                    <a:pt x="-366843" y="1013792"/>
+                    <a:pt x="426078" y="1340679"/>
+                    <a:pt x="448165" y="1630018"/>
+                  </a:cubicBezTo>
+                  <a:cubicBezTo>
+                    <a:pt x="470252" y="1919357"/>
+                    <a:pt x="406199" y="2198757"/>
+                    <a:pt x="342147" y="2478157"/>
+                  </a:cubicBezTo>
+                </a:path>
+              </a:pathLst>
+            </a:custGeom>
+            <a:noFill/>
+            <a:ln w="38100">
+              <a:solidFill>
+                <a:schemeClr val="accent6"/>
+              </a:solidFill>
+              <a:prstDash val="sysDot"/>
+              <a:headEnd type="oval" w="lg" len="lg"/>
+              <a:tailEnd type="stealth" w="lg" len="lg"/>
+            </a:ln>
+          </p:spPr>
+          <p:style>
+            <a:lnRef idx="2">
+              <a:schemeClr val="accent1">
+                <a:shade val="50000"/>
+              </a:schemeClr>
+            </a:lnRef>
+            <a:fillRef idx="1">
+              <a:schemeClr val="accent1"/>
+            </a:fillRef>
+            <a:effectRef idx="0">
+              <a:schemeClr val="accent1"/>
+            </a:effectRef>
+            <a:fontRef idx="minor">
+              <a:schemeClr val="lt1"/>
+            </a:fontRef>
+          </p:style>
+          <p:txBody>
+            <a:bodyPr rtlCol="0" anchor="ctr"/>
+            <a:lstStyle/>
             <a:p>
               <a:pPr algn="ctr"/>
-              <a:r>
-                <a:rPr lang="en-US" i="1" dirty="0">
-                  <a:solidFill>
-                    <a:schemeClr val="accent2"/>
-                  </a:solidFill>
-                </a:rPr>
-                <a:t>for every drug</a:t>
-              </a:r>
+              <a:endParaRPr lang="en-US"/>
             </a:p>
           </p:txBody>
         </p:sp>
         <p:sp>
           <p:nvSpPr>
-            <p:cNvPr id="115" name="TextBox 114">
+            <p:cNvPr id="22" name="Freeform 21">
               <a:extLst>
                 <a:ext uri="{FF2B5EF4-FFF2-40B4-BE49-F238E27FC236}">
-                  <a16:creationId xmlns:a16="http://schemas.microsoft.com/office/drawing/2014/main" id="{7E2AB743-817F-AE4C-86D5-21CB0AD7A153}"/>
+                  <a16:creationId xmlns:a16="http://schemas.microsoft.com/office/drawing/2014/main" id="{BE57E639-0BFE-D840-A70F-840BBE7936E0}"/>
                 </a:ext>
               </a:extLst>
             </p:cNvPr>
-            <p:cNvSpPr txBox="1"/>
+            <p:cNvSpPr/>
             <p:nvPr/>
           </p:nvSpPr>
           <p:spPr>
             <a:xfrm>
-              <a:off x="684299" y="2482490"/>
-              <a:ext cx="1863202" cy="646331"/>
+              <a:off x="7328967" y="1381325"/>
+              <a:ext cx="1370680" cy="2645924"/>
             </a:xfrm>
-            <a:prstGeom prst="rect">
+            <a:custGeom>
               <a:avLst/>
-            </a:prstGeom>
+              <a:gdLst>
+                <a:gd name="connsiteX0" fmla="*/ 102964 w 1370680"/>
+                <a:gd name="connsiteY0" fmla="*/ 0 h 2645924"/>
+                <a:gd name="connsiteX1" fmla="*/ 102964 w 1370680"/>
+                <a:gd name="connsiteY1" fmla="*/ 1420239 h 2645924"/>
+                <a:gd name="connsiteX2" fmla="*/ 1173007 w 1370680"/>
+                <a:gd name="connsiteY2" fmla="*/ 1692613 h 2645924"/>
+                <a:gd name="connsiteX3" fmla="*/ 1367560 w 1370680"/>
+                <a:gd name="connsiteY3" fmla="*/ 2645924 h 2645924"/>
+              </a:gdLst>
+              <a:ahLst/>
+              <a:cxnLst>
+                <a:cxn ang="0">
+                  <a:pos x="connsiteX0" y="connsiteY0"/>
+                </a:cxn>
+                <a:cxn ang="0">
+                  <a:pos x="connsiteX1" y="connsiteY1"/>
+                </a:cxn>
+                <a:cxn ang="0">
+                  <a:pos x="connsiteX2" y="connsiteY2"/>
+                </a:cxn>
+                <a:cxn ang="0">
+                  <a:pos x="connsiteX3" y="connsiteY3"/>
+                </a:cxn>
+              </a:cxnLst>
+              <a:rect l="l" t="t" r="r" b="b"/>
+              <a:pathLst>
+                <a:path w="1370680" h="2645924">
+                  <a:moveTo>
+                    <a:pt x="102964" y="0"/>
+                  </a:moveTo>
+                  <a:cubicBezTo>
+                    <a:pt x="13794" y="569068"/>
+                    <a:pt x="-75376" y="1138137"/>
+                    <a:pt x="102964" y="1420239"/>
+                  </a:cubicBezTo>
+                  <a:cubicBezTo>
+                    <a:pt x="281304" y="1702341"/>
+                    <a:pt x="962241" y="1488332"/>
+                    <a:pt x="1173007" y="1692613"/>
+                  </a:cubicBezTo>
+                  <a:cubicBezTo>
+                    <a:pt x="1383773" y="1896894"/>
+                    <a:pt x="1375666" y="2271409"/>
+                    <a:pt x="1367560" y="2645924"/>
+                  </a:cubicBezTo>
+                </a:path>
+              </a:pathLst>
+            </a:custGeom>
             <a:noFill/>
+            <a:ln w="38100">
+              <a:solidFill>
+                <a:schemeClr val="accent6"/>
+              </a:solidFill>
+              <a:prstDash val="sysDot"/>
+              <a:headEnd type="oval" w="lg" len="lg"/>
+              <a:tailEnd type="stealth" w="lg" len="lg"/>
+            </a:ln>
           </p:spPr>
+          <p:style>
+            <a:lnRef idx="2">
+              <a:schemeClr val="accent1">
+                <a:shade val="50000"/>
+              </a:schemeClr>
+            </a:lnRef>
+            <a:fillRef idx="1">
+              <a:schemeClr val="accent1"/>
+            </a:fillRef>
+            <a:effectRef idx="0">
+              <a:schemeClr val="accent1"/>
+            </a:effectRef>
+            <a:fontRef idx="minor">
+              <a:schemeClr val="lt1"/>
+            </a:fontRef>
+          </p:style>
           <p:txBody>
-            <a:bodyPr wrap="none" rtlCol="0">
-              <a:spAutoFit/>
-            </a:bodyPr>
+            <a:bodyPr rtlCol="0" anchor="ctr"/>
             <a:lstStyle/>
             <a:p>
               <a:pPr algn="ctr"/>
-              <a:r>
-                <a:rPr lang="en-US" i="1" dirty="0">
-                  <a:solidFill>
-                    <a:schemeClr val="accent2"/>
-                  </a:solidFill>
-                </a:rPr>
-                <a:t>Protein-to-protein</a:t>
-              </a:r>
-            </a:p>
-            <a:p>
-              <a:pPr algn="ctr"/>
-              <a:r>
-                <a:rPr lang="en-US" i="1" dirty="0">
-                  <a:solidFill>
-                    <a:schemeClr val="accent2"/>
-                  </a:solidFill>
-                </a:rPr>
-                <a:t>graph</a:t>
-              </a:r>
+              <a:endParaRPr lang="en-US"/>
             </a:p>
           </p:txBody>
         </p:sp>
